--- a/Business Case.pptx
+++ b/Business Case.pptx
@@ -130,7 +130,7 @@
 <file path=ppt/revisionInfo.xml><?xml version="1.0" encoding="utf-8"?>
 <p1510:revInfo xmlns:a="http://schemas.openxmlformats.org/drawingml/2006/main" xmlns:r="http://schemas.openxmlformats.org/officeDocument/2006/relationships" xmlns:p1510="http://schemas.microsoft.com/office/powerpoint/2015/10/main">
   <p1510:revLst>
-    <p1510:client id="{36AEBF61-3157-4475-9D8C-F2DAD409114F}" v="1" dt="2025-09-26T20:24:34.080"/>
+    <p1510:client id="{36AEBF61-3157-4475-9D8C-F2DAD409114F}" v="3" dt="2025-10-02T07:26:36.798"/>
   </p1510:revLst>
 </p1510:revInfo>
 </file>
@@ -140,7 +140,7 @@
   <pc:docChgLst>
     <pc:chgData name="Sue Byeon" userId="da86aa136efe2808" providerId="LiveId" clId="{BF2205AF-F266-4157-874C-FDEBC0488368}"/>
     <pc:docChg chg="undo custSel modSld sldOrd">
-      <pc:chgData name="Sue Byeon" userId="da86aa136efe2808" providerId="LiveId" clId="{BF2205AF-F266-4157-874C-FDEBC0488368}" dt="2025-09-26T20:29:17.134" v="980" actId="27636"/>
+      <pc:chgData name="Sue Byeon" userId="da86aa136efe2808" providerId="LiveId" clId="{BF2205AF-F266-4157-874C-FDEBC0488368}" dt="2025-10-02T07:34:39.973" v="2032" actId="20577"/>
       <pc:docMkLst>
         <pc:docMk/>
       </pc:docMkLst>
@@ -160,13 +160,13 @@
         </pc:spChg>
       </pc:sldChg>
       <pc:sldChg chg="modSp mod ord">
-        <pc:chgData name="Sue Byeon" userId="da86aa136efe2808" providerId="LiveId" clId="{BF2205AF-F266-4157-874C-FDEBC0488368}" dt="2025-09-26T20:18:00.753" v="652" actId="20577"/>
+        <pc:chgData name="Sue Byeon" userId="da86aa136efe2808" providerId="LiveId" clId="{BF2205AF-F266-4157-874C-FDEBC0488368}" dt="2025-10-02T07:26:29.735" v="1405" actId="27636"/>
         <pc:sldMkLst>
           <pc:docMk/>
           <pc:sldMk cId="2566054140" sldId="259"/>
         </pc:sldMkLst>
         <pc:spChg chg="mod">
-          <ac:chgData name="Sue Byeon" userId="da86aa136efe2808" providerId="LiveId" clId="{BF2205AF-F266-4157-874C-FDEBC0488368}" dt="2025-09-26T20:18:00.753" v="652" actId="20577"/>
+          <ac:chgData name="Sue Byeon" userId="da86aa136efe2808" providerId="LiveId" clId="{BF2205AF-F266-4157-874C-FDEBC0488368}" dt="2025-10-02T07:26:29.735" v="1405" actId="27636"/>
           <ac:spMkLst>
             <pc:docMk/>
             <pc:sldMk cId="2566054140" sldId="259"/>
@@ -175,13 +175,13 @@
         </pc:spChg>
       </pc:sldChg>
       <pc:sldChg chg="modSp mod ord">
-        <pc:chgData name="Sue Byeon" userId="da86aa136efe2808" providerId="LiveId" clId="{BF2205AF-F266-4157-874C-FDEBC0488368}" dt="2025-09-26T20:25:52.235" v="890" actId="20577"/>
+        <pc:chgData name="Sue Byeon" userId="da86aa136efe2808" providerId="LiveId" clId="{BF2205AF-F266-4157-874C-FDEBC0488368}" dt="2025-10-02T07:34:39.973" v="2032" actId="20577"/>
         <pc:sldMkLst>
           <pc:docMk/>
           <pc:sldMk cId="2647713988" sldId="260"/>
         </pc:sldMkLst>
         <pc:spChg chg="mod">
-          <ac:chgData name="Sue Byeon" userId="da86aa136efe2808" providerId="LiveId" clId="{BF2205AF-F266-4157-874C-FDEBC0488368}" dt="2025-09-26T20:25:52.235" v="890" actId="20577"/>
+          <ac:chgData name="Sue Byeon" userId="da86aa136efe2808" providerId="LiveId" clId="{BF2205AF-F266-4157-874C-FDEBC0488368}" dt="2025-10-02T07:34:39.973" v="2032" actId="20577"/>
           <ac:spMkLst>
             <pc:docMk/>
             <pc:sldMk cId="2647713988" sldId="260"/>
@@ -239,6 +239,36 @@
             <pc:docMk/>
             <pc:sldMk cId="2859735512" sldId="263"/>
             <ac:spMk id="3" creationId="{74B5E61A-B50B-8F46-C252-109900644C5D}"/>
+          </ac:spMkLst>
+        </pc:spChg>
+      </pc:sldChg>
+      <pc:sldChg chg="modSp mod">
+        <pc:chgData name="Sue Byeon" userId="da86aa136efe2808" providerId="LiveId" clId="{BF2205AF-F266-4157-874C-FDEBC0488368}" dt="2025-10-02T07:20:36.513" v="1338" actId="20577"/>
+        <pc:sldMkLst>
+          <pc:docMk/>
+          <pc:sldMk cId="3302377716" sldId="267"/>
+        </pc:sldMkLst>
+        <pc:spChg chg="mod">
+          <ac:chgData name="Sue Byeon" userId="da86aa136efe2808" providerId="LiveId" clId="{BF2205AF-F266-4157-874C-FDEBC0488368}" dt="2025-10-02T07:20:36.513" v="1338" actId="20577"/>
+          <ac:spMkLst>
+            <pc:docMk/>
+            <pc:sldMk cId="3302377716" sldId="267"/>
+            <ac:spMk id="3" creationId="{030CC8E9-80D6-DF7D-E3B8-F8703BD9DB08}"/>
+          </ac:spMkLst>
+        </pc:spChg>
+      </pc:sldChg>
+      <pc:sldChg chg="modSp mod">
+        <pc:chgData name="Sue Byeon" userId="da86aa136efe2808" providerId="LiveId" clId="{BF2205AF-F266-4157-874C-FDEBC0488368}" dt="2025-10-02T07:34:11.050" v="2022" actId="20577"/>
+        <pc:sldMkLst>
+          <pc:docMk/>
+          <pc:sldMk cId="165630085" sldId="268"/>
+        </pc:sldMkLst>
+        <pc:spChg chg="mod">
+          <ac:chgData name="Sue Byeon" userId="da86aa136efe2808" providerId="LiveId" clId="{BF2205AF-F266-4157-874C-FDEBC0488368}" dt="2025-10-02T07:34:11.050" v="2022" actId="20577"/>
+          <ac:spMkLst>
+            <pc:docMk/>
+            <pc:sldMk cId="165630085" sldId="268"/>
+            <ac:spMk id="3" creationId="{FF652F99-8841-41C3-747A-9A2C60DDDB4E}"/>
           </ac:spMkLst>
         </pc:spChg>
       </pc:sldChg>
@@ -8183,7 +8213,13 @@
           <a:bodyPr/>
           <a:lstStyle/>
           <a:p>
-            <a:endParaRPr lang="en-US" dirty="0"/>
+            <a:pPr marL="0" indent="0">
+              <a:buNone/>
+            </a:pPr>
+            <a:r>
+              <a:rPr lang="en-US" dirty="0"/>
+              <a:t>Telecom industry’s legacy method of task assignment is leading to a decline of good service and connectivity. An automated technician task assignment system will match the best fitted technician for the specific job to increase the likelihood of completed the service task.</a:t>
+            </a:r>
           </a:p>
         </p:txBody>
       </p:sp>
@@ -8270,7 +8306,7 @@
         <p:spPr/>
         <p:txBody>
           <a:bodyPr>
-            <a:normAutofit lnSpcReduction="10000"/>
+            <a:normAutofit/>
           </a:bodyPr>
           <a:lstStyle/>
           <a:p>
@@ -8282,54 +8318,21 @@
           <a:p>
             <a:r>
               <a:rPr lang="en-US" dirty="0"/>
-              <a:t>Population Impacted: Individuals/Business with service,</a:t>
+              <a:t>Population Impacted: Individuals/Business needing </a:t>
+            </a:r>
+            <a:r>
+              <a:rPr lang="en-US" dirty="0" err="1"/>
+              <a:t>wifi</a:t>
+            </a:r>
+            <a:r>
+              <a:rPr lang="en-US" dirty="0"/>
+              <a:t>/internet service</a:t>
             </a:r>
           </a:p>
           <a:p>
             <a:r>
               <a:rPr lang="en-US" dirty="0"/>
               <a:t>Challenges Involved: people management (technicians), legacy scheduling issue, work requests and expectations not met</a:t>
-            </a:r>
-          </a:p>
-          <a:p>
-            <a:r>
-              <a:rPr lang="en-US" dirty="0"/>
-              <a:t>Current Data: </a:t>
-            </a:r>
-          </a:p>
-          <a:p>
-            <a:pPr lvl="1"/>
-            <a:r>
-              <a:rPr lang="en-US" dirty="0"/>
-              <a:t>n workers</a:t>
-            </a:r>
-          </a:p>
-          <a:p>
-            <a:pPr lvl="1"/>
-            <a:r>
-              <a:rPr lang="en-US" dirty="0"/>
-              <a:t>n tasks/day</a:t>
-            </a:r>
-          </a:p>
-          <a:p>
-            <a:pPr lvl="1"/>
-            <a:r>
-              <a:rPr lang="en-US" dirty="0"/>
-              <a:t>Dissatisfaction rate</a:t>
-            </a:r>
-          </a:p>
-          <a:p>
-            <a:pPr lvl="1"/>
-            <a:r>
-              <a:rPr lang="en-US" dirty="0"/>
-              <a:t>Missed tasks rate</a:t>
-            </a:r>
-          </a:p>
-          <a:p>
-            <a:pPr lvl="1"/>
-            <a:r>
-              <a:rPr lang="en-US" dirty="0"/>
-              <a:t>Incomplete rate</a:t>
             </a:r>
           </a:p>
           <a:p>
@@ -8417,10 +8420,83 @@
         </p:nvSpPr>
         <p:spPr/>
         <p:txBody>
-          <a:bodyPr/>
+          <a:bodyPr>
+            <a:normAutofit fontScale="85000" lnSpcReduction="10000"/>
+          </a:bodyPr>
           <a:lstStyle/>
           <a:p>
-            <a:endParaRPr lang="en-US"/>
+            <a:r>
+              <a:rPr lang="en-US" dirty="0"/>
+              <a:t>Business Problem: Customer needing connection for work/socials/school are losing faith in the industry because while the telecom companies may have the right and highest technology to provide the best and fastest internet, they are not able to deliver that if they don’t have the right technicians to setup/ troubleshoot services issues. </a:t>
+            </a:r>
+          </a:p>
+          <a:p>
+            <a:pPr lvl="1"/>
+            <a:r>
+              <a:rPr lang="en-US" dirty="0"/>
+              <a:t>Like Fine dining food being delivered by fast food workers. </a:t>
+            </a:r>
+          </a:p>
+          <a:p>
+            <a:r>
+              <a:rPr lang="en-US" dirty="0"/>
+              <a:t>Losing at a --- cost </a:t>
+            </a:r>
+            <a:r>
+              <a:rPr lang="en-US" dirty="0" err="1"/>
+              <a:t>cuz</a:t>
+            </a:r>
+            <a:r>
+              <a:rPr lang="en-US" dirty="0"/>
+              <a:t> of this issue </a:t>
+            </a:r>
+          </a:p>
+          <a:p>
+            <a:r>
+              <a:rPr lang="en-US" dirty="0"/>
+              <a:t>Current Data: </a:t>
+            </a:r>
+          </a:p>
+          <a:p>
+            <a:pPr lvl="1"/>
+            <a:r>
+              <a:rPr lang="en-US" dirty="0"/>
+              <a:t>n workers</a:t>
+            </a:r>
+          </a:p>
+          <a:p>
+            <a:pPr lvl="1"/>
+            <a:r>
+              <a:rPr lang="en-US" dirty="0"/>
+              <a:t>n tasks/day</a:t>
+            </a:r>
+          </a:p>
+          <a:p>
+            <a:pPr lvl="1"/>
+            <a:r>
+              <a:rPr lang="en-US" dirty="0"/>
+              <a:t>Dissatisfaction rate</a:t>
+            </a:r>
+          </a:p>
+          <a:p>
+            <a:pPr lvl="1"/>
+            <a:r>
+              <a:rPr lang="en-US" dirty="0"/>
+              <a:t>Missed tasks rate</a:t>
+            </a:r>
+          </a:p>
+          <a:p>
+            <a:pPr lvl="1"/>
+            <a:r>
+              <a:rPr lang="en-US" dirty="0"/>
+              <a:t>Incomplete rate</a:t>
+            </a:r>
+          </a:p>
+          <a:p>
+            <a:endParaRPr lang="en-US" dirty="0"/>
+          </a:p>
+          <a:p>
+            <a:endParaRPr lang="en-US" dirty="0"/>
           </a:p>
         </p:txBody>
       </p:sp>
@@ -8507,16 +8583,10 @@
         <p:spPr/>
         <p:txBody>
           <a:bodyPr>
-            <a:normAutofit fontScale="92500" lnSpcReduction="20000"/>
+            <a:normAutofit lnSpcReduction="10000"/>
           </a:bodyPr>
           <a:lstStyle/>
           <a:p>
-            <a:r>
-              <a:rPr lang="en-US" dirty="0"/>
-              <a:t>Describe the current situation:</a:t>
-            </a:r>
-          </a:p>
-          <a:p>
             <a:pPr lvl="1"/>
             <a:r>
               <a:rPr lang="en-US" dirty="0"/>
@@ -8556,20 +8626,6 @@
             <a:r>
               <a:rPr lang="en-US" dirty="0"/>
               <a:t>Low morale increases turnover risk and potential labor disputes or union actions.</a:t>
-            </a:r>
-          </a:p>
-          <a:p>
-            <a:r>
-              <a:rPr lang="en-US" dirty="0"/>
-              <a:t>Losing at a --- cost </a:t>
-            </a:r>
-            <a:r>
-              <a:rPr lang="en-US" dirty="0" err="1"/>
-              <a:t>cuz</a:t>
-            </a:r>
-            <a:r>
-              <a:rPr lang="en-US" dirty="0"/>
-              <a:t> of this issue </a:t>
             </a:r>
           </a:p>
         </p:txBody>

--- a/Business Case.pptx
+++ b/Business Case.pptx
@@ -5,7 +5,7 @@
     <p:sldMasterId id="2147483660" r:id="rId1"/>
   </p:sldMasterIdLst>
   <p:notesMasterIdLst>
-    <p:notesMasterId r:id="rId15"/>
+    <p:notesMasterId r:id="rId16"/>
   </p:notesMasterIdLst>
   <p:sldIdLst>
     <p:sldId id="256" r:id="rId2"/>
@@ -16,11 +16,12 @@
     <p:sldId id="261" r:id="rId7"/>
     <p:sldId id="266" r:id="rId8"/>
     <p:sldId id="264" r:id="rId9"/>
-    <p:sldId id="262" r:id="rId10"/>
-    <p:sldId id="270" r:id="rId11"/>
-    <p:sldId id="263" r:id="rId12"/>
-    <p:sldId id="269" r:id="rId13"/>
+    <p:sldId id="272" r:id="rId10"/>
+    <p:sldId id="262" r:id="rId11"/>
+    <p:sldId id="270" r:id="rId12"/>
+    <p:sldId id="263" r:id="rId13"/>
     <p:sldId id="257" r:id="rId14"/>
+    <p:sldId id="269" r:id="rId15"/>
   </p:sldIdLst>
   <p:sldSz cx="12192000" cy="6858000"/>
   <p:notesSz cx="6858000" cy="9144000"/>
@@ -130,7 +131,7 @@
 <file path=ppt/revisionInfo.xml><?xml version="1.0" encoding="utf-8"?>
 <p1510:revInfo xmlns:a="http://schemas.openxmlformats.org/drawingml/2006/main" xmlns:r="http://schemas.openxmlformats.org/officeDocument/2006/relationships" xmlns:p1510="http://schemas.microsoft.com/office/powerpoint/2015/10/main">
   <p1510:revLst>
-    <p1510:client id="{36AEBF61-3157-4475-9D8C-F2DAD409114F}" v="3" dt="2025-10-02T07:26:36.798"/>
+    <p1510:client id="{36AEBF61-3157-4475-9D8C-F2DAD409114F}" v="47" dt="2025-10-03T05:41:45.712"/>
   </p1510:revLst>
 </p1510:revInfo>
 </file>
@@ -139,25 +140,97 @@
 <pc:chgInfo xmlns:a="http://schemas.openxmlformats.org/drawingml/2006/main" xmlns:r="http://schemas.openxmlformats.org/officeDocument/2006/relationships" xmlns:ac="http://schemas.microsoft.com/office/drawing/2013/main/command" xmlns:pc="http://schemas.microsoft.com/office/powerpoint/2013/main/command">
   <pc:docChgLst>
     <pc:chgData name="Sue Byeon" userId="da86aa136efe2808" providerId="LiveId" clId="{BF2205AF-F266-4157-874C-FDEBC0488368}"/>
-    <pc:docChg chg="undo custSel modSld sldOrd">
-      <pc:chgData name="Sue Byeon" userId="da86aa136efe2808" providerId="LiveId" clId="{BF2205AF-F266-4157-874C-FDEBC0488368}" dt="2025-10-02T07:34:39.973" v="2032" actId="20577"/>
+    <pc:docChg chg="undo custSel addSld modSld sldOrd">
+      <pc:chgData name="Sue Byeon" userId="da86aa136efe2808" providerId="LiveId" clId="{BF2205AF-F266-4157-874C-FDEBC0488368}" dt="2025-10-03T05:41:56.770" v="2704" actId="2084"/>
       <pc:docMkLst>
         <pc:docMk/>
       </pc:docMkLst>
-      <pc:sldChg chg="modSp mod">
-        <pc:chgData name="Sue Byeon" userId="da86aa136efe2808" providerId="LiveId" clId="{BF2205AF-F266-4157-874C-FDEBC0488368}" dt="2025-09-26T19:33:02.859" v="74" actId="12"/>
+      <pc:sldChg chg="addSp modSp mod ord">
+        <pc:chgData name="Sue Byeon" userId="da86aa136efe2808" providerId="LiveId" clId="{BF2205AF-F266-4157-874C-FDEBC0488368}" dt="2025-10-03T05:18:39.248" v="2656" actId="14100"/>
         <pc:sldMkLst>
           <pc:docMk/>
           <pc:sldMk cId="2776681261" sldId="257"/>
         </pc:sldMkLst>
         <pc:spChg chg="mod">
-          <ac:chgData name="Sue Byeon" userId="da86aa136efe2808" providerId="LiveId" clId="{BF2205AF-F266-4157-874C-FDEBC0488368}" dt="2025-09-26T19:33:02.859" v="74" actId="12"/>
+          <ac:chgData name="Sue Byeon" userId="da86aa136efe2808" providerId="LiveId" clId="{BF2205AF-F266-4157-874C-FDEBC0488368}" dt="2025-10-03T03:43:46.689" v="2516" actId="20577"/>
+          <ac:spMkLst>
+            <pc:docMk/>
+            <pc:sldMk cId="2776681261" sldId="257"/>
+            <ac:spMk id="2" creationId="{B1FA0C37-2E65-F2D4-0D69-E8C9CE277BD1}"/>
+          </ac:spMkLst>
+        </pc:spChg>
+        <pc:spChg chg="mod">
+          <ac:chgData name="Sue Byeon" userId="da86aa136efe2808" providerId="LiveId" clId="{BF2205AF-F266-4157-874C-FDEBC0488368}" dt="2025-10-03T03:43:50.301" v="2518" actId="27636"/>
           <ac:spMkLst>
             <pc:docMk/>
             <pc:sldMk cId="2776681261" sldId="257"/>
             <ac:spMk id="3" creationId="{89825372-3B1B-5B5D-F221-B2F9864ABDE0}"/>
           </ac:spMkLst>
         </pc:spChg>
+        <pc:spChg chg="add mod">
+          <ac:chgData name="Sue Byeon" userId="da86aa136efe2808" providerId="LiveId" clId="{BF2205AF-F266-4157-874C-FDEBC0488368}" dt="2025-10-03T05:18:39.248" v="2656" actId="14100"/>
+          <ac:spMkLst>
+            <pc:docMk/>
+            <pc:sldMk cId="2776681261" sldId="257"/>
+            <ac:spMk id="12" creationId="{9D60F38C-CF40-507C-C5B0-B291305BBD08}"/>
+          </ac:spMkLst>
+        </pc:spChg>
+        <pc:graphicFrameChg chg="add mod">
+          <ac:chgData name="Sue Byeon" userId="da86aa136efe2808" providerId="LiveId" clId="{BF2205AF-F266-4157-874C-FDEBC0488368}" dt="2025-10-03T05:13:42.471" v="2603"/>
+          <ac:graphicFrameMkLst>
+            <pc:docMk/>
+            <pc:sldMk cId="2776681261" sldId="257"/>
+            <ac:graphicFrameMk id="4" creationId="{1714B8E6-F618-1DB9-930C-A921A1650BB7}"/>
+          </ac:graphicFrameMkLst>
+        </pc:graphicFrameChg>
+        <pc:graphicFrameChg chg="add mod">
+          <ac:chgData name="Sue Byeon" userId="da86aa136efe2808" providerId="LiveId" clId="{BF2205AF-F266-4157-874C-FDEBC0488368}" dt="2025-10-03T05:13:42.471" v="2603"/>
+          <ac:graphicFrameMkLst>
+            <pc:docMk/>
+            <pc:sldMk cId="2776681261" sldId="257"/>
+            <ac:graphicFrameMk id="5" creationId="{02DC876B-7C89-752C-0551-1EEA9DCD8567}"/>
+          </ac:graphicFrameMkLst>
+        </pc:graphicFrameChg>
+        <pc:graphicFrameChg chg="add mod">
+          <ac:chgData name="Sue Byeon" userId="da86aa136efe2808" providerId="LiveId" clId="{BF2205AF-F266-4157-874C-FDEBC0488368}" dt="2025-10-03T05:13:42.471" v="2603"/>
+          <ac:graphicFrameMkLst>
+            <pc:docMk/>
+            <pc:sldMk cId="2776681261" sldId="257"/>
+            <ac:graphicFrameMk id="6" creationId="{7177DBD9-547E-185A-3171-DDB1E23AD67D}"/>
+          </ac:graphicFrameMkLst>
+        </pc:graphicFrameChg>
+        <pc:graphicFrameChg chg="add mod">
+          <ac:chgData name="Sue Byeon" userId="da86aa136efe2808" providerId="LiveId" clId="{BF2205AF-F266-4157-874C-FDEBC0488368}" dt="2025-10-03T05:13:42.471" v="2603"/>
+          <ac:graphicFrameMkLst>
+            <pc:docMk/>
+            <pc:sldMk cId="2776681261" sldId="257"/>
+            <ac:graphicFrameMk id="7" creationId="{6526B988-9965-1365-36EA-5FBF7C673844}"/>
+          </ac:graphicFrameMkLst>
+        </pc:graphicFrameChg>
+        <pc:graphicFrameChg chg="add mod">
+          <ac:chgData name="Sue Byeon" userId="da86aa136efe2808" providerId="LiveId" clId="{BF2205AF-F266-4157-874C-FDEBC0488368}" dt="2025-10-03T05:13:42.471" v="2603"/>
+          <ac:graphicFrameMkLst>
+            <pc:docMk/>
+            <pc:sldMk cId="2776681261" sldId="257"/>
+            <ac:graphicFrameMk id="8" creationId="{92C41BB3-EA3C-05A4-C587-3D14EA50E53C}"/>
+          </ac:graphicFrameMkLst>
+        </pc:graphicFrameChg>
+        <pc:graphicFrameChg chg="add mod modGraphic">
+          <ac:chgData name="Sue Byeon" userId="da86aa136efe2808" providerId="LiveId" clId="{BF2205AF-F266-4157-874C-FDEBC0488368}" dt="2025-10-03T05:13:50.782" v="2607" actId="14100"/>
+          <ac:graphicFrameMkLst>
+            <pc:docMk/>
+            <pc:sldMk cId="2776681261" sldId="257"/>
+            <ac:graphicFrameMk id="9" creationId="{362528B3-DC07-30BD-93F0-7283E15937FF}"/>
+          </ac:graphicFrameMkLst>
+        </pc:graphicFrameChg>
+        <pc:graphicFrameChg chg="add mod modGraphic">
+          <ac:chgData name="Sue Byeon" userId="da86aa136efe2808" providerId="LiveId" clId="{BF2205AF-F266-4157-874C-FDEBC0488368}" dt="2025-10-03T05:17:11.694" v="2653" actId="20577"/>
+          <ac:graphicFrameMkLst>
+            <pc:docMk/>
+            <pc:sldMk cId="2776681261" sldId="257"/>
+            <ac:graphicFrameMk id="10" creationId="{909A6EF4-6703-09CA-624F-CD228163CC25}"/>
+          </ac:graphicFrameMkLst>
+        </pc:graphicFrameChg>
       </pc:sldChg>
       <pc:sldChg chg="modSp mod ord">
         <pc:chgData name="Sue Byeon" userId="da86aa136efe2808" providerId="LiveId" clId="{BF2205AF-F266-4157-874C-FDEBC0488368}" dt="2025-10-02T07:26:29.735" v="1405" actId="27636"/>
@@ -174,23 +247,47 @@
           </ac:spMkLst>
         </pc:spChg>
       </pc:sldChg>
-      <pc:sldChg chg="modSp mod ord">
-        <pc:chgData name="Sue Byeon" userId="da86aa136efe2808" providerId="LiveId" clId="{BF2205AF-F266-4157-874C-FDEBC0488368}" dt="2025-10-02T07:34:39.973" v="2032" actId="20577"/>
+      <pc:sldChg chg="addSp delSp modSp mod ord">
+        <pc:chgData name="Sue Byeon" userId="da86aa136efe2808" providerId="LiveId" clId="{BF2205AF-F266-4157-874C-FDEBC0488368}" dt="2025-10-03T05:16:15.301" v="2634" actId="1076"/>
         <pc:sldMkLst>
           <pc:docMk/>
           <pc:sldMk cId="2647713988" sldId="260"/>
         </pc:sldMkLst>
         <pc:spChg chg="mod">
-          <ac:chgData name="Sue Byeon" userId="da86aa136efe2808" providerId="LiveId" clId="{BF2205AF-F266-4157-874C-FDEBC0488368}" dt="2025-10-02T07:34:39.973" v="2032" actId="20577"/>
+          <ac:chgData name="Sue Byeon" userId="da86aa136efe2808" providerId="LiveId" clId="{BF2205AF-F266-4157-874C-FDEBC0488368}" dt="2025-10-03T05:12:33.542" v="2602" actId="20577"/>
           <ac:spMkLst>
             <pc:docMk/>
             <pc:sldMk cId="2647713988" sldId="260"/>
             <ac:spMk id="3" creationId="{80F2F20E-060D-5A2C-119A-E84C0B2BEC1B}"/>
           </ac:spMkLst>
         </pc:spChg>
+        <pc:spChg chg="add">
+          <ac:chgData name="Sue Byeon" userId="da86aa136efe2808" providerId="LiveId" clId="{BF2205AF-F266-4157-874C-FDEBC0488368}" dt="2025-10-03T05:12:04.359" v="2582"/>
+          <ac:spMkLst>
+            <pc:docMk/>
+            <pc:sldMk cId="2647713988" sldId="260"/>
+            <ac:spMk id="6" creationId="{FD778D75-0ADE-D945-40FF-020E40BFB70B}"/>
+          </ac:spMkLst>
+        </pc:spChg>
+        <pc:spChg chg="add mod">
+          <ac:chgData name="Sue Byeon" userId="da86aa136efe2808" providerId="LiveId" clId="{BF2205AF-F266-4157-874C-FDEBC0488368}" dt="2025-10-03T05:16:15.301" v="2634" actId="1076"/>
+          <ac:spMkLst>
+            <pc:docMk/>
+            <pc:sldMk cId="2647713988" sldId="260"/>
+            <ac:spMk id="7" creationId="{D22D8EB3-F8E7-60CA-1AE8-8BC46A842819}"/>
+          </ac:spMkLst>
+        </pc:spChg>
+        <pc:cxnChg chg="add del mod">
+          <ac:chgData name="Sue Byeon" userId="da86aa136efe2808" providerId="LiveId" clId="{BF2205AF-F266-4157-874C-FDEBC0488368}" dt="2025-10-03T05:11:42.920" v="2562" actId="478"/>
+          <ac:cxnSpMkLst>
+            <pc:docMk/>
+            <pc:sldMk cId="2647713988" sldId="260"/>
+            <ac:cxnSpMk id="5" creationId="{3DE783A5-03B0-7A3A-CA02-0CCB3F9BFC51}"/>
+          </ac:cxnSpMkLst>
+        </pc:cxnChg>
       </pc:sldChg>
-      <pc:sldChg chg="modSp mod">
-        <pc:chgData name="Sue Byeon" userId="da86aa136efe2808" providerId="LiveId" clId="{BF2205AF-F266-4157-874C-FDEBC0488368}" dt="2025-09-26T20:24:35.638" v="862" actId="27636"/>
+      <pc:sldChg chg="addSp delSp modSp mod">
+        <pc:chgData name="Sue Byeon" userId="da86aa136efe2808" providerId="LiveId" clId="{BF2205AF-F266-4157-874C-FDEBC0488368}" dt="2025-10-03T03:06:27.022" v="2173" actId="113"/>
         <pc:sldMkLst>
           <pc:docMk/>
           <pc:sldMk cId="1227690131" sldId="261"/>
@@ -203,14 +300,22 @@
             <ac:spMk id="2" creationId="{598C227D-3954-7A23-7DEA-176D2D7F89DF}"/>
           </ac:spMkLst>
         </pc:spChg>
-        <pc:spChg chg="mod">
-          <ac:chgData name="Sue Byeon" userId="da86aa136efe2808" providerId="LiveId" clId="{BF2205AF-F266-4157-874C-FDEBC0488368}" dt="2025-09-26T20:24:32.304" v="856" actId="27636"/>
+        <pc:spChg chg="del mod">
+          <ac:chgData name="Sue Byeon" userId="da86aa136efe2808" providerId="LiveId" clId="{BF2205AF-F266-4157-874C-FDEBC0488368}" dt="2025-10-03T03:02:35.597" v="2075" actId="3680"/>
           <ac:spMkLst>
             <pc:docMk/>
             <pc:sldMk cId="1227690131" sldId="261"/>
             <ac:spMk id="3" creationId="{570441EE-CB7A-870C-F3A9-3683EE0C491C}"/>
           </ac:spMkLst>
         </pc:spChg>
+        <pc:graphicFrameChg chg="add mod ord modGraphic">
+          <ac:chgData name="Sue Byeon" userId="da86aa136efe2808" providerId="LiveId" clId="{BF2205AF-F266-4157-874C-FDEBC0488368}" dt="2025-10-03T03:06:27.022" v="2173" actId="113"/>
+          <ac:graphicFrameMkLst>
+            <pc:docMk/>
+            <pc:sldMk cId="1227690131" sldId="261"/>
+            <ac:graphicFrameMk id="4" creationId="{30C04D5A-EC46-05FD-8A8A-98712DAF6B18}"/>
+          </ac:graphicFrameMkLst>
+        </pc:graphicFrameChg>
       </pc:sldChg>
       <pc:sldChg chg="modSp mod">
         <pc:chgData name="Sue Byeon" userId="da86aa136efe2808" providerId="LiveId" clId="{BF2205AF-F266-4157-874C-FDEBC0488368}" dt="2025-09-26T20:28:06.653" v="934" actId="20577"/>
@@ -242,6 +347,76 @@
           </ac:spMkLst>
         </pc:spChg>
       </pc:sldChg>
+      <pc:sldChg chg="addSp delSp modSp mod">
+        <pc:chgData name="Sue Byeon" userId="da86aa136efe2808" providerId="LiveId" clId="{BF2205AF-F266-4157-874C-FDEBC0488368}" dt="2025-10-03T05:23:57.505" v="2680" actId="478"/>
+        <pc:sldMkLst>
+          <pc:docMk/>
+          <pc:sldMk cId="3235065709" sldId="264"/>
+        </pc:sldMkLst>
+        <pc:graphicFrameChg chg="add del mod modGraphic">
+          <ac:chgData name="Sue Byeon" userId="da86aa136efe2808" providerId="LiveId" clId="{BF2205AF-F266-4157-874C-FDEBC0488368}" dt="2025-10-03T05:23:57.505" v="2680" actId="478"/>
+          <ac:graphicFrameMkLst>
+            <pc:docMk/>
+            <pc:sldMk cId="3235065709" sldId="264"/>
+            <ac:graphicFrameMk id="3" creationId="{40DE0BC8-37A2-F395-0135-11C529B73AE1}"/>
+          </ac:graphicFrameMkLst>
+        </pc:graphicFrameChg>
+        <pc:graphicFrameChg chg="modGraphic">
+          <ac:chgData name="Sue Byeon" userId="da86aa136efe2808" providerId="LiveId" clId="{BF2205AF-F266-4157-874C-FDEBC0488368}" dt="2025-10-03T05:22:04.229" v="2659" actId="207"/>
+          <ac:graphicFrameMkLst>
+            <pc:docMk/>
+            <pc:sldMk cId="3235065709" sldId="264"/>
+            <ac:graphicFrameMk id="4" creationId="{E11C210C-D411-D0BB-6E12-C341A7A24CB9}"/>
+          </ac:graphicFrameMkLst>
+        </pc:graphicFrameChg>
+        <pc:graphicFrameChg chg="add mod">
+          <ac:chgData name="Sue Byeon" userId="da86aa136efe2808" providerId="LiveId" clId="{BF2205AF-F266-4157-874C-FDEBC0488368}" dt="2025-10-03T05:22:19.811" v="2662"/>
+          <ac:graphicFrameMkLst>
+            <pc:docMk/>
+            <pc:sldMk cId="3235065709" sldId="264"/>
+            <ac:graphicFrameMk id="5" creationId="{4B1219B2-D740-F33C-206D-744D58D4A136}"/>
+          </ac:graphicFrameMkLst>
+        </pc:graphicFrameChg>
+      </pc:sldChg>
+      <pc:sldChg chg="addSp delSp modSp mod">
+        <pc:chgData name="Sue Byeon" userId="da86aa136efe2808" providerId="LiveId" clId="{BF2205AF-F266-4157-874C-FDEBC0488368}" dt="2025-10-03T03:53:44.205" v="2521" actId="207"/>
+        <pc:sldMkLst>
+          <pc:docMk/>
+          <pc:sldMk cId="3346890740" sldId="266"/>
+        </pc:sldMkLst>
+        <pc:spChg chg="mod">
+          <ac:chgData name="Sue Byeon" userId="da86aa136efe2808" providerId="LiveId" clId="{BF2205AF-F266-4157-874C-FDEBC0488368}" dt="2025-10-03T03:25:07.289" v="2233" actId="14100"/>
+          <ac:spMkLst>
+            <pc:docMk/>
+            <pc:sldMk cId="3346890740" sldId="266"/>
+            <ac:spMk id="3" creationId="{66C23382-E6F4-6332-CA72-331282068ABD}"/>
+          </ac:spMkLst>
+        </pc:spChg>
+        <pc:spChg chg="add del mod">
+          <ac:chgData name="Sue Byeon" userId="da86aa136efe2808" providerId="LiveId" clId="{BF2205AF-F266-4157-874C-FDEBC0488368}" dt="2025-10-03T03:27:27.657" v="2329" actId="478"/>
+          <ac:spMkLst>
+            <pc:docMk/>
+            <pc:sldMk cId="3346890740" sldId="266"/>
+            <ac:spMk id="4" creationId="{A458300C-EE66-E0E9-FC61-93B8EA63C953}"/>
+          </ac:spMkLst>
+        </pc:spChg>
+        <pc:spChg chg="add del mod">
+          <ac:chgData name="Sue Byeon" userId="da86aa136efe2808" providerId="LiveId" clId="{BF2205AF-F266-4157-874C-FDEBC0488368}" dt="2025-10-03T03:27:23.587" v="2328" actId="478"/>
+          <ac:spMkLst>
+            <pc:docMk/>
+            <pc:sldMk cId="3346890740" sldId="266"/>
+            <ac:spMk id="5" creationId="{BC36C687-5421-2CFC-CF33-95B7B996EA81}"/>
+          </ac:spMkLst>
+        </pc:spChg>
+        <pc:graphicFrameChg chg="add mod modGraphic">
+          <ac:chgData name="Sue Byeon" userId="da86aa136efe2808" providerId="LiveId" clId="{BF2205AF-F266-4157-874C-FDEBC0488368}" dt="2025-10-03T03:53:44.205" v="2521" actId="207"/>
+          <ac:graphicFrameMkLst>
+            <pc:docMk/>
+            <pc:sldMk cId="3346890740" sldId="266"/>
+            <ac:graphicFrameMk id="6" creationId="{8A0D2858-370F-80E6-88E7-D00BA726E441}"/>
+          </ac:graphicFrameMkLst>
+        </pc:graphicFrameChg>
+      </pc:sldChg>
       <pc:sldChg chg="modSp mod">
         <pc:chgData name="Sue Byeon" userId="da86aa136efe2808" providerId="LiveId" clId="{BF2205AF-F266-4157-874C-FDEBC0488368}" dt="2025-10-02T07:20:36.513" v="1338" actId="20577"/>
         <pc:sldMkLst>
@@ -258,19 +433,136 @@
         </pc:spChg>
       </pc:sldChg>
       <pc:sldChg chg="modSp mod">
-        <pc:chgData name="Sue Byeon" userId="da86aa136efe2808" providerId="LiveId" clId="{BF2205AF-F266-4157-874C-FDEBC0488368}" dt="2025-10-02T07:34:11.050" v="2022" actId="20577"/>
+        <pc:chgData name="Sue Byeon" userId="da86aa136efe2808" providerId="LiveId" clId="{BF2205AF-F266-4157-874C-FDEBC0488368}" dt="2025-10-03T05:16:21.006" v="2637" actId="20577"/>
         <pc:sldMkLst>
           <pc:docMk/>
           <pc:sldMk cId="165630085" sldId="268"/>
         </pc:sldMkLst>
         <pc:spChg chg="mod">
-          <ac:chgData name="Sue Byeon" userId="da86aa136efe2808" providerId="LiveId" clId="{BF2205AF-F266-4157-874C-FDEBC0488368}" dt="2025-10-02T07:34:11.050" v="2022" actId="20577"/>
+          <ac:chgData name="Sue Byeon" userId="da86aa136efe2808" providerId="LiveId" clId="{BF2205AF-F266-4157-874C-FDEBC0488368}" dt="2025-10-03T05:16:21.006" v="2637" actId="20577"/>
           <ac:spMkLst>
             <pc:docMk/>
             <pc:sldMk cId="165630085" sldId="268"/>
             <ac:spMk id="3" creationId="{FF652F99-8841-41C3-747A-9A2C60DDDB4E}"/>
           </ac:spMkLst>
         </pc:spChg>
+      </pc:sldChg>
+      <pc:sldChg chg="addSp delSp modSp mod">
+        <pc:chgData name="Sue Byeon" userId="da86aa136efe2808" providerId="LiveId" clId="{BF2205AF-F266-4157-874C-FDEBC0488368}" dt="2025-10-03T05:41:56.770" v="2704" actId="2084"/>
+        <pc:sldMkLst>
+          <pc:docMk/>
+          <pc:sldMk cId="1577814364" sldId="270"/>
+        </pc:sldMkLst>
+        <pc:spChg chg="del mod">
+          <ac:chgData name="Sue Byeon" userId="da86aa136efe2808" providerId="LiveId" clId="{BF2205AF-F266-4157-874C-FDEBC0488368}" dt="2025-10-03T05:40:55.532" v="2690" actId="478"/>
+          <ac:spMkLst>
+            <pc:docMk/>
+            <pc:sldMk cId="1577814364" sldId="270"/>
+            <ac:spMk id="3" creationId="{6B54D7BB-CF9E-1AA1-0BAB-E7663A99DCAC}"/>
+          </ac:spMkLst>
+        </pc:spChg>
+        <pc:spChg chg="add del mod">
+          <ac:chgData name="Sue Byeon" userId="da86aa136efe2808" providerId="LiveId" clId="{BF2205AF-F266-4157-874C-FDEBC0488368}" dt="2025-10-03T05:40:59.186" v="2694" actId="478"/>
+          <ac:spMkLst>
+            <pc:docMk/>
+            <pc:sldMk cId="1577814364" sldId="270"/>
+            <ac:spMk id="7" creationId="{974CCD96-3459-2528-7976-C661633696E5}"/>
+          </ac:spMkLst>
+        </pc:spChg>
+        <pc:graphicFrameChg chg="mod modGraphic">
+          <ac:chgData name="Sue Byeon" userId="da86aa136efe2808" providerId="LiveId" clId="{BF2205AF-F266-4157-874C-FDEBC0488368}" dt="2025-10-03T05:41:56.770" v="2704" actId="2084"/>
+          <ac:graphicFrameMkLst>
+            <pc:docMk/>
+            <pc:sldMk cId="1577814364" sldId="270"/>
+            <ac:graphicFrameMk id="4" creationId="{A3E7C109-8CC0-3519-DF52-345B233A5FB8}"/>
+          </ac:graphicFrameMkLst>
+        </pc:graphicFrameChg>
+        <pc:graphicFrameChg chg="mod modGraphic">
+          <ac:chgData name="Sue Byeon" userId="da86aa136efe2808" providerId="LiveId" clId="{BF2205AF-F266-4157-874C-FDEBC0488368}" dt="2025-10-03T05:41:31.025" v="2699" actId="1076"/>
+          <ac:graphicFrameMkLst>
+            <pc:docMk/>
+            <pc:sldMk cId="1577814364" sldId="270"/>
+            <ac:graphicFrameMk id="6" creationId="{4D5AB3D2-8310-A95F-AAA2-28627CBAFDBB}"/>
+          </ac:graphicFrameMkLst>
+        </pc:graphicFrameChg>
+      </pc:sldChg>
+      <pc:sldChg chg="modSp mod">
+        <pc:chgData name="Sue Byeon" userId="da86aa136efe2808" providerId="LiveId" clId="{BF2205AF-F266-4157-874C-FDEBC0488368}" dt="2025-10-03T03:22:23.646" v="2227" actId="20577"/>
+        <pc:sldMkLst>
+          <pc:docMk/>
+          <pc:sldMk cId="1208433293" sldId="271"/>
+        </pc:sldMkLst>
+        <pc:spChg chg="mod">
+          <ac:chgData name="Sue Byeon" userId="da86aa136efe2808" providerId="LiveId" clId="{BF2205AF-F266-4157-874C-FDEBC0488368}" dt="2025-10-03T03:22:23.646" v="2227" actId="20577"/>
+          <ac:spMkLst>
+            <pc:docMk/>
+            <pc:sldMk cId="1208433293" sldId="271"/>
+            <ac:spMk id="3" creationId="{0C872285-C3A7-DABC-F989-DB608EACCF7F}"/>
+          </ac:spMkLst>
+        </pc:spChg>
+        <pc:picChg chg="mod">
+          <ac:chgData name="Sue Byeon" userId="da86aa136efe2808" providerId="LiveId" clId="{BF2205AF-F266-4157-874C-FDEBC0488368}" dt="2025-10-03T02:33:18.440" v="2036" actId="1076"/>
+          <ac:picMkLst>
+            <pc:docMk/>
+            <pc:sldMk cId="1208433293" sldId="271"/>
+            <ac:picMk id="19" creationId="{FE9C515C-267C-F9D8-FED0-C60EA9A66235}"/>
+          </ac:picMkLst>
+        </pc:picChg>
+        <pc:picChg chg="mod">
+          <ac:chgData name="Sue Byeon" userId="da86aa136efe2808" providerId="LiveId" clId="{BF2205AF-F266-4157-874C-FDEBC0488368}" dt="2025-10-03T02:32:59.947" v="2033" actId="207"/>
+          <ac:picMkLst>
+            <pc:docMk/>
+            <pc:sldMk cId="1208433293" sldId="271"/>
+            <ac:picMk id="23" creationId="{EA840614-E2E5-FD4F-8BC8-73EAA3872584}"/>
+          </ac:picMkLst>
+        </pc:picChg>
+        <pc:picChg chg="mod">
+          <ac:chgData name="Sue Byeon" userId="da86aa136efe2808" providerId="LiveId" clId="{BF2205AF-F266-4157-874C-FDEBC0488368}" dt="2025-10-03T02:33:08.254" v="2034" actId="207"/>
+          <ac:picMkLst>
+            <pc:docMk/>
+            <pc:sldMk cId="1208433293" sldId="271"/>
+            <ac:picMk id="25" creationId="{F5B2B599-110D-5BD3-E426-70AAA3E78826}"/>
+          </ac:picMkLst>
+        </pc:picChg>
+      </pc:sldChg>
+      <pc:sldChg chg="addSp delSp modSp add mod">
+        <pc:chgData name="Sue Byeon" userId="da86aa136efe2808" providerId="LiveId" clId="{BF2205AF-F266-4157-874C-FDEBC0488368}" dt="2025-10-03T05:23:38.260" v="2671"/>
+        <pc:sldMkLst>
+          <pc:docMk/>
+          <pc:sldMk cId="3788305187" sldId="272"/>
+        </pc:sldMkLst>
+        <pc:spChg chg="mod">
+          <ac:chgData name="Sue Byeon" userId="da86aa136efe2808" providerId="LiveId" clId="{BF2205AF-F266-4157-874C-FDEBC0488368}" dt="2025-10-03T05:23:17.217" v="2669" actId="1076"/>
+          <ac:spMkLst>
+            <pc:docMk/>
+            <pc:sldMk cId="3788305187" sldId="272"/>
+            <ac:spMk id="2" creationId="{514B1E4D-31AB-CDF3-2305-27DFF13C682E}"/>
+          </ac:spMkLst>
+        </pc:spChg>
+        <pc:spChg chg="add del mod">
+          <ac:chgData name="Sue Byeon" userId="da86aa136efe2808" providerId="LiveId" clId="{BF2205AF-F266-4157-874C-FDEBC0488368}" dt="2025-10-03T05:22:32.293" v="2665" actId="478"/>
+          <ac:spMkLst>
+            <pc:docMk/>
+            <pc:sldMk cId="3788305187" sldId="272"/>
+            <ac:spMk id="6" creationId="{BF36432D-D737-BD8E-96C3-A140B52CE899}"/>
+          </ac:spMkLst>
+        </pc:spChg>
+        <pc:graphicFrameChg chg="mod">
+          <ac:chgData name="Sue Byeon" userId="da86aa136efe2808" providerId="LiveId" clId="{BF2205AF-F266-4157-874C-FDEBC0488368}" dt="2025-10-03T05:23:38.260" v="2671"/>
+          <ac:graphicFrameMkLst>
+            <pc:docMk/>
+            <pc:sldMk cId="3788305187" sldId="272"/>
+            <ac:graphicFrameMk id="3" creationId="{7EA6769C-5D02-8CCB-3E96-B78D175F7F59}"/>
+          </ac:graphicFrameMkLst>
+        </pc:graphicFrameChg>
+        <pc:graphicFrameChg chg="del">
+          <ac:chgData name="Sue Byeon" userId="da86aa136efe2808" providerId="LiveId" clId="{BF2205AF-F266-4157-874C-FDEBC0488368}" dt="2025-10-03T05:22:29.016" v="2664" actId="478"/>
+          <ac:graphicFrameMkLst>
+            <pc:docMk/>
+            <pc:sldMk cId="3788305187" sldId="272"/>
+            <ac:graphicFrameMk id="4" creationId="{F71120DA-0899-DFA5-4C85-6FF7CDFB92FE}"/>
+          </ac:graphicFrameMkLst>
+        </pc:graphicFrameChg>
       </pc:sldChg>
     </pc:docChg>
   </pc:docChgLst>
@@ -792,6 +1084,118 @@
                 <a:ea typeface="+mn-ea"/>
                 <a:cs typeface="+mn-cs"/>
               </a:rPr>
+              <a:t>Content: Detail benefits (financial, operational, strategic). Quantify improvements (ROI, efficiency gains, user satisfaction). Compare to baseline.</a:t>
+            </a:r>
+          </a:p>
+          <a:p>
+            <a:r>
+              <a:rPr lang="en-US" sz="1200" b="0" i="0" kern="1200" dirty="0">
+                <a:solidFill>
+                  <a:schemeClr val="tx1"/>
+                </a:solidFill>
+                <a:effectLst/>
+                <a:latin typeface="+mn-lt"/>
+                <a:ea typeface="+mn-ea"/>
+                <a:cs typeface="+mn-cs"/>
+              </a:rPr>
+              <a:t>Purpose: Clearly shows the value proposition and why the project is worth doing.</a:t>
+            </a:r>
+          </a:p>
+          <a:p>
+            <a:endParaRPr lang="en-US" dirty="0"/>
+          </a:p>
+        </p:txBody>
+      </p:sp>
+      <p:sp>
+        <p:nvSpPr>
+          <p:cNvPr id="4" name="Slide Number Placeholder 3"/>
+          <p:cNvSpPr>
+            <a:spLocks noGrp="1"/>
+          </p:cNvSpPr>
+          <p:nvPr>
+            <p:ph type="sldNum" sz="quarter" idx="5"/>
+          </p:nvPr>
+        </p:nvSpPr>
+        <p:spPr/>
+        <p:txBody>
+          <a:bodyPr/>
+          <a:lstStyle/>
+          <a:p>
+            <a:fld id="{2DD6E5AA-2C20-4C4E-BE94-E4CD41247A7F}" type="slidenum">
+              <a:rPr lang="en-US" smtClean="0"/>
+              <a:t>12</a:t>
+            </a:fld>
+            <a:endParaRPr lang="en-US"/>
+          </a:p>
+        </p:txBody>
+      </p:sp>
+    </p:spTree>
+    <p:extLst>
+      <p:ext uri="{BB962C8B-B14F-4D97-AF65-F5344CB8AC3E}">
+        <p14:creationId xmlns:p14="http://schemas.microsoft.com/office/powerpoint/2010/main" val="1750273785"/>
+      </p:ext>
+    </p:extLst>
+  </p:cSld>
+  <p:clrMapOvr>
+    <a:masterClrMapping/>
+  </p:clrMapOvr>
+</p:notes>
+</file>
+
+<file path=ppt/notesSlides/notesSlide11.xml><?xml version="1.0" encoding="utf-8"?>
+<p:notes xmlns:a="http://schemas.openxmlformats.org/drawingml/2006/main" xmlns:r="http://schemas.openxmlformats.org/officeDocument/2006/relationships" xmlns:p="http://schemas.openxmlformats.org/presentationml/2006/main">
+  <p:cSld>
+    <p:spTree>
+      <p:nvGrpSpPr>
+        <p:cNvPr id="1" name=""/>
+        <p:cNvGrpSpPr/>
+        <p:nvPr/>
+      </p:nvGrpSpPr>
+      <p:grpSpPr>
+        <a:xfrm>
+          <a:off x="0" y="0"/>
+          <a:ext cx="0" cy="0"/>
+          <a:chOff x="0" y="0"/>
+          <a:chExt cx="0" cy="0"/>
+        </a:xfrm>
+      </p:grpSpPr>
+      <p:sp>
+        <p:nvSpPr>
+          <p:cNvPr id="2" name="Slide Image Placeholder 1"/>
+          <p:cNvSpPr>
+            <a:spLocks noGrp="1" noRot="1" noChangeAspect="1"/>
+          </p:cNvSpPr>
+          <p:nvPr>
+            <p:ph type="sldImg"/>
+          </p:nvPr>
+        </p:nvSpPr>
+        <p:spPr/>
+      </p:sp>
+      <p:sp>
+        <p:nvSpPr>
+          <p:cNvPr id="3" name="Notes Placeholder 2"/>
+          <p:cNvSpPr>
+            <a:spLocks noGrp="1"/>
+          </p:cNvSpPr>
+          <p:nvPr>
+            <p:ph type="body" idx="1"/>
+          </p:nvPr>
+        </p:nvSpPr>
+        <p:spPr/>
+        <p:txBody>
+          <a:bodyPr/>
+          <a:lstStyle/>
+          <a:p>
+            <a:r>
+              <a:rPr lang="en-US" sz="1200" b="0" i="0" kern="1200" dirty="0">
+                <a:solidFill>
+                  <a:schemeClr val="tx1"/>
+                </a:solidFill>
+                <a:effectLst/>
+                <a:latin typeface="+mn-lt"/>
+                <a:ea typeface="+mn-ea"/>
+                <a:cs typeface="+mn-cs"/>
+              </a:rPr>
               <a:t>Content: Identify top risks (technical, operational, adoption) and how you’ll mitigate them.</a:t>
             </a:r>
           </a:p>
@@ -831,7 +1235,7 @@
           <a:p>
             <a:fld id="{2DD6E5AA-2C20-4C4E-BE94-E4CD41247A7F}" type="slidenum">
               <a:rPr lang="en-US" smtClean="0"/>
-              <a:t>12</a:t>
+              <a:t>14</a:t>
             </a:fld>
             <a:endParaRPr lang="en-US"/>
           </a:p>
@@ -1037,6 +1441,42 @@
             <a:br>
               <a:rPr lang="en-US" dirty="0"/>
             </a:br>
+            <a:r>
+              <a:rPr lang="en-US" sz="1200" dirty="0"/>
+              <a:t>Task assignment is often random and manual or rule-based, relying only on availability or location.</a:t>
+            </a:r>
+          </a:p>
+          <a:p>
+            <a:r>
+              <a:rPr lang="en-US" sz="1200" dirty="0"/>
+              <a:t>Current methods do not consider technician expertise, performance history, or task complexity.</a:t>
+            </a:r>
+          </a:p>
+          <a:p>
+            <a:r>
+              <a:rPr lang="en-US" sz="1200" dirty="0"/>
+              <a:t>Technicians are frequently mismatched to jobs, leading to failed work orders and costly rework.</a:t>
+            </a:r>
+          </a:p>
+          <a:p>
+            <a:r>
+              <a:rPr lang="en-US" sz="1200" dirty="0"/>
+              <a:t>Customer satisfaction suffers due to missed appointments, delays, and unsuccessful service visits.</a:t>
+            </a:r>
+          </a:p>
+          <a:p>
+            <a:r>
+              <a:rPr lang="en-US" sz="1200" dirty="0"/>
+              <a:t>Technicians experience frustration and burnout when given tasks outside their skill level.</a:t>
+            </a:r>
+          </a:p>
+          <a:p>
+            <a:r>
+              <a:rPr lang="en-US" sz="1200" dirty="0"/>
+              <a:t>Low morale increases turnover risk and potential labor disputes or union actions.</a:t>
+            </a:r>
+          </a:p>
+          <a:p>
             <a:endParaRPr lang="en-US" dirty="0"/>
           </a:p>
         </p:txBody>
@@ -1418,6 +1858,142 @@
   <p:cSld>
     <p:spTree>
       <p:nvGrpSpPr>
+        <p:cNvPr id="1" name="">
+          <a:extLst>
+            <a:ext uri="{FF2B5EF4-FFF2-40B4-BE49-F238E27FC236}">
+              <a16:creationId xmlns:a16="http://schemas.microsoft.com/office/drawing/2014/main" id="{AA160F64-D653-3125-1A53-A172FD9906A4}"/>
+            </a:ext>
+          </a:extLst>
+        </p:cNvPr>
+        <p:cNvGrpSpPr/>
+        <p:nvPr/>
+      </p:nvGrpSpPr>
+      <p:grpSpPr>
+        <a:xfrm>
+          <a:off x="0" y="0"/>
+          <a:ext cx="0" cy="0"/>
+          <a:chOff x="0" y="0"/>
+          <a:chExt cx="0" cy="0"/>
+        </a:xfrm>
+      </p:grpSpPr>
+      <p:sp>
+        <p:nvSpPr>
+          <p:cNvPr id="2" name="Slide Image Placeholder 1">
+            <a:extLst>
+              <a:ext uri="{FF2B5EF4-FFF2-40B4-BE49-F238E27FC236}">
+                <a16:creationId xmlns:a16="http://schemas.microsoft.com/office/drawing/2014/main" id="{1B135F5E-12BC-98E0-5CE2-84C4575D1E7D}"/>
+              </a:ext>
+            </a:extLst>
+          </p:cNvPr>
+          <p:cNvSpPr>
+            <a:spLocks noGrp="1" noRot="1" noChangeAspect="1"/>
+          </p:cNvSpPr>
+          <p:nvPr>
+            <p:ph type="sldImg"/>
+          </p:nvPr>
+        </p:nvSpPr>
+        <p:spPr/>
+      </p:sp>
+      <p:sp>
+        <p:nvSpPr>
+          <p:cNvPr id="3" name="Notes Placeholder 2">
+            <a:extLst>
+              <a:ext uri="{FF2B5EF4-FFF2-40B4-BE49-F238E27FC236}">
+                <a16:creationId xmlns:a16="http://schemas.microsoft.com/office/drawing/2014/main" id="{3000C766-B658-CFB5-AAF8-58191BA9EB87}"/>
+              </a:ext>
+            </a:extLst>
+          </p:cNvPr>
+          <p:cNvSpPr>
+            <a:spLocks noGrp="1"/>
+          </p:cNvSpPr>
+          <p:nvPr>
+            <p:ph type="body" idx="1"/>
+          </p:nvPr>
+        </p:nvSpPr>
+        <p:spPr/>
+        <p:txBody>
+          <a:bodyPr/>
+          <a:lstStyle/>
+          <a:p>
+            <a:r>
+              <a:rPr lang="en-US" sz="1200" b="0" i="0" kern="1200" dirty="0">
+                <a:solidFill>
+                  <a:schemeClr val="tx1"/>
+                </a:solidFill>
+                <a:effectLst/>
+                <a:latin typeface="+mn-lt"/>
+                <a:ea typeface="+mn-ea"/>
+                <a:cs typeface="+mn-cs"/>
+              </a:rPr>
+              <a:t>Content: Walk through the phases: design, build, test, deploy, maintain. Use a lifecycle diagram or roadmap.</a:t>
+            </a:r>
+          </a:p>
+          <a:p>
+            <a:r>
+              <a:rPr lang="en-US" sz="1200" b="0" i="0" kern="1200" dirty="0">
+                <a:solidFill>
+                  <a:schemeClr val="tx1"/>
+                </a:solidFill>
+                <a:effectLst/>
+                <a:latin typeface="+mn-lt"/>
+                <a:ea typeface="+mn-ea"/>
+                <a:cs typeface="+mn-cs"/>
+              </a:rPr>
+              <a:t>Purpose: Shows you have a structured approach and understand the delivery process.</a:t>
+            </a:r>
+          </a:p>
+          <a:p>
+            <a:endParaRPr lang="en-US" dirty="0"/>
+          </a:p>
+        </p:txBody>
+      </p:sp>
+      <p:sp>
+        <p:nvSpPr>
+          <p:cNvPr id="4" name="Slide Number Placeholder 3">
+            <a:extLst>
+              <a:ext uri="{FF2B5EF4-FFF2-40B4-BE49-F238E27FC236}">
+                <a16:creationId xmlns:a16="http://schemas.microsoft.com/office/drawing/2014/main" id="{AA59DBA6-E152-1527-BB86-292953E8E2FE}"/>
+              </a:ext>
+            </a:extLst>
+          </p:cNvPr>
+          <p:cNvSpPr>
+            <a:spLocks noGrp="1"/>
+          </p:cNvSpPr>
+          <p:nvPr>
+            <p:ph type="sldNum" sz="quarter" idx="5"/>
+          </p:nvPr>
+        </p:nvSpPr>
+        <p:spPr/>
+        <p:txBody>
+          <a:bodyPr/>
+          <a:lstStyle/>
+          <a:p>
+            <a:fld id="{2DD6E5AA-2C20-4C4E-BE94-E4CD41247A7F}" type="slidenum">
+              <a:rPr lang="en-US" smtClean="0"/>
+              <a:t>9</a:t>
+            </a:fld>
+            <a:endParaRPr lang="en-US"/>
+          </a:p>
+        </p:txBody>
+      </p:sp>
+    </p:spTree>
+    <p:extLst>
+      <p:ext uri="{BB962C8B-B14F-4D97-AF65-F5344CB8AC3E}">
+        <p14:creationId xmlns:p14="http://schemas.microsoft.com/office/powerpoint/2010/main" val="2810932385"/>
+      </p:ext>
+    </p:extLst>
+  </p:cSld>
+  <p:clrMapOvr>
+    <a:masterClrMapping/>
+  </p:clrMapOvr>
+</p:notes>
+</file>
+
+<file path=ppt/notesSlides/notesSlide8.xml><?xml version="1.0" encoding="utf-8"?>
+<p:notes xmlns:a="http://schemas.openxmlformats.org/drawingml/2006/main" xmlns:r="http://schemas.openxmlformats.org/officeDocument/2006/relationships" xmlns:p="http://schemas.openxmlformats.org/presentationml/2006/main">
+  <p:cSld>
+    <p:spTree>
+      <p:nvGrpSpPr>
         <p:cNvPr id="1" name=""/>
         <p:cNvGrpSpPr/>
         <p:nvPr/>
@@ -1506,7 +2082,7 @@
           <a:p>
             <a:fld id="{2DD6E5AA-2C20-4C4E-BE94-E4CD41247A7F}" type="slidenum">
               <a:rPr lang="en-US" smtClean="0"/>
-              <a:t>9</a:t>
+              <a:t>10</a:t>
             </a:fld>
             <a:endParaRPr lang="en-US"/>
           </a:p>
@@ -1525,7 +2101,7 @@
 </p:notes>
 </file>
 
-<file path=ppt/notesSlides/notesSlide8.xml><?xml version="1.0" encoding="utf-8"?>
+<file path=ppt/notesSlides/notesSlide9.xml><?xml version="1.0" encoding="utf-8"?>
 <p:notes xmlns:a="http://schemas.openxmlformats.org/drawingml/2006/main" xmlns:r="http://schemas.openxmlformats.org/officeDocument/2006/relationships" xmlns:p="http://schemas.openxmlformats.org/presentationml/2006/main">
   <p:cSld>
     <p:spTree>
@@ -1618,7 +2194,7 @@
           <a:p>
             <a:fld id="{2DD6E5AA-2C20-4C4E-BE94-E4CD41247A7F}" type="slidenum">
               <a:rPr lang="en-US" smtClean="0"/>
-              <a:t>10</a:t>
+              <a:t>11</a:t>
             </a:fld>
             <a:endParaRPr lang="en-US"/>
           </a:p>
@@ -1628,118 +2204,6 @@
     <p:extLst>
       <p:ext uri="{BB962C8B-B14F-4D97-AF65-F5344CB8AC3E}">
         <p14:creationId xmlns:p14="http://schemas.microsoft.com/office/powerpoint/2010/main" val="3599060585"/>
-      </p:ext>
-    </p:extLst>
-  </p:cSld>
-  <p:clrMapOvr>
-    <a:masterClrMapping/>
-  </p:clrMapOvr>
-</p:notes>
-</file>
-
-<file path=ppt/notesSlides/notesSlide9.xml><?xml version="1.0" encoding="utf-8"?>
-<p:notes xmlns:a="http://schemas.openxmlformats.org/drawingml/2006/main" xmlns:r="http://schemas.openxmlformats.org/officeDocument/2006/relationships" xmlns:p="http://schemas.openxmlformats.org/presentationml/2006/main">
-  <p:cSld>
-    <p:spTree>
-      <p:nvGrpSpPr>
-        <p:cNvPr id="1" name=""/>
-        <p:cNvGrpSpPr/>
-        <p:nvPr/>
-      </p:nvGrpSpPr>
-      <p:grpSpPr>
-        <a:xfrm>
-          <a:off x="0" y="0"/>
-          <a:ext cx="0" cy="0"/>
-          <a:chOff x="0" y="0"/>
-          <a:chExt cx="0" cy="0"/>
-        </a:xfrm>
-      </p:grpSpPr>
-      <p:sp>
-        <p:nvSpPr>
-          <p:cNvPr id="2" name="Slide Image Placeholder 1"/>
-          <p:cNvSpPr>
-            <a:spLocks noGrp="1" noRot="1" noChangeAspect="1"/>
-          </p:cNvSpPr>
-          <p:nvPr>
-            <p:ph type="sldImg"/>
-          </p:nvPr>
-        </p:nvSpPr>
-        <p:spPr/>
-      </p:sp>
-      <p:sp>
-        <p:nvSpPr>
-          <p:cNvPr id="3" name="Notes Placeholder 2"/>
-          <p:cNvSpPr>
-            <a:spLocks noGrp="1"/>
-          </p:cNvSpPr>
-          <p:nvPr>
-            <p:ph type="body" idx="1"/>
-          </p:nvPr>
-        </p:nvSpPr>
-        <p:spPr/>
-        <p:txBody>
-          <a:bodyPr/>
-          <a:lstStyle/>
-          <a:p>
-            <a:r>
-              <a:rPr lang="en-US" sz="1200" b="0" i="0" kern="1200" dirty="0">
-                <a:solidFill>
-                  <a:schemeClr val="tx1"/>
-                </a:solidFill>
-                <a:effectLst/>
-                <a:latin typeface="+mn-lt"/>
-                <a:ea typeface="+mn-ea"/>
-                <a:cs typeface="+mn-cs"/>
-              </a:rPr>
-              <a:t>Content: Detail benefits (financial, operational, strategic). Quantify improvements (ROI, efficiency gains, user satisfaction). Compare to baseline.</a:t>
-            </a:r>
-          </a:p>
-          <a:p>
-            <a:r>
-              <a:rPr lang="en-US" sz="1200" b="0" i="0" kern="1200" dirty="0">
-                <a:solidFill>
-                  <a:schemeClr val="tx1"/>
-                </a:solidFill>
-                <a:effectLst/>
-                <a:latin typeface="+mn-lt"/>
-                <a:ea typeface="+mn-ea"/>
-                <a:cs typeface="+mn-cs"/>
-              </a:rPr>
-              <a:t>Purpose: Clearly shows the value proposition and why the project is worth doing.</a:t>
-            </a:r>
-          </a:p>
-          <a:p>
-            <a:endParaRPr lang="en-US" dirty="0"/>
-          </a:p>
-        </p:txBody>
-      </p:sp>
-      <p:sp>
-        <p:nvSpPr>
-          <p:cNvPr id="4" name="Slide Number Placeholder 3"/>
-          <p:cNvSpPr>
-            <a:spLocks noGrp="1"/>
-          </p:cNvSpPr>
-          <p:nvPr>
-            <p:ph type="sldNum" sz="quarter" idx="5"/>
-          </p:nvPr>
-        </p:nvSpPr>
-        <p:spPr/>
-        <p:txBody>
-          <a:bodyPr/>
-          <a:lstStyle/>
-          <a:p>
-            <a:fld id="{2DD6E5AA-2C20-4C4E-BE94-E4CD41247A7F}" type="slidenum">
-              <a:rPr lang="en-US" smtClean="0"/>
-              <a:t>11</a:t>
-            </a:fld>
-            <a:endParaRPr lang="en-US"/>
-          </a:p>
-        </p:txBody>
-      </p:sp>
-    </p:spTree>
-    <p:extLst>
-      <p:ext uri="{BB962C8B-B14F-4D97-AF65-F5344CB8AC3E}">
-        <p14:creationId xmlns:p14="http://schemas.microsoft.com/office/powerpoint/2010/main" val="1750273785"/>
       </p:ext>
     </p:extLst>
   </p:cSld>
@@ -1799,7 +2263,7 @@
           <a:noFill/>
           <a:extLst>
             <a:ext uri="{909E8E84-426E-40dd-AFC4-6F175D3DCCD1}">
-              <a14:hiddenFill xmlns:a14="http://schemas.microsoft.com/office/drawing/2010/main" xmlns="">
+              <a14:hiddenFill xmlns="" xmlns:a14="http://schemas.microsoft.com/office/drawing/2010/main">
                 <a:solidFill>
                   <a:srgbClr val="FFFFFF"/>
                 </a:solidFill>
@@ -1859,7 +2323,7 @@
             </a:ln>
             <a:extLst>
               <a:ext uri="{91240B29-F687-4f45-9708-019B960494DF}">
-                <a14:hiddenLine xmlns:a14="http://schemas.microsoft.com/office/drawing/2010/main" xmlns="" w="9525">
+                <a14:hiddenLine xmlns="" xmlns:a14="http://schemas.microsoft.com/office/drawing/2010/main" w="9525">
                   <a:solidFill>
                     <a:srgbClr val="000000"/>
                   </a:solidFill>
@@ -1949,7 +2413,7 @@
             </a:ln>
             <a:extLst>
               <a:ext uri="{91240B29-F687-4f45-9708-019B960494DF}">
-                <a14:hiddenLine xmlns:a14="http://schemas.microsoft.com/office/drawing/2010/main" xmlns="" w="9525">
+                <a14:hiddenLine xmlns="" xmlns:a14="http://schemas.microsoft.com/office/drawing/2010/main" w="9525">
                   <a:solidFill>
                     <a:srgbClr val="000000"/>
                   </a:solidFill>
@@ -2039,7 +2503,7 @@
             </a:ln>
             <a:extLst>
               <a:ext uri="{91240B29-F687-4f45-9708-019B960494DF}">
-                <a14:hiddenLine xmlns:a14="http://schemas.microsoft.com/office/drawing/2010/main" xmlns="" w="9525">
+                <a14:hiddenLine xmlns="" xmlns:a14="http://schemas.microsoft.com/office/drawing/2010/main" w="9525">
                   <a:solidFill>
                     <a:srgbClr val="000000"/>
                   </a:solidFill>
@@ -2073,7 +2537,7 @@
             </a:ln>
             <a:extLst>
               <a:ext uri="{91240B29-F687-4f45-9708-019B960494DF}">
-                <a14:hiddenLine xmlns:a14="http://schemas.microsoft.com/office/drawing/2010/main" xmlns="" w="9525">
+                <a14:hiddenLine xmlns="" xmlns:a14="http://schemas.microsoft.com/office/drawing/2010/main" w="9525">
                   <a:solidFill>
                     <a:srgbClr val="000000"/>
                   </a:solidFill>
@@ -2163,7 +2627,7 @@
             </a:ln>
             <a:extLst>
               <a:ext uri="{91240B29-F687-4f45-9708-019B960494DF}">
-                <a14:hiddenLine xmlns:a14="http://schemas.microsoft.com/office/drawing/2010/main" xmlns="" w="9525">
+                <a14:hiddenLine xmlns="" xmlns:a14="http://schemas.microsoft.com/office/drawing/2010/main" w="9525">
                   <a:solidFill>
                     <a:srgbClr val="000000"/>
                   </a:solidFill>
@@ -2225,7 +2689,7 @@
             </a:ln>
             <a:extLst>
               <a:ext uri="{91240B29-F687-4f45-9708-019B960494DF}">
-                <a14:hiddenLine xmlns:a14="http://schemas.microsoft.com/office/drawing/2010/main" xmlns="" w="9525">
+                <a14:hiddenLine xmlns="" xmlns:a14="http://schemas.microsoft.com/office/drawing/2010/main" w="9525">
                   <a:solidFill>
                     <a:srgbClr val="000000"/>
                   </a:solidFill>
@@ -2287,7 +2751,7 @@
             </a:ln>
             <a:extLst>
               <a:ext uri="{91240B29-F687-4f45-9708-019B960494DF}">
-                <a14:hiddenLine xmlns:a14="http://schemas.microsoft.com/office/drawing/2010/main" xmlns="" w="9525">
+                <a14:hiddenLine xmlns="" xmlns:a14="http://schemas.microsoft.com/office/drawing/2010/main" w="9525">
                   <a:solidFill>
                     <a:srgbClr val="000000"/>
                   </a:solidFill>
@@ -2377,7 +2841,7 @@
             </a:ln>
             <a:extLst>
               <a:ext uri="{91240B29-F687-4f45-9708-019B960494DF}">
-                <a14:hiddenLine xmlns:a14="http://schemas.microsoft.com/office/drawing/2010/main" xmlns="" w="9525">
+                <a14:hiddenLine xmlns="" xmlns:a14="http://schemas.microsoft.com/office/drawing/2010/main" w="9525">
                   <a:solidFill>
                     <a:srgbClr val="000000"/>
                   </a:solidFill>
@@ -2439,7 +2903,7 @@
             </a:ln>
             <a:extLst>
               <a:ext uri="{91240B29-F687-4f45-9708-019B960494DF}">
-                <a14:hiddenLine xmlns:a14="http://schemas.microsoft.com/office/drawing/2010/main" xmlns="" w="9525">
+                <a14:hiddenLine xmlns="" xmlns:a14="http://schemas.microsoft.com/office/drawing/2010/main" w="9525">
                   <a:solidFill>
                     <a:srgbClr val="000000"/>
                   </a:solidFill>
@@ -2501,7 +2965,7 @@
             </a:ln>
             <a:extLst>
               <a:ext uri="{91240B29-F687-4f45-9708-019B960494DF}">
-                <a14:hiddenLine xmlns:a14="http://schemas.microsoft.com/office/drawing/2010/main" xmlns="" w="9525">
+                <a14:hiddenLine xmlns="" xmlns:a14="http://schemas.microsoft.com/office/drawing/2010/main" w="9525">
                   <a:solidFill>
                     <a:srgbClr val="000000"/>
                   </a:solidFill>
@@ -2591,7 +3055,7 @@
             </a:ln>
             <a:extLst>
               <a:ext uri="{91240B29-F687-4f45-9708-019B960494DF}">
-                <a14:hiddenLine xmlns:a14="http://schemas.microsoft.com/office/drawing/2010/main" xmlns="" w="9525">
+                <a14:hiddenLine xmlns="" xmlns:a14="http://schemas.microsoft.com/office/drawing/2010/main" w="9525">
                   <a:solidFill>
                     <a:srgbClr val="000000"/>
                   </a:solidFill>
@@ -2681,7 +3145,7 @@
             </a:ln>
             <a:extLst>
               <a:ext uri="{91240B29-F687-4f45-9708-019B960494DF}">
-                <a14:hiddenLine xmlns:a14="http://schemas.microsoft.com/office/drawing/2010/main" xmlns="" w="9525">
+                <a14:hiddenLine xmlns="" xmlns:a14="http://schemas.microsoft.com/office/drawing/2010/main" w="9525">
                   <a:solidFill>
                     <a:srgbClr val="000000"/>
                   </a:solidFill>
@@ -2743,7 +3207,7 @@
             </a:ln>
             <a:extLst>
               <a:ext uri="{91240B29-F687-4f45-9708-019B960494DF}">
-                <a14:hiddenLine xmlns:a14="http://schemas.microsoft.com/office/drawing/2010/main" xmlns="" w="9525">
+                <a14:hiddenLine xmlns="" xmlns:a14="http://schemas.microsoft.com/office/drawing/2010/main" w="9525">
                   <a:solidFill>
                     <a:srgbClr val="000000"/>
                   </a:solidFill>
@@ -2853,7 +3317,7 @@
             </a:ln>
             <a:extLst>
               <a:ext uri="{91240B29-F687-4f45-9708-019B960494DF}">
-                <a14:hiddenLine xmlns:a14="http://schemas.microsoft.com/office/drawing/2010/main" xmlns="" w="9525">
+                <a14:hiddenLine xmlns="" xmlns:a14="http://schemas.microsoft.com/office/drawing/2010/main" w="9525">
                   <a:solidFill>
                     <a:srgbClr val="000000"/>
                   </a:solidFill>
@@ -2915,7 +3379,7 @@
             </a:ln>
             <a:extLst>
               <a:ext uri="{91240B29-F687-4f45-9708-019B960494DF}">
-                <a14:hiddenLine xmlns:a14="http://schemas.microsoft.com/office/drawing/2010/main" xmlns="" w="9525">
+                <a14:hiddenLine xmlns="" xmlns:a14="http://schemas.microsoft.com/office/drawing/2010/main" w="9525">
                   <a:solidFill>
                     <a:srgbClr val="000000"/>
                   </a:solidFill>
@@ -3005,7 +3469,7 @@
             </a:ln>
             <a:extLst>
               <a:ext uri="{91240B29-F687-4f45-9708-019B960494DF}">
-                <a14:hiddenLine xmlns:a14="http://schemas.microsoft.com/office/drawing/2010/main" xmlns="" w="9525">
+                <a14:hiddenLine xmlns="" xmlns:a14="http://schemas.microsoft.com/office/drawing/2010/main" w="9525">
                   <a:solidFill>
                     <a:srgbClr val="000000"/>
                   </a:solidFill>
@@ -3095,7 +3559,7 @@
             </a:ln>
             <a:extLst>
               <a:ext uri="{91240B29-F687-4f45-9708-019B960494DF}">
-                <a14:hiddenLine xmlns:a14="http://schemas.microsoft.com/office/drawing/2010/main" xmlns="" w="9525">
+                <a14:hiddenLine xmlns="" xmlns:a14="http://schemas.microsoft.com/office/drawing/2010/main" w="9525">
                   <a:solidFill>
                     <a:srgbClr val="000000"/>
                   </a:solidFill>
@@ -3157,7 +3621,7 @@
             </a:ln>
             <a:extLst>
               <a:ext uri="{91240B29-F687-4f45-9708-019B960494DF}">
-                <a14:hiddenLine xmlns:a14="http://schemas.microsoft.com/office/drawing/2010/main" xmlns="" w="9525">
+                <a14:hiddenLine xmlns="" xmlns:a14="http://schemas.microsoft.com/office/drawing/2010/main" w="9525">
                   <a:solidFill>
                     <a:srgbClr val="000000"/>
                   </a:solidFill>
@@ -3247,7 +3711,7 @@
             </a:ln>
             <a:extLst>
               <a:ext uri="{91240B29-F687-4f45-9708-019B960494DF}">
-                <a14:hiddenLine xmlns:a14="http://schemas.microsoft.com/office/drawing/2010/main" xmlns="" w="9525">
+                <a14:hiddenLine xmlns="" xmlns:a14="http://schemas.microsoft.com/office/drawing/2010/main" w="9525">
                   <a:solidFill>
                     <a:srgbClr val="000000"/>
                   </a:solidFill>
@@ -3337,7 +3801,7 @@
             </a:ln>
             <a:extLst>
               <a:ext uri="{91240B29-F687-4f45-9708-019B960494DF}">
-                <a14:hiddenLine xmlns:a14="http://schemas.microsoft.com/office/drawing/2010/main" xmlns="" w="9525">
+                <a14:hiddenLine xmlns="" xmlns:a14="http://schemas.microsoft.com/office/drawing/2010/main" w="9525">
                   <a:solidFill>
                     <a:srgbClr val="000000"/>
                   </a:solidFill>
@@ -3393,7 +3857,7 @@
             </a:ln>
             <a:extLst>
               <a:ext uri="{91240B29-F687-4f45-9708-019B960494DF}">
-                <a14:hiddenLine xmlns:a14="http://schemas.microsoft.com/office/drawing/2010/main" xmlns="" w="9525">
+                <a14:hiddenLine xmlns="" xmlns:a14="http://schemas.microsoft.com/office/drawing/2010/main" w="9525">
                   <a:solidFill>
                     <a:srgbClr val="000000"/>
                   </a:solidFill>
@@ -3483,7 +3947,7 @@
             </a:ln>
             <a:extLst>
               <a:ext uri="{91240B29-F687-4f45-9708-019B960494DF}">
-                <a14:hiddenLine xmlns:a14="http://schemas.microsoft.com/office/drawing/2010/main" xmlns="" w="9525">
+                <a14:hiddenLine xmlns="" xmlns:a14="http://schemas.microsoft.com/office/drawing/2010/main" w="9525">
                   <a:solidFill>
                     <a:srgbClr val="000000"/>
                   </a:solidFill>
@@ -3539,7 +4003,7 @@
             </a:ln>
             <a:extLst>
               <a:ext uri="{91240B29-F687-4f45-9708-019B960494DF}">
-                <a14:hiddenLine xmlns:a14="http://schemas.microsoft.com/office/drawing/2010/main" xmlns="" w="9525">
+                <a14:hiddenLine xmlns="" xmlns:a14="http://schemas.microsoft.com/office/drawing/2010/main" w="9525">
                   <a:solidFill>
                     <a:srgbClr val="000000"/>
                   </a:solidFill>
@@ -3629,7 +4093,7 @@
             </a:ln>
             <a:extLst>
               <a:ext uri="{91240B29-F687-4f45-9708-019B960494DF}">
-                <a14:hiddenLine xmlns:a14="http://schemas.microsoft.com/office/drawing/2010/main" xmlns="" w="9525">
+                <a14:hiddenLine xmlns="" xmlns:a14="http://schemas.microsoft.com/office/drawing/2010/main" w="9525">
                   <a:solidFill>
                     <a:srgbClr val="000000"/>
                   </a:solidFill>
@@ -3697,7 +4161,7 @@
             </a:ln>
             <a:extLst>
               <a:ext uri="{91240B29-F687-4f45-9708-019B960494DF}">
-                <a14:hiddenLine xmlns:a14="http://schemas.microsoft.com/office/drawing/2010/main" xmlns="" w="9525">
+                <a14:hiddenLine xmlns="" xmlns:a14="http://schemas.microsoft.com/office/drawing/2010/main" w="9525">
                   <a:solidFill>
                     <a:srgbClr val="000000"/>
                   </a:solidFill>
@@ -3787,7 +4251,7 @@
             </a:ln>
             <a:extLst>
               <a:ext uri="{91240B29-F687-4f45-9708-019B960494DF}">
-                <a14:hiddenLine xmlns:a14="http://schemas.microsoft.com/office/drawing/2010/main" xmlns="" w="9525">
+                <a14:hiddenLine xmlns="" xmlns:a14="http://schemas.microsoft.com/office/drawing/2010/main" w="9525">
                   <a:solidFill>
                     <a:srgbClr val="000000"/>
                   </a:solidFill>
@@ -3855,7 +4319,7 @@
             </a:ln>
             <a:extLst>
               <a:ext uri="{91240B29-F687-4f45-9708-019B960494DF}">
-                <a14:hiddenLine xmlns:a14="http://schemas.microsoft.com/office/drawing/2010/main" xmlns="" w="9525">
+                <a14:hiddenLine xmlns="" xmlns:a14="http://schemas.microsoft.com/office/drawing/2010/main" w="9525">
                   <a:solidFill>
                     <a:srgbClr val="000000"/>
                   </a:solidFill>
@@ -3945,7 +4409,7 @@
             </a:ln>
             <a:extLst>
               <a:ext uri="{91240B29-F687-4f45-9708-019B960494DF}">
-                <a14:hiddenLine xmlns:a14="http://schemas.microsoft.com/office/drawing/2010/main" xmlns="" w="9525">
+                <a14:hiddenLine xmlns="" xmlns:a14="http://schemas.microsoft.com/office/drawing/2010/main" w="9525">
                   <a:solidFill>
                     <a:srgbClr val="000000"/>
                   </a:solidFill>
@@ -3979,7 +4443,7 @@
             </a:ln>
             <a:extLst>
               <a:ext uri="{91240B29-F687-4f45-9708-019B960494DF}">
-                <a14:hiddenLine xmlns:a14="http://schemas.microsoft.com/office/drawing/2010/main" xmlns="" w="9525">
+                <a14:hiddenLine xmlns="" xmlns:a14="http://schemas.microsoft.com/office/drawing/2010/main" w="9525">
                   <a:solidFill>
                     <a:srgbClr val="000000"/>
                   </a:solidFill>
@@ -4069,7 +4533,7 @@
             </a:ln>
             <a:extLst>
               <a:ext uri="{91240B29-F687-4f45-9708-019B960494DF}">
-                <a14:hiddenLine xmlns:a14="http://schemas.microsoft.com/office/drawing/2010/main" xmlns="" w="9525">
+                <a14:hiddenLine xmlns="" xmlns:a14="http://schemas.microsoft.com/office/drawing/2010/main" w="9525">
                   <a:solidFill>
                     <a:srgbClr val="000000"/>
                   </a:solidFill>
@@ -4131,7 +4595,7 @@
             </a:ln>
             <a:extLst>
               <a:ext uri="{91240B29-F687-4f45-9708-019B960494DF}">
-                <a14:hiddenLine xmlns:a14="http://schemas.microsoft.com/office/drawing/2010/main" xmlns="" w="9525">
+                <a14:hiddenLine xmlns="" xmlns:a14="http://schemas.microsoft.com/office/drawing/2010/main" w="9525">
                   <a:solidFill>
                     <a:srgbClr val="000000"/>
                   </a:solidFill>
@@ -4193,7 +4657,7 @@
             </a:ln>
             <a:extLst>
               <a:ext uri="{91240B29-F687-4f45-9708-019B960494DF}">
-                <a14:hiddenLine xmlns:a14="http://schemas.microsoft.com/office/drawing/2010/main" xmlns="" w="9525">
+                <a14:hiddenLine xmlns="" xmlns:a14="http://schemas.microsoft.com/office/drawing/2010/main" w="9525">
                   <a:solidFill>
                     <a:srgbClr val="000000"/>
                   </a:solidFill>
@@ -4283,7 +4747,7 @@
             </a:ln>
             <a:extLst>
               <a:ext uri="{91240B29-F687-4f45-9708-019B960494DF}">
-                <a14:hiddenLine xmlns:a14="http://schemas.microsoft.com/office/drawing/2010/main" xmlns="" w="9525">
+                <a14:hiddenLine xmlns="" xmlns:a14="http://schemas.microsoft.com/office/drawing/2010/main" w="9525">
                   <a:solidFill>
                     <a:srgbClr val="000000"/>
                   </a:solidFill>
@@ -4351,7 +4815,7 @@
             </a:ln>
             <a:extLst>
               <a:ext uri="{91240B29-F687-4f45-9708-019B960494DF}">
-                <a14:hiddenLine xmlns:a14="http://schemas.microsoft.com/office/drawing/2010/main" xmlns="" w="9525">
+                <a14:hiddenLine xmlns="" xmlns:a14="http://schemas.microsoft.com/office/drawing/2010/main" w="9525">
                   <a:solidFill>
                     <a:srgbClr val="000000"/>
                   </a:solidFill>
@@ -4413,7 +4877,7 @@
             </a:ln>
             <a:extLst>
               <a:ext uri="{91240B29-F687-4f45-9708-019B960494DF}">
-                <a14:hiddenLine xmlns:a14="http://schemas.microsoft.com/office/drawing/2010/main" xmlns="" w="9525">
+                <a14:hiddenLine xmlns="" xmlns:a14="http://schemas.microsoft.com/office/drawing/2010/main" w="9525">
                   <a:solidFill>
                     <a:srgbClr val="000000"/>
                   </a:solidFill>
@@ -4503,7 +4967,7 @@
             </a:ln>
             <a:extLst>
               <a:ext uri="{91240B29-F687-4f45-9708-019B960494DF}">
-                <a14:hiddenLine xmlns:a14="http://schemas.microsoft.com/office/drawing/2010/main" xmlns="" w="9525">
+                <a14:hiddenLine xmlns="" xmlns:a14="http://schemas.microsoft.com/office/drawing/2010/main" w="9525">
                   <a:solidFill>
                     <a:srgbClr val="000000"/>
                   </a:solidFill>
@@ -4565,7 +5029,7 @@
             </a:ln>
             <a:extLst>
               <a:ext uri="{91240B29-F687-4f45-9708-019B960494DF}">
-                <a14:hiddenLine xmlns:a14="http://schemas.microsoft.com/office/drawing/2010/main" xmlns="" w="9525">
+                <a14:hiddenLine xmlns="" xmlns:a14="http://schemas.microsoft.com/office/drawing/2010/main" w="9525">
                   <a:solidFill>
                     <a:srgbClr val="000000"/>
                   </a:solidFill>
@@ -4655,7 +5119,7 @@
             </a:ln>
             <a:extLst>
               <a:ext uri="{91240B29-F687-4f45-9708-019B960494DF}">
-                <a14:hiddenLine xmlns:a14="http://schemas.microsoft.com/office/drawing/2010/main" xmlns="" w="9525">
+                <a14:hiddenLine xmlns="" xmlns:a14="http://schemas.microsoft.com/office/drawing/2010/main" w="9525">
                   <a:solidFill>
                     <a:srgbClr val="000000"/>
                   </a:solidFill>
@@ -4717,7 +5181,7 @@
             </a:ln>
             <a:extLst>
               <a:ext uri="{91240B29-F687-4f45-9708-019B960494DF}">
-                <a14:hiddenLine xmlns:a14="http://schemas.microsoft.com/office/drawing/2010/main" xmlns="" w="9525">
+                <a14:hiddenLine xmlns="" xmlns:a14="http://schemas.microsoft.com/office/drawing/2010/main" w="9525">
                   <a:solidFill>
                     <a:srgbClr val="000000"/>
                   </a:solidFill>
@@ -4807,7 +5271,7 @@
             </a:ln>
             <a:extLst>
               <a:ext uri="{91240B29-F687-4f45-9708-019B960494DF}">
-                <a14:hiddenLine xmlns:a14="http://schemas.microsoft.com/office/drawing/2010/main" xmlns="" w="9525">
+                <a14:hiddenLine xmlns="" xmlns:a14="http://schemas.microsoft.com/office/drawing/2010/main" w="9525">
                   <a:solidFill>
                     <a:srgbClr val="000000"/>
                   </a:solidFill>
@@ -4841,7 +5305,7 @@
             </a:ln>
             <a:extLst>
               <a:ext uri="{91240B29-F687-4f45-9708-019B960494DF}">
-                <a14:hiddenLine xmlns:a14="http://schemas.microsoft.com/office/drawing/2010/main" xmlns="" w="9525">
+                <a14:hiddenLine xmlns="" xmlns:a14="http://schemas.microsoft.com/office/drawing/2010/main" w="9525">
                   <a:solidFill>
                     <a:srgbClr val="000000"/>
                   </a:solidFill>
@@ -4906,7 +5370,7 @@
             </a:ln>
             <a:extLst>
               <a:ext uri="{91240B29-F687-4f45-9708-019B960494DF}">
-                <a14:hiddenLine xmlns:a14="http://schemas.microsoft.com/office/drawing/2010/main" xmlns="" w="9525">
+                <a14:hiddenLine xmlns="" xmlns:a14="http://schemas.microsoft.com/office/drawing/2010/main" w="9525">
                   <a:solidFill>
                     <a:srgbClr val="000000"/>
                   </a:solidFill>
@@ -4996,7 +5460,7 @@
             </a:ln>
             <a:extLst>
               <a:ext uri="{91240B29-F687-4f45-9708-019B960494DF}">
-                <a14:hiddenLine xmlns:a14="http://schemas.microsoft.com/office/drawing/2010/main" xmlns="" w="9525">
+                <a14:hiddenLine xmlns="" xmlns:a14="http://schemas.microsoft.com/office/drawing/2010/main" w="9525">
                   <a:solidFill>
                     <a:srgbClr val="000000"/>
                   </a:solidFill>
@@ -5058,7 +5522,7 @@
             </a:ln>
             <a:extLst>
               <a:ext uri="{91240B29-F687-4f45-9708-019B960494DF}">
-                <a14:hiddenLine xmlns:a14="http://schemas.microsoft.com/office/drawing/2010/main" xmlns="" w="9525">
+                <a14:hiddenLine xmlns="" xmlns:a14="http://schemas.microsoft.com/office/drawing/2010/main" w="9525">
                   <a:solidFill>
                     <a:srgbClr val="000000"/>
                   </a:solidFill>
@@ -5148,7 +5612,7 @@
             </a:ln>
             <a:extLst>
               <a:ext uri="{91240B29-F687-4f45-9708-019B960494DF}">
-                <a14:hiddenLine xmlns:a14="http://schemas.microsoft.com/office/drawing/2010/main" xmlns="" w="9525">
+                <a14:hiddenLine xmlns="" xmlns:a14="http://schemas.microsoft.com/office/drawing/2010/main" w="9525">
                   <a:solidFill>
                     <a:srgbClr val="000000"/>
                   </a:solidFill>
@@ -5238,7 +5702,7 @@
             </a:ln>
             <a:extLst>
               <a:ext uri="{91240B29-F687-4f45-9708-019B960494DF}">
-                <a14:hiddenLine xmlns:a14="http://schemas.microsoft.com/office/drawing/2010/main" xmlns="" w="9525">
+                <a14:hiddenLine xmlns="" xmlns:a14="http://schemas.microsoft.com/office/drawing/2010/main" w="9525">
                   <a:solidFill>
                     <a:srgbClr val="000000"/>
                   </a:solidFill>
@@ -5303,7 +5767,7 @@
             </a:ln>
             <a:extLst>
               <a:ext uri="{91240B29-F687-4f45-9708-019B960494DF}">
-                <a14:hiddenLine xmlns:a14="http://schemas.microsoft.com/office/drawing/2010/main" xmlns="" w="9525">
+                <a14:hiddenLine xmlns="" xmlns:a14="http://schemas.microsoft.com/office/drawing/2010/main" w="9525">
                   <a:solidFill>
                     <a:srgbClr val="000000"/>
                   </a:solidFill>
@@ -5365,7 +5829,7 @@
             </a:ln>
             <a:extLst>
               <a:ext uri="{91240B29-F687-4f45-9708-019B960494DF}">
-                <a14:hiddenLine xmlns:a14="http://schemas.microsoft.com/office/drawing/2010/main" xmlns="" w="9525">
+                <a14:hiddenLine xmlns="" xmlns:a14="http://schemas.microsoft.com/office/drawing/2010/main" w="9525">
                   <a:solidFill>
                     <a:srgbClr val="000000"/>
                   </a:solidFill>
@@ -5455,7 +5919,7 @@
             </a:ln>
             <a:extLst>
               <a:ext uri="{91240B29-F687-4f45-9708-019B960494DF}">
-                <a14:hiddenLine xmlns:a14="http://schemas.microsoft.com/office/drawing/2010/main" xmlns="" w="9525">
+                <a14:hiddenLine xmlns="" xmlns:a14="http://schemas.microsoft.com/office/drawing/2010/main" w="9525">
                   <a:solidFill>
                     <a:srgbClr val="000000"/>
                   </a:solidFill>
@@ -5545,7 +6009,7 @@
             </a:ln>
             <a:extLst>
               <a:ext uri="{91240B29-F687-4f45-9708-019B960494DF}">
-                <a14:hiddenLine xmlns:a14="http://schemas.microsoft.com/office/drawing/2010/main" xmlns="" w="9525">
+                <a14:hiddenLine xmlns="" xmlns:a14="http://schemas.microsoft.com/office/drawing/2010/main" w="9525">
                   <a:solidFill>
                     <a:srgbClr val="000000"/>
                   </a:solidFill>
@@ -5607,7 +6071,7 @@
             </a:ln>
             <a:extLst>
               <a:ext uri="{91240B29-F687-4f45-9708-019B960494DF}">
-                <a14:hiddenLine xmlns:a14="http://schemas.microsoft.com/office/drawing/2010/main" xmlns="" w="9525">
+                <a14:hiddenLine xmlns="" xmlns:a14="http://schemas.microsoft.com/office/drawing/2010/main" w="9525">
                   <a:solidFill>
                     <a:srgbClr val="000000"/>
                   </a:solidFill>
@@ -5727,7 +6191,7 @@
             </a:ln>
             <a:extLst>
               <a:ext uri="{91240B29-F687-4f45-9708-019B960494DF}">
-                <a14:hiddenLine xmlns:a14="http://schemas.microsoft.com/office/drawing/2010/main" xmlns="" w="9525">
+                <a14:hiddenLine xmlns="" xmlns:a14="http://schemas.microsoft.com/office/drawing/2010/main" w="9525">
                   <a:solidFill>
                     <a:srgbClr val="000000"/>
                   </a:solidFill>
@@ -5795,7 +6259,7 @@
             </a:ln>
             <a:extLst>
               <a:ext uri="{91240B29-F687-4f45-9708-019B960494DF}">
-                <a14:hiddenLine xmlns:a14="http://schemas.microsoft.com/office/drawing/2010/main" xmlns="" w="9525">
+                <a14:hiddenLine xmlns="" xmlns:a14="http://schemas.microsoft.com/office/drawing/2010/main" w="9525">
                   <a:solidFill>
                     <a:srgbClr val="000000"/>
                   </a:solidFill>
@@ -5885,7 +6349,7 @@
             </a:ln>
             <a:extLst>
               <a:ext uri="{91240B29-F687-4f45-9708-019B960494DF}">
-                <a14:hiddenLine xmlns:a14="http://schemas.microsoft.com/office/drawing/2010/main" xmlns="" w="9525">
+                <a14:hiddenLine xmlns="" xmlns:a14="http://schemas.microsoft.com/office/drawing/2010/main" w="9525">
                   <a:solidFill>
                     <a:srgbClr val="000000"/>
                   </a:solidFill>
@@ -10692,7 +11156,7 @@
           <a:noFill/>
           <a:extLst>
             <a:ext uri="{909E8E84-426E-40dd-AFC4-6F175D3DCCD1}">
-              <a14:hiddenFill xmlns:a14="http://schemas.microsoft.com/office/drawing/2010/main" xmlns="">
+              <a14:hiddenFill xmlns="" xmlns:a14="http://schemas.microsoft.com/office/drawing/2010/main">
                 <a:solidFill>
                   <a:srgbClr val="FFFFFF"/>
                 </a:solidFill>
@@ -10766,7 +11230,7 @@
               </a:ln>
               <a:extLst>
                 <a:ext uri="{91240B29-F687-4f45-9708-019B960494DF}">
-                  <a14:hiddenLine xmlns:a14="http://schemas.microsoft.com/office/drawing/2010/main" xmlns="" w="9525">
+                  <a14:hiddenLine xmlns="" xmlns:a14="http://schemas.microsoft.com/office/drawing/2010/main" w="9525">
                     <a:solidFill>
                       <a:srgbClr val="000000"/>
                     </a:solidFill>
@@ -10856,7 +11320,7 @@
               </a:ln>
               <a:extLst>
                 <a:ext uri="{91240B29-F687-4f45-9708-019B960494DF}">
-                  <a14:hiddenLine xmlns:a14="http://schemas.microsoft.com/office/drawing/2010/main" xmlns="" w="9525">
+                  <a14:hiddenLine xmlns="" xmlns:a14="http://schemas.microsoft.com/office/drawing/2010/main" w="9525">
                     <a:solidFill>
                       <a:srgbClr val="000000"/>
                     </a:solidFill>
@@ -10946,7 +11410,7 @@
               </a:ln>
               <a:extLst>
                 <a:ext uri="{91240B29-F687-4f45-9708-019B960494DF}">
-                  <a14:hiddenLine xmlns:a14="http://schemas.microsoft.com/office/drawing/2010/main" xmlns="" w="9525">
+                  <a14:hiddenLine xmlns="" xmlns:a14="http://schemas.microsoft.com/office/drawing/2010/main" w="9525">
                     <a:solidFill>
                       <a:srgbClr val="000000"/>
                     </a:solidFill>
@@ -11008,7 +11472,7 @@
               </a:ln>
               <a:extLst>
                 <a:ext uri="{91240B29-F687-4f45-9708-019B960494DF}">
-                  <a14:hiddenLine xmlns:a14="http://schemas.microsoft.com/office/drawing/2010/main" xmlns="" w="9525">
+                  <a14:hiddenLine xmlns="" xmlns:a14="http://schemas.microsoft.com/office/drawing/2010/main" w="9525">
                     <a:solidFill>
                       <a:srgbClr val="000000"/>
                     </a:solidFill>
@@ -11098,7 +11562,7 @@
               </a:ln>
               <a:extLst>
                 <a:ext uri="{91240B29-F687-4f45-9708-019B960494DF}">
-                  <a14:hiddenLine xmlns:a14="http://schemas.microsoft.com/office/drawing/2010/main" xmlns="" w="9525">
+                  <a14:hiddenLine xmlns="" xmlns:a14="http://schemas.microsoft.com/office/drawing/2010/main" w="9525">
                     <a:solidFill>
                       <a:srgbClr val="000000"/>
                     </a:solidFill>
@@ -11160,7 +11624,7 @@
               </a:ln>
               <a:extLst>
                 <a:ext uri="{91240B29-F687-4f45-9708-019B960494DF}">
-                  <a14:hiddenLine xmlns:a14="http://schemas.microsoft.com/office/drawing/2010/main" xmlns="" w="9525">
+                  <a14:hiddenLine xmlns="" xmlns:a14="http://schemas.microsoft.com/office/drawing/2010/main" w="9525">
                     <a:solidFill>
                       <a:srgbClr val="000000"/>
                     </a:solidFill>
@@ -11222,7 +11686,7 @@
               </a:ln>
               <a:extLst>
                 <a:ext uri="{91240B29-F687-4f45-9708-019B960494DF}">
-                  <a14:hiddenLine xmlns:a14="http://schemas.microsoft.com/office/drawing/2010/main" xmlns="" w="9525">
+                  <a14:hiddenLine xmlns="" xmlns:a14="http://schemas.microsoft.com/office/drawing/2010/main" w="9525">
                     <a:solidFill>
                       <a:srgbClr val="000000"/>
                     </a:solidFill>
@@ -11312,7 +11776,7 @@
               </a:ln>
               <a:extLst>
                 <a:ext uri="{91240B29-F687-4f45-9708-019B960494DF}">
-                  <a14:hiddenLine xmlns:a14="http://schemas.microsoft.com/office/drawing/2010/main" xmlns="" w="9525">
+                  <a14:hiddenLine xmlns="" xmlns:a14="http://schemas.microsoft.com/office/drawing/2010/main" w="9525">
                     <a:solidFill>
                       <a:srgbClr val="000000"/>
                     </a:solidFill>
@@ -11402,7 +11866,7 @@
               </a:ln>
               <a:extLst>
                 <a:ext uri="{91240B29-F687-4f45-9708-019B960494DF}">
-                  <a14:hiddenLine xmlns:a14="http://schemas.microsoft.com/office/drawing/2010/main" xmlns="" w="9525">
+                  <a14:hiddenLine xmlns="" xmlns:a14="http://schemas.microsoft.com/office/drawing/2010/main" w="9525">
                     <a:solidFill>
                       <a:srgbClr val="000000"/>
                     </a:solidFill>
@@ -11464,7 +11928,7 @@
               </a:ln>
               <a:extLst>
                 <a:ext uri="{91240B29-F687-4f45-9708-019B960494DF}">
-                  <a14:hiddenLine xmlns:a14="http://schemas.microsoft.com/office/drawing/2010/main" xmlns="" w="9525">
+                  <a14:hiddenLine xmlns="" xmlns:a14="http://schemas.microsoft.com/office/drawing/2010/main" w="9525">
                     <a:solidFill>
                       <a:srgbClr val="000000"/>
                     </a:solidFill>
@@ -11574,7 +12038,7 @@
               </a:ln>
               <a:extLst>
                 <a:ext uri="{91240B29-F687-4f45-9708-019B960494DF}">
-                  <a14:hiddenLine xmlns:a14="http://schemas.microsoft.com/office/drawing/2010/main" xmlns="" w="9525">
+                  <a14:hiddenLine xmlns="" xmlns:a14="http://schemas.microsoft.com/office/drawing/2010/main" w="9525">
                     <a:solidFill>
                       <a:srgbClr val="000000"/>
                     </a:solidFill>
@@ -11658,7 +12122,7 @@
               </a:ln>
               <a:extLst>
                 <a:ext uri="{91240B29-F687-4f45-9708-019B960494DF}">
-                  <a14:hiddenLine xmlns:a14="http://schemas.microsoft.com/office/drawing/2010/main" xmlns="" w="9525">
+                  <a14:hiddenLine xmlns="" xmlns:a14="http://schemas.microsoft.com/office/drawing/2010/main" w="9525">
                     <a:solidFill>
                       <a:srgbClr val="000000"/>
                     </a:solidFill>
@@ -11720,7 +12184,7 @@
               </a:ln>
               <a:extLst>
                 <a:ext uri="{91240B29-F687-4f45-9708-019B960494DF}">
-                  <a14:hiddenLine xmlns:a14="http://schemas.microsoft.com/office/drawing/2010/main" xmlns="" w="9525">
+                  <a14:hiddenLine xmlns="" xmlns:a14="http://schemas.microsoft.com/office/drawing/2010/main" w="9525">
                     <a:solidFill>
                       <a:srgbClr val="000000"/>
                     </a:solidFill>
@@ -11782,7 +12246,7 @@
               </a:ln>
               <a:extLst>
                 <a:ext uri="{91240B29-F687-4f45-9708-019B960494DF}">
-                  <a14:hiddenLine xmlns:a14="http://schemas.microsoft.com/office/drawing/2010/main" xmlns="" w="9525">
+                  <a14:hiddenLine xmlns="" xmlns:a14="http://schemas.microsoft.com/office/drawing/2010/main" w="9525">
                     <a:solidFill>
                       <a:srgbClr val="000000"/>
                     </a:solidFill>
@@ -11872,7 +12336,7 @@
               </a:ln>
               <a:extLst>
                 <a:ext uri="{91240B29-F687-4f45-9708-019B960494DF}">
-                  <a14:hiddenLine xmlns:a14="http://schemas.microsoft.com/office/drawing/2010/main" xmlns="" w="9525">
+                  <a14:hiddenLine xmlns="" xmlns:a14="http://schemas.microsoft.com/office/drawing/2010/main" w="9525">
                     <a:solidFill>
                       <a:srgbClr val="000000"/>
                     </a:solidFill>
@@ -11906,7 +12370,7 @@
               </a:ln>
               <a:extLst>
                 <a:ext uri="{91240B29-F687-4f45-9708-019B960494DF}">
-                  <a14:hiddenLine xmlns:a14="http://schemas.microsoft.com/office/drawing/2010/main" xmlns="" w="9525">
+                  <a14:hiddenLine xmlns="" xmlns:a14="http://schemas.microsoft.com/office/drawing/2010/main" w="9525">
                     <a:solidFill>
                       <a:srgbClr val="000000"/>
                     </a:solidFill>
@@ -11971,7 +12435,7 @@
               </a:ln>
               <a:extLst>
                 <a:ext uri="{91240B29-F687-4f45-9708-019B960494DF}">
-                  <a14:hiddenLine xmlns:a14="http://schemas.microsoft.com/office/drawing/2010/main" xmlns="" w="9525">
+                  <a14:hiddenLine xmlns="" xmlns:a14="http://schemas.microsoft.com/office/drawing/2010/main" w="9525">
                     <a:solidFill>
                       <a:srgbClr val="000000"/>
                     </a:solidFill>
@@ -12061,7 +12525,7 @@
               </a:ln>
               <a:extLst>
                 <a:ext uri="{91240B29-F687-4f45-9708-019B960494DF}">
-                  <a14:hiddenLine xmlns:a14="http://schemas.microsoft.com/office/drawing/2010/main" xmlns="" w="9525">
+                  <a14:hiddenLine xmlns="" xmlns:a14="http://schemas.microsoft.com/office/drawing/2010/main" w="9525">
                     <a:solidFill>
                       <a:srgbClr val="000000"/>
                     </a:solidFill>
@@ -12123,7 +12587,7 @@
               </a:ln>
               <a:extLst>
                 <a:ext uri="{91240B29-F687-4f45-9708-019B960494DF}">
-                  <a14:hiddenLine xmlns:a14="http://schemas.microsoft.com/office/drawing/2010/main" xmlns="" w="9525">
+                  <a14:hiddenLine xmlns="" xmlns:a14="http://schemas.microsoft.com/office/drawing/2010/main" w="9525">
                     <a:solidFill>
                       <a:srgbClr val="000000"/>
                     </a:solidFill>
@@ -12213,7 +12677,7 @@
               </a:ln>
               <a:extLst>
                 <a:ext uri="{91240B29-F687-4f45-9708-019B960494DF}">
-                  <a14:hiddenLine xmlns:a14="http://schemas.microsoft.com/office/drawing/2010/main" xmlns="" w="9525">
+                  <a14:hiddenLine xmlns="" xmlns:a14="http://schemas.microsoft.com/office/drawing/2010/main" w="9525">
                     <a:solidFill>
                       <a:srgbClr val="000000"/>
                     </a:solidFill>
@@ -12278,7 +12742,7 @@
               </a:ln>
               <a:extLst>
                 <a:ext uri="{91240B29-F687-4f45-9708-019B960494DF}">
-                  <a14:hiddenLine xmlns:a14="http://schemas.microsoft.com/office/drawing/2010/main" xmlns="" w="9525">
+                  <a14:hiddenLine xmlns="" xmlns:a14="http://schemas.microsoft.com/office/drawing/2010/main" w="9525">
                     <a:solidFill>
                       <a:srgbClr val="000000"/>
                     </a:solidFill>
@@ -12340,7 +12804,7 @@
               </a:ln>
               <a:extLst>
                 <a:ext uri="{91240B29-F687-4f45-9708-019B960494DF}">
-                  <a14:hiddenLine xmlns:a14="http://schemas.microsoft.com/office/drawing/2010/main" xmlns="" w="9525">
+                  <a14:hiddenLine xmlns="" xmlns:a14="http://schemas.microsoft.com/office/drawing/2010/main" w="9525">
                     <a:solidFill>
                       <a:srgbClr val="000000"/>
                     </a:solidFill>
@@ -12430,7 +12894,7 @@
               </a:ln>
               <a:extLst>
                 <a:ext uri="{91240B29-F687-4f45-9708-019B960494DF}">
-                  <a14:hiddenLine xmlns:a14="http://schemas.microsoft.com/office/drawing/2010/main" xmlns="" w="9525">
+                  <a14:hiddenLine xmlns="" xmlns:a14="http://schemas.microsoft.com/office/drawing/2010/main" w="9525">
                     <a:solidFill>
                       <a:srgbClr val="000000"/>
                     </a:solidFill>
@@ -12520,7 +12984,7 @@
               </a:ln>
               <a:extLst>
                 <a:ext uri="{91240B29-F687-4f45-9708-019B960494DF}">
-                  <a14:hiddenLine xmlns:a14="http://schemas.microsoft.com/office/drawing/2010/main" xmlns="" w="9525">
+                  <a14:hiddenLine xmlns="" xmlns:a14="http://schemas.microsoft.com/office/drawing/2010/main" w="9525">
                     <a:solidFill>
                       <a:srgbClr val="000000"/>
                     </a:solidFill>
@@ -12585,7 +13049,7 @@
               </a:ln>
               <a:extLst>
                 <a:ext uri="{91240B29-F687-4f45-9708-019B960494DF}">
-                  <a14:hiddenLine xmlns:a14="http://schemas.microsoft.com/office/drawing/2010/main" xmlns="" w="9525">
+                  <a14:hiddenLine xmlns="" xmlns:a14="http://schemas.microsoft.com/office/drawing/2010/main" w="9525">
                     <a:solidFill>
                       <a:srgbClr val="000000"/>
                     </a:solidFill>
@@ -12705,7 +13169,7 @@
               </a:ln>
               <a:extLst>
                 <a:ext uri="{91240B29-F687-4f45-9708-019B960494DF}">
-                  <a14:hiddenLine xmlns:a14="http://schemas.microsoft.com/office/drawing/2010/main" xmlns="" w="9525">
+                  <a14:hiddenLine xmlns="" xmlns:a14="http://schemas.microsoft.com/office/drawing/2010/main" w="9525">
                     <a:solidFill>
                       <a:srgbClr val="000000"/>
                     </a:solidFill>
@@ -12803,7 +13267,7 @@
               </a:ln>
               <a:extLst>
                 <a:ext uri="{91240B29-F687-4f45-9708-019B960494DF}">
-                  <a14:hiddenLine xmlns:a14="http://schemas.microsoft.com/office/drawing/2010/main" xmlns="" w="9525">
+                  <a14:hiddenLine xmlns="" xmlns:a14="http://schemas.microsoft.com/office/drawing/2010/main" w="9525">
                     <a:solidFill>
                       <a:srgbClr val="000000"/>
                     </a:solidFill>
@@ -12918,7 +13382,7 @@
               </a:ln>
               <a:extLst>
                 <a:ext uri="{91240B29-F687-4f45-9708-019B960494DF}">
-                  <a14:hiddenLine xmlns:a14="http://schemas.microsoft.com/office/drawing/2010/main" xmlns="" w="9525">
+                  <a14:hiddenLine xmlns="" xmlns:a14="http://schemas.microsoft.com/office/drawing/2010/main" w="9525">
                     <a:solidFill>
                       <a:srgbClr val="000000"/>
                     </a:solidFill>
@@ -13008,7 +13472,7 @@
               </a:ln>
               <a:extLst>
                 <a:ext uri="{91240B29-F687-4f45-9708-019B960494DF}">
-                  <a14:hiddenLine xmlns:a14="http://schemas.microsoft.com/office/drawing/2010/main" xmlns="" w="9525">
+                  <a14:hiddenLine xmlns="" xmlns:a14="http://schemas.microsoft.com/office/drawing/2010/main" w="9525">
                     <a:solidFill>
                       <a:srgbClr val="000000"/>
                     </a:solidFill>
@@ -13073,7 +13537,7 @@
               </a:ln>
               <a:extLst>
                 <a:ext uri="{91240B29-F687-4f45-9708-019B960494DF}">
-                  <a14:hiddenLine xmlns:a14="http://schemas.microsoft.com/office/drawing/2010/main" xmlns="" w="9525">
+                  <a14:hiddenLine xmlns="" xmlns:a14="http://schemas.microsoft.com/office/drawing/2010/main" w="9525">
                     <a:solidFill>
                       <a:srgbClr val="000000"/>
                     </a:solidFill>
@@ -13163,7 +13627,7 @@
               </a:ln>
               <a:extLst>
                 <a:ext uri="{91240B29-F687-4f45-9708-019B960494DF}">
-                  <a14:hiddenLine xmlns:a14="http://schemas.microsoft.com/office/drawing/2010/main" xmlns="" w="9525">
+                  <a14:hiddenLine xmlns="" xmlns:a14="http://schemas.microsoft.com/office/drawing/2010/main" w="9525">
                     <a:solidFill>
                       <a:srgbClr val="000000"/>
                     </a:solidFill>
@@ -13231,7 +13695,7 @@
               </a:ln>
               <a:extLst>
                 <a:ext uri="{91240B29-F687-4f45-9708-019B960494DF}">
-                  <a14:hiddenLine xmlns:a14="http://schemas.microsoft.com/office/drawing/2010/main" xmlns="" w="9525">
+                  <a14:hiddenLine xmlns="" xmlns:a14="http://schemas.microsoft.com/office/drawing/2010/main" w="9525">
                     <a:solidFill>
                       <a:srgbClr val="000000"/>
                     </a:solidFill>
@@ -13321,7 +13785,7 @@
               </a:ln>
               <a:extLst>
                 <a:ext uri="{91240B29-F687-4f45-9708-019B960494DF}">
-                  <a14:hiddenLine xmlns:a14="http://schemas.microsoft.com/office/drawing/2010/main" xmlns="" w="9525">
+                  <a14:hiddenLine xmlns="" xmlns:a14="http://schemas.microsoft.com/office/drawing/2010/main" w="9525">
                     <a:solidFill>
                       <a:srgbClr val="000000"/>
                     </a:solidFill>
@@ -13389,7 +13853,7 @@
               </a:ln>
               <a:extLst>
                 <a:ext uri="{91240B29-F687-4f45-9708-019B960494DF}">
-                  <a14:hiddenLine xmlns:a14="http://schemas.microsoft.com/office/drawing/2010/main" xmlns="" w="9525">
+                  <a14:hiddenLine xmlns="" xmlns:a14="http://schemas.microsoft.com/office/drawing/2010/main" w="9525">
                     <a:solidFill>
                       <a:srgbClr val="000000"/>
                     </a:solidFill>
@@ -13479,7 +13943,7 @@
               </a:ln>
               <a:extLst>
                 <a:ext uri="{91240B29-F687-4f45-9708-019B960494DF}">
-                  <a14:hiddenLine xmlns:a14="http://schemas.microsoft.com/office/drawing/2010/main" xmlns="" w="9525">
+                  <a14:hiddenLine xmlns="" xmlns:a14="http://schemas.microsoft.com/office/drawing/2010/main" w="9525">
                     <a:solidFill>
                       <a:srgbClr val="000000"/>
                     </a:solidFill>
@@ -13513,7 +13977,7 @@
               </a:ln>
               <a:extLst>
                 <a:ext uri="{91240B29-F687-4f45-9708-019B960494DF}">
-                  <a14:hiddenLine xmlns:a14="http://schemas.microsoft.com/office/drawing/2010/main" xmlns="" w="9525">
+                  <a14:hiddenLine xmlns="" xmlns:a14="http://schemas.microsoft.com/office/drawing/2010/main" w="9525">
                     <a:solidFill>
                       <a:srgbClr val="000000"/>
                     </a:solidFill>
@@ -14233,7 +14697,7 @@
             </a:ln>
             <a:extLst>
               <a:ext uri="{91240B29-F687-4f45-9708-019B960494DF}">
-                <a14:hiddenLine xmlns="" xmlns:a16="http://schemas.microsoft.com/office/drawing/2014/main" xmlns:p14="http://schemas.microsoft.com/office/powerpoint/2010/main" xmlns:a14="http://schemas.microsoft.com/office/drawing/2010/main" w="9525">
+                <a14:hiddenLine xmlns:a14="http://schemas.microsoft.com/office/drawing/2010/main" xmlns:p14="http://schemas.microsoft.com/office/powerpoint/2010/main" xmlns:a16="http://schemas.microsoft.com/office/drawing/2014/main" xmlns="" w="9525">
                   <a:solidFill>
                     <a:srgbClr val="000000"/>
                   </a:solidFill>
@@ -14345,7 +14809,7 @@
             </a:ln>
             <a:extLst>
               <a:ext uri="{91240B29-F687-4f45-9708-019B960494DF}">
-                <a14:hiddenLine xmlns="" xmlns:a16="http://schemas.microsoft.com/office/drawing/2014/main" xmlns:p14="http://schemas.microsoft.com/office/powerpoint/2010/main" xmlns:a14="http://schemas.microsoft.com/office/drawing/2010/main" w="9525">
+                <a14:hiddenLine xmlns:a14="http://schemas.microsoft.com/office/drawing/2010/main" xmlns:p14="http://schemas.microsoft.com/office/powerpoint/2010/main" xmlns:a16="http://schemas.microsoft.com/office/drawing/2014/main" xmlns="" w="9525">
                   <a:solidFill>
                     <a:srgbClr val="000000"/>
                   </a:solidFill>
@@ -14457,7 +14921,7 @@
             </a:ln>
             <a:extLst>
               <a:ext uri="{91240B29-F687-4f45-9708-019B960494DF}">
-                <a14:hiddenLine xmlns="" xmlns:a16="http://schemas.microsoft.com/office/drawing/2014/main" xmlns:p14="http://schemas.microsoft.com/office/powerpoint/2010/main" xmlns:a14="http://schemas.microsoft.com/office/drawing/2010/main" w="9525">
+                <a14:hiddenLine xmlns:a14="http://schemas.microsoft.com/office/drawing/2010/main" xmlns:p14="http://schemas.microsoft.com/office/powerpoint/2010/main" xmlns:a16="http://schemas.microsoft.com/office/drawing/2014/main" xmlns="" w="9525">
                   <a:solidFill>
                     <a:srgbClr val="000000"/>
                   </a:solidFill>
@@ -14513,7 +14977,7 @@
             </a:ln>
             <a:extLst>
               <a:ext uri="{91240B29-F687-4f45-9708-019B960494DF}">
-                <a14:hiddenLine xmlns="" xmlns:a16="http://schemas.microsoft.com/office/drawing/2014/main" xmlns:p14="http://schemas.microsoft.com/office/powerpoint/2010/main" xmlns:a14="http://schemas.microsoft.com/office/drawing/2010/main" w="9525">
+                <a14:hiddenLine xmlns:a14="http://schemas.microsoft.com/office/drawing/2010/main" xmlns:p14="http://schemas.microsoft.com/office/powerpoint/2010/main" xmlns:a16="http://schemas.microsoft.com/office/drawing/2014/main" xmlns="" w="9525">
                   <a:solidFill>
                     <a:srgbClr val="000000"/>
                   </a:solidFill>
@@ -14625,7 +15089,7 @@
             </a:ln>
             <a:extLst>
               <a:ext uri="{91240B29-F687-4f45-9708-019B960494DF}">
-                <a14:hiddenLine xmlns="" xmlns:a16="http://schemas.microsoft.com/office/drawing/2014/main" xmlns:p14="http://schemas.microsoft.com/office/powerpoint/2010/main" xmlns:a14="http://schemas.microsoft.com/office/drawing/2010/main" w="9525">
+                <a14:hiddenLine xmlns:a14="http://schemas.microsoft.com/office/drawing/2010/main" xmlns:p14="http://schemas.microsoft.com/office/powerpoint/2010/main" xmlns:a16="http://schemas.microsoft.com/office/drawing/2014/main" xmlns="" w="9525">
                   <a:solidFill>
                     <a:srgbClr val="000000"/>
                   </a:solidFill>
@@ -14709,7 +15173,7 @@
             </a:ln>
             <a:extLst>
               <a:ext uri="{91240B29-F687-4f45-9708-019B960494DF}">
-                <a14:hiddenLine xmlns="" xmlns:a16="http://schemas.microsoft.com/office/drawing/2014/main" xmlns:p14="http://schemas.microsoft.com/office/powerpoint/2010/main" xmlns:a14="http://schemas.microsoft.com/office/drawing/2010/main" w="9525">
+                <a14:hiddenLine xmlns:a14="http://schemas.microsoft.com/office/drawing/2010/main" xmlns:p14="http://schemas.microsoft.com/office/powerpoint/2010/main" xmlns:a16="http://schemas.microsoft.com/office/drawing/2014/main" xmlns="" w="9525">
                   <a:solidFill>
                     <a:srgbClr val="000000"/>
                   </a:solidFill>
@@ -14793,7 +15257,7 @@
             </a:ln>
             <a:extLst>
               <a:ext uri="{91240B29-F687-4f45-9708-019B960494DF}">
-                <a14:hiddenLine xmlns="" xmlns:a16="http://schemas.microsoft.com/office/drawing/2014/main" xmlns:p14="http://schemas.microsoft.com/office/powerpoint/2010/main" xmlns:a14="http://schemas.microsoft.com/office/drawing/2010/main" w="9525">
+                <a14:hiddenLine xmlns:a14="http://schemas.microsoft.com/office/drawing/2010/main" xmlns:p14="http://schemas.microsoft.com/office/powerpoint/2010/main" xmlns:a16="http://schemas.microsoft.com/office/drawing/2014/main" xmlns="" w="9525">
                   <a:solidFill>
                     <a:srgbClr val="000000"/>
                   </a:solidFill>
@@ -14905,7 +15369,7 @@
             </a:ln>
             <a:extLst>
               <a:ext uri="{91240B29-F687-4f45-9708-019B960494DF}">
-                <a14:hiddenLine xmlns="" xmlns:a16="http://schemas.microsoft.com/office/drawing/2014/main" xmlns:p14="http://schemas.microsoft.com/office/powerpoint/2010/main" xmlns:a14="http://schemas.microsoft.com/office/drawing/2010/main" w="9525">
+                <a14:hiddenLine xmlns:a14="http://schemas.microsoft.com/office/drawing/2010/main" xmlns:p14="http://schemas.microsoft.com/office/powerpoint/2010/main" xmlns:a16="http://schemas.microsoft.com/office/drawing/2014/main" xmlns="" w="9525">
                   <a:solidFill>
                     <a:srgbClr val="000000"/>
                   </a:solidFill>
@@ -14989,7 +15453,7 @@
             </a:ln>
             <a:extLst>
               <a:ext uri="{91240B29-F687-4f45-9708-019B960494DF}">
-                <a14:hiddenLine xmlns="" xmlns:a16="http://schemas.microsoft.com/office/drawing/2014/main" xmlns:p14="http://schemas.microsoft.com/office/powerpoint/2010/main" xmlns:a14="http://schemas.microsoft.com/office/drawing/2010/main" w="9525">
+                <a14:hiddenLine xmlns:a14="http://schemas.microsoft.com/office/drawing/2010/main" xmlns:p14="http://schemas.microsoft.com/office/powerpoint/2010/main" xmlns:a16="http://schemas.microsoft.com/office/drawing/2014/main" xmlns="" w="9525">
                   <a:solidFill>
                     <a:srgbClr val="000000"/>
                   </a:solidFill>
@@ -15073,7 +15537,7 @@
             </a:ln>
             <a:extLst>
               <a:ext uri="{91240B29-F687-4f45-9708-019B960494DF}">
-                <a14:hiddenLine xmlns="" xmlns:a16="http://schemas.microsoft.com/office/drawing/2014/main" xmlns:p14="http://schemas.microsoft.com/office/powerpoint/2010/main" xmlns:a14="http://schemas.microsoft.com/office/drawing/2010/main" w="9525">
+                <a14:hiddenLine xmlns:a14="http://schemas.microsoft.com/office/drawing/2010/main" xmlns:p14="http://schemas.microsoft.com/office/powerpoint/2010/main" xmlns:a16="http://schemas.microsoft.com/office/drawing/2014/main" xmlns="" w="9525">
                   <a:solidFill>
                     <a:srgbClr val="000000"/>
                   </a:solidFill>
@@ -15185,7 +15649,7 @@
             </a:ln>
             <a:extLst>
               <a:ext uri="{91240B29-F687-4f45-9708-019B960494DF}">
-                <a14:hiddenLine xmlns="" xmlns:a16="http://schemas.microsoft.com/office/drawing/2014/main" xmlns:p14="http://schemas.microsoft.com/office/powerpoint/2010/main" xmlns:a14="http://schemas.microsoft.com/office/drawing/2010/main" w="9525">
+                <a14:hiddenLine xmlns:a14="http://schemas.microsoft.com/office/drawing/2010/main" xmlns:p14="http://schemas.microsoft.com/office/powerpoint/2010/main" xmlns:a16="http://schemas.microsoft.com/office/drawing/2014/main" xmlns="" w="9525">
                   <a:solidFill>
                     <a:srgbClr val="000000"/>
                   </a:solidFill>
@@ -15297,7 +15761,7 @@
             </a:ln>
             <a:extLst>
               <a:ext uri="{91240B29-F687-4f45-9708-019B960494DF}">
-                <a14:hiddenLine xmlns="" xmlns:a16="http://schemas.microsoft.com/office/drawing/2014/main" xmlns:p14="http://schemas.microsoft.com/office/powerpoint/2010/main" xmlns:a14="http://schemas.microsoft.com/office/drawing/2010/main" w="9525">
+                <a14:hiddenLine xmlns:a14="http://schemas.microsoft.com/office/drawing/2010/main" xmlns:p14="http://schemas.microsoft.com/office/powerpoint/2010/main" xmlns:a16="http://schemas.microsoft.com/office/drawing/2014/main" xmlns="" w="9525">
                   <a:solidFill>
                     <a:srgbClr val="000000"/>
                   </a:solidFill>
@@ -15381,7 +15845,7 @@
             </a:ln>
             <a:extLst>
               <a:ext uri="{91240B29-F687-4f45-9708-019B960494DF}">
-                <a14:hiddenLine xmlns="" xmlns:a16="http://schemas.microsoft.com/office/drawing/2014/main" xmlns:p14="http://schemas.microsoft.com/office/powerpoint/2010/main" xmlns:a14="http://schemas.microsoft.com/office/drawing/2010/main" w="9525">
+                <a14:hiddenLine xmlns:a14="http://schemas.microsoft.com/office/drawing/2010/main" xmlns:p14="http://schemas.microsoft.com/office/powerpoint/2010/main" xmlns:a16="http://schemas.microsoft.com/office/drawing/2014/main" xmlns="" w="9525">
                   <a:solidFill>
                     <a:srgbClr val="000000"/>
                   </a:solidFill>
@@ -15513,7 +15977,7 @@
             </a:ln>
             <a:extLst>
               <a:ext uri="{91240B29-F687-4f45-9708-019B960494DF}">
-                <a14:hiddenLine xmlns="" xmlns:a16="http://schemas.microsoft.com/office/drawing/2014/main" xmlns:p14="http://schemas.microsoft.com/office/powerpoint/2010/main" xmlns:a14="http://schemas.microsoft.com/office/drawing/2010/main" w="9525">
+                <a14:hiddenLine xmlns:a14="http://schemas.microsoft.com/office/drawing/2010/main" xmlns:p14="http://schemas.microsoft.com/office/powerpoint/2010/main" xmlns:a16="http://schemas.microsoft.com/office/drawing/2014/main" xmlns="" w="9525">
                   <a:solidFill>
                     <a:srgbClr val="000000"/>
                   </a:solidFill>
@@ -15597,7 +16061,7 @@
             </a:ln>
             <a:extLst>
               <a:ext uri="{91240B29-F687-4f45-9708-019B960494DF}">
-                <a14:hiddenLine xmlns="" xmlns:a16="http://schemas.microsoft.com/office/drawing/2014/main" xmlns:p14="http://schemas.microsoft.com/office/powerpoint/2010/main" xmlns:a14="http://schemas.microsoft.com/office/drawing/2010/main" w="9525">
+                <a14:hiddenLine xmlns:a14="http://schemas.microsoft.com/office/drawing/2010/main" xmlns:p14="http://schemas.microsoft.com/office/powerpoint/2010/main" xmlns:a16="http://schemas.microsoft.com/office/drawing/2014/main" xmlns="" w="9525">
                   <a:solidFill>
                     <a:srgbClr val="000000"/>
                   </a:solidFill>
@@ -15709,7 +16173,7 @@
             </a:ln>
             <a:extLst>
               <a:ext uri="{91240B29-F687-4f45-9708-019B960494DF}">
-                <a14:hiddenLine xmlns="" xmlns:a16="http://schemas.microsoft.com/office/drawing/2014/main" xmlns:p14="http://schemas.microsoft.com/office/powerpoint/2010/main" xmlns:a14="http://schemas.microsoft.com/office/drawing/2010/main" w="9525">
+                <a14:hiddenLine xmlns:a14="http://schemas.microsoft.com/office/drawing/2010/main" xmlns:p14="http://schemas.microsoft.com/office/powerpoint/2010/main" xmlns:a16="http://schemas.microsoft.com/office/drawing/2014/main" xmlns="" w="9525">
                   <a:solidFill>
                     <a:srgbClr val="000000"/>
                   </a:solidFill>
@@ -15821,7 +16285,7 @@
             </a:ln>
             <a:extLst>
               <a:ext uri="{91240B29-F687-4f45-9708-019B960494DF}">
-                <a14:hiddenLine xmlns="" xmlns:a16="http://schemas.microsoft.com/office/drawing/2014/main" xmlns:p14="http://schemas.microsoft.com/office/powerpoint/2010/main" xmlns:a14="http://schemas.microsoft.com/office/drawing/2010/main" w="9525">
+                <a14:hiddenLine xmlns:a14="http://schemas.microsoft.com/office/drawing/2010/main" xmlns:p14="http://schemas.microsoft.com/office/powerpoint/2010/main" xmlns:a16="http://schemas.microsoft.com/office/drawing/2014/main" xmlns="" w="9525">
                   <a:solidFill>
                     <a:srgbClr val="000000"/>
                   </a:solidFill>
@@ -15905,7 +16369,7 @@
             </a:ln>
             <a:extLst>
               <a:ext uri="{91240B29-F687-4f45-9708-019B960494DF}">
-                <a14:hiddenLine xmlns="" xmlns:a16="http://schemas.microsoft.com/office/drawing/2014/main" xmlns:p14="http://schemas.microsoft.com/office/powerpoint/2010/main" xmlns:a14="http://schemas.microsoft.com/office/drawing/2010/main" w="9525">
+                <a14:hiddenLine xmlns:a14="http://schemas.microsoft.com/office/drawing/2010/main" xmlns:p14="http://schemas.microsoft.com/office/powerpoint/2010/main" xmlns:a16="http://schemas.microsoft.com/office/drawing/2014/main" xmlns="" w="9525">
                   <a:solidFill>
                     <a:srgbClr val="000000"/>
                   </a:solidFill>
@@ -16017,7 +16481,7 @@
             </a:ln>
             <a:extLst>
               <a:ext uri="{91240B29-F687-4f45-9708-019B960494DF}">
-                <a14:hiddenLine xmlns="" xmlns:a16="http://schemas.microsoft.com/office/drawing/2014/main" xmlns:p14="http://schemas.microsoft.com/office/powerpoint/2010/main" xmlns:a14="http://schemas.microsoft.com/office/drawing/2010/main" w="9525">
+                <a14:hiddenLine xmlns:a14="http://schemas.microsoft.com/office/drawing/2010/main" xmlns:p14="http://schemas.microsoft.com/office/powerpoint/2010/main" xmlns:a16="http://schemas.microsoft.com/office/drawing/2014/main" xmlns="" w="9525">
                   <a:solidFill>
                     <a:srgbClr val="000000"/>
                   </a:solidFill>
@@ -16129,7 +16593,7 @@
             </a:ln>
             <a:extLst>
               <a:ext uri="{91240B29-F687-4f45-9708-019B960494DF}">
-                <a14:hiddenLine xmlns="" xmlns:a16="http://schemas.microsoft.com/office/drawing/2014/main" xmlns:p14="http://schemas.microsoft.com/office/powerpoint/2010/main" xmlns:a14="http://schemas.microsoft.com/office/drawing/2010/main" w="9525">
+                <a14:hiddenLine xmlns:a14="http://schemas.microsoft.com/office/drawing/2010/main" xmlns:p14="http://schemas.microsoft.com/office/powerpoint/2010/main" xmlns:a16="http://schemas.microsoft.com/office/drawing/2014/main" xmlns="" w="9525">
                   <a:solidFill>
                     <a:srgbClr val="000000"/>
                   </a:solidFill>
@@ -16207,7 +16671,7 @@
             </a:ln>
             <a:extLst>
               <a:ext uri="{91240B29-F687-4f45-9708-019B960494DF}">
-                <a14:hiddenLine xmlns="" xmlns:a16="http://schemas.microsoft.com/office/drawing/2014/main" xmlns:p14="http://schemas.microsoft.com/office/powerpoint/2010/main" xmlns:a14="http://schemas.microsoft.com/office/drawing/2010/main" w="9525">
+                <a14:hiddenLine xmlns:a14="http://schemas.microsoft.com/office/drawing/2010/main" xmlns:p14="http://schemas.microsoft.com/office/powerpoint/2010/main" xmlns:a16="http://schemas.microsoft.com/office/drawing/2014/main" xmlns="" w="9525">
                   <a:solidFill>
                     <a:srgbClr val="000000"/>
                   </a:solidFill>
@@ -16319,7 +16783,7 @@
             </a:ln>
             <a:extLst>
               <a:ext uri="{91240B29-F687-4f45-9708-019B960494DF}">
-                <a14:hiddenLine xmlns="" xmlns:a16="http://schemas.microsoft.com/office/drawing/2014/main" xmlns:p14="http://schemas.microsoft.com/office/powerpoint/2010/main" xmlns:a14="http://schemas.microsoft.com/office/drawing/2010/main" w="9525">
+                <a14:hiddenLine xmlns:a14="http://schemas.microsoft.com/office/drawing/2010/main" xmlns:p14="http://schemas.microsoft.com/office/powerpoint/2010/main" xmlns:a16="http://schemas.microsoft.com/office/drawing/2014/main" xmlns="" w="9525">
                   <a:solidFill>
                     <a:srgbClr val="000000"/>
                   </a:solidFill>
@@ -16397,7 +16861,7 @@
             </a:ln>
             <a:extLst>
               <a:ext uri="{91240B29-F687-4f45-9708-019B960494DF}">
-                <a14:hiddenLine xmlns="" xmlns:a16="http://schemas.microsoft.com/office/drawing/2014/main" xmlns:p14="http://schemas.microsoft.com/office/powerpoint/2010/main" xmlns:a14="http://schemas.microsoft.com/office/drawing/2010/main" w="9525">
+                <a14:hiddenLine xmlns:a14="http://schemas.microsoft.com/office/drawing/2010/main" xmlns:p14="http://schemas.microsoft.com/office/powerpoint/2010/main" xmlns:a16="http://schemas.microsoft.com/office/drawing/2014/main" xmlns="" w="9525">
                   <a:solidFill>
                     <a:srgbClr val="000000"/>
                   </a:solidFill>
@@ -16509,7 +16973,7 @@
             </a:ln>
             <a:extLst>
               <a:ext uri="{91240B29-F687-4f45-9708-019B960494DF}">
-                <a14:hiddenLine xmlns="" xmlns:a16="http://schemas.microsoft.com/office/drawing/2014/main" xmlns:p14="http://schemas.microsoft.com/office/powerpoint/2010/main" xmlns:a14="http://schemas.microsoft.com/office/drawing/2010/main" w="9525">
+                <a14:hiddenLine xmlns:a14="http://schemas.microsoft.com/office/drawing/2010/main" xmlns:p14="http://schemas.microsoft.com/office/powerpoint/2010/main" xmlns:a16="http://schemas.microsoft.com/office/drawing/2014/main" xmlns="" w="9525">
                   <a:solidFill>
                     <a:srgbClr val="000000"/>
                   </a:solidFill>
@@ -16599,7 +17063,7 @@
             </a:ln>
             <a:extLst>
               <a:ext uri="{91240B29-F687-4f45-9708-019B960494DF}">
-                <a14:hiddenLine xmlns="" xmlns:a16="http://schemas.microsoft.com/office/drawing/2014/main" xmlns:p14="http://schemas.microsoft.com/office/powerpoint/2010/main" xmlns:a14="http://schemas.microsoft.com/office/drawing/2010/main" w="9525">
+                <a14:hiddenLine xmlns:a14="http://schemas.microsoft.com/office/drawing/2010/main" xmlns:p14="http://schemas.microsoft.com/office/powerpoint/2010/main" xmlns:a16="http://schemas.microsoft.com/office/drawing/2014/main" xmlns="" w="9525">
                   <a:solidFill>
                     <a:srgbClr val="000000"/>
                   </a:solidFill>
@@ -16711,7 +17175,7 @@
             </a:ln>
             <a:extLst>
               <a:ext uri="{91240B29-F687-4f45-9708-019B960494DF}">
-                <a14:hiddenLine xmlns="" xmlns:a16="http://schemas.microsoft.com/office/drawing/2014/main" xmlns:p14="http://schemas.microsoft.com/office/powerpoint/2010/main" xmlns:a14="http://schemas.microsoft.com/office/drawing/2010/main" w="9525">
+                <a14:hiddenLine xmlns:a14="http://schemas.microsoft.com/office/drawing/2010/main" xmlns:p14="http://schemas.microsoft.com/office/powerpoint/2010/main" xmlns:a16="http://schemas.microsoft.com/office/drawing/2014/main" xmlns="" w="9525">
                   <a:solidFill>
                     <a:srgbClr val="000000"/>
                   </a:solidFill>
@@ -16801,7 +17265,7 @@
             </a:ln>
             <a:extLst>
               <a:ext uri="{91240B29-F687-4f45-9708-019B960494DF}">
-                <a14:hiddenLine xmlns="" xmlns:a16="http://schemas.microsoft.com/office/drawing/2014/main" xmlns:p14="http://schemas.microsoft.com/office/powerpoint/2010/main" xmlns:a14="http://schemas.microsoft.com/office/drawing/2010/main" w="9525">
+                <a14:hiddenLine xmlns:a14="http://schemas.microsoft.com/office/drawing/2010/main" xmlns:p14="http://schemas.microsoft.com/office/powerpoint/2010/main" xmlns:a16="http://schemas.microsoft.com/office/drawing/2014/main" xmlns="" w="9525">
                   <a:solidFill>
                     <a:srgbClr val="000000"/>
                   </a:solidFill>
@@ -16913,7 +17377,7 @@
             </a:ln>
             <a:extLst>
               <a:ext uri="{91240B29-F687-4f45-9708-019B960494DF}">
-                <a14:hiddenLine xmlns="" xmlns:a16="http://schemas.microsoft.com/office/drawing/2014/main" xmlns:p14="http://schemas.microsoft.com/office/powerpoint/2010/main" xmlns:a14="http://schemas.microsoft.com/office/drawing/2010/main" w="9525">
+                <a14:hiddenLine xmlns:a14="http://schemas.microsoft.com/office/drawing/2010/main" xmlns:p14="http://schemas.microsoft.com/office/powerpoint/2010/main" xmlns:a16="http://schemas.microsoft.com/office/drawing/2014/main" xmlns="" w="9525">
                   <a:solidFill>
                     <a:srgbClr val="000000"/>
                   </a:solidFill>
@@ -16969,7 +17433,7 @@
             </a:ln>
             <a:extLst>
               <a:ext uri="{91240B29-F687-4f45-9708-019B960494DF}">
-                <a14:hiddenLine xmlns="" xmlns:a16="http://schemas.microsoft.com/office/drawing/2014/main" xmlns:p14="http://schemas.microsoft.com/office/powerpoint/2010/main" xmlns:a14="http://schemas.microsoft.com/office/drawing/2010/main" w="9525">
+                <a14:hiddenLine xmlns:a14="http://schemas.microsoft.com/office/drawing/2010/main" xmlns:p14="http://schemas.microsoft.com/office/powerpoint/2010/main" xmlns:a16="http://schemas.microsoft.com/office/drawing/2014/main" xmlns="" w="9525">
                   <a:solidFill>
                     <a:srgbClr val="000000"/>
                   </a:solidFill>
@@ -17081,7 +17545,7 @@
             </a:ln>
             <a:extLst>
               <a:ext uri="{91240B29-F687-4f45-9708-019B960494DF}">
-                <a14:hiddenLine xmlns="" xmlns:a16="http://schemas.microsoft.com/office/drawing/2014/main" xmlns:p14="http://schemas.microsoft.com/office/powerpoint/2010/main" xmlns:a14="http://schemas.microsoft.com/office/drawing/2010/main" w="9525">
+                <a14:hiddenLine xmlns:a14="http://schemas.microsoft.com/office/drawing/2010/main" xmlns:p14="http://schemas.microsoft.com/office/powerpoint/2010/main" xmlns:a16="http://schemas.microsoft.com/office/drawing/2014/main" xmlns="" w="9525">
                   <a:solidFill>
                     <a:srgbClr val="000000"/>
                   </a:solidFill>
@@ -17165,7 +17629,7 @@
             </a:ln>
             <a:extLst>
               <a:ext uri="{91240B29-F687-4f45-9708-019B960494DF}">
-                <a14:hiddenLine xmlns="" xmlns:a16="http://schemas.microsoft.com/office/drawing/2014/main" xmlns:p14="http://schemas.microsoft.com/office/powerpoint/2010/main" xmlns:a14="http://schemas.microsoft.com/office/drawing/2010/main" w="9525">
+                <a14:hiddenLine xmlns:a14="http://schemas.microsoft.com/office/drawing/2010/main" xmlns:p14="http://schemas.microsoft.com/office/powerpoint/2010/main" xmlns:a16="http://schemas.microsoft.com/office/drawing/2014/main" xmlns="" w="9525">
                   <a:solidFill>
                     <a:srgbClr val="000000"/>
                   </a:solidFill>
@@ -17249,7 +17713,7 @@
             </a:ln>
             <a:extLst>
               <a:ext uri="{91240B29-F687-4f45-9708-019B960494DF}">
-                <a14:hiddenLine xmlns="" xmlns:a16="http://schemas.microsoft.com/office/drawing/2014/main" xmlns:p14="http://schemas.microsoft.com/office/powerpoint/2010/main" xmlns:a14="http://schemas.microsoft.com/office/drawing/2010/main" w="9525">
+                <a14:hiddenLine xmlns:a14="http://schemas.microsoft.com/office/drawing/2010/main" xmlns:p14="http://schemas.microsoft.com/office/powerpoint/2010/main" xmlns:a16="http://schemas.microsoft.com/office/drawing/2014/main" xmlns="" w="9525">
                   <a:solidFill>
                     <a:srgbClr val="000000"/>
                   </a:solidFill>
@@ -17361,7 +17825,7 @@
             </a:ln>
             <a:extLst>
               <a:ext uri="{91240B29-F687-4f45-9708-019B960494DF}">
-                <a14:hiddenLine xmlns="" xmlns:a16="http://schemas.microsoft.com/office/drawing/2014/main" xmlns:p14="http://schemas.microsoft.com/office/powerpoint/2010/main" xmlns:a14="http://schemas.microsoft.com/office/drawing/2010/main" w="9525">
+                <a14:hiddenLine xmlns:a14="http://schemas.microsoft.com/office/drawing/2010/main" xmlns:p14="http://schemas.microsoft.com/office/powerpoint/2010/main" xmlns:a16="http://schemas.microsoft.com/office/drawing/2014/main" xmlns="" w="9525">
                   <a:solidFill>
                     <a:srgbClr val="000000"/>
                   </a:solidFill>
@@ -17451,7 +17915,7 @@
             </a:ln>
             <a:extLst>
               <a:ext uri="{91240B29-F687-4f45-9708-019B960494DF}">
-                <a14:hiddenLine xmlns="" xmlns:a16="http://schemas.microsoft.com/office/drawing/2014/main" xmlns:p14="http://schemas.microsoft.com/office/powerpoint/2010/main" xmlns:a14="http://schemas.microsoft.com/office/drawing/2010/main" w="9525">
+                <a14:hiddenLine xmlns:a14="http://schemas.microsoft.com/office/drawing/2010/main" xmlns:p14="http://schemas.microsoft.com/office/powerpoint/2010/main" xmlns:a16="http://schemas.microsoft.com/office/drawing/2014/main" xmlns="" w="9525">
                   <a:solidFill>
                     <a:srgbClr val="000000"/>
                   </a:solidFill>
@@ -17535,7 +17999,7 @@
             </a:ln>
             <a:extLst>
               <a:ext uri="{91240B29-F687-4f45-9708-019B960494DF}">
-                <a14:hiddenLine xmlns="" xmlns:a16="http://schemas.microsoft.com/office/drawing/2014/main" xmlns:p14="http://schemas.microsoft.com/office/powerpoint/2010/main" xmlns:a14="http://schemas.microsoft.com/office/drawing/2010/main" w="9525">
+                <a14:hiddenLine xmlns:a14="http://schemas.microsoft.com/office/drawing/2010/main" xmlns:p14="http://schemas.microsoft.com/office/powerpoint/2010/main" xmlns:a16="http://schemas.microsoft.com/office/drawing/2014/main" xmlns="" w="9525">
                   <a:solidFill>
                     <a:srgbClr val="000000"/>
                   </a:solidFill>
@@ -17647,7 +18111,7 @@
             </a:ln>
             <a:extLst>
               <a:ext uri="{91240B29-F687-4f45-9708-019B960494DF}">
-                <a14:hiddenLine xmlns="" xmlns:a16="http://schemas.microsoft.com/office/drawing/2014/main" xmlns:p14="http://schemas.microsoft.com/office/powerpoint/2010/main" xmlns:a14="http://schemas.microsoft.com/office/drawing/2010/main" w="9525">
+                <a14:hiddenLine xmlns:a14="http://schemas.microsoft.com/office/drawing/2010/main" xmlns:p14="http://schemas.microsoft.com/office/powerpoint/2010/main" xmlns:a16="http://schemas.microsoft.com/office/drawing/2014/main" xmlns="" w="9525">
                   <a:solidFill>
                     <a:srgbClr val="000000"/>
                   </a:solidFill>
@@ -17731,7 +18195,7 @@
             </a:ln>
             <a:extLst>
               <a:ext uri="{91240B29-F687-4f45-9708-019B960494DF}">
-                <a14:hiddenLine xmlns="" xmlns:a16="http://schemas.microsoft.com/office/drawing/2014/main" xmlns:p14="http://schemas.microsoft.com/office/powerpoint/2010/main" xmlns:a14="http://schemas.microsoft.com/office/drawing/2010/main" w="9525">
+                <a14:hiddenLine xmlns:a14="http://schemas.microsoft.com/office/drawing/2010/main" xmlns:p14="http://schemas.microsoft.com/office/powerpoint/2010/main" xmlns:a16="http://schemas.microsoft.com/office/drawing/2014/main" xmlns="" w="9525">
                   <a:solidFill>
                     <a:srgbClr val="000000"/>
                   </a:solidFill>
@@ -17843,7 +18307,7 @@
             </a:ln>
             <a:extLst>
               <a:ext uri="{91240B29-F687-4f45-9708-019B960494DF}">
-                <a14:hiddenLine xmlns="" xmlns:a16="http://schemas.microsoft.com/office/drawing/2014/main" xmlns:p14="http://schemas.microsoft.com/office/powerpoint/2010/main" xmlns:a14="http://schemas.microsoft.com/office/drawing/2010/main" w="9525">
+                <a14:hiddenLine xmlns:a14="http://schemas.microsoft.com/office/drawing/2010/main" xmlns:p14="http://schemas.microsoft.com/office/powerpoint/2010/main" xmlns:a16="http://schemas.microsoft.com/office/drawing/2014/main" xmlns="" w="9525">
                   <a:solidFill>
                     <a:srgbClr val="000000"/>
                   </a:solidFill>
@@ -17927,7 +18391,7 @@
             </a:ln>
             <a:extLst>
               <a:ext uri="{91240B29-F687-4f45-9708-019B960494DF}">
-                <a14:hiddenLine xmlns="" xmlns:a16="http://schemas.microsoft.com/office/drawing/2014/main" xmlns:p14="http://schemas.microsoft.com/office/powerpoint/2010/main" xmlns:a14="http://schemas.microsoft.com/office/drawing/2010/main" w="9525">
+                <a14:hiddenLine xmlns:a14="http://schemas.microsoft.com/office/drawing/2010/main" xmlns:p14="http://schemas.microsoft.com/office/powerpoint/2010/main" xmlns:a16="http://schemas.microsoft.com/office/drawing/2014/main" xmlns="" w="9525">
                   <a:solidFill>
                     <a:srgbClr val="000000"/>
                   </a:solidFill>
@@ -18039,7 +18503,7 @@
             </a:ln>
             <a:extLst>
               <a:ext uri="{91240B29-F687-4f45-9708-019B960494DF}">
-                <a14:hiddenLine xmlns="" xmlns:a16="http://schemas.microsoft.com/office/drawing/2014/main" xmlns:p14="http://schemas.microsoft.com/office/powerpoint/2010/main" xmlns:a14="http://schemas.microsoft.com/office/drawing/2010/main" w="9525">
+                <a14:hiddenLine xmlns:a14="http://schemas.microsoft.com/office/drawing/2010/main" xmlns:p14="http://schemas.microsoft.com/office/powerpoint/2010/main" xmlns:a16="http://schemas.microsoft.com/office/drawing/2014/main" xmlns="" w="9525">
                   <a:solidFill>
                     <a:srgbClr val="000000"/>
                   </a:solidFill>
@@ -18095,7 +18559,7 @@
             </a:ln>
             <a:extLst>
               <a:ext uri="{91240B29-F687-4f45-9708-019B960494DF}">
-                <a14:hiddenLine xmlns="" xmlns:a16="http://schemas.microsoft.com/office/drawing/2014/main" xmlns:p14="http://schemas.microsoft.com/office/powerpoint/2010/main" xmlns:a14="http://schemas.microsoft.com/office/drawing/2010/main" w="9525">
+                <a14:hiddenLine xmlns:a14="http://schemas.microsoft.com/office/drawing/2010/main" xmlns:p14="http://schemas.microsoft.com/office/powerpoint/2010/main" xmlns:a16="http://schemas.microsoft.com/office/drawing/2014/main" xmlns="" w="9525">
                   <a:solidFill>
                     <a:srgbClr val="000000"/>
                   </a:solidFill>
@@ -18182,7 +18646,7 @@
             </a:ln>
             <a:extLst>
               <a:ext uri="{91240B29-F687-4f45-9708-019B960494DF}">
-                <a14:hiddenLine xmlns="" xmlns:a16="http://schemas.microsoft.com/office/drawing/2014/main" xmlns:p14="http://schemas.microsoft.com/office/powerpoint/2010/main" xmlns:a14="http://schemas.microsoft.com/office/drawing/2010/main" w="9525">
+                <a14:hiddenLine xmlns:a14="http://schemas.microsoft.com/office/drawing/2010/main" xmlns:p14="http://schemas.microsoft.com/office/powerpoint/2010/main" xmlns:a16="http://schemas.microsoft.com/office/drawing/2014/main" xmlns="" w="9525">
                   <a:solidFill>
                     <a:srgbClr val="000000"/>
                   </a:solidFill>
@@ -18294,7 +18758,7 @@
             </a:ln>
             <a:extLst>
               <a:ext uri="{91240B29-F687-4f45-9708-019B960494DF}">
-                <a14:hiddenLine xmlns="" xmlns:a16="http://schemas.microsoft.com/office/drawing/2014/main" xmlns:p14="http://schemas.microsoft.com/office/powerpoint/2010/main" xmlns:a14="http://schemas.microsoft.com/office/drawing/2010/main" w="9525">
+                <a14:hiddenLine xmlns:a14="http://schemas.microsoft.com/office/drawing/2010/main" xmlns:p14="http://schemas.microsoft.com/office/powerpoint/2010/main" xmlns:a16="http://schemas.microsoft.com/office/drawing/2014/main" xmlns="" w="9525">
                   <a:solidFill>
                     <a:srgbClr val="000000"/>
                   </a:solidFill>
@@ -18378,7 +18842,7 @@
             </a:ln>
             <a:extLst>
               <a:ext uri="{91240B29-F687-4f45-9708-019B960494DF}">
-                <a14:hiddenLine xmlns="" xmlns:a16="http://schemas.microsoft.com/office/drawing/2014/main" xmlns:p14="http://schemas.microsoft.com/office/powerpoint/2010/main" xmlns:a14="http://schemas.microsoft.com/office/drawing/2010/main" w="9525">
+                <a14:hiddenLine xmlns:a14="http://schemas.microsoft.com/office/drawing/2010/main" xmlns:p14="http://schemas.microsoft.com/office/powerpoint/2010/main" xmlns:a16="http://schemas.microsoft.com/office/drawing/2014/main" xmlns="" w="9525">
                   <a:solidFill>
                     <a:srgbClr val="000000"/>
                   </a:solidFill>
@@ -18490,7 +18954,7 @@
             </a:ln>
             <a:extLst>
               <a:ext uri="{91240B29-F687-4f45-9708-019B960494DF}">
-                <a14:hiddenLine xmlns="" xmlns:a16="http://schemas.microsoft.com/office/drawing/2014/main" xmlns:p14="http://schemas.microsoft.com/office/powerpoint/2010/main" xmlns:a14="http://schemas.microsoft.com/office/drawing/2010/main" w="9525">
+                <a14:hiddenLine xmlns:a14="http://schemas.microsoft.com/office/drawing/2010/main" xmlns:p14="http://schemas.microsoft.com/office/powerpoint/2010/main" xmlns:a16="http://schemas.microsoft.com/office/drawing/2014/main" xmlns="" w="9525">
                   <a:solidFill>
                     <a:srgbClr val="000000"/>
                   </a:solidFill>
@@ -18602,7 +19066,7 @@
             </a:ln>
             <a:extLst>
               <a:ext uri="{91240B29-F687-4f45-9708-019B960494DF}">
-                <a14:hiddenLine xmlns="" xmlns:a16="http://schemas.microsoft.com/office/drawing/2014/main" xmlns:p14="http://schemas.microsoft.com/office/powerpoint/2010/main" xmlns:a14="http://schemas.microsoft.com/office/drawing/2010/main" w="9525">
+                <a14:hiddenLine xmlns:a14="http://schemas.microsoft.com/office/drawing/2010/main" xmlns:p14="http://schemas.microsoft.com/office/powerpoint/2010/main" xmlns:a16="http://schemas.microsoft.com/office/drawing/2014/main" xmlns="" w="9525">
                   <a:solidFill>
                     <a:srgbClr val="000000"/>
                   </a:solidFill>
@@ -18689,7 +19153,7 @@
             </a:ln>
             <a:extLst>
               <a:ext uri="{91240B29-F687-4f45-9708-019B960494DF}">
-                <a14:hiddenLine xmlns="" xmlns:a16="http://schemas.microsoft.com/office/drawing/2014/main" xmlns:p14="http://schemas.microsoft.com/office/powerpoint/2010/main" xmlns:a14="http://schemas.microsoft.com/office/drawing/2010/main" w="9525">
+                <a14:hiddenLine xmlns:a14="http://schemas.microsoft.com/office/drawing/2010/main" xmlns:p14="http://schemas.microsoft.com/office/powerpoint/2010/main" xmlns:a16="http://schemas.microsoft.com/office/drawing/2014/main" xmlns="" w="9525">
                   <a:solidFill>
                     <a:srgbClr val="000000"/>
                   </a:solidFill>
@@ -18773,7 +19237,7 @@
             </a:ln>
             <a:extLst>
               <a:ext uri="{91240B29-F687-4f45-9708-019B960494DF}">
-                <a14:hiddenLine xmlns="" xmlns:a16="http://schemas.microsoft.com/office/drawing/2014/main" xmlns:p14="http://schemas.microsoft.com/office/powerpoint/2010/main" xmlns:a14="http://schemas.microsoft.com/office/drawing/2010/main" w="9525">
+                <a14:hiddenLine xmlns:a14="http://schemas.microsoft.com/office/drawing/2010/main" xmlns:p14="http://schemas.microsoft.com/office/powerpoint/2010/main" xmlns:a16="http://schemas.microsoft.com/office/drawing/2014/main" xmlns="" w="9525">
                   <a:solidFill>
                     <a:srgbClr val="000000"/>
                   </a:solidFill>
@@ -18885,7 +19349,7 @@
             </a:ln>
             <a:extLst>
               <a:ext uri="{91240B29-F687-4f45-9708-019B960494DF}">
-                <a14:hiddenLine xmlns="" xmlns:a16="http://schemas.microsoft.com/office/drawing/2014/main" xmlns:p14="http://schemas.microsoft.com/office/powerpoint/2010/main" xmlns:a14="http://schemas.microsoft.com/office/drawing/2010/main" w="9525">
+                <a14:hiddenLine xmlns:a14="http://schemas.microsoft.com/office/drawing/2010/main" xmlns:p14="http://schemas.microsoft.com/office/powerpoint/2010/main" xmlns:a16="http://schemas.microsoft.com/office/drawing/2014/main" xmlns="" w="9525">
                   <a:solidFill>
                     <a:srgbClr val="000000"/>
                   </a:solidFill>
@@ -18997,7 +19461,7 @@
             </a:ln>
             <a:extLst>
               <a:ext uri="{91240B29-F687-4f45-9708-019B960494DF}">
-                <a14:hiddenLine xmlns="" xmlns:a16="http://schemas.microsoft.com/office/drawing/2014/main" xmlns:p14="http://schemas.microsoft.com/office/powerpoint/2010/main" xmlns:a14="http://schemas.microsoft.com/office/drawing/2010/main" w="9525">
+                <a14:hiddenLine xmlns:a14="http://schemas.microsoft.com/office/drawing/2010/main" xmlns:p14="http://schemas.microsoft.com/office/powerpoint/2010/main" xmlns:a16="http://schemas.microsoft.com/office/drawing/2014/main" xmlns="" w="9525">
                   <a:solidFill>
                     <a:srgbClr val="000000"/>
                   </a:solidFill>
@@ -19081,7 +19545,7 @@
             </a:ln>
             <a:extLst>
               <a:ext uri="{91240B29-F687-4f45-9708-019B960494DF}">
-                <a14:hiddenLine xmlns="" xmlns:a16="http://schemas.microsoft.com/office/drawing/2014/main" xmlns:p14="http://schemas.microsoft.com/office/powerpoint/2010/main" xmlns:a14="http://schemas.microsoft.com/office/drawing/2010/main" w="9525">
+                <a14:hiddenLine xmlns:a14="http://schemas.microsoft.com/office/drawing/2010/main" xmlns:p14="http://schemas.microsoft.com/office/powerpoint/2010/main" xmlns:a16="http://schemas.microsoft.com/office/drawing/2014/main" xmlns="" w="9525">
                   <a:solidFill>
                     <a:srgbClr val="000000"/>
                   </a:solidFill>
@@ -19223,7 +19687,7 @@
             </a:ln>
             <a:extLst>
               <a:ext uri="{91240B29-F687-4f45-9708-019B960494DF}">
-                <a14:hiddenLine xmlns="" xmlns:a16="http://schemas.microsoft.com/office/drawing/2014/main" xmlns:p14="http://schemas.microsoft.com/office/powerpoint/2010/main" xmlns:a14="http://schemas.microsoft.com/office/drawing/2010/main" w="9525">
+                <a14:hiddenLine xmlns:a14="http://schemas.microsoft.com/office/drawing/2010/main" xmlns:p14="http://schemas.microsoft.com/office/powerpoint/2010/main" xmlns:a16="http://schemas.microsoft.com/office/drawing/2014/main" xmlns="" w="9525">
                   <a:solidFill>
                     <a:srgbClr val="000000"/>
                   </a:solidFill>
@@ -19313,7 +19777,7 @@
             </a:ln>
             <a:extLst>
               <a:ext uri="{91240B29-F687-4f45-9708-019B960494DF}">
-                <a14:hiddenLine xmlns="" xmlns:a16="http://schemas.microsoft.com/office/drawing/2014/main" xmlns:p14="http://schemas.microsoft.com/office/powerpoint/2010/main" xmlns:a14="http://schemas.microsoft.com/office/drawing/2010/main" w="9525">
+                <a14:hiddenLine xmlns:a14="http://schemas.microsoft.com/office/drawing/2010/main" xmlns:p14="http://schemas.microsoft.com/office/powerpoint/2010/main" xmlns:a16="http://schemas.microsoft.com/office/drawing/2014/main" xmlns="" w="9525">
                   <a:solidFill>
                     <a:srgbClr val="000000"/>
                   </a:solidFill>
@@ -19425,7 +19889,7 @@
             </a:ln>
             <a:extLst>
               <a:ext uri="{91240B29-F687-4f45-9708-019B960494DF}">
-                <a14:hiddenLine xmlns="" xmlns:a16="http://schemas.microsoft.com/office/drawing/2014/main" xmlns:p14="http://schemas.microsoft.com/office/powerpoint/2010/main" xmlns:a14="http://schemas.microsoft.com/office/drawing/2010/main" w="9525">
+                <a14:hiddenLine xmlns:a14="http://schemas.microsoft.com/office/drawing/2010/main" xmlns:p14="http://schemas.microsoft.com/office/powerpoint/2010/main" xmlns:a16="http://schemas.microsoft.com/office/drawing/2014/main" xmlns="" w="9525">
                   <a:solidFill>
                     <a:srgbClr val="000000"/>
                   </a:solidFill>
@@ -19500,7 +19964,7 @@
           <a:noFill/>
           <a:extLst>
             <a:ext uri="{909E8E84-426E-40dd-AFC4-6F175D3DCCD1}">
-              <a14:hiddenFill xmlns="" xmlns:a16="http://schemas.microsoft.com/office/drawing/2014/main" xmlns:p14="http://schemas.microsoft.com/office/powerpoint/2010/main" xmlns:a14="http://schemas.microsoft.com/office/drawing/2010/main">
+              <a14:hiddenFill xmlns:a14="http://schemas.microsoft.com/office/drawing/2010/main" xmlns:p14="http://schemas.microsoft.com/office/powerpoint/2010/main" xmlns:a16="http://schemas.microsoft.com/office/drawing/2014/main" xmlns="">
                 <a:solidFill>
                   <a:srgbClr val="FFFFFF"/>
                 </a:solidFill>
@@ -19660,6 +20124,193 @@
         <p:cNvPr id="1" name="">
           <a:extLst>
             <a:ext uri="{FF2B5EF4-FFF2-40B4-BE49-F238E27FC236}">
+              <a16:creationId xmlns:a16="http://schemas.microsoft.com/office/drawing/2014/main" id="{AE64E630-7720-F5F5-0F14-116755087E46}"/>
+            </a:ext>
+          </a:extLst>
+        </p:cNvPr>
+        <p:cNvGrpSpPr/>
+        <p:nvPr/>
+      </p:nvGrpSpPr>
+      <p:grpSpPr>
+        <a:xfrm>
+          <a:off x="0" y="0"/>
+          <a:ext cx="0" cy="0"/>
+          <a:chOff x="0" y="0"/>
+          <a:chExt cx="0" cy="0"/>
+        </a:xfrm>
+      </p:grpSpPr>
+      <p:sp>
+        <p:nvSpPr>
+          <p:cNvPr id="2" name="Title 1">
+            <a:extLst>
+              <a:ext uri="{FF2B5EF4-FFF2-40B4-BE49-F238E27FC236}">
+                <a16:creationId xmlns:a16="http://schemas.microsoft.com/office/drawing/2014/main" id="{328B37B6-95A8-B719-92FF-2B35C65A2F50}"/>
+              </a:ext>
+            </a:extLst>
+          </p:cNvPr>
+          <p:cNvSpPr>
+            <a:spLocks noGrp="1"/>
+          </p:cNvSpPr>
+          <p:nvPr>
+            <p:ph type="title"/>
+          </p:nvPr>
+        </p:nvSpPr>
+        <p:spPr/>
+        <p:txBody>
+          <a:bodyPr/>
+          <a:lstStyle/>
+          <a:p>
+            <a:r>
+              <a:rPr lang="en-US" dirty="0"/>
+              <a:t>Resources Needed</a:t>
+            </a:r>
+          </a:p>
+        </p:txBody>
+      </p:sp>
+      <p:sp>
+        <p:nvSpPr>
+          <p:cNvPr id="3" name="Content Placeholder 2">
+            <a:extLst>
+              <a:ext uri="{FF2B5EF4-FFF2-40B4-BE49-F238E27FC236}">
+                <a16:creationId xmlns:a16="http://schemas.microsoft.com/office/drawing/2014/main" id="{6CFB4B30-FDB6-397E-B0D9-46B85DB66E76}"/>
+              </a:ext>
+            </a:extLst>
+          </p:cNvPr>
+          <p:cNvSpPr>
+            <a:spLocks noGrp="1"/>
+          </p:cNvSpPr>
+          <p:nvPr>
+            <p:ph idx="1"/>
+          </p:nvPr>
+        </p:nvSpPr>
+        <p:spPr/>
+        <p:txBody>
+          <a:bodyPr>
+            <a:normAutofit fontScale="55000" lnSpcReduction="20000"/>
+          </a:bodyPr>
+          <a:lstStyle/>
+          <a:p>
+            <a:r>
+              <a:rPr lang="en-US" dirty="0"/>
+              <a:t>Technical Resources</a:t>
+            </a:r>
+          </a:p>
+          <a:p>
+            <a:pPr lvl="1"/>
+            <a:r>
+              <a:rPr lang="en-US" dirty="0"/>
+              <a:t>Access to historical technician and task performance data for model training.</a:t>
+            </a:r>
+          </a:p>
+          <a:p>
+            <a:pPr lvl="1"/>
+            <a:r>
+              <a:rPr lang="en-US" dirty="0"/>
+              <a:t>A machine learning environment (e.g., AWS SageMaker) for building and deploying predictive models.</a:t>
+            </a:r>
+          </a:p>
+          <a:p>
+            <a:pPr lvl="1"/>
+            <a:r>
+              <a:rPr lang="en-US" dirty="0"/>
+              <a:t>A Go-based backend framework for handling API calls and assignment logic.</a:t>
+            </a:r>
+          </a:p>
+          <a:p>
+            <a:pPr lvl="1"/>
+            <a:r>
+              <a:rPr lang="en-US" dirty="0"/>
+              <a:t>Containerization tools such as Docker for packaging the application.</a:t>
+            </a:r>
+          </a:p>
+          <a:p>
+            <a:pPr lvl="1"/>
+            <a:r>
+              <a:rPr lang="en-US" dirty="0"/>
+              <a:t>CI/CD pipeline setup (e.g., GitHub Actions) for automated deployment.</a:t>
+            </a:r>
+          </a:p>
+          <a:p>
+            <a:pPr lvl="1"/>
+            <a:r>
+              <a:rPr lang="en-US" dirty="0"/>
+              <a:t>Monitoring and observability tools like Prometheus and Grafana.</a:t>
+            </a:r>
+          </a:p>
+          <a:p>
+            <a:pPr lvl="1"/>
+            <a:r>
+              <a:rPr lang="en-US" dirty="0"/>
+              <a:t>A cloud infrastructure account (AWS or equivalent) to host services.</a:t>
+            </a:r>
+          </a:p>
+          <a:p>
+            <a:r>
+              <a:rPr lang="en-US" dirty="0"/>
+              <a:t>Human Resources</a:t>
+            </a:r>
+          </a:p>
+          <a:p>
+            <a:pPr lvl="1"/>
+            <a:r>
+              <a:rPr lang="en-US" dirty="0"/>
+              <a:t>Data scientists/ML engineers to build and refine the prediction model.</a:t>
+            </a:r>
+          </a:p>
+          <a:p>
+            <a:pPr lvl="1"/>
+            <a:r>
+              <a:rPr lang="en-US" dirty="0"/>
+              <a:t>Backend developers (Go) to implement the microservice and APIs.</a:t>
+            </a:r>
+          </a:p>
+          <a:p>
+            <a:pPr lvl="1"/>
+            <a:r>
+              <a:rPr lang="en-US" dirty="0"/>
+              <a:t>DevOps engineers to manage deployment, monitoring, and scaling.</a:t>
+            </a:r>
+          </a:p>
+          <a:p>
+            <a:pPr lvl="1"/>
+            <a:r>
+              <a:rPr lang="en-US" dirty="0"/>
+              <a:t>Project managers to oversee progress, milestones, and stakeholder alignment.</a:t>
+            </a:r>
+          </a:p>
+          <a:p>
+            <a:pPr lvl="1"/>
+            <a:r>
+              <a:rPr lang="en-US" dirty="0"/>
+              <a:t>Training support for dispatchers, technicians, and managers to adopt the new system.</a:t>
+            </a:r>
+          </a:p>
+          <a:p>
+            <a:endParaRPr lang="en-US" dirty="0"/>
+          </a:p>
+        </p:txBody>
+      </p:sp>
+    </p:spTree>
+    <p:extLst>
+      <p:ext uri="{BB962C8B-B14F-4D97-AF65-F5344CB8AC3E}">
+        <p14:creationId xmlns:p14="http://schemas.microsoft.com/office/powerpoint/2010/main" val="2631850042"/>
+      </p:ext>
+    </p:extLst>
+  </p:cSld>
+  <p:clrMapOvr>
+    <a:masterClrMapping/>
+  </p:clrMapOvr>
+</p:sld>
+</file>
+
+<file path=ppt/slides/slide11.xml><?xml version="1.0" encoding="utf-8"?>
+<p:sld xmlns:a="http://schemas.openxmlformats.org/drawingml/2006/main" xmlns:r="http://schemas.openxmlformats.org/officeDocument/2006/relationships" xmlns:p="http://schemas.openxmlformats.org/presentationml/2006/main">
+  <p:cSld>
+    <p:spTree>
+      <p:nvGrpSpPr>
+        <p:cNvPr id="1" name="">
+          <a:extLst>
+            <a:ext uri="{FF2B5EF4-FFF2-40B4-BE49-F238E27FC236}">
               <a16:creationId xmlns:a16="http://schemas.microsoft.com/office/drawing/2014/main" id="{6456BCB4-AAFE-5542-6B98-F4380BC784E3}"/>
             </a:ext>
           </a:extLst>
@@ -19703,48 +20354,6 @@
           </a:p>
         </p:txBody>
       </p:sp>
-      <p:sp>
-        <p:nvSpPr>
-          <p:cNvPr id="3" name="Content Placeholder 2">
-            <a:extLst>
-              <a:ext uri="{FF2B5EF4-FFF2-40B4-BE49-F238E27FC236}">
-                <a16:creationId xmlns:a16="http://schemas.microsoft.com/office/drawing/2014/main" id="{6B54D7BB-CF9E-1AA1-0BAB-E7663A99DCAC}"/>
-              </a:ext>
-            </a:extLst>
-          </p:cNvPr>
-          <p:cNvSpPr>
-            <a:spLocks noGrp="1"/>
-          </p:cNvSpPr>
-          <p:nvPr>
-            <p:ph idx="1"/>
-          </p:nvPr>
-        </p:nvSpPr>
-        <p:spPr>
-          <a:xfrm>
-            <a:off x="838200" y="1825625"/>
-            <a:ext cx="3288030" cy="4351338"/>
-          </a:xfrm>
-        </p:spPr>
-        <p:txBody>
-          <a:bodyPr/>
-          <a:lstStyle/>
-          <a:p>
-            <a:r>
-              <a:rPr lang="en-US" dirty="0"/>
-              <a:t>Include a slide showing a high-level timeline of the project, roles assigned, resources needed, and dependencies.</a:t>
-            </a:r>
-          </a:p>
-          <a:p>
-            <a:endParaRPr lang="en-US" dirty="0"/>
-          </a:p>
-          <a:p>
-            <a:endParaRPr lang="en-US" dirty="0"/>
-          </a:p>
-          <a:p>
-            <a:endParaRPr lang="en-US" dirty="0"/>
-          </a:p>
-        </p:txBody>
-      </p:sp>
       <p:graphicFrame>
         <p:nvGraphicFramePr>
           <p:cNvPr id="4" name="Table 3">
@@ -19760,7 +20369,7 @@
           <p:nvPr>
             <p:extLst>
               <p:ext uri="{D42A27DB-BD31-4B8C-83A1-F6EECF244321}">
-                <p14:modId xmlns:p14="http://schemas.microsoft.com/office/powerpoint/2010/main" val="3134512991"/>
+                <p14:modId xmlns:p14="http://schemas.microsoft.com/office/powerpoint/2010/main" val="292757631"/>
               </p:ext>
             </p:extLst>
           </p:nvPr>
@@ -19835,6 +20444,9 @@
                       </a:pPr>
                       <a:r>
                         <a:rPr lang="en-US" sz="1800" b="1">
+                          <a:solidFill>
+                            <a:schemeClr val="bg1"/>
+                          </a:solidFill>
                           <a:effectLst/>
                         </a:rPr>
                         <a:t>Week</a:t>
@@ -19878,9 +20490,7 @@
                       <a:headEnd type="none" w="med" len="med"/>
                       <a:tailEnd type="none" w="med" len="med"/>
                     </a:lnB>
-                    <a:solidFill>
-                      <a:srgbClr val="F8FAFB"/>
-                    </a:solidFill>
+                    <a:noFill/>
                   </a:tcPr>
                 </a:tc>
                 <a:tc>
@@ -19893,6 +20503,9 @@
                       </a:pPr>
                       <a:r>
                         <a:rPr lang="en-US" sz="1800" b="1">
+                          <a:solidFill>
+                            <a:schemeClr val="bg1"/>
+                          </a:solidFill>
                           <a:effectLst/>
                         </a:rPr>
                         <a:t>1-2</a:t>
@@ -19936,9 +20549,7 @@
                       <a:headEnd type="none" w="med" len="med"/>
                       <a:tailEnd type="none" w="med" len="med"/>
                     </a:lnB>
-                    <a:solidFill>
-                      <a:srgbClr val="F8FAFB"/>
-                    </a:solidFill>
+                    <a:noFill/>
                   </a:tcPr>
                 </a:tc>
                 <a:tc>
@@ -19951,6 +20562,9 @@
                       </a:pPr>
                       <a:r>
                         <a:rPr lang="en-US" sz="1800" b="1">
+                          <a:solidFill>
+                            <a:schemeClr val="bg1"/>
+                          </a:solidFill>
                           <a:effectLst/>
                         </a:rPr>
                         <a:t>3-5</a:t>
@@ -19985,18 +20599,16 @@
                       <a:headEnd type="none" w="med" len="med"/>
                       <a:tailEnd type="none" w="med" len="med"/>
                     </a:lnT>
-                    <a:lnB w="7620" cap="flat" cmpd="sng" algn="ctr">
-                      <a:solidFill>
-                        <a:srgbClr val="DCDFE3"/>
+                    <a:lnB w="12700" cap="flat" cmpd="sng" algn="ctr">
+                      <a:solidFill>
+                        <a:schemeClr val="tx1"/>
                       </a:solidFill>
                       <a:prstDash val="solid"/>
                       <a:round/>
                       <a:headEnd type="none" w="med" len="med"/>
                       <a:tailEnd type="none" w="med" len="med"/>
                     </a:lnB>
-                    <a:solidFill>
-                      <a:srgbClr val="F8FAFB"/>
-                    </a:solidFill>
+                    <a:noFill/>
                   </a:tcPr>
                 </a:tc>
                 <a:tc>
@@ -20009,6 +20621,9 @@
                       </a:pPr>
                       <a:r>
                         <a:rPr lang="en-US" sz="1800" b="1">
+                          <a:solidFill>
+                            <a:schemeClr val="bg1"/>
+                          </a:solidFill>
                           <a:effectLst/>
                         </a:rPr>
                         <a:t>6-11</a:t>
@@ -20052,9 +20667,7 @@
                       <a:headEnd type="none" w="med" len="med"/>
                       <a:tailEnd type="none" w="med" len="med"/>
                     </a:lnB>
-                    <a:solidFill>
-                      <a:srgbClr val="F8FAFB"/>
-                    </a:solidFill>
+                    <a:noFill/>
                   </a:tcPr>
                 </a:tc>
                 <a:tc>
@@ -20067,6 +20680,9 @@
                       </a:pPr>
                       <a:r>
                         <a:rPr lang="en-US" sz="1800" b="1">
+                          <a:solidFill>
+                            <a:schemeClr val="bg1"/>
+                          </a:solidFill>
                           <a:effectLst/>
                         </a:rPr>
                         <a:t>12-14</a:t>
@@ -20110,9 +20726,7 @@
                       <a:headEnd type="none" w="med" len="med"/>
                       <a:tailEnd type="none" w="med" len="med"/>
                     </a:lnB>
-                    <a:solidFill>
-                      <a:srgbClr val="F8FAFB"/>
-                    </a:solidFill>
+                    <a:noFill/>
                   </a:tcPr>
                 </a:tc>
                 <a:tc>
@@ -20125,6 +20739,9 @@
                       </a:pPr>
                       <a:r>
                         <a:rPr lang="en-US" sz="1800" b="1">
+                          <a:solidFill>
+                            <a:schemeClr val="bg1"/>
+                          </a:solidFill>
                           <a:effectLst/>
                         </a:rPr>
                         <a:t>15-16</a:t>
@@ -20168,9 +20785,7 @@
                       <a:headEnd type="none" w="med" len="med"/>
                       <a:tailEnd type="none" w="med" len="med"/>
                     </a:lnB>
-                    <a:solidFill>
-                      <a:srgbClr val="F8FAFB"/>
-                    </a:solidFill>
+                    <a:noFill/>
                   </a:tcPr>
                 </a:tc>
                 <a:tc>
@@ -20183,6 +20798,9 @@
                       </a:pPr>
                       <a:r>
                         <a:rPr lang="en-US" sz="1800" b="1">
+                          <a:solidFill>
+                            <a:schemeClr val="bg1"/>
+                          </a:solidFill>
                           <a:effectLst/>
                         </a:rPr>
                         <a:t>17+</a:t>
@@ -20226,9 +20844,7 @@
                       <a:headEnd type="none" w="med" len="med"/>
                       <a:tailEnd type="none" w="med" len="med"/>
                     </a:lnB>
-                    <a:solidFill>
-                      <a:srgbClr val="F8FAFB"/>
-                    </a:solidFill>
+                    <a:noFill/>
                   </a:tcPr>
                 </a:tc>
                 <a:extLst>
@@ -20248,6 +20864,9 @@
                       </a:pPr>
                       <a:r>
                         <a:rPr lang="en-US" sz="1800">
+                          <a:solidFill>
+                            <a:schemeClr val="bg1"/>
+                          </a:solidFill>
                           <a:effectLst/>
                         </a:rPr>
                         <a:t>Phase</a:t>
@@ -20291,9 +20910,7 @@
                       <a:headEnd type="none" w="med" len="med"/>
                       <a:tailEnd type="none" w="med" len="med"/>
                     </a:lnB>
-                    <a:solidFill>
-                      <a:srgbClr val="FFFFFF"/>
-                    </a:solidFill>
+                    <a:noFill/>
                   </a:tcPr>
                 </a:tc>
                 <a:tc>
@@ -20306,6 +20923,9 @@
                       </a:pPr>
                       <a:r>
                         <a:rPr lang="en-US" sz="1800">
+                          <a:solidFill>
+                            <a:schemeClr val="bg1"/>
+                          </a:solidFill>
                           <a:effectLst/>
                         </a:rPr>
                         <a:t>Plan</a:t>
@@ -20322,9 +20942,9 @@
                       <a:headEnd type="none" w="med" len="med"/>
                       <a:tailEnd type="none" w="med" len="med"/>
                     </a:lnL>
-                    <a:lnR w="7620" cap="flat" cmpd="sng" algn="ctr">
-                      <a:solidFill>
-                        <a:srgbClr val="DCDFE3"/>
+                    <a:lnR w="12700" cap="flat" cmpd="sng" algn="ctr">
+                      <a:solidFill>
+                        <a:schemeClr val="tx1"/>
                       </a:solidFill>
                       <a:prstDash val="solid"/>
                       <a:round/>
@@ -20349,9 +20969,7 @@
                       <a:headEnd type="none" w="med" len="med"/>
                       <a:tailEnd type="none" w="med" len="med"/>
                     </a:lnB>
-                    <a:solidFill>
-                      <a:srgbClr val="FFFFFF"/>
-                    </a:solidFill>
+                    <a:noFill/>
                   </a:tcPr>
                 </a:tc>
                 <a:tc>
@@ -20364,6 +20982,9 @@
                       </a:pPr>
                       <a:r>
                         <a:rPr lang="en-US" sz="1800" dirty="0">
+                          <a:solidFill>
+                            <a:schemeClr val="bg1"/>
+                          </a:solidFill>
                           <a:effectLst/>
                         </a:rPr>
                         <a:t>Design</a:t>
@@ -20371,45 +20992,51 @@
                     </a:p>
                   </a:txBody>
                   <a:tcPr marL="60960" marR="60960" marT="60960" marB="60960" anchor="ctr">
-                    <a:lnL w="7620" cap="flat" cmpd="sng" algn="ctr">
-                      <a:solidFill>
-                        <a:srgbClr val="DCDFE3"/>
+                    <a:lnL w="12700" cap="flat" cmpd="sng" algn="ctr">
+                      <a:solidFill>
+                        <a:schemeClr val="tx1"/>
                       </a:solidFill>
                       <a:prstDash val="solid"/>
                       <a:round/>
                       <a:headEnd type="none" w="med" len="med"/>
                       <a:tailEnd type="none" w="med" len="med"/>
                     </a:lnL>
-                    <a:lnR w="7620" cap="flat" cmpd="sng" algn="ctr">
-                      <a:solidFill>
-                        <a:srgbClr val="DCDFE3"/>
+                    <a:lnR w="12700" cap="flat" cmpd="sng" algn="ctr">
+                      <a:solidFill>
+                        <a:schemeClr val="tx1"/>
                       </a:solidFill>
                       <a:prstDash val="solid"/>
                       <a:round/>
                       <a:headEnd type="none" w="med" len="med"/>
                       <a:tailEnd type="none" w="med" len="med"/>
                     </a:lnR>
-                    <a:lnT w="7620" cap="flat" cmpd="sng" algn="ctr">
-                      <a:solidFill>
-                        <a:srgbClr val="DCDFE3"/>
+                    <a:lnT w="12700" cap="flat" cmpd="sng" algn="ctr">
+                      <a:solidFill>
+                        <a:schemeClr val="tx1"/>
                       </a:solidFill>
                       <a:prstDash val="solid"/>
                       <a:round/>
                       <a:headEnd type="none" w="med" len="med"/>
                       <a:tailEnd type="none" w="med" len="med"/>
                     </a:lnT>
-                    <a:lnB w="7620" cap="flat" cmpd="sng" algn="ctr">
-                      <a:solidFill>
-                        <a:srgbClr val="DCDFE3"/>
+                    <a:lnB w="12700" cap="flat" cmpd="sng" algn="ctr">
+                      <a:solidFill>
+                        <a:schemeClr val="tx1"/>
                       </a:solidFill>
                       <a:prstDash val="solid"/>
                       <a:round/>
                       <a:headEnd type="none" w="med" len="med"/>
                       <a:tailEnd type="none" w="med" len="med"/>
                     </a:lnB>
-                    <a:solidFill>
-                      <a:srgbClr val="FFFFFF"/>
-                    </a:solidFill>
+                    <a:lnTlToBr w="12700" cmpd="sng">
+                      <a:noFill/>
+                      <a:prstDash val="solid"/>
+                    </a:lnTlToBr>
+                    <a:lnBlToTr w="12700" cmpd="sng">
+                      <a:noFill/>
+                      <a:prstDash val="solid"/>
+                    </a:lnBlToTr>
+                    <a:noFill/>
                   </a:tcPr>
                 </a:tc>
                 <a:tc>
@@ -20422,6 +21049,9 @@
                       </a:pPr>
                       <a:r>
                         <a:rPr lang="en-US" sz="1800">
+                          <a:solidFill>
+                            <a:schemeClr val="bg1"/>
+                          </a:solidFill>
                           <a:effectLst/>
                         </a:rPr>
                         <a:t>Dev</a:t>
@@ -20429,9 +21059,9 @@
                     </a:p>
                   </a:txBody>
                   <a:tcPr marL="60960" marR="60960" marT="60960" marB="60960" anchor="ctr">
-                    <a:lnL w="7620" cap="flat" cmpd="sng" algn="ctr">
-                      <a:solidFill>
-                        <a:srgbClr val="DCDFE3"/>
+                    <a:lnL w="12700" cap="flat" cmpd="sng" algn="ctr">
+                      <a:solidFill>
+                        <a:schemeClr val="tx1"/>
                       </a:solidFill>
                       <a:prstDash val="solid"/>
                       <a:round/>
@@ -20465,9 +21095,7 @@
                       <a:headEnd type="none" w="med" len="med"/>
                       <a:tailEnd type="none" w="med" len="med"/>
                     </a:lnB>
-                    <a:solidFill>
-                      <a:srgbClr val="FFFFFF"/>
-                    </a:solidFill>
+                    <a:noFill/>
                   </a:tcPr>
                 </a:tc>
                 <a:tc>
@@ -20480,6 +21108,9 @@
                       </a:pPr>
                       <a:r>
                         <a:rPr lang="en-US" sz="1800">
+                          <a:solidFill>
+                            <a:schemeClr val="bg1"/>
+                          </a:solidFill>
                           <a:effectLst/>
                         </a:rPr>
                         <a:t>Testing</a:t>
@@ -20523,9 +21154,66 @@
                       <a:headEnd type="none" w="med" len="med"/>
                       <a:tailEnd type="none" w="med" len="med"/>
                     </a:lnB>
-                    <a:solidFill>
-                      <a:srgbClr val="FFFFFF"/>
-                    </a:solidFill>
+                    <a:noFill/>
+                  </a:tcPr>
+                </a:tc>
+                <a:tc>
+                  <a:txBody>
+                    <a:bodyPr/>
+                    <a:lstStyle/>
+                    <a:p>
+                      <a:pPr>
+                        <a:buNone/>
+                      </a:pPr>
+                      <a:r>
+                        <a:rPr lang="en-US" sz="1800" dirty="0">
+                          <a:solidFill>
+                            <a:schemeClr val="bg1"/>
+                          </a:solidFill>
+                          <a:effectLst/>
+                        </a:rPr>
+                        <a:t>Deploy</a:t>
+                      </a:r>
+                    </a:p>
+                  </a:txBody>
+                  <a:tcPr marL="60960" marR="60960" marT="60960" marB="60960" anchor="ctr">
+                    <a:lnL w="7620" cap="flat" cmpd="sng" algn="ctr">
+                      <a:solidFill>
+                        <a:srgbClr val="DCDFE3"/>
+                      </a:solidFill>
+                      <a:prstDash val="solid"/>
+                      <a:round/>
+                      <a:headEnd type="none" w="med" len="med"/>
+                      <a:tailEnd type="none" w="med" len="med"/>
+                    </a:lnL>
+                    <a:lnR w="7620" cap="flat" cmpd="sng" algn="ctr">
+                      <a:solidFill>
+                        <a:srgbClr val="DCDFE3"/>
+                      </a:solidFill>
+                      <a:prstDash val="solid"/>
+                      <a:round/>
+                      <a:headEnd type="none" w="med" len="med"/>
+                      <a:tailEnd type="none" w="med" len="med"/>
+                    </a:lnR>
+                    <a:lnT w="7620" cap="flat" cmpd="sng" algn="ctr">
+                      <a:solidFill>
+                        <a:srgbClr val="DCDFE3"/>
+                      </a:solidFill>
+                      <a:prstDash val="solid"/>
+                      <a:round/>
+                      <a:headEnd type="none" w="med" len="med"/>
+                      <a:tailEnd type="none" w="med" len="med"/>
+                    </a:lnT>
+                    <a:lnB w="7620" cap="flat" cmpd="sng" algn="ctr">
+                      <a:solidFill>
+                        <a:srgbClr val="DCDFE3"/>
+                      </a:solidFill>
+                      <a:prstDash val="solid"/>
+                      <a:round/>
+                      <a:headEnd type="none" w="med" len="med"/>
+                      <a:tailEnd type="none" w="med" len="med"/>
+                    </a:lnB>
+                    <a:noFill/>
                   </a:tcPr>
                 </a:tc>
                 <a:tc>
@@ -20538,64 +21226,9 @@
                       </a:pPr>
                       <a:r>
                         <a:rPr lang="en-US" sz="1800">
-                          <a:effectLst/>
-                        </a:rPr>
-                        <a:t>Deploy</a:t>
-                      </a:r>
-                    </a:p>
-                  </a:txBody>
-                  <a:tcPr marL="60960" marR="60960" marT="60960" marB="60960" anchor="ctr">
-                    <a:lnL w="7620" cap="flat" cmpd="sng" algn="ctr">
-                      <a:solidFill>
-                        <a:srgbClr val="DCDFE3"/>
-                      </a:solidFill>
-                      <a:prstDash val="solid"/>
-                      <a:round/>
-                      <a:headEnd type="none" w="med" len="med"/>
-                      <a:tailEnd type="none" w="med" len="med"/>
-                    </a:lnL>
-                    <a:lnR w="7620" cap="flat" cmpd="sng" algn="ctr">
-                      <a:solidFill>
-                        <a:srgbClr val="DCDFE3"/>
-                      </a:solidFill>
-                      <a:prstDash val="solid"/>
-                      <a:round/>
-                      <a:headEnd type="none" w="med" len="med"/>
-                      <a:tailEnd type="none" w="med" len="med"/>
-                    </a:lnR>
-                    <a:lnT w="7620" cap="flat" cmpd="sng" algn="ctr">
-                      <a:solidFill>
-                        <a:srgbClr val="DCDFE3"/>
-                      </a:solidFill>
-                      <a:prstDash val="solid"/>
-                      <a:round/>
-                      <a:headEnd type="none" w="med" len="med"/>
-                      <a:tailEnd type="none" w="med" len="med"/>
-                    </a:lnT>
-                    <a:lnB w="7620" cap="flat" cmpd="sng" algn="ctr">
-                      <a:solidFill>
-                        <a:srgbClr val="DCDFE3"/>
-                      </a:solidFill>
-                      <a:prstDash val="solid"/>
-                      <a:round/>
-                      <a:headEnd type="none" w="med" len="med"/>
-                      <a:tailEnd type="none" w="med" len="med"/>
-                    </a:lnB>
-                    <a:solidFill>
-                      <a:srgbClr val="FFFFFF"/>
-                    </a:solidFill>
-                  </a:tcPr>
-                </a:tc>
-                <a:tc>
-                  <a:txBody>
-                    <a:bodyPr/>
-                    <a:lstStyle/>
-                    <a:p>
-                      <a:pPr>
-                        <a:buNone/>
-                      </a:pPr>
-                      <a:r>
-                        <a:rPr lang="en-US" sz="1800">
+                          <a:solidFill>
+                            <a:schemeClr val="bg1"/>
+                          </a:solidFill>
                           <a:effectLst/>
                         </a:rPr>
                         <a:t>Maint</a:t>
@@ -20639,9 +21272,7 @@
                       <a:headEnd type="none" w="med" len="med"/>
                       <a:tailEnd type="none" w="med" len="med"/>
                     </a:lnB>
-                    <a:solidFill>
-                      <a:srgbClr val="FFFFFF"/>
-                    </a:solidFill>
+                    <a:noFill/>
                   </a:tcPr>
                 </a:tc>
                 <a:extLst>
@@ -20661,6 +21292,9 @@
                       </a:pPr>
                       <a:r>
                         <a:rPr lang="en-US" sz="1800">
+                          <a:solidFill>
+                            <a:schemeClr val="bg1"/>
+                          </a:solidFill>
                           <a:effectLst/>
                         </a:rPr>
                         <a:t>Activities</a:t>
@@ -20704,9 +21338,7 @@
                       <a:headEnd type="none" w="med" len="med"/>
                       <a:tailEnd type="none" w="med" len="med"/>
                     </a:lnB>
-                    <a:solidFill>
-                      <a:srgbClr val="FFFFFF"/>
-                    </a:solidFill>
+                    <a:noFill/>
                   </a:tcPr>
                 </a:tc>
                 <a:tc>
@@ -20719,6 +21351,9 @@
                       </a:pPr>
                       <a:r>
                         <a:rPr lang="en-US" sz="1800">
+                          <a:solidFill>
+                            <a:schemeClr val="bg1"/>
+                          </a:solidFill>
                           <a:effectLst/>
                         </a:rPr>
                         <a:t>Req's</a:t>
@@ -20762,9 +21397,7 @@
                       <a:headEnd type="none" w="med" len="med"/>
                       <a:tailEnd type="none" w="med" len="med"/>
                     </a:lnB>
-                    <a:solidFill>
-                      <a:srgbClr val="FFFFFF"/>
-                    </a:solidFill>
+                    <a:noFill/>
                   </a:tcPr>
                 </a:tc>
                 <a:tc>
@@ -20777,6 +21410,9 @@
                       </a:pPr>
                       <a:r>
                         <a:rPr lang="en-US" sz="1800">
+                          <a:solidFill>
+                            <a:schemeClr val="bg1"/>
+                          </a:solidFill>
                           <a:effectLst/>
                         </a:rPr>
                         <a:t>Arch</a:t>
@@ -20802,9 +21438,9 @@
                       <a:headEnd type="none" w="med" len="med"/>
                       <a:tailEnd type="none" w="med" len="med"/>
                     </a:lnR>
-                    <a:lnT w="7620" cap="flat" cmpd="sng" algn="ctr">
-                      <a:solidFill>
-                        <a:srgbClr val="DCDFE3"/>
+                    <a:lnT w="12700" cap="flat" cmpd="sng" algn="ctr">
+                      <a:solidFill>
+                        <a:schemeClr val="tx1"/>
                       </a:solidFill>
                       <a:prstDash val="solid"/>
                       <a:round/>
@@ -20820,9 +21456,7 @@
                       <a:headEnd type="none" w="med" len="med"/>
                       <a:tailEnd type="none" w="med" len="med"/>
                     </a:lnB>
-                    <a:solidFill>
-                      <a:srgbClr val="FFFFFF"/>
-                    </a:solidFill>
+                    <a:noFill/>
                   </a:tcPr>
                 </a:tc>
                 <a:tc>
@@ -20835,6 +21469,9 @@
                       </a:pPr>
                       <a:r>
                         <a:rPr lang="en-US" sz="1800">
+                          <a:solidFill>
+                            <a:schemeClr val="bg1"/>
+                          </a:solidFill>
                           <a:effectLst/>
                         </a:rPr>
                         <a:t>Build</a:t>
@@ -20878,9 +21515,7 @@
                       <a:headEnd type="none" w="med" len="med"/>
                       <a:tailEnd type="none" w="med" len="med"/>
                     </a:lnB>
-                    <a:solidFill>
-                      <a:srgbClr val="FFFFFF"/>
-                    </a:solidFill>
+                    <a:noFill/>
                   </a:tcPr>
                 </a:tc>
                 <a:tc>
@@ -20893,6 +21528,9 @@
                       </a:pPr>
                       <a:r>
                         <a:rPr lang="en-US" sz="1800">
+                          <a:solidFill>
+                            <a:schemeClr val="bg1"/>
+                          </a:solidFill>
                           <a:effectLst/>
                         </a:rPr>
                         <a:t>QA</a:t>
@@ -20936,9 +21574,7 @@
                       <a:headEnd type="none" w="med" len="med"/>
                       <a:tailEnd type="none" w="med" len="med"/>
                     </a:lnB>
-                    <a:solidFill>
-                      <a:srgbClr val="FFFFFF"/>
-                    </a:solidFill>
+                    <a:noFill/>
                   </a:tcPr>
                 </a:tc>
                 <a:tc>
@@ -20951,6 +21587,9 @@
                       </a:pPr>
                       <a:r>
                         <a:rPr lang="en-US" sz="1800">
+                          <a:solidFill>
+                            <a:schemeClr val="bg1"/>
+                          </a:solidFill>
                           <a:effectLst/>
                         </a:rPr>
                         <a:t>Go-live</a:t>
@@ -20994,9 +21633,7 @@
                       <a:headEnd type="none" w="med" len="med"/>
                       <a:tailEnd type="none" w="med" len="med"/>
                     </a:lnB>
-                    <a:solidFill>
-                      <a:srgbClr val="FFFFFF"/>
-                    </a:solidFill>
+                    <a:noFill/>
                   </a:tcPr>
                 </a:tc>
                 <a:tc>
@@ -21009,6 +21646,9 @@
                       </a:pPr>
                       <a:r>
                         <a:rPr lang="en-US" sz="1800">
+                          <a:solidFill>
+                            <a:schemeClr val="bg1"/>
+                          </a:solidFill>
                           <a:effectLst/>
                         </a:rPr>
                         <a:t>Ops</a:t>
@@ -21052,9 +21692,7 @@
                       <a:headEnd type="none" w="med" len="med"/>
                       <a:tailEnd type="none" w="med" len="med"/>
                     </a:lnB>
-                    <a:solidFill>
-                      <a:srgbClr val="FFFFFF"/>
-                    </a:solidFill>
+                    <a:noFill/>
                   </a:tcPr>
                 </a:tc>
                 <a:extLst>
@@ -21074,6 +21712,9 @@
                       </a:pPr>
                       <a:r>
                         <a:rPr lang="en-US" sz="1800">
+                          <a:solidFill>
+                            <a:schemeClr val="bg1"/>
+                          </a:solidFill>
                           <a:effectLst/>
                         </a:rPr>
                         <a:t>Roles</a:t>
@@ -21117,9 +21758,7 @@
                       <a:headEnd type="none" w="med" len="med"/>
                       <a:tailEnd type="none" w="med" len="med"/>
                     </a:lnB>
-                    <a:solidFill>
-                      <a:srgbClr val="FFFFFF"/>
-                    </a:solidFill>
+                    <a:noFill/>
                   </a:tcPr>
                 </a:tc>
                 <a:tc>
@@ -21132,6 +21771,9 @@
                       </a:pPr>
                       <a:r>
                         <a:rPr lang="en-US" sz="1800">
+                          <a:solidFill>
+                            <a:schemeClr val="bg1"/>
+                          </a:solidFill>
                           <a:effectLst/>
                         </a:rPr>
                         <a:t>PM, BA</a:t>
@@ -21175,9 +21817,7 @@
                       <a:headEnd type="none" w="med" len="med"/>
                       <a:tailEnd type="none" w="med" len="med"/>
                     </a:lnB>
-                    <a:solidFill>
-                      <a:srgbClr val="FFFFFF"/>
-                    </a:solidFill>
+                    <a:noFill/>
                   </a:tcPr>
                 </a:tc>
                 <a:tc>
@@ -21190,6 +21830,9 @@
                       </a:pPr>
                       <a:r>
                         <a:rPr lang="en-US" sz="1800">
+                          <a:solidFill>
+                            <a:schemeClr val="bg1"/>
+                          </a:solidFill>
                           <a:effectLst/>
                         </a:rPr>
                         <a:t>Arch, UX</a:t>
@@ -21233,9 +21876,7 @@
                       <a:headEnd type="none" w="med" len="med"/>
                       <a:tailEnd type="none" w="med" len="med"/>
                     </a:lnB>
-                    <a:solidFill>
-                      <a:srgbClr val="FFFFFF"/>
-                    </a:solidFill>
+                    <a:noFill/>
                   </a:tcPr>
                 </a:tc>
                 <a:tc>
@@ -21248,6 +21889,9 @@
                       </a:pPr>
                       <a:r>
                         <a:rPr lang="en-US" sz="1800" dirty="0">
+                          <a:solidFill>
+                            <a:schemeClr val="bg1"/>
+                          </a:solidFill>
                           <a:effectLst/>
                         </a:rPr>
                         <a:t>Dev, QA</a:t>
@@ -21291,9 +21935,7 @@
                       <a:headEnd type="none" w="med" len="med"/>
                       <a:tailEnd type="none" w="med" len="med"/>
                     </a:lnB>
-                    <a:solidFill>
-                      <a:srgbClr val="FFFFFF"/>
-                    </a:solidFill>
+                    <a:noFill/>
                   </a:tcPr>
                 </a:tc>
                 <a:tc>
@@ -21306,6 +21948,9 @@
                       </a:pPr>
                       <a:r>
                         <a:rPr lang="en-US" sz="1800">
+                          <a:solidFill>
+                            <a:schemeClr val="bg1"/>
+                          </a:solidFill>
                           <a:effectLst/>
                         </a:rPr>
                         <a:t>QA, Users</a:t>
@@ -21349,9 +21994,7 @@
                       <a:headEnd type="none" w="med" len="med"/>
                       <a:tailEnd type="none" w="med" len="med"/>
                     </a:lnB>
-                    <a:solidFill>
-                      <a:srgbClr val="FFFFFF"/>
-                    </a:solidFill>
+                    <a:noFill/>
                   </a:tcPr>
                 </a:tc>
                 <a:tc>
@@ -21364,6 +22007,9 @@
                       </a:pPr>
                       <a:r>
                         <a:rPr lang="en-US" sz="1800">
+                          <a:solidFill>
+                            <a:schemeClr val="bg1"/>
+                          </a:solidFill>
                           <a:effectLst/>
                         </a:rPr>
                         <a:t>PM, IT</a:t>
@@ -21407,9 +22053,7 @@
                       <a:headEnd type="none" w="med" len="med"/>
                       <a:tailEnd type="none" w="med" len="med"/>
                     </a:lnB>
-                    <a:solidFill>
-                      <a:srgbClr val="FFFFFF"/>
-                    </a:solidFill>
+                    <a:noFill/>
                   </a:tcPr>
                 </a:tc>
                 <a:tc>
@@ -21422,6 +22066,9 @@
                       </a:pPr>
                       <a:r>
                         <a:rPr lang="en-US" sz="1800" dirty="0">
+                          <a:solidFill>
+                            <a:schemeClr val="bg1"/>
+                          </a:solidFill>
                           <a:effectLst/>
                         </a:rPr>
                         <a:t>IT, Support</a:t>
@@ -21465,9 +22112,7 @@
                       <a:headEnd type="none" w="med" len="med"/>
                       <a:tailEnd type="none" w="med" len="med"/>
                     </a:lnB>
-                    <a:solidFill>
-                      <a:srgbClr val="FFFFFF"/>
-                    </a:solidFill>
+                    <a:noFill/>
                   </a:tcPr>
                 </a:tc>
                 <a:extLst>
@@ -21495,13 +22140,13 @@
           <p:nvPr>
             <p:extLst>
               <p:ext uri="{D42A27DB-BD31-4B8C-83A1-F6EECF244321}">
-                <p14:modId xmlns:p14="http://schemas.microsoft.com/office/powerpoint/2010/main" val="1678098887"/>
+                <p14:modId xmlns:p14="http://schemas.microsoft.com/office/powerpoint/2010/main" val="2486153216"/>
               </p:ext>
             </p:extLst>
           </p:nvPr>
         </p:nvGraphicFramePr>
         <p:xfrm>
-          <a:off x="4472940" y="1105694"/>
+          <a:off x="1222396" y="1633220"/>
           <a:ext cx="7322820" cy="2895600"/>
         </p:xfrm>
         <a:graphic>
@@ -21534,7 +22179,10 @@
                         <a:buNone/>
                       </a:pPr>
                       <a:r>
-                        <a:rPr lang="en-US" b="1">
+                        <a:rPr lang="en-US" b="1" dirty="0">
+                          <a:solidFill>
+                            <a:schemeClr val="bg1"/>
+                          </a:solidFill>
                           <a:effectLst/>
                         </a:rPr>
                         <a:t>Phase</a:t>
@@ -21542,45 +22190,51 @@
                     </a:p>
                   </a:txBody>
                   <a:tcPr marL="121920" marR="121920" marT="121920" marB="121920" anchor="ctr">
-                    <a:lnL w="7620" cap="flat" cmpd="sng" algn="ctr">
-                      <a:solidFill>
-                        <a:srgbClr val="DCDFE3"/>
+                    <a:lnL w="12700" cap="flat" cmpd="sng" algn="ctr">
+                      <a:solidFill>
+                        <a:schemeClr val="tx1"/>
                       </a:solidFill>
                       <a:prstDash val="solid"/>
                       <a:round/>
                       <a:headEnd type="none" w="med" len="med"/>
                       <a:tailEnd type="none" w="med" len="med"/>
                     </a:lnL>
-                    <a:lnR w="7620" cap="flat" cmpd="sng" algn="ctr">
-                      <a:solidFill>
-                        <a:srgbClr val="DCDFE3"/>
+                    <a:lnR w="12700" cap="flat" cmpd="sng" algn="ctr">
+                      <a:solidFill>
+                        <a:schemeClr val="tx1"/>
                       </a:solidFill>
                       <a:prstDash val="solid"/>
                       <a:round/>
                       <a:headEnd type="none" w="med" len="med"/>
                       <a:tailEnd type="none" w="med" len="med"/>
                     </a:lnR>
-                    <a:lnT w="7620" cap="flat" cmpd="sng" algn="ctr">
-                      <a:solidFill>
-                        <a:srgbClr val="DCDFE3"/>
+                    <a:lnT w="12700" cap="flat" cmpd="sng" algn="ctr">
+                      <a:solidFill>
+                        <a:schemeClr val="tx1"/>
                       </a:solidFill>
                       <a:prstDash val="solid"/>
                       <a:round/>
                       <a:headEnd type="none" w="med" len="med"/>
                       <a:tailEnd type="none" w="med" len="med"/>
                     </a:lnT>
-                    <a:lnB w="7620" cap="flat" cmpd="sng" algn="ctr">
-                      <a:solidFill>
-                        <a:srgbClr val="DCDFE3"/>
+                    <a:lnB w="12700" cap="flat" cmpd="sng" algn="ctr">
+                      <a:solidFill>
+                        <a:schemeClr val="tx1"/>
                       </a:solidFill>
                       <a:prstDash val="solid"/>
                       <a:round/>
                       <a:headEnd type="none" w="med" len="med"/>
                       <a:tailEnd type="none" w="med" len="med"/>
                     </a:lnB>
-                    <a:solidFill>
-                      <a:srgbClr val="F8FAFB"/>
-                    </a:solidFill>
+                    <a:lnTlToBr w="12700" cmpd="sng">
+                      <a:noFill/>
+                      <a:prstDash val="solid"/>
+                    </a:lnTlToBr>
+                    <a:lnBlToTr w="12700" cmpd="sng">
+                      <a:noFill/>
+                      <a:prstDash val="solid"/>
+                    </a:lnBlToTr>
+                    <a:noFill/>
                   </a:tcPr>
                 </a:tc>
                 <a:tc>
@@ -21593,6 +22247,9 @@
                       </a:pPr>
                       <a:r>
                         <a:rPr lang="en-US" b="1">
+                          <a:solidFill>
+                            <a:schemeClr val="bg1"/>
+                          </a:solidFill>
                           <a:effectLst/>
                         </a:rPr>
                         <a:t>Roles Involved</a:t>
@@ -21600,45 +22257,51 @@
                     </a:p>
                   </a:txBody>
                   <a:tcPr marL="121920" marR="121920" marT="121920" marB="121920" anchor="ctr">
-                    <a:lnL w="7620" cap="flat" cmpd="sng" algn="ctr">
-                      <a:solidFill>
-                        <a:srgbClr val="DCDFE3"/>
+                    <a:lnL w="12700" cap="flat" cmpd="sng" algn="ctr">
+                      <a:solidFill>
+                        <a:schemeClr val="tx1"/>
                       </a:solidFill>
                       <a:prstDash val="solid"/>
                       <a:round/>
                       <a:headEnd type="none" w="med" len="med"/>
                       <a:tailEnd type="none" w="med" len="med"/>
                     </a:lnL>
-                    <a:lnR w="7620" cap="flat" cmpd="sng" algn="ctr">
-                      <a:solidFill>
-                        <a:srgbClr val="DCDFE3"/>
+                    <a:lnR w="12700" cap="flat" cmpd="sng" algn="ctr">
+                      <a:solidFill>
+                        <a:schemeClr val="tx1"/>
                       </a:solidFill>
                       <a:prstDash val="solid"/>
                       <a:round/>
                       <a:headEnd type="none" w="med" len="med"/>
                       <a:tailEnd type="none" w="med" len="med"/>
                     </a:lnR>
-                    <a:lnT w="7620" cap="flat" cmpd="sng" algn="ctr">
-                      <a:solidFill>
-                        <a:srgbClr val="DCDFE3"/>
+                    <a:lnT w="12700" cap="flat" cmpd="sng" algn="ctr">
+                      <a:solidFill>
+                        <a:schemeClr val="tx1"/>
                       </a:solidFill>
                       <a:prstDash val="solid"/>
                       <a:round/>
                       <a:headEnd type="none" w="med" len="med"/>
                       <a:tailEnd type="none" w="med" len="med"/>
                     </a:lnT>
-                    <a:lnB w="7620" cap="flat" cmpd="sng" algn="ctr">
-                      <a:solidFill>
-                        <a:srgbClr val="DCDFE3"/>
+                    <a:lnB w="12700" cap="flat" cmpd="sng" algn="ctr">
+                      <a:solidFill>
+                        <a:schemeClr val="tx1"/>
                       </a:solidFill>
                       <a:prstDash val="solid"/>
                       <a:round/>
                       <a:headEnd type="none" w="med" len="med"/>
                       <a:tailEnd type="none" w="med" len="med"/>
                     </a:lnB>
-                    <a:solidFill>
-                      <a:srgbClr val="F8FAFB"/>
-                    </a:solidFill>
+                    <a:lnTlToBr w="12700" cmpd="sng">
+                      <a:noFill/>
+                      <a:prstDash val="solid"/>
+                    </a:lnTlToBr>
+                    <a:lnBlToTr w="12700" cmpd="sng">
+                      <a:noFill/>
+                      <a:prstDash val="solid"/>
+                    </a:lnBlToTr>
+                    <a:noFill/>
                   </a:tcPr>
                 </a:tc>
                 <a:extLst>
@@ -21657,7 +22320,10 @@
                         <a:buNone/>
                       </a:pPr>
                       <a:r>
-                        <a:rPr lang="en-US">
+                        <a:rPr lang="en-US" dirty="0">
+                          <a:solidFill>
+                            <a:schemeClr val="bg1"/>
+                          </a:solidFill>
                           <a:effectLst/>
                         </a:rPr>
                         <a:t>Planning</a:t>
@@ -21665,45 +22331,51 @@
                     </a:p>
                   </a:txBody>
                   <a:tcPr marL="60960" marR="60960" marT="60960" marB="60960" anchor="ctr">
-                    <a:lnL w="7620" cap="flat" cmpd="sng" algn="ctr">
-                      <a:solidFill>
-                        <a:srgbClr val="DCDFE3"/>
+                    <a:lnL w="12700" cap="flat" cmpd="sng" algn="ctr">
+                      <a:solidFill>
+                        <a:schemeClr val="tx1"/>
                       </a:solidFill>
                       <a:prstDash val="solid"/>
                       <a:round/>
                       <a:headEnd type="none" w="med" len="med"/>
                       <a:tailEnd type="none" w="med" len="med"/>
                     </a:lnL>
-                    <a:lnR w="7620" cap="flat" cmpd="sng" algn="ctr">
-                      <a:solidFill>
-                        <a:srgbClr val="DCDFE3"/>
+                    <a:lnR w="12700" cap="flat" cmpd="sng" algn="ctr">
+                      <a:solidFill>
+                        <a:schemeClr val="tx1"/>
                       </a:solidFill>
                       <a:prstDash val="solid"/>
                       <a:round/>
                       <a:headEnd type="none" w="med" len="med"/>
                       <a:tailEnd type="none" w="med" len="med"/>
                     </a:lnR>
-                    <a:lnT w="7620" cap="flat" cmpd="sng" algn="ctr">
-                      <a:solidFill>
-                        <a:srgbClr val="DCDFE3"/>
+                    <a:lnT w="12700" cap="flat" cmpd="sng" algn="ctr">
+                      <a:solidFill>
+                        <a:schemeClr val="tx1"/>
                       </a:solidFill>
                       <a:prstDash val="solid"/>
                       <a:round/>
                       <a:headEnd type="none" w="med" len="med"/>
                       <a:tailEnd type="none" w="med" len="med"/>
                     </a:lnT>
-                    <a:lnB w="7620" cap="flat" cmpd="sng" algn="ctr">
-                      <a:solidFill>
-                        <a:srgbClr val="DCDFE3"/>
+                    <a:lnB w="12700" cap="flat" cmpd="sng" algn="ctr">
+                      <a:solidFill>
+                        <a:schemeClr val="tx1"/>
                       </a:solidFill>
                       <a:prstDash val="solid"/>
                       <a:round/>
                       <a:headEnd type="none" w="med" len="med"/>
                       <a:tailEnd type="none" w="med" len="med"/>
                     </a:lnB>
-                    <a:solidFill>
-                      <a:srgbClr val="FFFFFF"/>
-                    </a:solidFill>
+                    <a:lnTlToBr w="12700" cmpd="sng">
+                      <a:noFill/>
+                      <a:prstDash val="solid"/>
+                    </a:lnTlToBr>
+                    <a:lnBlToTr w="12700" cmpd="sng">
+                      <a:noFill/>
+                      <a:prstDash val="solid"/>
+                    </a:lnBlToTr>
+                    <a:noFill/>
                   </a:tcPr>
                 </a:tc>
                 <a:tc>
@@ -21716,6 +22388,9 @@
                       </a:pPr>
                       <a:r>
                         <a:rPr lang="en-US">
+                          <a:solidFill>
+                            <a:schemeClr val="bg1"/>
+                          </a:solidFill>
                           <a:effectLst/>
                         </a:rPr>
                         <a:t>Project Manager, Analyst</a:t>
@@ -21723,45 +22398,51 @@
                     </a:p>
                   </a:txBody>
                   <a:tcPr marL="60960" marR="60960" marT="60960" marB="60960" anchor="ctr">
-                    <a:lnL w="7620" cap="flat" cmpd="sng" algn="ctr">
-                      <a:solidFill>
-                        <a:srgbClr val="DCDFE3"/>
+                    <a:lnL w="12700" cap="flat" cmpd="sng" algn="ctr">
+                      <a:solidFill>
+                        <a:schemeClr val="tx1"/>
                       </a:solidFill>
                       <a:prstDash val="solid"/>
                       <a:round/>
                       <a:headEnd type="none" w="med" len="med"/>
                       <a:tailEnd type="none" w="med" len="med"/>
                     </a:lnL>
-                    <a:lnR w="7620" cap="flat" cmpd="sng" algn="ctr">
-                      <a:solidFill>
-                        <a:srgbClr val="DCDFE3"/>
+                    <a:lnR w="12700" cap="flat" cmpd="sng" algn="ctr">
+                      <a:solidFill>
+                        <a:schemeClr val="tx1"/>
                       </a:solidFill>
                       <a:prstDash val="solid"/>
                       <a:round/>
                       <a:headEnd type="none" w="med" len="med"/>
                       <a:tailEnd type="none" w="med" len="med"/>
                     </a:lnR>
-                    <a:lnT w="7620" cap="flat" cmpd="sng" algn="ctr">
-                      <a:solidFill>
-                        <a:srgbClr val="DCDFE3"/>
+                    <a:lnT w="12700" cap="flat" cmpd="sng" algn="ctr">
+                      <a:solidFill>
+                        <a:schemeClr val="tx1"/>
                       </a:solidFill>
                       <a:prstDash val="solid"/>
                       <a:round/>
                       <a:headEnd type="none" w="med" len="med"/>
                       <a:tailEnd type="none" w="med" len="med"/>
                     </a:lnT>
-                    <a:lnB w="7620" cap="flat" cmpd="sng" algn="ctr">
-                      <a:solidFill>
-                        <a:srgbClr val="DCDFE3"/>
+                    <a:lnB w="12700" cap="flat" cmpd="sng" algn="ctr">
+                      <a:solidFill>
+                        <a:schemeClr val="tx1"/>
                       </a:solidFill>
                       <a:prstDash val="solid"/>
                       <a:round/>
                       <a:headEnd type="none" w="med" len="med"/>
                       <a:tailEnd type="none" w="med" len="med"/>
                     </a:lnB>
-                    <a:solidFill>
-                      <a:srgbClr val="FFFFFF"/>
-                    </a:solidFill>
+                    <a:lnTlToBr w="12700" cmpd="sng">
+                      <a:noFill/>
+                      <a:prstDash val="solid"/>
+                    </a:lnTlToBr>
+                    <a:lnBlToTr w="12700" cmpd="sng">
+                      <a:noFill/>
+                      <a:prstDash val="solid"/>
+                    </a:lnBlToTr>
+                    <a:noFill/>
                   </a:tcPr>
                 </a:tc>
                 <a:extLst>
@@ -21781,6 +22462,9 @@
                       </a:pPr>
                       <a:r>
                         <a:rPr lang="en-US">
+                          <a:solidFill>
+                            <a:schemeClr val="bg1"/>
+                          </a:solidFill>
                           <a:effectLst/>
                         </a:rPr>
                         <a:t>Design</a:t>
@@ -21788,45 +22472,51 @@
                     </a:p>
                   </a:txBody>
                   <a:tcPr marL="60960" marR="60960" marT="60960" marB="60960" anchor="ctr">
-                    <a:lnL w="7620" cap="flat" cmpd="sng" algn="ctr">
-                      <a:solidFill>
-                        <a:srgbClr val="DCDFE3"/>
+                    <a:lnL w="12700" cap="flat" cmpd="sng" algn="ctr">
+                      <a:solidFill>
+                        <a:schemeClr val="tx1"/>
                       </a:solidFill>
                       <a:prstDash val="solid"/>
                       <a:round/>
                       <a:headEnd type="none" w="med" len="med"/>
                       <a:tailEnd type="none" w="med" len="med"/>
                     </a:lnL>
-                    <a:lnR w="7620" cap="flat" cmpd="sng" algn="ctr">
-                      <a:solidFill>
-                        <a:srgbClr val="DCDFE3"/>
+                    <a:lnR w="12700" cap="flat" cmpd="sng" algn="ctr">
+                      <a:solidFill>
+                        <a:schemeClr val="tx1"/>
                       </a:solidFill>
                       <a:prstDash val="solid"/>
                       <a:round/>
                       <a:headEnd type="none" w="med" len="med"/>
                       <a:tailEnd type="none" w="med" len="med"/>
                     </a:lnR>
-                    <a:lnT w="7620" cap="flat" cmpd="sng" algn="ctr">
-                      <a:solidFill>
-                        <a:srgbClr val="DCDFE3"/>
+                    <a:lnT w="12700" cap="flat" cmpd="sng" algn="ctr">
+                      <a:solidFill>
+                        <a:schemeClr val="tx1"/>
                       </a:solidFill>
                       <a:prstDash val="solid"/>
                       <a:round/>
                       <a:headEnd type="none" w="med" len="med"/>
                       <a:tailEnd type="none" w="med" len="med"/>
                     </a:lnT>
-                    <a:lnB w="7620" cap="flat" cmpd="sng" algn="ctr">
-                      <a:solidFill>
-                        <a:srgbClr val="DCDFE3"/>
+                    <a:lnB w="12700" cap="flat" cmpd="sng" algn="ctr">
+                      <a:solidFill>
+                        <a:schemeClr val="tx1"/>
                       </a:solidFill>
                       <a:prstDash val="solid"/>
                       <a:round/>
                       <a:headEnd type="none" w="med" len="med"/>
                       <a:tailEnd type="none" w="med" len="med"/>
                     </a:lnB>
-                    <a:solidFill>
-                      <a:srgbClr val="FFFFFF"/>
-                    </a:solidFill>
+                    <a:lnTlToBr w="12700" cmpd="sng">
+                      <a:noFill/>
+                      <a:prstDash val="solid"/>
+                    </a:lnTlToBr>
+                    <a:lnBlToTr w="12700" cmpd="sng">
+                      <a:noFill/>
+                      <a:prstDash val="solid"/>
+                    </a:lnBlToTr>
+                    <a:noFill/>
                   </a:tcPr>
                 </a:tc>
                 <a:tc>
@@ -21839,6 +22529,9 @@
                       </a:pPr>
                       <a:r>
                         <a:rPr lang="en-US">
+                          <a:solidFill>
+                            <a:schemeClr val="bg1"/>
+                          </a:solidFill>
                           <a:effectLst/>
                         </a:rPr>
                         <a:t>Architect, UX Designer</a:t>
@@ -21846,45 +22539,51 @@
                     </a:p>
                   </a:txBody>
                   <a:tcPr marL="60960" marR="60960" marT="60960" marB="60960" anchor="ctr">
-                    <a:lnL w="7620" cap="flat" cmpd="sng" algn="ctr">
-                      <a:solidFill>
-                        <a:srgbClr val="DCDFE3"/>
+                    <a:lnL w="12700" cap="flat" cmpd="sng" algn="ctr">
+                      <a:solidFill>
+                        <a:schemeClr val="tx1"/>
                       </a:solidFill>
                       <a:prstDash val="solid"/>
                       <a:round/>
                       <a:headEnd type="none" w="med" len="med"/>
                       <a:tailEnd type="none" w="med" len="med"/>
                     </a:lnL>
-                    <a:lnR w="7620" cap="flat" cmpd="sng" algn="ctr">
-                      <a:solidFill>
-                        <a:srgbClr val="DCDFE3"/>
+                    <a:lnR w="12700" cap="flat" cmpd="sng" algn="ctr">
+                      <a:solidFill>
+                        <a:schemeClr val="tx1"/>
                       </a:solidFill>
                       <a:prstDash val="solid"/>
                       <a:round/>
                       <a:headEnd type="none" w="med" len="med"/>
                       <a:tailEnd type="none" w="med" len="med"/>
                     </a:lnR>
-                    <a:lnT w="7620" cap="flat" cmpd="sng" algn="ctr">
-                      <a:solidFill>
-                        <a:srgbClr val="DCDFE3"/>
+                    <a:lnT w="12700" cap="flat" cmpd="sng" algn="ctr">
+                      <a:solidFill>
+                        <a:schemeClr val="tx1"/>
                       </a:solidFill>
                       <a:prstDash val="solid"/>
                       <a:round/>
                       <a:headEnd type="none" w="med" len="med"/>
                       <a:tailEnd type="none" w="med" len="med"/>
                     </a:lnT>
-                    <a:lnB w="7620" cap="flat" cmpd="sng" algn="ctr">
-                      <a:solidFill>
-                        <a:srgbClr val="DCDFE3"/>
+                    <a:lnB w="12700" cap="flat" cmpd="sng" algn="ctr">
+                      <a:solidFill>
+                        <a:schemeClr val="tx1"/>
                       </a:solidFill>
                       <a:prstDash val="solid"/>
                       <a:round/>
                       <a:headEnd type="none" w="med" len="med"/>
                       <a:tailEnd type="none" w="med" len="med"/>
                     </a:lnB>
-                    <a:solidFill>
-                      <a:srgbClr val="FFFFFF"/>
-                    </a:solidFill>
+                    <a:lnTlToBr w="12700" cmpd="sng">
+                      <a:noFill/>
+                      <a:prstDash val="solid"/>
+                    </a:lnTlToBr>
+                    <a:lnBlToTr w="12700" cmpd="sng">
+                      <a:noFill/>
+                      <a:prstDash val="solid"/>
+                    </a:lnBlToTr>
+                    <a:noFill/>
                   </a:tcPr>
                 </a:tc>
                 <a:extLst>
@@ -21903,7 +22602,10 @@
                         <a:buNone/>
                       </a:pPr>
                       <a:r>
-                        <a:rPr lang="en-US">
+                        <a:rPr lang="en-US" dirty="0">
+                          <a:solidFill>
+                            <a:schemeClr val="bg1"/>
+                          </a:solidFill>
                           <a:effectLst/>
                         </a:rPr>
                         <a:t>Development</a:t>
@@ -21911,45 +22613,51 @@
                     </a:p>
                   </a:txBody>
                   <a:tcPr marL="60960" marR="60960" marT="60960" marB="60960" anchor="ctr">
-                    <a:lnL w="7620" cap="flat" cmpd="sng" algn="ctr">
-                      <a:solidFill>
-                        <a:srgbClr val="DCDFE3"/>
+                    <a:lnL w="12700" cap="flat" cmpd="sng" algn="ctr">
+                      <a:solidFill>
+                        <a:schemeClr val="tx1"/>
                       </a:solidFill>
                       <a:prstDash val="solid"/>
                       <a:round/>
                       <a:headEnd type="none" w="med" len="med"/>
                       <a:tailEnd type="none" w="med" len="med"/>
                     </a:lnL>
-                    <a:lnR w="7620" cap="flat" cmpd="sng" algn="ctr">
-                      <a:solidFill>
-                        <a:srgbClr val="DCDFE3"/>
+                    <a:lnR w="12700" cap="flat" cmpd="sng" algn="ctr">
+                      <a:solidFill>
+                        <a:schemeClr val="tx1"/>
                       </a:solidFill>
                       <a:prstDash val="solid"/>
                       <a:round/>
                       <a:headEnd type="none" w="med" len="med"/>
                       <a:tailEnd type="none" w="med" len="med"/>
                     </a:lnR>
-                    <a:lnT w="7620" cap="flat" cmpd="sng" algn="ctr">
-                      <a:solidFill>
-                        <a:srgbClr val="DCDFE3"/>
+                    <a:lnT w="12700" cap="flat" cmpd="sng" algn="ctr">
+                      <a:solidFill>
+                        <a:schemeClr val="tx1"/>
                       </a:solidFill>
                       <a:prstDash val="solid"/>
                       <a:round/>
                       <a:headEnd type="none" w="med" len="med"/>
                       <a:tailEnd type="none" w="med" len="med"/>
                     </a:lnT>
-                    <a:lnB w="7620" cap="flat" cmpd="sng" algn="ctr">
-                      <a:solidFill>
-                        <a:srgbClr val="DCDFE3"/>
+                    <a:lnB w="12700" cap="flat" cmpd="sng" algn="ctr">
+                      <a:solidFill>
+                        <a:schemeClr val="tx1"/>
                       </a:solidFill>
                       <a:prstDash val="solid"/>
                       <a:round/>
                       <a:headEnd type="none" w="med" len="med"/>
                       <a:tailEnd type="none" w="med" len="med"/>
                     </a:lnB>
-                    <a:solidFill>
-                      <a:srgbClr val="FFFFFF"/>
-                    </a:solidFill>
+                    <a:lnTlToBr w="12700" cmpd="sng">
+                      <a:noFill/>
+                      <a:prstDash val="solid"/>
+                    </a:lnTlToBr>
+                    <a:lnBlToTr w="12700" cmpd="sng">
+                      <a:noFill/>
+                      <a:prstDash val="solid"/>
+                    </a:lnBlToTr>
+                    <a:noFill/>
                   </a:tcPr>
                 </a:tc>
                 <a:tc>
@@ -21962,6 +22670,9 @@
                       </a:pPr>
                       <a:r>
                         <a:rPr lang="en-US">
+                          <a:solidFill>
+                            <a:schemeClr val="bg1"/>
+                          </a:solidFill>
                           <a:effectLst/>
                         </a:rPr>
                         <a:t>Developers, QA Engineers</a:t>
@@ -21969,45 +22680,51 @@
                     </a:p>
                   </a:txBody>
                   <a:tcPr marL="60960" marR="60960" marT="60960" marB="60960" anchor="ctr">
-                    <a:lnL w="7620" cap="flat" cmpd="sng" algn="ctr">
-                      <a:solidFill>
-                        <a:srgbClr val="DCDFE3"/>
+                    <a:lnL w="12700" cap="flat" cmpd="sng" algn="ctr">
+                      <a:solidFill>
+                        <a:schemeClr val="tx1"/>
                       </a:solidFill>
                       <a:prstDash val="solid"/>
                       <a:round/>
                       <a:headEnd type="none" w="med" len="med"/>
                       <a:tailEnd type="none" w="med" len="med"/>
                     </a:lnL>
-                    <a:lnR w="7620" cap="flat" cmpd="sng" algn="ctr">
-                      <a:solidFill>
-                        <a:srgbClr val="DCDFE3"/>
+                    <a:lnR w="12700" cap="flat" cmpd="sng" algn="ctr">
+                      <a:solidFill>
+                        <a:schemeClr val="tx1"/>
                       </a:solidFill>
                       <a:prstDash val="solid"/>
                       <a:round/>
                       <a:headEnd type="none" w="med" len="med"/>
                       <a:tailEnd type="none" w="med" len="med"/>
                     </a:lnR>
-                    <a:lnT w="7620" cap="flat" cmpd="sng" algn="ctr">
-                      <a:solidFill>
-                        <a:srgbClr val="DCDFE3"/>
+                    <a:lnT w="12700" cap="flat" cmpd="sng" algn="ctr">
+                      <a:solidFill>
+                        <a:schemeClr val="tx1"/>
                       </a:solidFill>
                       <a:prstDash val="solid"/>
                       <a:round/>
                       <a:headEnd type="none" w="med" len="med"/>
                       <a:tailEnd type="none" w="med" len="med"/>
                     </a:lnT>
-                    <a:lnB w="7620" cap="flat" cmpd="sng" algn="ctr">
-                      <a:solidFill>
-                        <a:srgbClr val="DCDFE3"/>
+                    <a:lnB w="12700" cap="flat" cmpd="sng" algn="ctr">
+                      <a:solidFill>
+                        <a:schemeClr val="tx1"/>
                       </a:solidFill>
                       <a:prstDash val="solid"/>
                       <a:round/>
                       <a:headEnd type="none" w="med" len="med"/>
                       <a:tailEnd type="none" w="med" len="med"/>
                     </a:lnB>
-                    <a:solidFill>
-                      <a:srgbClr val="FFFFFF"/>
-                    </a:solidFill>
+                    <a:lnTlToBr w="12700" cmpd="sng">
+                      <a:noFill/>
+                      <a:prstDash val="solid"/>
+                    </a:lnTlToBr>
+                    <a:lnBlToTr w="12700" cmpd="sng">
+                      <a:noFill/>
+                      <a:prstDash val="solid"/>
+                    </a:lnBlToTr>
+                    <a:noFill/>
                   </a:tcPr>
                 </a:tc>
                 <a:extLst>
@@ -22027,6 +22744,9 @@
                       </a:pPr>
                       <a:r>
                         <a:rPr lang="en-US">
+                          <a:solidFill>
+                            <a:schemeClr val="bg1"/>
+                          </a:solidFill>
                           <a:effectLst/>
                         </a:rPr>
                         <a:t>Testing</a:t>
@@ -22034,45 +22754,51 @@
                     </a:p>
                   </a:txBody>
                   <a:tcPr marL="60960" marR="60960" marT="60960" marB="60960" anchor="ctr">
-                    <a:lnL w="7620" cap="flat" cmpd="sng" algn="ctr">
-                      <a:solidFill>
-                        <a:srgbClr val="DCDFE3"/>
+                    <a:lnL w="12700" cap="flat" cmpd="sng" algn="ctr">
+                      <a:solidFill>
+                        <a:schemeClr val="tx1"/>
                       </a:solidFill>
                       <a:prstDash val="solid"/>
                       <a:round/>
                       <a:headEnd type="none" w="med" len="med"/>
                       <a:tailEnd type="none" w="med" len="med"/>
                     </a:lnL>
-                    <a:lnR w="7620" cap="flat" cmpd="sng" algn="ctr">
-                      <a:solidFill>
-                        <a:srgbClr val="DCDFE3"/>
+                    <a:lnR w="12700" cap="flat" cmpd="sng" algn="ctr">
+                      <a:solidFill>
+                        <a:schemeClr val="tx1"/>
                       </a:solidFill>
                       <a:prstDash val="solid"/>
                       <a:round/>
                       <a:headEnd type="none" w="med" len="med"/>
                       <a:tailEnd type="none" w="med" len="med"/>
                     </a:lnR>
-                    <a:lnT w="7620" cap="flat" cmpd="sng" algn="ctr">
-                      <a:solidFill>
-                        <a:srgbClr val="DCDFE3"/>
+                    <a:lnT w="12700" cap="flat" cmpd="sng" algn="ctr">
+                      <a:solidFill>
+                        <a:schemeClr val="tx1"/>
                       </a:solidFill>
                       <a:prstDash val="solid"/>
                       <a:round/>
                       <a:headEnd type="none" w="med" len="med"/>
                       <a:tailEnd type="none" w="med" len="med"/>
                     </a:lnT>
-                    <a:lnB w="7620" cap="flat" cmpd="sng" algn="ctr">
-                      <a:solidFill>
-                        <a:srgbClr val="DCDFE3"/>
+                    <a:lnB w="12700" cap="flat" cmpd="sng" algn="ctr">
+                      <a:solidFill>
+                        <a:schemeClr val="tx1"/>
                       </a:solidFill>
                       <a:prstDash val="solid"/>
                       <a:round/>
                       <a:headEnd type="none" w="med" len="med"/>
                       <a:tailEnd type="none" w="med" len="med"/>
                     </a:lnB>
-                    <a:solidFill>
-                      <a:srgbClr val="FFFFFF"/>
-                    </a:solidFill>
+                    <a:lnTlToBr w="12700" cmpd="sng">
+                      <a:noFill/>
+                      <a:prstDash val="solid"/>
+                    </a:lnTlToBr>
+                    <a:lnBlToTr w="12700" cmpd="sng">
+                      <a:noFill/>
+                      <a:prstDash val="solid"/>
+                    </a:lnBlToTr>
+                    <a:noFill/>
                   </a:tcPr>
                 </a:tc>
                 <a:tc>
@@ -22085,6 +22811,9 @@
                       </a:pPr>
                       <a:r>
                         <a:rPr lang="en-US">
+                          <a:solidFill>
+                            <a:schemeClr val="bg1"/>
+                          </a:solidFill>
                           <a:effectLst/>
                         </a:rPr>
                         <a:t>QA, End Users</a:t>
@@ -22092,45 +22821,51 @@
                     </a:p>
                   </a:txBody>
                   <a:tcPr marL="60960" marR="60960" marT="60960" marB="60960" anchor="ctr">
-                    <a:lnL w="7620" cap="flat" cmpd="sng" algn="ctr">
-                      <a:solidFill>
-                        <a:srgbClr val="DCDFE3"/>
+                    <a:lnL w="12700" cap="flat" cmpd="sng" algn="ctr">
+                      <a:solidFill>
+                        <a:schemeClr val="tx1"/>
                       </a:solidFill>
                       <a:prstDash val="solid"/>
                       <a:round/>
                       <a:headEnd type="none" w="med" len="med"/>
                       <a:tailEnd type="none" w="med" len="med"/>
                     </a:lnL>
-                    <a:lnR w="7620" cap="flat" cmpd="sng" algn="ctr">
-                      <a:solidFill>
-                        <a:srgbClr val="DCDFE3"/>
+                    <a:lnR w="12700" cap="flat" cmpd="sng" algn="ctr">
+                      <a:solidFill>
+                        <a:schemeClr val="tx1"/>
                       </a:solidFill>
                       <a:prstDash val="solid"/>
                       <a:round/>
                       <a:headEnd type="none" w="med" len="med"/>
                       <a:tailEnd type="none" w="med" len="med"/>
                     </a:lnR>
-                    <a:lnT w="7620" cap="flat" cmpd="sng" algn="ctr">
-                      <a:solidFill>
-                        <a:srgbClr val="DCDFE3"/>
+                    <a:lnT w="12700" cap="flat" cmpd="sng" algn="ctr">
+                      <a:solidFill>
+                        <a:schemeClr val="tx1"/>
                       </a:solidFill>
                       <a:prstDash val="solid"/>
                       <a:round/>
                       <a:headEnd type="none" w="med" len="med"/>
                       <a:tailEnd type="none" w="med" len="med"/>
                     </a:lnT>
-                    <a:lnB w="7620" cap="flat" cmpd="sng" algn="ctr">
-                      <a:solidFill>
-                        <a:srgbClr val="DCDFE3"/>
+                    <a:lnB w="12700" cap="flat" cmpd="sng" algn="ctr">
+                      <a:solidFill>
+                        <a:schemeClr val="tx1"/>
                       </a:solidFill>
                       <a:prstDash val="solid"/>
                       <a:round/>
                       <a:headEnd type="none" w="med" len="med"/>
                       <a:tailEnd type="none" w="med" len="med"/>
                     </a:lnB>
-                    <a:solidFill>
-                      <a:srgbClr val="FFFFFF"/>
-                    </a:solidFill>
+                    <a:lnTlToBr w="12700" cmpd="sng">
+                      <a:noFill/>
+                      <a:prstDash val="solid"/>
+                    </a:lnTlToBr>
+                    <a:lnBlToTr w="12700" cmpd="sng">
+                      <a:noFill/>
+                      <a:prstDash val="solid"/>
+                    </a:lnBlToTr>
+                    <a:noFill/>
                   </a:tcPr>
                 </a:tc>
                 <a:extLst>
@@ -22150,6 +22885,9 @@
                       </a:pPr>
                       <a:r>
                         <a:rPr lang="en-US">
+                          <a:solidFill>
+                            <a:schemeClr val="bg1"/>
+                          </a:solidFill>
                           <a:effectLst/>
                         </a:rPr>
                         <a:t>Deployment</a:t>
@@ -22157,45 +22895,51 @@
                     </a:p>
                   </a:txBody>
                   <a:tcPr marL="60960" marR="60960" marT="60960" marB="60960" anchor="ctr">
-                    <a:lnL w="7620" cap="flat" cmpd="sng" algn="ctr">
-                      <a:solidFill>
-                        <a:srgbClr val="DCDFE3"/>
+                    <a:lnL w="12700" cap="flat" cmpd="sng" algn="ctr">
+                      <a:solidFill>
+                        <a:schemeClr val="tx1"/>
                       </a:solidFill>
                       <a:prstDash val="solid"/>
                       <a:round/>
                       <a:headEnd type="none" w="med" len="med"/>
                       <a:tailEnd type="none" w="med" len="med"/>
                     </a:lnL>
-                    <a:lnR w="7620" cap="flat" cmpd="sng" algn="ctr">
-                      <a:solidFill>
-                        <a:srgbClr val="DCDFE3"/>
+                    <a:lnR w="12700" cap="flat" cmpd="sng" algn="ctr">
+                      <a:solidFill>
+                        <a:schemeClr val="tx1"/>
                       </a:solidFill>
                       <a:prstDash val="solid"/>
                       <a:round/>
                       <a:headEnd type="none" w="med" len="med"/>
                       <a:tailEnd type="none" w="med" len="med"/>
                     </a:lnR>
-                    <a:lnT w="7620" cap="flat" cmpd="sng" algn="ctr">
-                      <a:solidFill>
-                        <a:srgbClr val="DCDFE3"/>
+                    <a:lnT w="12700" cap="flat" cmpd="sng" algn="ctr">
+                      <a:solidFill>
+                        <a:schemeClr val="tx1"/>
                       </a:solidFill>
                       <a:prstDash val="solid"/>
                       <a:round/>
                       <a:headEnd type="none" w="med" len="med"/>
                       <a:tailEnd type="none" w="med" len="med"/>
                     </a:lnT>
-                    <a:lnB w="7620" cap="flat" cmpd="sng" algn="ctr">
-                      <a:solidFill>
-                        <a:srgbClr val="DCDFE3"/>
+                    <a:lnB w="12700" cap="flat" cmpd="sng" algn="ctr">
+                      <a:solidFill>
+                        <a:schemeClr val="tx1"/>
                       </a:solidFill>
                       <a:prstDash val="solid"/>
                       <a:round/>
                       <a:headEnd type="none" w="med" len="med"/>
                       <a:tailEnd type="none" w="med" len="med"/>
                     </a:lnB>
-                    <a:solidFill>
-                      <a:srgbClr val="FFFFFF"/>
-                    </a:solidFill>
+                    <a:lnTlToBr w="12700" cmpd="sng">
+                      <a:noFill/>
+                      <a:prstDash val="solid"/>
+                    </a:lnTlToBr>
+                    <a:lnBlToTr w="12700" cmpd="sng">
+                      <a:noFill/>
+                      <a:prstDash val="solid"/>
+                    </a:lnBlToTr>
+                    <a:noFill/>
                   </a:tcPr>
                 </a:tc>
                 <a:tc>
@@ -22208,6 +22952,9 @@
                       </a:pPr>
                       <a:r>
                         <a:rPr lang="en-US">
+                          <a:solidFill>
+                            <a:schemeClr val="bg1"/>
+                          </a:solidFill>
                           <a:effectLst/>
                         </a:rPr>
                         <a:t>IT, Project Manager</a:t>
@@ -22215,45 +22962,51 @@
                     </a:p>
                   </a:txBody>
                   <a:tcPr marL="60960" marR="60960" marT="60960" marB="60960" anchor="ctr">
-                    <a:lnL w="7620" cap="flat" cmpd="sng" algn="ctr">
-                      <a:solidFill>
-                        <a:srgbClr val="DCDFE3"/>
+                    <a:lnL w="12700" cap="flat" cmpd="sng" algn="ctr">
+                      <a:solidFill>
+                        <a:schemeClr val="tx1"/>
                       </a:solidFill>
                       <a:prstDash val="solid"/>
                       <a:round/>
                       <a:headEnd type="none" w="med" len="med"/>
                       <a:tailEnd type="none" w="med" len="med"/>
                     </a:lnL>
-                    <a:lnR w="7620" cap="flat" cmpd="sng" algn="ctr">
-                      <a:solidFill>
-                        <a:srgbClr val="DCDFE3"/>
+                    <a:lnR w="12700" cap="flat" cmpd="sng" algn="ctr">
+                      <a:solidFill>
+                        <a:schemeClr val="tx1"/>
                       </a:solidFill>
                       <a:prstDash val="solid"/>
                       <a:round/>
                       <a:headEnd type="none" w="med" len="med"/>
                       <a:tailEnd type="none" w="med" len="med"/>
                     </a:lnR>
-                    <a:lnT w="7620" cap="flat" cmpd="sng" algn="ctr">
-                      <a:solidFill>
-                        <a:srgbClr val="DCDFE3"/>
+                    <a:lnT w="12700" cap="flat" cmpd="sng" algn="ctr">
+                      <a:solidFill>
+                        <a:schemeClr val="tx1"/>
                       </a:solidFill>
                       <a:prstDash val="solid"/>
                       <a:round/>
                       <a:headEnd type="none" w="med" len="med"/>
                       <a:tailEnd type="none" w="med" len="med"/>
                     </a:lnT>
-                    <a:lnB w="7620" cap="flat" cmpd="sng" algn="ctr">
-                      <a:solidFill>
-                        <a:srgbClr val="DCDFE3"/>
+                    <a:lnB w="12700" cap="flat" cmpd="sng" algn="ctr">
+                      <a:solidFill>
+                        <a:schemeClr val="tx1"/>
                       </a:solidFill>
                       <a:prstDash val="solid"/>
                       <a:round/>
                       <a:headEnd type="none" w="med" len="med"/>
                       <a:tailEnd type="none" w="med" len="med"/>
                     </a:lnB>
-                    <a:solidFill>
-                      <a:srgbClr val="FFFFFF"/>
-                    </a:solidFill>
+                    <a:lnTlToBr w="12700" cmpd="sng">
+                      <a:noFill/>
+                      <a:prstDash val="solid"/>
+                    </a:lnTlToBr>
+                    <a:lnBlToTr w="12700" cmpd="sng">
+                      <a:noFill/>
+                      <a:prstDash val="solid"/>
+                    </a:lnBlToTr>
+                    <a:noFill/>
                   </a:tcPr>
                 </a:tc>
                 <a:extLst>
@@ -22273,6 +23026,9 @@
                       </a:pPr>
                       <a:r>
                         <a:rPr lang="en-US">
+                          <a:solidFill>
+                            <a:schemeClr val="bg1"/>
+                          </a:solidFill>
                           <a:effectLst/>
                         </a:rPr>
                         <a:t>Maintenance</a:t>
@@ -22280,45 +23036,51 @@
                     </a:p>
                   </a:txBody>
                   <a:tcPr marL="60960" marR="60960" marT="60960" marB="60960" anchor="ctr">
-                    <a:lnL w="7620" cap="flat" cmpd="sng" algn="ctr">
-                      <a:solidFill>
-                        <a:srgbClr val="DCDFE3"/>
+                    <a:lnL w="12700" cap="flat" cmpd="sng" algn="ctr">
+                      <a:solidFill>
+                        <a:schemeClr val="tx1"/>
                       </a:solidFill>
                       <a:prstDash val="solid"/>
                       <a:round/>
                       <a:headEnd type="none" w="med" len="med"/>
                       <a:tailEnd type="none" w="med" len="med"/>
                     </a:lnL>
-                    <a:lnR w="7620" cap="flat" cmpd="sng" algn="ctr">
-                      <a:solidFill>
-                        <a:srgbClr val="DCDFE3"/>
+                    <a:lnR w="12700" cap="flat" cmpd="sng" algn="ctr">
+                      <a:solidFill>
+                        <a:schemeClr val="tx1"/>
                       </a:solidFill>
                       <a:prstDash val="solid"/>
                       <a:round/>
                       <a:headEnd type="none" w="med" len="med"/>
                       <a:tailEnd type="none" w="med" len="med"/>
                     </a:lnR>
-                    <a:lnT w="7620" cap="flat" cmpd="sng" algn="ctr">
-                      <a:solidFill>
-                        <a:srgbClr val="DCDFE3"/>
+                    <a:lnT w="12700" cap="flat" cmpd="sng" algn="ctr">
+                      <a:solidFill>
+                        <a:schemeClr val="tx1"/>
                       </a:solidFill>
                       <a:prstDash val="solid"/>
                       <a:round/>
                       <a:headEnd type="none" w="med" len="med"/>
                       <a:tailEnd type="none" w="med" len="med"/>
                     </a:lnT>
-                    <a:lnB w="7620" cap="flat" cmpd="sng" algn="ctr">
-                      <a:solidFill>
-                        <a:srgbClr val="DCDFE3"/>
+                    <a:lnB w="12700" cap="flat" cmpd="sng" algn="ctr">
+                      <a:solidFill>
+                        <a:schemeClr val="tx1"/>
                       </a:solidFill>
                       <a:prstDash val="solid"/>
                       <a:round/>
                       <a:headEnd type="none" w="med" len="med"/>
                       <a:tailEnd type="none" w="med" len="med"/>
                     </a:lnB>
-                    <a:solidFill>
-                      <a:srgbClr val="FFFFFF"/>
-                    </a:solidFill>
+                    <a:lnTlToBr w="12700" cmpd="sng">
+                      <a:noFill/>
+                      <a:prstDash val="solid"/>
+                    </a:lnTlToBr>
+                    <a:lnBlToTr w="12700" cmpd="sng">
+                      <a:noFill/>
+                      <a:prstDash val="solid"/>
+                    </a:lnBlToTr>
+                    <a:noFill/>
                   </a:tcPr>
                 </a:tc>
                 <a:tc>
@@ -22331,6 +23093,9 @@
                       </a:pPr>
                       <a:r>
                         <a:rPr lang="en-US" dirty="0">
+                          <a:solidFill>
+                            <a:schemeClr val="bg1"/>
+                          </a:solidFill>
                           <a:effectLst/>
                         </a:rPr>
                         <a:t>IT Support, Ops</a:t>
@@ -22338,45 +23103,51 @@
                     </a:p>
                   </a:txBody>
                   <a:tcPr marL="60960" marR="60960" marT="60960" marB="60960" anchor="ctr">
-                    <a:lnL w="7620" cap="flat" cmpd="sng" algn="ctr">
-                      <a:solidFill>
-                        <a:srgbClr val="DCDFE3"/>
+                    <a:lnL w="12700" cap="flat" cmpd="sng" algn="ctr">
+                      <a:solidFill>
+                        <a:schemeClr val="tx1"/>
                       </a:solidFill>
                       <a:prstDash val="solid"/>
                       <a:round/>
                       <a:headEnd type="none" w="med" len="med"/>
                       <a:tailEnd type="none" w="med" len="med"/>
                     </a:lnL>
-                    <a:lnR w="7620" cap="flat" cmpd="sng" algn="ctr">
-                      <a:solidFill>
-                        <a:srgbClr val="DCDFE3"/>
+                    <a:lnR w="12700" cap="flat" cmpd="sng" algn="ctr">
+                      <a:solidFill>
+                        <a:schemeClr val="tx1"/>
                       </a:solidFill>
                       <a:prstDash val="solid"/>
                       <a:round/>
                       <a:headEnd type="none" w="med" len="med"/>
                       <a:tailEnd type="none" w="med" len="med"/>
                     </a:lnR>
-                    <a:lnT w="7620" cap="flat" cmpd="sng" algn="ctr">
-                      <a:solidFill>
-                        <a:srgbClr val="DCDFE3"/>
+                    <a:lnT w="12700" cap="flat" cmpd="sng" algn="ctr">
+                      <a:solidFill>
+                        <a:schemeClr val="tx1"/>
                       </a:solidFill>
                       <a:prstDash val="solid"/>
                       <a:round/>
                       <a:headEnd type="none" w="med" len="med"/>
                       <a:tailEnd type="none" w="med" len="med"/>
                     </a:lnT>
-                    <a:lnB w="7620" cap="flat" cmpd="sng" algn="ctr">
-                      <a:solidFill>
-                        <a:srgbClr val="DCDFE3"/>
+                    <a:lnB w="12700" cap="flat" cmpd="sng" algn="ctr">
+                      <a:solidFill>
+                        <a:schemeClr val="tx1"/>
                       </a:solidFill>
                       <a:prstDash val="solid"/>
                       <a:round/>
                       <a:headEnd type="none" w="med" len="med"/>
                       <a:tailEnd type="none" w="med" len="med"/>
                     </a:lnB>
-                    <a:solidFill>
-                      <a:srgbClr val="FFFFFF"/>
-                    </a:solidFill>
+                    <a:lnTlToBr w="12700" cmpd="sng">
+                      <a:noFill/>
+                      <a:prstDash val="solid"/>
+                    </a:lnTlToBr>
+                    <a:lnBlToTr w="12700" cmpd="sng">
+                      <a:noFill/>
+                      <a:prstDash val="solid"/>
+                    </a:lnBlToTr>
+                    <a:noFill/>
                   </a:tcPr>
                 </a:tc>
                 <a:extLst>
@@ -22402,7 +23173,7 @@
 </p:sld>
 </file>
 
-<file path=ppt/slides/slide11.xml><?xml version="1.0" encoding="utf-8"?>
+<file path=ppt/slides/slide12.xml><?xml version="1.0" encoding="utf-8"?>
 <p:sld xmlns:a="http://schemas.openxmlformats.org/drawingml/2006/main" xmlns:r="http://schemas.openxmlformats.org/officeDocument/2006/relationships" xmlns:p="http://schemas.openxmlformats.org/presentationml/2006/main">
   <p:cSld>
     <p:spTree>
@@ -22539,7 +23310,491 @@
 </p:sld>
 </file>
 
-<file path=ppt/slides/slide12.xml><?xml version="1.0" encoding="utf-8"?>
+<file path=ppt/slides/slide13.xml><?xml version="1.0" encoding="utf-8"?>
+<p:sld xmlns:a="http://schemas.openxmlformats.org/drawingml/2006/main" xmlns:r="http://schemas.openxmlformats.org/officeDocument/2006/relationships" xmlns:p="http://schemas.openxmlformats.org/presentationml/2006/main">
+  <p:cSld>
+    <p:spTree>
+      <p:nvGrpSpPr>
+        <p:cNvPr id="1" name=""/>
+        <p:cNvGrpSpPr/>
+        <p:nvPr/>
+      </p:nvGrpSpPr>
+      <p:grpSpPr>
+        <a:xfrm>
+          <a:off x="0" y="0"/>
+          <a:ext cx="0" cy="0"/>
+          <a:chOff x="0" y="0"/>
+          <a:chExt cx="0" cy="0"/>
+        </a:xfrm>
+      </p:grpSpPr>
+      <p:sp>
+        <p:nvSpPr>
+          <p:cNvPr id="2" name="Title 1">
+            <a:extLst>
+              <a:ext uri="{FF2B5EF4-FFF2-40B4-BE49-F238E27FC236}">
+                <a16:creationId xmlns:a16="http://schemas.microsoft.com/office/drawing/2014/main" id="{B1FA0C37-2E65-F2D4-0D69-E8C9CE277BD1}"/>
+              </a:ext>
+            </a:extLst>
+          </p:cNvPr>
+          <p:cNvSpPr>
+            <a:spLocks noGrp="1"/>
+          </p:cNvSpPr>
+          <p:nvPr>
+            <p:ph type="title"/>
+          </p:nvPr>
+        </p:nvSpPr>
+        <p:spPr/>
+        <p:txBody>
+          <a:bodyPr/>
+          <a:lstStyle/>
+          <a:p>
+            <a:r>
+              <a:rPr lang="en-US" dirty="0"/>
+              <a:t>Success metrics</a:t>
+            </a:r>
+          </a:p>
+        </p:txBody>
+      </p:sp>
+      <p:sp>
+        <p:nvSpPr>
+          <p:cNvPr id="3" name="Content Placeholder 2">
+            <a:extLst>
+              <a:ext uri="{FF2B5EF4-FFF2-40B4-BE49-F238E27FC236}">
+                <a16:creationId xmlns:a16="http://schemas.microsoft.com/office/drawing/2014/main" id="{89825372-3B1B-5B5D-F221-B2F9864ABDE0}"/>
+              </a:ext>
+            </a:extLst>
+          </p:cNvPr>
+          <p:cNvSpPr>
+            <a:spLocks noGrp="1"/>
+          </p:cNvSpPr>
+          <p:nvPr>
+            <p:ph idx="1"/>
+          </p:nvPr>
+        </p:nvSpPr>
+        <p:spPr/>
+        <p:txBody>
+          <a:bodyPr>
+            <a:normAutofit/>
+          </a:bodyPr>
+          <a:lstStyle/>
+          <a:p>
+            <a:endParaRPr lang="en-US" dirty="0"/>
+          </a:p>
+          <a:p>
+            <a:endParaRPr lang="en-US" dirty="0"/>
+          </a:p>
+        </p:txBody>
+      </p:sp>
+      <p:graphicFrame>
+        <p:nvGraphicFramePr>
+          <p:cNvPr id="10" name="Table 9">
+            <a:extLst>
+              <a:ext uri="{FF2B5EF4-FFF2-40B4-BE49-F238E27FC236}">
+                <a16:creationId xmlns:a16="http://schemas.microsoft.com/office/drawing/2014/main" id="{909A6EF4-6703-09CA-624F-CD228163CC25}"/>
+              </a:ext>
+            </a:extLst>
+          </p:cNvPr>
+          <p:cNvGraphicFramePr>
+            <a:graphicFrameLocks noGrp="1"/>
+          </p:cNvGraphicFramePr>
+          <p:nvPr>
+            <p:extLst>
+              <p:ext uri="{D42A27DB-BD31-4B8C-83A1-F6EECF244321}">
+                <p14:modId xmlns:p14="http://schemas.microsoft.com/office/powerpoint/2010/main" val="3770276609"/>
+              </p:ext>
+            </p:extLst>
+          </p:nvPr>
+        </p:nvGraphicFramePr>
+        <p:xfrm>
+          <a:off x="1741377" y="2016838"/>
+          <a:ext cx="8127999" cy="2763520"/>
+        </p:xfrm>
+        <a:graphic>
+          <a:graphicData uri="http://schemas.openxmlformats.org/drawingml/2006/table">
+            <a:tbl>
+              <a:tblPr firstRow="1" bandRow="1">
+                <a:tableStyleId>{5C22544A-7EE6-4342-B048-85BDC9FD1C3A}</a:tableStyleId>
+              </a:tblPr>
+              <a:tblGrid>
+                <a:gridCol w="2709333">
+                  <a:extLst>
+                    <a:ext uri="{9D8B030D-6E8A-4147-A177-3AD203B41FA5}">
+                      <a16:colId xmlns:a16="http://schemas.microsoft.com/office/drawing/2014/main" val="1845751218"/>
+                    </a:ext>
+                  </a:extLst>
+                </a:gridCol>
+                <a:gridCol w="2709333">
+                  <a:extLst>
+                    <a:ext uri="{9D8B030D-6E8A-4147-A177-3AD203B41FA5}">
+                      <a16:colId xmlns:a16="http://schemas.microsoft.com/office/drawing/2014/main" val="3072242484"/>
+                    </a:ext>
+                  </a:extLst>
+                </a:gridCol>
+                <a:gridCol w="2709333">
+                  <a:extLst>
+                    <a:ext uri="{9D8B030D-6E8A-4147-A177-3AD203B41FA5}">
+                      <a16:colId xmlns:a16="http://schemas.microsoft.com/office/drawing/2014/main" val="1669698466"/>
+                    </a:ext>
+                  </a:extLst>
+                </a:gridCol>
+              </a:tblGrid>
+              <a:tr h="370840">
+                <a:tc>
+                  <a:txBody>
+                    <a:bodyPr/>
+                    <a:lstStyle/>
+                    <a:p>
+                      <a:r>
+                        <a:rPr lang="en-US" dirty="0"/>
+                        <a:t>Metrics</a:t>
+                      </a:r>
+                    </a:p>
+                  </a:txBody>
+                  <a:tcPr>
+                    <a:noFill/>
+                  </a:tcPr>
+                </a:tc>
+                <a:tc>
+                  <a:txBody>
+                    <a:bodyPr/>
+                    <a:lstStyle/>
+                    <a:p>
+                      <a:r>
+                        <a:rPr lang="en-US" dirty="0"/>
+                        <a:t>Baseline</a:t>
+                      </a:r>
+                    </a:p>
+                  </a:txBody>
+                  <a:tcPr>
+                    <a:noFill/>
+                  </a:tcPr>
+                </a:tc>
+                <a:tc>
+                  <a:txBody>
+                    <a:bodyPr/>
+                    <a:lstStyle/>
+                    <a:p>
+                      <a:r>
+                        <a:rPr lang="en-US" dirty="0"/>
+                        <a:t>Target</a:t>
+                      </a:r>
+                    </a:p>
+                  </a:txBody>
+                  <a:tcPr>
+                    <a:noFill/>
+                  </a:tcPr>
+                </a:tc>
+                <a:extLst>
+                  <a:ext uri="{0D108BD9-81ED-4DB2-BD59-A6C34878D82A}">
+                    <a16:rowId xmlns:a16="http://schemas.microsoft.com/office/drawing/2014/main" val="1254327323"/>
+                  </a:ext>
+                </a:extLst>
+              </a:tr>
+              <a:tr h="370840">
+                <a:tc>
+                  <a:txBody>
+                    <a:bodyPr/>
+                    <a:lstStyle/>
+                    <a:p>
+                      <a:pPr lvl="1"/>
+                      <a:r>
+                        <a:rPr lang="en-US" dirty="0"/>
+                        <a:t>Operational Cost Savings</a:t>
+                      </a:r>
+                    </a:p>
+                  </a:txBody>
+                  <a:tcPr>
+                    <a:noFill/>
+                  </a:tcPr>
+                </a:tc>
+                <a:tc>
+                  <a:txBody>
+                    <a:bodyPr/>
+                    <a:lstStyle/>
+                    <a:p>
+                      <a:endParaRPr lang="en-US"/>
+                    </a:p>
+                  </a:txBody>
+                  <a:tcPr>
+                    <a:noFill/>
+                  </a:tcPr>
+                </a:tc>
+                <a:tc>
+                  <a:txBody>
+                    <a:bodyPr/>
+                    <a:lstStyle/>
+                    <a:p>
+                      <a:endParaRPr lang="en-US"/>
+                    </a:p>
+                  </a:txBody>
+                  <a:tcPr>
+                    <a:noFill/>
+                  </a:tcPr>
+                </a:tc>
+                <a:extLst>
+                  <a:ext uri="{0D108BD9-81ED-4DB2-BD59-A6C34878D82A}">
+                    <a16:rowId xmlns:a16="http://schemas.microsoft.com/office/drawing/2014/main" val="4051590440"/>
+                  </a:ext>
+                </a:extLst>
+              </a:tr>
+              <a:tr h="370840">
+                <a:tc>
+                  <a:txBody>
+                    <a:bodyPr/>
+                    <a:lstStyle/>
+                    <a:p>
+                      <a:pPr lvl="1"/>
+                      <a:r>
+                        <a:rPr lang="en-US" dirty="0"/>
+                        <a:t>Technician Productivity</a:t>
+                      </a:r>
+                    </a:p>
+                  </a:txBody>
+                  <a:tcPr>
+                    <a:noFill/>
+                  </a:tcPr>
+                </a:tc>
+                <a:tc>
+                  <a:txBody>
+                    <a:bodyPr/>
+                    <a:lstStyle/>
+                    <a:p>
+                      <a:endParaRPr lang="en-US"/>
+                    </a:p>
+                  </a:txBody>
+                  <a:tcPr>
+                    <a:noFill/>
+                  </a:tcPr>
+                </a:tc>
+                <a:tc>
+                  <a:txBody>
+                    <a:bodyPr/>
+                    <a:lstStyle/>
+                    <a:p>
+                      <a:endParaRPr lang="en-US"/>
+                    </a:p>
+                  </a:txBody>
+                  <a:tcPr>
+                    <a:noFill/>
+                  </a:tcPr>
+                </a:tc>
+                <a:extLst>
+                  <a:ext uri="{0D108BD9-81ED-4DB2-BD59-A6C34878D82A}">
+                    <a16:rowId xmlns:a16="http://schemas.microsoft.com/office/drawing/2014/main" val="1514722713"/>
+                  </a:ext>
+                </a:extLst>
+              </a:tr>
+              <a:tr h="370840">
+                <a:tc>
+                  <a:txBody>
+                    <a:bodyPr/>
+                    <a:lstStyle/>
+                    <a:p>
+                      <a:pPr lvl="1"/>
+                      <a:r>
+                        <a:rPr lang="en-US" dirty="0"/>
+                        <a:t>Customer Dissatisfaction rate</a:t>
+                      </a:r>
+                    </a:p>
+                  </a:txBody>
+                  <a:tcPr>
+                    <a:noFill/>
+                  </a:tcPr>
+                </a:tc>
+                <a:tc>
+                  <a:txBody>
+                    <a:bodyPr/>
+                    <a:lstStyle/>
+                    <a:p>
+                      <a:endParaRPr lang="en-US"/>
+                    </a:p>
+                  </a:txBody>
+                  <a:tcPr>
+                    <a:noFill/>
+                  </a:tcPr>
+                </a:tc>
+                <a:tc>
+                  <a:txBody>
+                    <a:bodyPr/>
+                    <a:lstStyle/>
+                    <a:p>
+                      <a:endParaRPr lang="en-US"/>
+                    </a:p>
+                  </a:txBody>
+                  <a:tcPr>
+                    <a:noFill/>
+                  </a:tcPr>
+                </a:tc>
+                <a:extLst>
+                  <a:ext uri="{0D108BD9-81ED-4DB2-BD59-A6C34878D82A}">
+                    <a16:rowId xmlns:a16="http://schemas.microsoft.com/office/drawing/2014/main" val="1125914486"/>
+                  </a:ext>
+                </a:extLst>
+              </a:tr>
+              <a:tr h="370840">
+                <a:tc>
+                  <a:txBody>
+                    <a:bodyPr/>
+                    <a:lstStyle/>
+                    <a:p>
+                      <a:pPr lvl="1"/>
+                      <a:r>
+                        <a:rPr lang="en-US" dirty="0"/>
+                        <a:t>Missed tasks rate</a:t>
+                      </a:r>
+                    </a:p>
+                  </a:txBody>
+                  <a:tcPr>
+                    <a:noFill/>
+                  </a:tcPr>
+                </a:tc>
+                <a:tc>
+                  <a:txBody>
+                    <a:bodyPr/>
+                    <a:lstStyle/>
+                    <a:p>
+                      <a:endParaRPr lang="en-US" dirty="0"/>
+                    </a:p>
+                  </a:txBody>
+                  <a:tcPr>
+                    <a:noFill/>
+                  </a:tcPr>
+                </a:tc>
+                <a:tc>
+                  <a:txBody>
+                    <a:bodyPr/>
+                    <a:lstStyle/>
+                    <a:p>
+                      <a:endParaRPr lang="en-US" dirty="0"/>
+                    </a:p>
+                  </a:txBody>
+                  <a:tcPr>
+                    <a:noFill/>
+                  </a:tcPr>
+                </a:tc>
+                <a:extLst>
+                  <a:ext uri="{0D108BD9-81ED-4DB2-BD59-A6C34878D82A}">
+                    <a16:rowId xmlns:a16="http://schemas.microsoft.com/office/drawing/2014/main" val="2573509235"/>
+                  </a:ext>
+                </a:extLst>
+              </a:tr>
+              <a:tr h="370840">
+                <a:tc>
+                  <a:txBody>
+                    <a:bodyPr/>
+                    <a:lstStyle/>
+                    <a:p>
+                      <a:pPr marL="457200" marR="0" lvl="1" indent="0" algn="l" defTabSz="914400" rtl="0" eaLnBrk="1" fontAlgn="auto" latinLnBrk="0" hangingPunct="1">
+                        <a:lnSpc>
+                          <a:spcPct val="100000"/>
+                        </a:lnSpc>
+                        <a:spcBef>
+                          <a:spcPts val="0"/>
+                        </a:spcBef>
+                        <a:spcAft>
+                          <a:spcPts val="0"/>
+                        </a:spcAft>
+                        <a:buClrTx/>
+                        <a:buSzTx/>
+                        <a:buFontTx/>
+                        <a:buNone/>
+                        <a:tabLst/>
+                        <a:defRPr/>
+                      </a:pPr>
+                      <a:r>
+                        <a:rPr lang="en-US" dirty="0"/>
+                        <a:t>Incomplete rate</a:t>
+                      </a:r>
+                      <a:endParaRPr lang="en-US" sz="2000" dirty="0"/>
+                    </a:p>
+                  </a:txBody>
+                  <a:tcPr>
+                    <a:noFill/>
+                  </a:tcPr>
+                </a:tc>
+                <a:tc>
+                  <a:txBody>
+                    <a:bodyPr/>
+                    <a:lstStyle/>
+                    <a:p>
+                      <a:endParaRPr lang="en-US"/>
+                    </a:p>
+                  </a:txBody>
+                  <a:tcPr>
+                    <a:noFill/>
+                  </a:tcPr>
+                </a:tc>
+                <a:tc>
+                  <a:txBody>
+                    <a:bodyPr/>
+                    <a:lstStyle/>
+                    <a:p>
+                      <a:endParaRPr lang="en-US" dirty="0"/>
+                    </a:p>
+                  </a:txBody>
+                  <a:tcPr>
+                    <a:noFill/>
+                  </a:tcPr>
+                </a:tc>
+                <a:extLst>
+                  <a:ext uri="{0D108BD9-81ED-4DB2-BD59-A6C34878D82A}">
+                    <a16:rowId xmlns:a16="http://schemas.microsoft.com/office/drawing/2014/main" val="3901972287"/>
+                  </a:ext>
+                </a:extLst>
+              </a:tr>
+            </a:tbl>
+          </a:graphicData>
+        </a:graphic>
+      </p:graphicFrame>
+      <p:sp>
+        <p:nvSpPr>
+          <p:cNvPr id="12" name="TextBox 11">
+            <a:extLst>
+              <a:ext uri="{FF2B5EF4-FFF2-40B4-BE49-F238E27FC236}">
+                <a16:creationId xmlns:a16="http://schemas.microsoft.com/office/drawing/2014/main" id="{9D60F38C-CF40-507C-C5B0-B291305BBD08}"/>
+              </a:ext>
+            </a:extLst>
+          </p:cNvPr>
+          <p:cNvSpPr txBox="1"/>
+          <p:nvPr/>
+        </p:nvSpPr>
+        <p:spPr>
+          <a:xfrm>
+            <a:off x="1598428" y="5101113"/>
+            <a:ext cx="8339470" cy="369332"/>
+          </a:xfrm>
+          <a:prstGeom prst="rect">
+            <a:avLst/>
+          </a:prstGeom>
+          <a:noFill/>
+        </p:spPr>
+        <p:txBody>
+          <a:bodyPr wrap="square">
+            <a:spAutoFit/>
+          </a:bodyPr>
+          <a:lstStyle/>
+          <a:p>
+            <a:r>
+              <a:rPr lang="en-US" dirty="0"/>
+              <a:t>Milestones &amp; Measurement Plan</a:t>
+            </a:r>
+          </a:p>
+        </p:txBody>
+      </p:sp>
+    </p:spTree>
+    <p:extLst>
+      <p:ext uri="{BB962C8B-B14F-4D97-AF65-F5344CB8AC3E}">
+        <p14:creationId xmlns:p14="http://schemas.microsoft.com/office/powerpoint/2010/main" val="2776681261"/>
+      </p:ext>
+    </p:extLst>
+  </p:cSld>
+  <p:clrMapOvr>
+    <a:masterClrMapping/>
+  </p:clrMapOvr>
+</p:sld>
+</file>
+
+<file path=ppt/slides/slide14.xml><?xml version="1.0" encoding="utf-8"?>
 <p:sld xmlns:a="http://schemas.openxmlformats.org/drawingml/2006/main" xmlns:r="http://schemas.openxmlformats.org/officeDocument/2006/relationships" xmlns:p="http://schemas.openxmlformats.org/presentationml/2006/main">
   <p:cSld>
     <p:spTree>
@@ -22653,118 +23908,6 @@
 </p:sld>
 </file>
 
-<file path=ppt/slides/slide13.xml><?xml version="1.0" encoding="utf-8"?>
-<p:sld xmlns:a="http://schemas.openxmlformats.org/drawingml/2006/main" xmlns:r="http://schemas.openxmlformats.org/officeDocument/2006/relationships" xmlns:p="http://schemas.openxmlformats.org/presentationml/2006/main">
-  <p:cSld>
-    <p:spTree>
-      <p:nvGrpSpPr>
-        <p:cNvPr id="1" name=""/>
-        <p:cNvGrpSpPr/>
-        <p:nvPr/>
-      </p:nvGrpSpPr>
-      <p:grpSpPr>
-        <a:xfrm>
-          <a:off x="0" y="0"/>
-          <a:ext cx="0" cy="0"/>
-          <a:chOff x="0" y="0"/>
-          <a:chExt cx="0" cy="0"/>
-        </a:xfrm>
-      </p:grpSpPr>
-      <p:sp>
-        <p:nvSpPr>
-          <p:cNvPr id="2" name="Title 1">
-            <a:extLst>
-              <a:ext uri="{FF2B5EF4-FFF2-40B4-BE49-F238E27FC236}">
-                <a16:creationId xmlns:a16="http://schemas.microsoft.com/office/drawing/2014/main" id="{B1FA0C37-2E65-F2D4-0D69-E8C9CE277BD1}"/>
-              </a:ext>
-            </a:extLst>
-          </p:cNvPr>
-          <p:cNvSpPr>
-            <a:spLocks noGrp="1"/>
-          </p:cNvSpPr>
-          <p:nvPr>
-            <p:ph type="title"/>
-          </p:nvPr>
-        </p:nvSpPr>
-        <p:spPr/>
-        <p:txBody>
-          <a:bodyPr/>
-          <a:lstStyle/>
-          <a:p>
-            <a:r>
-              <a:rPr lang="en-US" dirty="0"/>
-              <a:t>Project Objective – vision/mission</a:t>
-            </a:r>
-          </a:p>
-        </p:txBody>
-      </p:sp>
-      <p:sp>
-        <p:nvSpPr>
-          <p:cNvPr id="3" name="Content Placeholder 2">
-            <a:extLst>
-              <a:ext uri="{FF2B5EF4-FFF2-40B4-BE49-F238E27FC236}">
-                <a16:creationId xmlns:a16="http://schemas.microsoft.com/office/drawing/2014/main" id="{89825372-3B1B-5B5D-F221-B2F9864ABDE0}"/>
-              </a:ext>
-            </a:extLst>
-          </p:cNvPr>
-          <p:cNvSpPr>
-            <a:spLocks noGrp="1"/>
-          </p:cNvSpPr>
-          <p:nvPr>
-            <p:ph idx="1"/>
-          </p:nvPr>
-        </p:nvSpPr>
-        <p:spPr/>
-        <p:txBody>
-          <a:bodyPr>
-            <a:normAutofit fontScale="92500" lnSpcReduction="10000"/>
-          </a:bodyPr>
-          <a:lstStyle/>
-          <a:p>
-            <a:r>
-              <a:rPr lang="en-US" dirty="0"/>
-              <a:t>Technician burnout: Repeated mismatches with overly difficult tasks increase stress and attrition.</a:t>
-            </a:r>
-          </a:p>
-          <a:p>
-            <a:r>
-              <a:rPr lang="en-US" dirty="0"/>
-              <a:t>Customer dissatisfaction: Missed or delayed appointments damage customer trust and brand reputation.</a:t>
-            </a:r>
-          </a:p>
-          <a:p>
-            <a:r>
-              <a:rPr lang="en-US" dirty="0"/>
-              <a:t>High rework rates: Poor matches lead to failed work orders, creating costly repeat visits.</a:t>
-            </a:r>
-          </a:p>
-          <a:p>
-            <a:r>
-              <a:rPr lang="en-US" dirty="0"/>
-              <a:t>Inefficient task allocation: Random or availability-based assignments waste resources and increase operational costs.</a:t>
-            </a:r>
-          </a:p>
-          <a:p>
-            <a:endParaRPr lang="en-US" dirty="0"/>
-          </a:p>
-          <a:p>
-            <a:endParaRPr lang="en-US" dirty="0"/>
-          </a:p>
-        </p:txBody>
-      </p:sp>
-    </p:spTree>
-    <p:extLst>
-      <p:ext uri="{BB962C8B-B14F-4D97-AF65-F5344CB8AC3E}">
-        <p14:creationId xmlns:p14="http://schemas.microsoft.com/office/powerpoint/2010/main" val="2776681261"/>
-      </p:ext>
-    </p:extLst>
-  </p:cSld>
-  <p:clrMapOvr>
-    <a:masterClrMapping/>
-  </p:clrMapOvr>
-</p:sld>
-</file>
-
 <file path=ppt/slides/slide2.xml><?xml version="1.0" encoding="utf-8"?>
 <p:sld xmlns:a="http://schemas.openxmlformats.org/drawingml/2006/main" xmlns:r="http://schemas.openxmlformats.org/officeDocument/2006/relationships" xmlns:p="http://schemas.openxmlformats.org/presentationml/2006/main">
   <p:cSld>
@@ -22862,7 +24005,7 @@
             </a:r>
             <a:r>
               <a:rPr lang="en-US" b="1" dirty="0"/>
-              <a:t>Automated Technical Task Assignment System</a:t>
+              <a:t>Automated Technical Task Matching System</a:t>
             </a:r>
             <a:r>
               <a:rPr lang="en-US" dirty="0"/>
@@ -23235,7 +24378,7 @@
         </p:blipFill>
         <p:spPr>
           <a:xfrm>
-            <a:off x="7021404" y="3666181"/>
+            <a:off x="6919097" y="3694148"/>
             <a:ext cx="914400" cy="914400"/>
           </a:xfrm>
           <a:prstGeom prst="rect">
@@ -23813,53 +24956,6 @@
               <a:t>Business Impact: Losing $X million/year from churn </a:t>
             </a:r>
           </a:p>
-          <a:p>
-            <a:r>
-              <a:rPr lang="en-US" sz="2000" dirty="0"/>
-              <a:t>Current Data: </a:t>
-            </a:r>
-          </a:p>
-          <a:p>
-            <a:pPr lvl="1"/>
-            <a:r>
-              <a:rPr lang="en-US" dirty="0"/>
-              <a:t>Operational Cost Savings</a:t>
-            </a:r>
-          </a:p>
-          <a:p>
-            <a:pPr lvl="1"/>
-            <a:r>
-              <a:rPr lang="en-US" dirty="0"/>
-              <a:t>Technician Productivity:</a:t>
-            </a:r>
-          </a:p>
-          <a:p>
-            <a:pPr lvl="1"/>
-            <a:r>
-              <a:rPr lang="en-US" dirty="0"/>
-              <a:t>Customer Dissatisfaction rate</a:t>
-            </a:r>
-          </a:p>
-          <a:p>
-            <a:pPr lvl="1"/>
-            <a:r>
-              <a:rPr lang="en-US" dirty="0"/>
-              <a:t>Missed tasks rate</a:t>
-            </a:r>
-          </a:p>
-          <a:p>
-            <a:pPr lvl="1"/>
-            <a:r>
-              <a:rPr lang="en-US" dirty="0"/>
-              <a:t>Incomplete rate</a:t>
-            </a:r>
-          </a:p>
-          <a:p>
-            <a:endParaRPr lang="en-US" sz="2000" dirty="0"/>
-          </a:p>
-          <a:p>
-            <a:endParaRPr lang="en-US" sz="2000" dirty="0"/>
-          </a:p>
         </p:txBody>
       </p:sp>
     </p:spTree>
@@ -23942,47 +25038,159 @@
             <p:ph idx="1"/>
           </p:nvPr>
         </p:nvSpPr>
-        <p:spPr/>
+        <p:spPr>
+          <a:xfrm>
+            <a:off x="1141412" y="1987217"/>
+            <a:ext cx="9905999" cy="3541714"/>
+          </a:xfrm>
+        </p:spPr>
         <p:txBody>
           <a:bodyPr>
-            <a:normAutofit fontScale="85000" lnSpcReduction="20000"/>
+            <a:noAutofit/>
+          </a:bodyPr>
+          <a:lstStyle/>
+          <a:p>
+            <a:pPr marL="0" indent="0">
+              <a:buNone/>
+            </a:pPr>
+            <a:r>
+              <a:rPr lang="en-US" sz="2000" dirty="0"/>
+              <a:t>Task Request → Dispatcher assigns manually → Technician assigned randomly → Task execution → Outcome (high failure rate)</a:t>
+            </a:r>
+          </a:p>
+          <a:p>
+            <a:pPr>
+              <a:buFontTx/>
+              <a:buChar char="-"/>
+            </a:pPr>
+            <a:r>
+              <a:rPr lang="en-US" sz="2000" dirty="0"/>
+              <a:t>Manual / rule-based assignment — relies on availability or location only</a:t>
+            </a:r>
+          </a:p>
+          <a:p>
+            <a:pPr>
+              <a:buFontTx/>
+              <a:buChar char="-"/>
+            </a:pPr>
+            <a:r>
+              <a:rPr lang="en-US" sz="2000" dirty="0"/>
+              <a:t>No expertise matching — ignores technician skill or task complexity</a:t>
+            </a:r>
+          </a:p>
+          <a:p>
+            <a:pPr>
+              <a:buFontTx/>
+              <a:buChar char="-"/>
+            </a:pPr>
+            <a:r>
+              <a:rPr lang="en-US" sz="2000" dirty="0"/>
+              <a:t>Frequent mismatches → failed work orders &amp; costly rework</a:t>
+            </a:r>
+          </a:p>
+          <a:p>
+            <a:pPr>
+              <a:buFontTx/>
+              <a:buChar char="-"/>
+            </a:pPr>
+            <a:r>
+              <a:rPr lang="en-US" sz="2000" dirty="0"/>
+              <a:t>Customer dissatisfaction — delays &amp; missed appointments</a:t>
+            </a:r>
+          </a:p>
+          <a:p>
+            <a:pPr>
+              <a:buFontTx/>
+              <a:buChar char="-"/>
+            </a:pPr>
+            <a:r>
+              <a:rPr lang="en-US" sz="2000" dirty="0"/>
+              <a:t>Technician frustration &amp; burnout</a:t>
+            </a:r>
+          </a:p>
+          <a:p>
+            <a:pPr>
+              <a:buFontTx/>
+              <a:buChar char="-"/>
+            </a:pPr>
+            <a:r>
+              <a:rPr lang="en-US" sz="2000" dirty="0"/>
+              <a:t>Low morale → high turnover &amp; labor risks</a:t>
+            </a:r>
+          </a:p>
+        </p:txBody>
+      </p:sp>
+      <p:sp>
+        <p:nvSpPr>
+          <p:cNvPr id="7" name="TextBox 6">
+            <a:extLst>
+              <a:ext uri="{FF2B5EF4-FFF2-40B4-BE49-F238E27FC236}">
+                <a16:creationId xmlns:a16="http://schemas.microsoft.com/office/drawing/2014/main" id="{D22D8EB3-F8E7-60CA-1AE8-8BC46A842819}"/>
+              </a:ext>
+            </a:extLst>
+          </p:cNvPr>
+          <p:cNvSpPr txBox="1"/>
+          <p:nvPr/>
+        </p:nvSpPr>
+        <p:spPr>
+          <a:xfrm>
+            <a:off x="8498958" y="3657601"/>
+            <a:ext cx="3279424" cy="2062103"/>
+          </a:xfrm>
+          <a:prstGeom prst="rect">
+            <a:avLst/>
+          </a:prstGeom>
+          <a:noFill/>
+        </p:spPr>
+        <p:txBody>
+          <a:bodyPr wrap="none" rtlCol="0">
+            <a:spAutoFit/>
           </a:bodyPr>
           <a:lstStyle/>
           <a:p>
             <a:r>
-              <a:rPr lang="en-US" dirty="0"/>
-              <a:t>Task assignment is often random and manual or rule-based, relying only on availability or location.</a:t>
+              <a:rPr lang="en-US" sz="2000" dirty="0"/>
+              <a:t>Current Key Metrics:</a:t>
             </a:r>
           </a:p>
           <a:p>
+            <a:pPr lvl="1"/>
             <a:r>
               <a:rPr lang="en-US" dirty="0"/>
-              <a:t>Current methods do not consider technician expertise, performance history, or task complexity.</a:t>
+              <a:t>Operational Cost Savings</a:t>
             </a:r>
           </a:p>
           <a:p>
+            <a:pPr lvl="1"/>
             <a:r>
               <a:rPr lang="en-US" dirty="0"/>
-              <a:t>Technicians are frequently mismatched to jobs, leading to failed work orders and costly rework.</a:t>
+              <a:t>Technician Productivity</a:t>
             </a:r>
           </a:p>
           <a:p>
+            <a:pPr lvl="1"/>
             <a:r>
               <a:rPr lang="en-US" dirty="0"/>
-              <a:t>Customer satisfaction suffers due to missed appointments, delays, and unsuccessful service visits.</a:t>
+              <a:t>Customer Dissatisfaction rate</a:t>
             </a:r>
           </a:p>
           <a:p>
+            <a:pPr lvl="1"/>
             <a:r>
               <a:rPr lang="en-US" dirty="0"/>
-              <a:t>Technicians experience frustration and burnout when given tasks outside their skill level.</a:t>
+              <a:t>Missed tasks rate</a:t>
             </a:r>
           </a:p>
           <a:p>
+            <a:pPr lvl="1"/>
             <a:r>
               <a:rPr lang="en-US" dirty="0"/>
-              <a:t>Low morale increases turnover risk and potential labor disputes or union actions.</a:t>
+              <a:t>Incomplete rate</a:t>
             </a:r>
+            <a:endParaRPr lang="en-US" sz="2000" dirty="0"/>
+          </a:p>
+          <a:p>
+            <a:endParaRPr lang="en-US" dirty="0"/>
           </a:p>
         </p:txBody>
       </p:sp>
@@ -24052,42 +25260,561 @@
           </a:p>
         </p:txBody>
       </p:sp>
-      <p:sp>
-        <p:nvSpPr>
-          <p:cNvPr id="3" name="Content Placeholder 2">
+      <p:graphicFrame>
+        <p:nvGraphicFramePr>
+          <p:cNvPr id="4" name="Content Placeholder 3">
             <a:extLst>
               <a:ext uri="{FF2B5EF4-FFF2-40B4-BE49-F238E27FC236}">
-                <a16:creationId xmlns:a16="http://schemas.microsoft.com/office/drawing/2014/main" id="{570441EE-CB7A-870C-F3A9-3683EE0C491C}"/>
+                <a16:creationId xmlns:a16="http://schemas.microsoft.com/office/drawing/2014/main" id="{30C04D5A-EC46-05FD-8A8A-98712DAF6B18}"/>
               </a:ext>
             </a:extLst>
           </p:cNvPr>
-          <p:cNvSpPr>
-            <a:spLocks noGrp="1"/>
-          </p:cNvSpPr>
+          <p:cNvGraphicFramePr>
+            <a:graphicFrameLocks noGrp="1"/>
+          </p:cNvGraphicFramePr>
           <p:nvPr>
             <p:ph idx="1"/>
+            <p:extLst>
+              <p:ext uri="{D42A27DB-BD31-4B8C-83A1-F6EECF244321}">
+                <p14:modId xmlns:p14="http://schemas.microsoft.com/office/powerpoint/2010/main" val="748261430"/>
+              </p:ext>
+            </p:extLst>
           </p:nvPr>
-        </p:nvSpPr>
-        <p:spPr/>
-        <p:txBody>
-          <a:bodyPr>
-            <a:normAutofit/>
-          </a:bodyPr>
-          <a:lstStyle/>
-          <a:p>
-            <a:r>
-              <a:rPr lang="en-US" dirty="0"/>
-              <a:t>Lose customers and industry competitiveness</a:t>
-            </a:r>
-          </a:p>
-          <a:p>
-            <a:r>
-              <a:rPr lang="en-US" dirty="0"/>
-              <a:t>Not expand and scale up with workforce and services</a:t>
-            </a:r>
-          </a:p>
-        </p:txBody>
-      </p:sp>
+        </p:nvGraphicFramePr>
+        <p:xfrm>
+          <a:off x="1141413" y="2249488"/>
+          <a:ext cx="9906000" cy="3205480"/>
+        </p:xfrm>
+        <a:graphic>
+          <a:graphicData uri="http://schemas.openxmlformats.org/drawingml/2006/table">
+            <a:tbl>
+              <a:tblPr firstRow="1" bandRow="1">
+                <a:tableStyleId>{5C22544A-7EE6-4342-B048-85BDC9FD1C3A}</a:tableStyleId>
+              </a:tblPr>
+              <a:tblGrid>
+                <a:gridCol w="3302000">
+                  <a:extLst>
+                    <a:ext uri="{9D8B030D-6E8A-4147-A177-3AD203B41FA5}">
+                      <a16:colId xmlns:a16="http://schemas.microsoft.com/office/drawing/2014/main" val="2186356367"/>
+                    </a:ext>
+                  </a:extLst>
+                </a:gridCol>
+                <a:gridCol w="3302000">
+                  <a:extLst>
+                    <a:ext uri="{9D8B030D-6E8A-4147-A177-3AD203B41FA5}">
+                      <a16:colId xmlns:a16="http://schemas.microsoft.com/office/drawing/2014/main" val="3625268294"/>
+                    </a:ext>
+                  </a:extLst>
+                </a:gridCol>
+                <a:gridCol w="3302000">
+                  <a:extLst>
+                    <a:ext uri="{9D8B030D-6E8A-4147-A177-3AD203B41FA5}">
+                      <a16:colId xmlns:a16="http://schemas.microsoft.com/office/drawing/2014/main" val="2918343614"/>
+                    </a:ext>
+                  </a:extLst>
+                </a:gridCol>
+              </a:tblGrid>
+              <a:tr h="370840">
+                <a:tc>
+                  <a:txBody>
+                    <a:bodyPr/>
+                    <a:lstStyle/>
+                    <a:p>
+                      <a:r>
+                        <a:rPr lang="en-US" dirty="0"/>
+                        <a:t>Financial</a:t>
+                      </a:r>
+                    </a:p>
+                  </a:txBody>
+                  <a:tcPr>
+                    <a:lnL w="12700" cmpd="sng">
+                      <a:noFill/>
+                    </a:lnL>
+                    <a:lnR w="12700" cmpd="sng">
+                      <a:noFill/>
+                    </a:lnR>
+                    <a:lnT w="12700" cmpd="sng">
+                      <a:noFill/>
+                    </a:lnT>
+                    <a:lnB w="38100" cmpd="sng">
+                      <a:noFill/>
+                    </a:lnB>
+                    <a:lnTlToBr w="12700" cmpd="sng">
+                      <a:noFill/>
+                      <a:prstDash val="solid"/>
+                    </a:lnTlToBr>
+                    <a:lnBlToTr w="12700" cmpd="sng">
+                      <a:noFill/>
+                      <a:prstDash val="solid"/>
+                    </a:lnBlToTr>
+                    <a:noFill/>
+                  </a:tcPr>
+                </a:tc>
+                <a:tc>
+                  <a:txBody>
+                    <a:bodyPr/>
+                    <a:lstStyle/>
+                    <a:p>
+                      <a:r>
+                        <a:rPr lang="en-US" dirty="0"/>
+                        <a:t>Operational</a:t>
+                      </a:r>
+                    </a:p>
+                  </a:txBody>
+                  <a:tcPr>
+                    <a:lnL w="12700" cmpd="sng">
+                      <a:noFill/>
+                    </a:lnL>
+                    <a:lnR w="12700" cmpd="sng">
+                      <a:noFill/>
+                    </a:lnR>
+                    <a:lnT w="12700" cmpd="sng">
+                      <a:noFill/>
+                    </a:lnT>
+                    <a:lnB w="38100" cmpd="sng">
+                      <a:noFill/>
+                    </a:lnB>
+                    <a:lnTlToBr w="12700" cmpd="sng">
+                      <a:noFill/>
+                      <a:prstDash val="solid"/>
+                    </a:lnTlToBr>
+                    <a:lnBlToTr w="12700" cmpd="sng">
+                      <a:noFill/>
+                      <a:prstDash val="solid"/>
+                    </a:lnBlToTr>
+                    <a:noFill/>
+                  </a:tcPr>
+                </a:tc>
+                <a:tc>
+                  <a:txBody>
+                    <a:bodyPr/>
+                    <a:lstStyle/>
+                    <a:p>
+                      <a:r>
+                        <a:rPr lang="en-US" dirty="0"/>
+                        <a:t>Reputational</a:t>
+                      </a:r>
+                    </a:p>
+                  </a:txBody>
+                  <a:tcPr>
+                    <a:lnL w="12700" cmpd="sng">
+                      <a:noFill/>
+                    </a:lnL>
+                    <a:lnR w="12700" cmpd="sng">
+                      <a:noFill/>
+                    </a:lnR>
+                    <a:lnT w="12700" cmpd="sng">
+                      <a:noFill/>
+                    </a:lnT>
+                    <a:lnB w="38100" cmpd="sng">
+                      <a:noFill/>
+                    </a:lnB>
+                    <a:lnTlToBr w="12700" cmpd="sng">
+                      <a:noFill/>
+                      <a:prstDash val="solid"/>
+                    </a:lnTlToBr>
+                    <a:lnBlToTr w="12700" cmpd="sng">
+                      <a:noFill/>
+                      <a:prstDash val="solid"/>
+                    </a:lnBlToTr>
+                    <a:noFill/>
+                  </a:tcPr>
+                </a:tc>
+                <a:extLst>
+                  <a:ext uri="{0D108BD9-81ED-4DB2-BD59-A6C34878D82A}">
+                    <a16:rowId xmlns:a16="http://schemas.microsoft.com/office/drawing/2014/main" val="2847413766"/>
+                  </a:ext>
+                </a:extLst>
+              </a:tr>
+              <a:tr h="370840">
+                <a:tc>
+                  <a:txBody>
+                    <a:bodyPr/>
+                    <a:lstStyle/>
+                    <a:p>
+                      <a:pPr marL="285750" indent="-285750">
+                        <a:buFontTx/>
+                        <a:buChar char="-"/>
+                      </a:pPr>
+                      <a:r>
+                        <a:rPr lang="en-US" dirty="0">
+                          <a:solidFill>
+                            <a:schemeClr val="tx1"/>
+                          </a:solidFill>
+                        </a:rPr>
+                        <a:t>Escalating </a:t>
+                      </a:r>
+                      <a:r>
+                        <a:rPr lang="en-US" b="1" dirty="0">
+                          <a:solidFill>
+                            <a:schemeClr val="tx1"/>
+                          </a:solidFill>
+                        </a:rPr>
+                        <a:t>rework costs</a:t>
+                      </a:r>
+                      <a:r>
+                        <a:rPr lang="en-US" dirty="0">
+                          <a:solidFill>
+                            <a:schemeClr val="tx1"/>
+                          </a:solidFill>
+                        </a:rPr>
+                        <a:t> from failed assignments (e.g., truck rolls, technician overtime)</a:t>
+                      </a:r>
+                    </a:p>
+                    <a:p>
+                      <a:pPr marL="285750" indent="-285750">
+                        <a:buFontTx/>
+                        <a:buChar char="-"/>
+                      </a:pPr>
+                      <a:r>
+                        <a:rPr lang="en-US" dirty="0">
+                          <a:solidFill>
+                            <a:schemeClr val="tx1"/>
+                          </a:solidFill>
+                        </a:rPr>
+                        <a:t>Lost revenue due to </a:t>
+                      </a:r>
+                      <a:r>
+                        <a:rPr lang="en-US" b="1" dirty="0">
+                          <a:solidFill>
+                            <a:schemeClr val="tx1"/>
+                          </a:solidFill>
+                        </a:rPr>
+                        <a:t>missed SLAs and churn</a:t>
+                      </a:r>
+                      <a:r>
+                        <a:rPr lang="en-US" dirty="0">
+                          <a:solidFill>
+                            <a:schemeClr val="tx1"/>
+                          </a:solidFill>
+                        </a:rPr>
+                        <a:t> from dissatisfied customers</a:t>
+                      </a:r>
+                    </a:p>
+                    <a:p>
+                      <a:pPr marL="285750" indent="-285750">
+                        <a:buFontTx/>
+                        <a:buChar char="-"/>
+                      </a:pPr>
+                      <a:r>
+                        <a:rPr lang="en-US" dirty="0">
+                          <a:solidFill>
+                            <a:schemeClr val="tx1"/>
+                          </a:solidFill>
+                        </a:rPr>
+                        <a:t>Inability to scale → </a:t>
+                      </a:r>
+                      <a:r>
+                        <a:rPr lang="en-US" b="1" dirty="0">
+                          <a:solidFill>
+                            <a:schemeClr val="tx1"/>
+                          </a:solidFill>
+                        </a:rPr>
+                        <a:t>foregone market opportunities </a:t>
+                      </a:r>
+                      <a:r>
+                        <a:rPr lang="en-US" b="0" dirty="0">
+                          <a:solidFill>
+                            <a:schemeClr val="tx1"/>
+                          </a:solidFill>
+                        </a:rPr>
+                        <a:t>and</a:t>
+                      </a:r>
+                      <a:r>
+                        <a:rPr lang="en-US" b="1" dirty="0">
+                          <a:solidFill>
+                            <a:schemeClr val="tx1"/>
+                          </a:solidFill>
+                        </a:rPr>
+                        <a:t> lose industry competitiveness</a:t>
+                      </a:r>
+                      <a:endParaRPr lang="en-US" dirty="0">
+                        <a:solidFill>
+                          <a:schemeClr val="tx1"/>
+                        </a:solidFill>
+                      </a:endParaRPr>
+                    </a:p>
+                    <a:p>
+                      <a:endParaRPr lang="en-US" dirty="0">
+                        <a:solidFill>
+                          <a:schemeClr val="tx1"/>
+                        </a:solidFill>
+                      </a:endParaRPr>
+                    </a:p>
+                  </a:txBody>
+                  <a:tcPr>
+                    <a:lnL w="12700" cmpd="sng">
+                      <a:noFill/>
+                    </a:lnL>
+                    <a:lnR w="12700" cmpd="sng">
+                      <a:noFill/>
+                    </a:lnR>
+                    <a:lnT w="38100" cmpd="sng">
+                      <a:noFill/>
+                    </a:lnT>
+                    <a:lnB w="12700" cmpd="sng">
+                      <a:noFill/>
+                    </a:lnB>
+                    <a:lnTlToBr w="12700" cmpd="sng">
+                      <a:noFill/>
+                      <a:prstDash val="solid"/>
+                    </a:lnTlToBr>
+                    <a:lnBlToTr w="12700" cmpd="sng">
+                      <a:noFill/>
+                      <a:prstDash val="solid"/>
+                    </a:lnBlToTr>
+                    <a:noFill/>
+                  </a:tcPr>
+                </a:tc>
+                <a:tc>
+                  <a:txBody>
+                    <a:bodyPr/>
+                    <a:lstStyle/>
+                    <a:p>
+                      <a:pPr marL="285750" indent="-285750">
+                        <a:buFontTx/>
+                        <a:buChar char="-"/>
+                      </a:pPr>
+                      <a:r>
+                        <a:rPr lang="en-US" dirty="0">
+                          <a:solidFill>
+                            <a:schemeClr val="tx1"/>
+                          </a:solidFill>
+                        </a:rPr>
+                        <a:t>Continued </a:t>
+                      </a:r>
+                      <a:r>
+                        <a:rPr lang="en-US" b="1" dirty="0">
+                          <a:solidFill>
+                            <a:schemeClr val="tx1"/>
+                          </a:solidFill>
+                        </a:rPr>
+                        <a:t>inefficient scheduling</a:t>
+                      </a:r>
+                      <a:r>
+                        <a:rPr lang="en-US" dirty="0">
+                          <a:solidFill>
+                            <a:schemeClr val="tx1"/>
+                          </a:solidFill>
+                        </a:rPr>
+                        <a:t> → technician idle time and misallocations</a:t>
+                      </a:r>
+                    </a:p>
+                    <a:p>
+                      <a:pPr marL="285750" indent="-285750">
+                        <a:buFontTx/>
+                        <a:buChar char="-"/>
+                      </a:pPr>
+                      <a:r>
+                        <a:rPr lang="en-US" dirty="0">
+                          <a:solidFill>
+                            <a:schemeClr val="tx1"/>
+                          </a:solidFill>
+                        </a:rPr>
+                        <a:t>Increased </a:t>
+                      </a:r>
+                      <a:r>
+                        <a:rPr lang="en-US" b="1" dirty="0">
+                          <a:solidFill>
+                            <a:schemeClr val="tx1"/>
+                          </a:solidFill>
+                        </a:rPr>
+                        <a:t>turnover and burnout</a:t>
+                      </a:r>
+                      <a:r>
+                        <a:rPr lang="en-US" dirty="0">
+                          <a:solidFill>
+                            <a:schemeClr val="tx1"/>
+                          </a:solidFill>
+                        </a:rPr>
+                        <a:t>, driving up recruiting and training costs</a:t>
+                      </a:r>
+                    </a:p>
+                    <a:p>
+                      <a:pPr marL="285750" indent="-285750">
+                        <a:buFontTx/>
+                        <a:buChar char="-"/>
+                      </a:pPr>
+                      <a:r>
+                        <a:rPr lang="en-US" b="1" dirty="0">
+                          <a:solidFill>
+                            <a:schemeClr val="tx1"/>
+                          </a:solidFill>
+                        </a:rPr>
+                        <a:t>Stagnant service capacity</a:t>
+                      </a:r>
+                      <a:r>
+                        <a:rPr lang="en-US" dirty="0">
+                          <a:solidFill>
+                            <a:schemeClr val="tx1"/>
+                          </a:solidFill>
+                        </a:rPr>
+                        <a:t> limits ability to handle growth</a:t>
+                      </a:r>
+                    </a:p>
+                    <a:p>
+                      <a:endParaRPr lang="en-US" dirty="0">
+                        <a:solidFill>
+                          <a:schemeClr val="tx1"/>
+                        </a:solidFill>
+                      </a:endParaRPr>
+                    </a:p>
+                  </a:txBody>
+                  <a:tcPr>
+                    <a:lnL w="12700" cmpd="sng">
+                      <a:noFill/>
+                    </a:lnL>
+                    <a:lnR w="12700" cmpd="sng">
+                      <a:noFill/>
+                    </a:lnR>
+                    <a:lnT w="38100" cmpd="sng">
+                      <a:noFill/>
+                    </a:lnT>
+                    <a:lnB w="12700" cmpd="sng">
+                      <a:noFill/>
+                    </a:lnB>
+                    <a:lnTlToBr w="12700" cmpd="sng">
+                      <a:noFill/>
+                      <a:prstDash val="solid"/>
+                    </a:lnTlToBr>
+                    <a:lnBlToTr w="12700" cmpd="sng">
+                      <a:noFill/>
+                      <a:prstDash val="solid"/>
+                    </a:lnBlToTr>
+                    <a:noFill/>
+                  </a:tcPr>
+                </a:tc>
+                <a:tc>
+                  <a:txBody>
+                    <a:bodyPr/>
+                    <a:lstStyle/>
+                    <a:p>
+                      <a:pPr marL="285750" indent="-285750">
+                        <a:buFontTx/>
+                        <a:buChar char="-"/>
+                      </a:pPr>
+                      <a:r>
+                        <a:rPr lang="en-US" dirty="0">
+                          <a:solidFill>
+                            <a:schemeClr val="tx1"/>
+                          </a:solidFill>
+                        </a:rPr>
+                        <a:t>Decline in </a:t>
+                      </a:r>
+                      <a:r>
+                        <a:rPr lang="en-US" b="1" dirty="0">
+                          <a:solidFill>
+                            <a:schemeClr val="tx1"/>
+                          </a:solidFill>
+                        </a:rPr>
+                        <a:t>customer trust </a:t>
+                      </a:r>
+                      <a:r>
+                        <a:rPr lang="en-US" dirty="0">
+                          <a:solidFill>
+                            <a:schemeClr val="tx1"/>
+                          </a:solidFill>
+                        </a:rPr>
+                        <a:t>and satisfaction scores</a:t>
+                      </a:r>
+                    </a:p>
+                    <a:p>
+                      <a:pPr marL="285750" indent="-285750">
+                        <a:buFontTx/>
+                        <a:buChar char="-"/>
+                      </a:pPr>
+                      <a:r>
+                        <a:rPr lang="en-US" dirty="0">
+                          <a:solidFill>
+                            <a:schemeClr val="tx1"/>
+                          </a:solidFill>
+                        </a:rPr>
+                        <a:t>Risk </a:t>
+                      </a:r>
+                      <a:r>
+                        <a:rPr lang="en-US" b="1" dirty="0">
+                          <a:solidFill>
+                            <a:schemeClr val="tx1"/>
+                          </a:solidFill>
+                        </a:rPr>
+                        <a:t>of negative reviews</a:t>
+                      </a:r>
+                      <a:r>
+                        <a:rPr lang="en-US" dirty="0">
+                          <a:solidFill>
+                            <a:schemeClr val="tx1"/>
+                          </a:solidFill>
+                        </a:rPr>
+                        <a:t>, regulatory scrutiny,</a:t>
+                      </a:r>
+                      <a:r>
+                        <a:rPr lang="en-US" b="1" dirty="0">
+                          <a:solidFill>
+                            <a:schemeClr val="tx1"/>
+                          </a:solidFill>
+                        </a:rPr>
+                        <a:t> </a:t>
+                      </a:r>
+                      <a:r>
+                        <a:rPr lang="en-US" b="0" dirty="0">
+                          <a:solidFill>
+                            <a:schemeClr val="tx1"/>
+                          </a:solidFill>
+                        </a:rPr>
+                        <a:t>or </a:t>
+                      </a:r>
+                      <a:r>
+                        <a:rPr lang="en-US" b="1" dirty="0">
+                          <a:solidFill>
+                            <a:schemeClr val="tx1"/>
+                          </a:solidFill>
+                        </a:rPr>
+                        <a:t>union action</a:t>
+                      </a:r>
+                      <a:r>
+                        <a:rPr lang="en-US" dirty="0">
+                          <a:solidFill>
+                            <a:schemeClr val="tx1"/>
+                          </a:solidFill>
+                        </a:rPr>
+                        <a:t> due to poor working conditions</a:t>
+                      </a:r>
+                    </a:p>
+                  </a:txBody>
+                  <a:tcPr>
+                    <a:lnL w="12700" cmpd="sng">
+                      <a:noFill/>
+                    </a:lnL>
+                    <a:lnR w="12700" cmpd="sng">
+                      <a:noFill/>
+                    </a:lnR>
+                    <a:lnT w="38100" cmpd="sng">
+                      <a:noFill/>
+                    </a:lnT>
+                    <a:lnB w="12700" cmpd="sng">
+                      <a:noFill/>
+                    </a:lnB>
+                    <a:lnTlToBr w="12700" cmpd="sng">
+                      <a:noFill/>
+                      <a:prstDash val="solid"/>
+                    </a:lnTlToBr>
+                    <a:lnBlToTr w="12700" cmpd="sng">
+                      <a:noFill/>
+                      <a:prstDash val="solid"/>
+                    </a:lnBlToTr>
+                    <a:noFill/>
+                  </a:tcPr>
+                </a:tc>
+                <a:extLst>
+                  <a:ext uri="{0D108BD9-81ED-4DB2-BD59-A6C34878D82A}">
+                    <a16:rowId xmlns:a16="http://schemas.microsoft.com/office/drawing/2014/main" val="121584356"/>
+                  </a:ext>
+                </a:extLst>
+              </a:tr>
+            </a:tbl>
+          </a:graphicData>
+        </a:graphic>
+      </p:graphicFrame>
     </p:spTree>
     <p:extLst>
       <p:ext uri="{BB962C8B-B14F-4D97-AF65-F5344CB8AC3E}">
@@ -24162,18 +25889,343 @@
             <p:ph idx="1"/>
           </p:nvPr>
         </p:nvSpPr>
-        <p:spPr/>
+        <p:spPr>
+          <a:xfrm>
+            <a:off x="1141412" y="2036836"/>
+            <a:ext cx="9905999" cy="876485"/>
+          </a:xfrm>
+        </p:spPr>
         <p:txBody>
           <a:bodyPr/>
           <a:lstStyle/>
           <a:p>
+            <a:pPr marL="0" indent="0">
+              <a:buNone/>
+            </a:pPr>
             <a:r>
               <a:rPr lang="en-US" dirty="0"/>
-              <a:t>Design a automated system that matches technicians to task that is based on their skillset </a:t>
+              <a:t>Introducing an </a:t>
+            </a:r>
+            <a:r>
+              <a:rPr lang="en-US" b="1" dirty="0"/>
+              <a:t>automated technician-task matching system</a:t>
             </a:r>
           </a:p>
         </p:txBody>
       </p:sp>
+      <p:graphicFrame>
+        <p:nvGraphicFramePr>
+          <p:cNvPr id="6" name="Table 5">
+            <a:extLst>
+              <a:ext uri="{FF2B5EF4-FFF2-40B4-BE49-F238E27FC236}">
+                <a16:creationId xmlns:a16="http://schemas.microsoft.com/office/drawing/2014/main" id="{8A0D2858-370F-80E6-88E7-D00BA726E441}"/>
+              </a:ext>
+            </a:extLst>
+          </p:cNvPr>
+          <p:cNvGraphicFramePr>
+            <a:graphicFrameLocks noGrp="1"/>
+          </p:cNvGraphicFramePr>
+          <p:nvPr>
+            <p:extLst>
+              <p:ext uri="{D42A27DB-BD31-4B8C-83A1-F6EECF244321}">
+                <p14:modId xmlns:p14="http://schemas.microsoft.com/office/powerpoint/2010/main" val="4232213671"/>
+              </p:ext>
+            </p:extLst>
+          </p:nvPr>
+        </p:nvGraphicFramePr>
+        <p:xfrm>
+          <a:off x="1776819" y="3219119"/>
+          <a:ext cx="8128000" cy="1651000"/>
+        </p:xfrm>
+        <a:graphic>
+          <a:graphicData uri="http://schemas.openxmlformats.org/drawingml/2006/table">
+            <a:tbl>
+              <a:tblPr firstRow="1" bandRow="1">
+                <a:tableStyleId>{5C22544A-7EE6-4342-B048-85BDC9FD1C3A}</a:tableStyleId>
+              </a:tblPr>
+              <a:tblGrid>
+                <a:gridCol w="4064000">
+                  <a:extLst>
+                    <a:ext uri="{9D8B030D-6E8A-4147-A177-3AD203B41FA5}">
+                      <a16:colId xmlns:a16="http://schemas.microsoft.com/office/drawing/2014/main" val="2135122572"/>
+                    </a:ext>
+                  </a:extLst>
+                </a:gridCol>
+                <a:gridCol w="4064000">
+                  <a:extLst>
+                    <a:ext uri="{9D8B030D-6E8A-4147-A177-3AD203B41FA5}">
+                      <a16:colId xmlns:a16="http://schemas.microsoft.com/office/drawing/2014/main" val="3373853915"/>
+                    </a:ext>
+                  </a:extLst>
+                </a:gridCol>
+              </a:tblGrid>
+              <a:tr h="370840">
+                <a:tc>
+                  <a:txBody>
+                    <a:bodyPr/>
+                    <a:lstStyle/>
+                    <a:p>
+                      <a:r>
+                        <a:rPr lang="en-US" dirty="0"/>
+                        <a:t>OLD</a:t>
+                      </a:r>
+                    </a:p>
+                  </a:txBody>
+                  <a:tcPr>
+                    <a:lnL w="12700" cmpd="sng">
+                      <a:noFill/>
+                    </a:lnL>
+                    <a:lnR w="12700" cmpd="sng">
+                      <a:noFill/>
+                    </a:lnR>
+                    <a:lnT w="12700" cmpd="sng">
+                      <a:noFill/>
+                    </a:lnT>
+                    <a:lnB w="38100" cmpd="sng">
+                      <a:noFill/>
+                    </a:lnB>
+                    <a:lnTlToBr w="12700" cmpd="sng">
+                      <a:noFill/>
+                      <a:prstDash val="solid"/>
+                    </a:lnTlToBr>
+                    <a:lnBlToTr w="12700" cmpd="sng">
+                      <a:noFill/>
+                      <a:prstDash val="solid"/>
+                    </a:lnBlToTr>
+                    <a:noFill/>
+                  </a:tcPr>
+                </a:tc>
+                <a:tc>
+                  <a:txBody>
+                    <a:bodyPr/>
+                    <a:lstStyle/>
+                    <a:p>
+                      <a:r>
+                        <a:rPr lang="en-US" dirty="0"/>
+                        <a:t>NEW</a:t>
+                      </a:r>
+                    </a:p>
+                  </a:txBody>
+                  <a:tcPr>
+                    <a:lnL w="12700" cmpd="sng">
+                      <a:noFill/>
+                    </a:lnL>
+                    <a:lnR w="12700" cmpd="sng">
+                      <a:noFill/>
+                    </a:lnR>
+                    <a:lnT w="12700" cmpd="sng">
+                      <a:noFill/>
+                    </a:lnT>
+                    <a:lnB w="38100" cmpd="sng">
+                      <a:noFill/>
+                    </a:lnB>
+                    <a:lnTlToBr w="12700" cmpd="sng">
+                      <a:noFill/>
+                      <a:prstDash val="solid"/>
+                    </a:lnTlToBr>
+                    <a:lnBlToTr w="12700" cmpd="sng">
+                      <a:noFill/>
+                      <a:prstDash val="solid"/>
+                    </a:lnBlToTr>
+                    <a:noFill/>
+                  </a:tcPr>
+                </a:tc>
+                <a:extLst>
+                  <a:ext uri="{0D108BD9-81ED-4DB2-BD59-A6C34878D82A}">
+                    <a16:rowId xmlns:a16="http://schemas.microsoft.com/office/drawing/2014/main" val="207100166"/>
+                  </a:ext>
+                </a:extLst>
+              </a:tr>
+              <a:tr h="370840">
+                <a:tc>
+                  <a:txBody>
+                    <a:bodyPr/>
+                    <a:lstStyle/>
+                    <a:p>
+                      <a:r>
+                        <a:rPr lang="en-US" dirty="0">
+                          <a:solidFill>
+                            <a:schemeClr val="tx1"/>
+                          </a:solidFill>
+                        </a:rPr>
+                        <a:t>Manual process</a:t>
+                      </a:r>
+                    </a:p>
+                  </a:txBody>
+                  <a:tcPr>
+                    <a:lnL w="12700" cmpd="sng">
+                      <a:noFill/>
+                    </a:lnL>
+                    <a:lnR w="12700" cmpd="sng">
+                      <a:noFill/>
+                    </a:lnR>
+                    <a:lnT w="38100" cmpd="sng">
+                      <a:noFill/>
+                    </a:lnT>
+                    <a:lnB w="12700" cmpd="sng">
+                      <a:noFill/>
+                    </a:lnB>
+                    <a:lnTlToBr w="12700" cmpd="sng">
+                      <a:noFill/>
+                      <a:prstDash val="solid"/>
+                    </a:lnTlToBr>
+                    <a:lnBlToTr w="12700" cmpd="sng">
+                      <a:noFill/>
+                      <a:prstDash val="solid"/>
+                    </a:lnBlToTr>
+                    <a:noFill/>
+                  </a:tcPr>
+                </a:tc>
+                <a:tc>
+                  <a:txBody>
+                    <a:bodyPr/>
+                    <a:lstStyle/>
+                    <a:p>
+                      <a:r>
+                        <a:rPr lang="en-US" b="1" dirty="0">
+                          <a:solidFill>
+                            <a:schemeClr val="tx1"/>
+                          </a:solidFill>
+                        </a:rPr>
+                        <a:t>Automated task assignment </a:t>
+                      </a:r>
+                      <a:r>
+                        <a:rPr lang="en-US" b="0" dirty="0">
+                          <a:solidFill>
+                            <a:schemeClr val="tx1"/>
+                          </a:solidFill>
+                        </a:rPr>
+                        <a:t>ensures best technician is matched to each job</a:t>
+                      </a:r>
+                    </a:p>
+                  </a:txBody>
+                  <a:tcPr>
+                    <a:lnL w="12700" cmpd="sng">
+                      <a:noFill/>
+                    </a:lnL>
+                    <a:lnR w="12700" cmpd="sng">
+                      <a:noFill/>
+                    </a:lnR>
+                    <a:lnT w="38100" cmpd="sng">
+                      <a:noFill/>
+                    </a:lnT>
+                    <a:lnB w="12700" cmpd="sng">
+                      <a:noFill/>
+                    </a:lnB>
+                    <a:lnTlToBr w="12700" cmpd="sng">
+                      <a:noFill/>
+                      <a:prstDash val="solid"/>
+                    </a:lnTlToBr>
+                    <a:lnBlToTr w="12700" cmpd="sng">
+                      <a:noFill/>
+                      <a:prstDash val="solid"/>
+                    </a:lnBlToTr>
+                    <a:noFill/>
+                  </a:tcPr>
+                </a:tc>
+                <a:extLst>
+                  <a:ext uri="{0D108BD9-81ED-4DB2-BD59-A6C34878D82A}">
+                    <a16:rowId xmlns:a16="http://schemas.microsoft.com/office/drawing/2014/main" val="2235359346"/>
+                  </a:ext>
+                </a:extLst>
+              </a:tr>
+              <a:tr h="370840">
+                <a:tc>
+                  <a:txBody>
+                    <a:bodyPr/>
+                    <a:lstStyle/>
+                    <a:p>
+                      <a:r>
+                        <a:rPr lang="en-US" dirty="0">
+                          <a:solidFill>
+                            <a:schemeClr val="tx1"/>
+                          </a:solidFill>
+                        </a:rPr>
+                        <a:t>Availability-based assignment</a:t>
+                      </a:r>
+                    </a:p>
+                  </a:txBody>
+                  <a:tcPr>
+                    <a:lnL w="12700" cmpd="sng">
+                      <a:noFill/>
+                    </a:lnL>
+                    <a:lnR w="12700" cmpd="sng">
+                      <a:noFill/>
+                    </a:lnR>
+                    <a:lnT w="12700" cmpd="sng">
+                      <a:noFill/>
+                    </a:lnT>
+                    <a:lnB w="12700" cmpd="sng">
+                      <a:noFill/>
+                    </a:lnB>
+                    <a:lnTlToBr w="12700" cmpd="sng">
+                      <a:noFill/>
+                      <a:prstDash val="solid"/>
+                    </a:lnTlToBr>
+                    <a:lnBlToTr w="12700" cmpd="sng">
+                      <a:noFill/>
+                      <a:prstDash val="solid"/>
+                    </a:lnBlToTr>
+                    <a:noFill/>
+                  </a:tcPr>
+                </a:tc>
+                <a:tc>
+                  <a:txBody>
+                    <a:bodyPr/>
+                    <a:lstStyle/>
+                    <a:p>
+                      <a:r>
+                        <a:rPr lang="en-US" b="1" dirty="0">
+                          <a:solidFill>
+                            <a:schemeClr val="tx1"/>
+                          </a:solidFill>
+                        </a:rPr>
+                        <a:t>Intelligent matching engine</a:t>
+                      </a:r>
+                      <a:r>
+                        <a:rPr lang="en-US" dirty="0">
+                          <a:solidFill>
+                            <a:schemeClr val="tx1"/>
+                          </a:solidFill>
+                        </a:rPr>
+                        <a:t> uses data on skills, experience, and past performance</a:t>
+                      </a:r>
+                    </a:p>
+                  </a:txBody>
+                  <a:tcPr>
+                    <a:lnL w="12700" cmpd="sng">
+                      <a:noFill/>
+                    </a:lnL>
+                    <a:lnR w="12700" cmpd="sng">
+                      <a:noFill/>
+                    </a:lnR>
+                    <a:lnT w="12700" cmpd="sng">
+                      <a:noFill/>
+                    </a:lnT>
+                    <a:lnB w="12700" cmpd="sng">
+                      <a:noFill/>
+                    </a:lnB>
+                    <a:lnTlToBr w="12700" cmpd="sng">
+                      <a:noFill/>
+                      <a:prstDash val="solid"/>
+                    </a:lnTlToBr>
+                    <a:lnBlToTr w="12700" cmpd="sng">
+                      <a:noFill/>
+                      <a:prstDash val="solid"/>
+                    </a:lnBlToTr>
+                    <a:noFill/>
+                  </a:tcPr>
+                </a:tc>
+                <a:extLst>
+                  <a:ext uri="{0D108BD9-81ED-4DB2-BD59-A6C34878D82A}">
+                    <a16:rowId xmlns:a16="http://schemas.microsoft.com/office/drawing/2014/main" val="889971407"/>
+                  </a:ext>
+                </a:extLst>
+              </a:tr>
+            </a:tbl>
+          </a:graphicData>
+        </a:graphic>
+      </p:graphicFrame>
     </p:spTree>
     <p:extLst>
       <p:ext uri="{BB962C8B-B14F-4D97-AF65-F5344CB8AC3E}">
@@ -24252,18 +26304,23 @@
           </p:cNvGraphicFramePr>
           <p:nvPr>
             <p:ph idx="1"/>
+            <p:extLst>
+              <p:ext uri="{D42A27DB-BD31-4B8C-83A1-F6EECF244321}">
+                <p14:modId xmlns:p14="http://schemas.microsoft.com/office/powerpoint/2010/main" val="1907649183"/>
+              </p:ext>
+            </p:extLst>
           </p:nvPr>
         </p:nvGraphicFramePr>
         <p:xfrm>
-          <a:off x="1058378" y="1825626"/>
-          <a:ext cx="10075244" cy="4351335"/>
+          <a:off x="1027814" y="1825626"/>
+          <a:ext cx="10105808" cy="4351335"/>
         </p:xfrm>
         <a:graphic>
           <a:graphicData uri="http://schemas.openxmlformats.org/drawingml/2006/table">
             <a:tbl>
               <a:tblPr/>
               <a:tblGrid>
-                <a:gridCol w="2518811">
+                <a:gridCol w="2549375">
                   <a:extLst>
                     <a:ext uri="{9D8B030D-6E8A-4147-A177-3AD203B41FA5}">
                       <a16:colId xmlns:a16="http://schemas.microsoft.com/office/drawing/2014/main" val="2460296042"/>
@@ -24302,7 +26359,10 @@
                         <a:buNone/>
                       </a:pPr>
                       <a:r>
-                        <a:rPr lang="en-US" sz="1700" b="1">
+                        <a:rPr lang="en-US" sz="1700" b="1" dirty="0">
+                          <a:solidFill>
+                            <a:schemeClr val="bg1"/>
+                          </a:solidFill>
                           <a:effectLst/>
                         </a:rPr>
                         <a:t>Phase</a:t>
@@ -24361,6 +26421,9 @@
                       </a:pPr>
                       <a:r>
                         <a:rPr lang="en-US" sz="1700" b="1">
+                          <a:solidFill>
+                            <a:schemeClr val="bg1"/>
+                          </a:solidFill>
                           <a:effectLst/>
                         </a:rPr>
                         <a:t>Key Activities</a:t>
@@ -24419,6 +26482,9 @@
                       </a:pPr>
                       <a:r>
                         <a:rPr lang="en-US" sz="1700" b="1">
+                          <a:solidFill>
+                            <a:schemeClr val="bg1"/>
+                          </a:solidFill>
                           <a:effectLst/>
                         </a:rPr>
                         <a:t>Deliverables</a:t>
@@ -24477,6 +26543,9 @@
                       </a:pPr>
                       <a:r>
                         <a:rPr lang="en-US" sz="1700" b="1">
+                          <a:solidFill>
+                            <a:schemeClr val="bg1"/>
+                          </a:solidFill>
                           <a:effectLst/>
                         </a:rPr>
                         <a:t>Duration</a:t>
@@ -24541,10 +26610,74 @@
                         <a:buNone/>
                       </a:pPr>
                       <a:r>
-                        <a:rPr lang="en-US" sz="1700">
+                        <a:rPr lang="en-US" sz="1700" dirty="0">
+                          <a:solidFill>
+                            <a:schemeClr val="bg1"/>
+                          </a:solidFill>
                           <a:effectLst/>
                         </a:rPr>
                         <a:t>1. Planning</a:t>
+                      </a:r>
+                    </a:p>
+                  </a:txBody>
+                  <a:tcPr marL="58407" marR="58407" marT="58407" marB="58407" anchor="ctr">
+                    <a:lnL w="7620" cap="flat" cmpd="sng" algn="ctr">
+                      <a:solidFill>
+                        <a:srgbClr val="DCDFE3"/>
+                      </a:solidFill>
+                      <a:prstDash val="solid"/>
+                      <a:round/>
+                      <a:headEnd type="none" w="med" len="med"/>
+                      <a:tailEnd type="none" w="med" len="med"/>
+                    </a:lnL>
+                    <a:lnR w="7620" cap="flat" cmpd="sng" algn="ctr">
+                      <a:solidFill>
+                        <a:srgbClr val="DCDFE3"/>
+                      </a:solidFill>
+                      <a:prstDash val="solid"/>
+                      <a:round/>
+                      <a:headEnd type="none" w="med" len="med"/>
+                      <a:tailEnd type="none" w="med" len="med"/>
+                    </a:lnR>
+                    <a:lnT w="7620" cap="flat" cmpd="sng" algn="ctr">
+                      <a:solidFill>
+                        <a:srgbClr val="DCDFE3"/>
+                      </a:solidFill>
+                      <a:prstDash val="solid"/>
+                      <a:round/>
+                      <a:headEnd type="none" w="med" len="med"/>
+                      <a:tailEnd type="none" w="med" len="med"/>
+                    </a:lnT>
+                    <a:lnB w="7620" cap="flat" cmpd="sng" algn="ctr">
+                      <a:solidFill>
+                        <a:srgbClr val="DCDFE3"/>
+                      </a:solidFill>
+                      <a:prstDash val="solid"/>
+                      <a:round/>
+                      <a:headEnd type="none" w="med" len="med"/>
+                      <a:tailEnd type="none" w="med" len="med"/>
+                    </a:lnB>
+                    <a:solidFill>
+                      <a:srgbClr val="FFFFFF"/>
+                    </a:solidFill>
+                  </a:tcPr>
+                </a:tc>
+                <a:tc>
+                  <a:txBody>
+                    <a:bodyPr/>
+                    <a:lstStyle/>
+                    <a:p>
+                      <a:pPr>
+                        <a:buNone/>
+                      </a:pPr>
+                      <a:r>
+                        <a:rPr lang="en-US" sz="1700" dirty="0">
+                          <a:solidFill>
+                            <a:schemeClr val="bg1"/>
+                          </a:solidFill>
+                          <a:effectLst/>
+                        </a:rPr>
+                        <a:t>Gather requirements, define scope, approvals</a:t>
                       </a:r>
                     </a:p>
                   </a:txBody>
@@ -24600,9 +26733,12 @@
                       </a:pPr>
                       <a:r>
                         <a:rPr lang="en-US" sz="1700">
+                          <a:solidFill>
+                            <a:schemeClr val="bg1"/>
+                          </a:solidFill>
                           <a:effectLst/>
                         </a:rPr>
-                        <a:t>Gather requirements, define scope, approvals</a:t>
+                        <a:t>Project Charter, Requirements</a:t>
                       </a:r>
                     </a:p>
                   </a:txBody>
@@ -24658,64 +26794,9 @@
                       </a:pPr>
                       <a:r>
                         <a:rPr lang="en-US" sz="1700">
-                          <a:effectLst/>
-                        </a:rPr>
-                        <a:t>Project Charter, Requirements</a:t>
-                      </a:r>
-                    </a:p>
-                  </a:txBody>
-                  <a:tcPr marL="58407" marR="58407" marT="58407" marB="58407" anchor="ctr">
-                    <a:lnL w="7620" cap="flat" cmpd="sng" algn="ctr">
-                      <a:solidFill>
-                        <a:srgbClr val="DCDFE3"/>
-                      </a:solidFill>
-                      <a:prstDash val="solid"/>
-                      <a:round/>
-                      <a:headEnd type="none" w="med" len="med"/>
-                      <a:tailEnd type="none" w="med" len="med"/>
-                    </a:lnL>
-                    <a:lnR w="7620" cap="flat" cmpd="sng" algn="ctr">
-                      <a:solidFill>
-                        <a:srgbClr val="DCDFE3"/>
-                      </a:solidFill>
-                      <a:prstDash val="solid"/>
-                      <a:round/>
-                      <a:headEnd type="none" w="med" len="med"/>
-                      <a:tailEnd type="none" w="med" len="med"/>
-                    </a:lnR>
-                    <a:lnT w="7620" cap="flat" cmpd="sng" algn="ctr">
-                      <a:solidFill>
-                        <a:srgbClr val="DCDFE3"/>
-                      </a:solidFill>
-                      <a:prstDash val="solid"/>
-                      <a:round/>
-                      <a:headEnd type="none" w="med" len="med"/>
-                      <a:tailEnd type="none" w="med" len="med"/>
-                    </a:lnT>
-                    <a:lnB w="7620" cap="flat" cmpd="sng" algn="ctr">
-                      <a:solidFill>
-                        <a:srgbClr val="DCDFE3"/>
-                      </a:solidFill>
-                      <a:prstDash val="solid"/>
-                      <a:round/>
-                      <a:headEnd type="none" w="med" len="med"/>
-                      <a:tailEnd type="none" w="med" len="med"/>
-                    </a:lnB>
-                    <a:solidFill>
-                      <a:srgbClr val="FFFFFF"/>
-                    </a:solidFill>
-                  </a:tcPr>
-                </a:tc>
-                <a:tc>
-                  <a:txBody>
-                    <a:bodyPr/>
-                    <a:lstStyle/>
-                    <a:p>
-                      <a:pPr>
-                        <a:buNone/>
-                      </a:pPr>
-                      <a:r>
-                        <a:rPr lang="en-US" sz="1700">
+                          <a:solidFill>
+                            <a:schemeClr val="bg1"/>
+                          </a:solidFill>
                           <a:effectLst/>
                         </a:rPr>
                         <a:t>2 weeks</a:t>
@@ -24781,9 +26862,134 @@
                       </a:pPr>
                       <a:r>
                         <a:rPr lang="en-US" sz="1700">
+                          <a:solidFill>
+                            <a:schemeClr val="bg1"/>
+                          </a:solidFill>
                           <a:effectLst/>
                         </a:rPr>
                         <a:t>2. Design</a:t>
+                      </a:r>
+                    </a:p>
+                  </a:txBody>
+                  <a:tcPr marL="58407" marR="58407" marT="58407" marB="58407" anchor="ctr">
+                    <a:lnL w="7620" cap="flat" cmpd="sng" algn="ctr">
+                      <a:solidFill>
+                        <a:srgbClr val="DCDFE3"/>
+                      </a:solidFill>
+                      <a:prstDash val="solid"/>
+                      <a:round/>
+                      <a:headEnd type="none" w="med" len="med"/>
+                      <a:tailEnd type="none" w="med" len="med"/>
+                    </a:lnL>
+                    <a:lnR w="7620" cap="flat" cmpd="sng" algn="ctr">
+                      <a:solidFill>
+                        <a:srgbClr val="DCDFE3"/>
+                      </a:solidFill>
+                      <a:prstDash val="solid"/>
+                      <a:round/>
+                      <a:headEnd type="none" w="med" len="med"/>
+                      <a:tailEnd type="none" w="med" len="med"/>
+                    </a:lnR>
+                    <a:lnT w="7620" cap="flat" cmpd="sng" algn="ctr">
+                      <a:solidFill>
+                        <a:srgbClr val="DCDFE3"/>
+                      </a:solidFill>
+                      <a:prstDash val="solid"/>
+                      <a:round/>
+                      <a:headEnd type="none" w="med" len="med"/>
+                      <a:tailEnd type="none" w="med" len="med"/>
+                    </a:lnT>
+                    <a:lnB w="7620" cap="flat" cmpd="sng" algn="ctr">
+                      <a:solidFill>
+                        <a:srgbClr val="DCDFE3"/>
+                      </a:solidFill>
+                      <a:prstDash val="solid"/>
+                      <a:round/>
+                      <a:headEnd type="none" w="med" len="med"/>
+                      <a:tailEnd type="none" w="med" len="med"/>
+                    </a:lnB>
+                    <a:solidFill>
+                      <a:srgbClr val="FFFFFF"/>
+                    </a:solidFill>
+                  </a:tcPr>
+                </a:tc>
+                <a:tc>
+                  <a:txBody>
+                    <a:bodyPr/>
+                    <a:lstStyle/>
+                    <a:p>
+                      <a:pPr>
+                        <a:buNone/>
+                      </a:pPr>
+                      <a:r>
+                        <a:rPr lang="en-US" sz="1700" dirty="0">
+                          <a:solidFill>
+                            <a:schemeClr val="bg1"/>
+                          </a:solidFill>
+                          <a:effectLst/>
+                        </a:rPr>
+                        <a:t>System architecture, UI/UX design</a:t>
+                      </a:r>
+                    </a:p>
+                  </a:txBody>
+                  <a:tcPr marL="58407" marR="58407" marT="58407" marB="58407" anchor="ctr">
+                    <a:lnL w="7620" cap="flat" cmpd="sng" algn="ctr">
+                      <a:solidFill>
+                        <a:srgbClr val="DCDFE3"/>
+                      </a:solidFill>
+                      <a:prstDash val="solid"/>
+                      <a:round/>
+                      <a:headEnd type="none" w="med" len="med"/>
+                      <a:tailEnd type="none" w="med" len="med"/>
+                    </a:lnL>
+                    <a:lnR w="7620" cap="flat" cmpd="sng" algn="ctr">
+                      <a:solidFill>
+                        <a:srgbClr val="DCDFE3"/>
+                      </a:solidFill>
+                      <a:prstDash val="solid"/>
+                      <a:round/>
+                      <a:headEnd type="none" w="med" len="med"/>
+                      <a:tailEnd type="none" w="med" len="med"/>
+                    </a:lnR>
+                    <a:lnT w="7620" cap="flat" cmpd="sng" algn="ctr">
+                      <a:solidFill>
+                        <a:srgbClr val="DCDFE3"/>
+                      </a:solidFill>
+                      <a:prstDash val="solid"/>
+                      <a:round/>
+                      <a:headEnd type="none" w="med" len="med"/>
+                      <a:tailEnd type="none" w="med" len="med"/>
+                    </a:lnT>
+                    <a:lnB w="7620" cap="flat" cmpd="sng" algn="ctr">
+                      <a:solidFill>
+                        <a:srgbClr val="DCDFE3"/>
+                      </a:solidFill>
+                      <a:prstDash val="solid"/>
+                      <a:round/>
+                      <a:headEnd type="none" w="med" len="med"/>
+                      <a:tailEnd type="none" w="med" len="med"/>
+                    </a:lnB>
+                    <a:solidFill>
+                      <a:srgbClr val="FFFFFF"/>
+                    </a:solidFill>
+                  </a:tcPr>
+                </a:tc>
+                <a:tc>
+                  <a:txBody>
+                    <a:bodyPr/>
+                    <a:lstStyle/>
+                    <a:p>
+                      <a:pPr>
+                        <a:buNone/>
+                      </a:pPr>
+                      <a:r>
+                        <a:rPr lang="en-US" sz="1700" dirty="0">
+                          <a:solidFill>
+                            <a:schemeClr val="bg1"/>
+                          </a:solidFill>
+                          <a:effectLst/>
+                        </a:rPr>
+                        <a:t>Design Docs, Wireframes</a:t>
                       </a:r>
                     </a:p>
                   </a:txBody>
@@ -24839,122 +27045,9 @@
                       </a:pPr>
                       <a:r>
                         <a:rPr lang="en-US" sz="1700">
-                          <a:effectLst/>
-                        </a:rPr>
-                        <a:t>System architecture, UI/UX design</a:t>
-                      </a:r>
-                    </a:p>
-                  </a:txBody>
-                  <a:tcPr marL="58407" marR="58407" marT="58407" marB="58407" anchor="ctr">
-                    <a:lnL w="7620" cap="flat" cmpd="sng" algn="ctr">
-                      <a:solidFill>
-                        <a:srgbClr val="DCDFE3"/>
-                      </a:solidFill>
-                      <a:prstDash val="solid"/>
-                      <a:round/>
-                      <a:headEnd type="none" w="med" len="med"/>
-                      <a:tailEnd type="none" w="med" len="med"/>
-                    </a:lnL>
-                    <a:lnR w="7620" cap="flat" cmpd="sng" algn="ctr">
-                      <a:solidFill>
-                        <a:srgbClr val="DCDFE3"/>
-                      </a:solidFill>
-                      <a:prstDash val="solid"/>
-                      <a:round/>
-                      <a:headEnd type="none" w="med" len="med"/>
-                      <a:tailEnd type="none" w="med" len="med"/>
-                    </a:lnR>
-                    <a:lnT w="7620" cap="flat" cmpd="sng" algn="ctr">
-                      <a:solidFill>
-                        <a:srgbClr val="DCDFE3"/>
-                      </a:solidFill>
-                      <a:prstDash val="solid"/>
-                      <a:round/>
-                      <a:headEnd type="none" w="med" len="med"/>
-                      <a:tailEnd type="none" w="med" len="med"/>
-                    </a:lnT>
-                    <a:lnB w="7620" cap="flat" cmpd="sng" algn="ctr">
-                      <a:solidFill>
-                        <a:srgbClr val="DCDFE3"/>
-                      </a:solidFill>
-                      <a:prstDash val="solid"/>
-                      <a:round/>
-                      <a:headEnd type="none" w="med" len="med"/>
-                      <a:tailEnd type="none" w="med" len="med"/>
-                    </a:lnB>
-                    <a:solidFill>
-                      <a:srgbClr val="FFFFFF"/>
-                    </a:solidFill>
-                  </a:tcPr>
-                </a:tc>
-                <a:tc>
-                  <a:txBody>
-                    <a:bodyPr/>
-                    <a:lstStyle/>
-                    <a:p>
-                      <a:pPr>
-                        <a:buNone/>
-                      </a:pPr>
-                      <a:r>
-                        <a:rPr lang="en-US" sz="1700">
-                          <a:effectLst/>
-                        </a:rPr>
-                        <a:t>Design Docs, Wireframes</a:t>
-                      </a:r>
-                    </a:p>
-                  </a:txBody>
-                  <a:tcPr marL="58407" marR="58407" marT="58407" marB="58407" anchor="ctr">
-                    <a:lnL w="7620" cap="flat" cmpd="sng" algn="ctr">
-                      <a:solidFill>
-                        <a:srgbClr val="DCDFE3"/>
-                      </a:solidFill>
-                      <a:prstDash val="solid"/>
-                      <a:round/>
-                      <a:headEnd type="none" w="med" len="med"/>
-                      <a:tailEnd type="none" w="med" len="med"/>
-                    </a:lnL>
-                    <a:lnR w="7620" cap="flat" cmpd="sng" algn="ctr">
-                      <a:solidFill>
-                        <a:srgbClr val="DCDFE3"/>
-                      </a:solidFill>
-                      <a:prstDash val="solid"/>
-                      <a:round/>
-                      <a:headEnd type="none" w="med" len="med"/>
-                      <a:tailEnd type="none" w="med" len="med"/>
-                    </a:lnR>
-                    <a:lnT w="7620" cap="flat" cmpd="sng" algn="ctr">
-                      <a:solidFill>
-                        <a:srgbClr val="DCDFE3"/>
-                      </a:solidFill>
-                      <a:prstDash val="solid"/>
-                      <a:round/>
-                      <a:headEnd type="none" w="med" len="med"/>
-                      <a:tailEnd type="none" w="med" len="med"/>
-                    </a:lnT>
-                    <a:lnB w="7620" cap="flat" cmpd="sng" algn="ctr">
-                      <a:solidFill>
-                        <a:srgbClr val="DCDFE3"/>
-                      </a:solidFill>
-                      <a:prstDash val="solid"/>
-                      <a:round/>
-                      <a:headEnd type="none" w="med" len="med"/>
-                      <a:tailEnd type="none" w="med" len="med"/>
-                    </a:lnB>
-                    <a:solidFill>
-                      <a:srgbClr val="FFFFFF"/>
-                    </a:solidFill>
-                  </a:tcPr>
-                </a:tc>
-                <a:tc>
-                  <a:txBody>
-                    <a:bodyPr/>
-                    <a:lstStyle/>
-                    <a:p>
-                      <a:pPr>
-                        <a:buNone/>
-                      </a:pPr>
-                      <a:r>
-                        <a:rPr lang="en-US" sz="1700">
+                          <a:solidFill>
+                            <a:schemeClr val="bg1"/>
+                          </a:solidFill>
                           <a:effectLst/>
                         </a:rPr>
                         <a:t>3 weeks</a:t>
@@ -25020,6 +27113,9 @@
                       </a:pPr>
                       <a:r>
                         <a:rPr lang="en-US" sz="1700">
+                          <a:solidFill>
+                            <a:schemeClr val="bg1"/>
+                          </a:solidFill>
                           <a:effectLst/>
                         </a:rPr>
                         <a:t>3. Development</a:t>
@@ -25078,9 +27174,73 @@
                       </a:pPr>
                       <a:r>
                         <a:rPr lang="en-US" sz="1700">
+                          <a:solidFill>
+                            <a:schemeClr val="bg1"/>
+                          </a:solidFill>
                           <a:effectLst/>
                         </a:rPr>
                         <a:t>Coding, integrations, unit testing</a:t>
+                      </a:r>
+                    </a:p>
+                  </a:txBody>
+                  <a:tcPr marL="58407" marR="58407" marT="58407" marB="58407" anchor="ctr">
+                    <a:lnL w="7620" cap="flat" cmpd="sng" algn="ctr">
+                      <a:solidFill>
+                        <a:srgbClr val="DCDFE3"/>
+                      </a:solidFill>
+                      <a:prstDash val="solid"/>
+                      <a:round/>
+                      <a:headEnd type="none" w="med" len="med"/>
+                      <a:tailEnd type="none" w="med" len="med"/>
+                    </a:lnL>
+                    <a:lnR w="7620" cap="flat" cmpd="sng" algn="ctr">
+                      <a:solidFill>
+                        <a:srgbClr val="DCDFE3"/>
+                      </a:solidFill>
+                      <a:prstDash val="solid"/>
+                      <a:round/>
+                      <a:headEnd type="none" w="med" len="med"/>
+                      <a:tailEnd type="none" w="med" len="med"/>
+                    </a:lnR>
+                    <a:lnT w="7620" cap="flat" cmpd="sng" algn="ctr">
+                      <a:solidFill>
+                        <a:srgbClr val="DCDFE3"/>
+                      </a:solidFill>
+                      <a:prstDash val="solid"/>
+                      <a:round/>
+                      <a:headEnd type="none" w="med" len="med"/>
+                      <a:tailEnd type="none" w="med" len="med"/>
+                    </a:lnT>
+                    <a:lnB w="7620" cap="flat" cmpd="sng" algn="ctr">
+                      <a:solidFill>
+                        <a:srgbClr val="DCDFE3"/>
+                      </a:solidFill>
+                      <a:prstDash val="solid"/>
+                      <a:round/>
+                      <a:headEnd type="none" w="med" len="med"/>
+                      <a:tailEnd type="none" w="med" len="med"/>
+                    </a:lnB>
+                    <a:solidFill>
+                      <a:srgbClr val="FFFFFF"/>
+                    </a:solidFill>
+                  </a:tcPr>
+                </a:tc>
+                <a:tc>
+                  <a:txBody>
+                    <a:bodyPr/>
+                    <a:lstStyle/>
+                    <a:p>
+                      <a:pPr>
+                        <a:buNone/>
+                      </a:pPr>
+                      <a:r>
+                        <a:rPr lang="en-US" sz="1700" dirty="0">
+                          <a:solidFill>
+                            <a:schemeClr val="bg1"/>
+                          </a:solidFill>
+                          <a:effectLst/>
+                        </a:rPr>
+                        <a:t>Codebase, Test Reports</a:t>
                       </a:r>
                     </a:p>
                   </a:txBody>
@@ -25136,64 +27296,9 @@
                       </a:pPr>
                       <a:r>
                         <a:rPr lang="en-US" sz="1700">
-                          <a:effectLst/>
-                        </a:rPr>
-                        <a:t>Codebase, Test Reports</a:t>
-                      </a:r>
-                    </a:p>
-                  </a:txBody>
-                  <a:tcPr marL="58407" marR="58407" marT="58407" marB="58407" anchor="ctr">
-                    <a:lnL w="7620" cap="flat" cmpd="sng" algn="ctr">
-                      <a:solidFill>
-                        <a:srgbClr val="DCDFE3"/>
-                      </a:solidFill>
-                      <a:prstDash val="solid"/>
-                      <a:round/>
-                      <a:headEnd type="none" w="med" len="med"/>
-                      <a:tailEnd type="none" w="med" len="med"/>
-                    </a:lnL>
-                    <a:lnR w="7620" cap="flat" cmpd="sng" algn="ctr">
-                      <a:solidFill>
-                        <a:srgbClr val="DCDFE3"/>
-                      </a:solidFill>
-                      <a:prstDash val="solid"/>
-                      <a:round/>
-                      <a:headEnd type="none" w="med" len="med"/>
-                      <a:tailEnd type="none" w="med" len="med"/>
-                    </a:lnR>
-                    <a:lnT w="7620" cap="flat" cmpd="sng" algn="ctr">
-                      <a:solidFill>
-                        <a:srgbClr val="DCDFE3"/>
-                      </a:solidFill>
-                      <a:prstDash val="solid"/>
-                      <a:round/>
-                      <a:headEnd type="none" w="med" len="med"/>
-                      <a:tailEnd type="none" w="med" len="med"/>
-                    </a:lnT>
-                    <a:lnB w="7620" cap="flat" cmpd="sng" algn="ctr">
-                      <a:solidFill>
-                        <a:srgbClr val="DCDFE3"/>
-                      </a:solidFill>
-                      <a:prstDash val="solid"/>
-                      <a:round/>
-                      <a:headEnd type="none" w="med" len="med"/>
-                      <a:tailEnd type="none" w="med" len="med"/>
-                    </a:lnB>
-                    <a:solidFill>
-                      <a:srgbClr val="FFFFFF"/>
-                    </a:solidFill>
-                  </a:tcPr>
-                </a:tc>
-                <a:tc>
-                  <a:txBody>
-                    <a:bodyPr/>
-                    <a:lstStyle/>
-                    <a:p>
-                      <a:pPr>
-                        <a:buNone/>
-                      </a:pPr>
-                      <a:r>
-                        <a:rPr lang="en-US" sz="1700">
+                          <a:solidFill>
+                            <a:schemeClr val="bg1"/>
+                          </a:solidFill>
                           <a:effectLst/>
                         </a:rPr>
                         <a:t>6 weeks</a:t>
@@ -25259,6 +27364,9 @@
                       </a:pPr>
                       <a:r>
                         <a:rPr lang="en-US" sz="1700">
+                          <a:solidFill>
+                            <a:schemeClr val="bg1"/>
+                          </a:solidFill>
                           <a:effectLst/>
                         </a:rPr>
                         <a:t>4. Testing</a:t>
@@ -25317,6 +27425,9 @@
                       </a:pPr>
                       <a:r>
                         <a:rPr lang="en-US" sz="1700">
+                          <a:solidFill>
+                            <a:schemeClr val="bg1"/>
+                          </a:solidFill>
                           <a:effectLst/>
                         </a:rPr>
                         <a:t>System, user acceptance, bug fixing</a:t>
@@ -25374,7 +27485,10 @@
                         <a:buNone/>
                       </a:pPr>
                       <a:r>
-                        <a:rPr lang="en-US" sz="1700">
+                        <a:rPr lang="en-US" sz="1700" dirty="0">
+                          <a:solidFill>
+                            <a:schemeClr val="bg1"/>
+                          </a:solidFill>
                           <a:effectLst/>
                         </a:rPr>
                         <a:t>QA Reports, UAT Sign-off</a:t>
@@ -25432,7 +27546,10 @@
                         <a:buNone/>
                       </a:pPr>
                       <a:r>
-                        <a:rPr lang="en-US" sz="1700">
+                        <a:rPr lang="en-US" sz="1700" dirty="0">
+                          <a:solidFill>
+                            <a:schemeClr val="bg1"/>
+                          </a:solidFill>
                           <a:effectLst/>
                         </a:rPr>
                         <a:t>3 weeks</a:t>
@@ -25498,6 +27615,9 @@
                       </a:pPr>
                       <a:r>
                         <a:rPr lang="en-US" sz="1700">
+                          <a:solidFill>
+                            <a:schemeClr val="bg1"/>
+                          </a:solidFill>
                           <a:effectLst/>
                         </a:rPr>
                         <a:t>5. Deployment</a:t>
@@ -25556,6 +27676,9 @@
                       </a:pPr>
                       <a:r>
                         <a:rPr lang="en-US" sz="1700">
+                          <a:solidFill>
+                            <a:schemeClr val="bg1"/>
+                          </a:solidFill>
                           <a:effectLst/>
                         </a:rPr>
                         <a:t>Go-live, data migration, training</a:t>
@@ -25614,6 +27737,9 @@
                       </a:pPr>
                       <a:r>
                         <a:rPr lang="en-US" sz="1700">
+                          <a:solidFill>
+                            <a:schemeClr val="bg1"/>
+                          </a:solidFill>
                           <a:effectLst/>
                         </a:rPr>
                         <a:t>Live System, Training Docs</a:t>
@@ -25671,7 +27797,10 @@
                         <a:buNone/>
                       </a:pPr>
                       <a:r>
-                        <a:rPr lang="en-US" sz="1700">
+                        <a:rPr lang="en-US" sz="1700" dirty="0">
+                          <a:solidFill>
+                            <a:schemeClr val="bg1"/>
+                          </a:solidFill>
                           <a:effectLst/>
                         </a:rPr>
                         <a:t>2 weeks</a:t>
@@ -25737,6 +27866,9 @@
                       </a:pPr>
                       <a:r>
                         <a:rPr lang="en-US" sz="1700">
+                          <a:solidFill>
+                            <a:schemeClr val="bg1"/>
+                          </a:solidFill>
                           <a:effectLst/>
                         </a:rPr>
                         <a:t>6. Maintenance</a:t>
@@ -25795,6 +27927,9 @@
                       </a:pPr>
                       <a:r>
                         <a:rPr lang="en-US" sz="1700">
+                          <a:solidFill>
+                            <a:schemeClr val="bg1"/>
+                          </a:solidFill>
                           <a:effectLst/>
                         </a:rPr>
                         <a:t>Support, monitoring, optimizations</a:t>
@@ -25853,6 +27988,9 @@
                       </a:pPr>
                       <a:r>
                         <a:rPr lang="en-US" sz="1700">
+                          <a:solidFill>
+                            <a:schemeClr val="bg1"/>
+                          </a:solidFill>
                           <a:effectLst/>
                         </a:rPr>
                         <a:t>Support Plan, Updates</a:t>
@@ -25911,6 +28049,9 @@
                       </a:pPr>
                       <a:r>
                         <a:rPr lang="en-US" sz="1700" dirty="0">
+                          <a:solidFill>
+                            <a:schemeClr val="bg1"/>
+                          </a:solidFill>
                           <a:effectLst/>
                         </a:rPr>
                         <a:t>Ongoing</a:t>
@@ -25990,7 +28131,7 @@
         <p:cNvPr id="1" name="">
           <a:extLst>
             <a:ext uri="{FF2B5EF4-FFF2-40B4-BE49-F238E27FC236}">
-              <a16:creationId xmlns:a16="http://schemas.microsoft.com/office/drawing/2014/main" id="{AE64E630-7720-F5F5-0F14-116755087E46}"/>
+              <a16:creationId xmlns:a16="http://schemas.microsoft.com/office/drawing/2014/main" id="{2E8B7026-B077-4A84-00FF-DE548A430DF3}"/>
             </a:ext>
           </a:extLst>
         </p:cNvPr>
@@ -26010,7 +28151,7 @@
           <p:cNvPr id="2" name="Title 1">
             <a:extLst>
               <a:ext uri="{FF2B5EF4-FFF2-40B4-BE49-F238E27FC236}">
-                <a16:creationId xmlns:a16="http://schemas.microsoft.com/office/drawing/2014/main" id="{328B37B6-95A8-B719-92FF-2B35C65A2F50}"/>
+                <a16:creationId xmlns:a16="http://schemas.microsoft.com/office/drawing/2014/main" id="{514B1E4D-31AB-CDF3-2305-27DFF13C682E}"/>
               </a:ext>
             </a:extLst>
           </p:cNvPr>
@@ -26028,138 +28169,1337 @@
           <a:p>
             <a:r>
               <a:rPr lang="en-US" dirty="0"/>
-              <a:t>Resources Needed</a:t>
+              <a:t>Solution Lifecycle &amp; Implementation Plan</a:t>
             </a:r>
           </a:p>
         </p:txBody>
       </p:sp>
-      <p:sp>
-        <p:nvSpPr>
-          <p:cNvPr id="3" name="Content Placeholder 2">
+      <p:graphicFrame>
+        <p:nvGraphicFramePr>
+          <p:cNvPr id="3" name="Table 2">
             <a:extLst>
               <a:ext uri="{FF2B5EF4-FFF2-40B4-BE49-F238E27FC236}">
-                <a16:creationId xmlns:a16="http://schemas.microsoft.com/office/drawing/2014/main" id="{6CFB4B30-FDB6-397E-B0D9-46B85DB66E76}"/>
+                <a16:creationId xmlns:a16="http://schemas.microsoft.com/office/drawing/2014/main" id="{7EA6769C-5D02-8CCB-3E96-B78D175F7F59}"/>
               </a:ext>
             </a:extLst>
           </p:cNvPr>
-          <p:cNvSpPr>
-            <a:spLocks noGrp="1"/>
-          </p:cNvSpPr>
+          <p:cNvGraphicFramePr>
+            <a:graphicFrameLocks noGrp="1"/>
+          </p:cNvGraphicFramePr>
           <p:nvPr>
-            <p:ph idx="1"/>
+            <p:extLst>
+              <p:ext uri="{D42A27DB-BD31-4B8C-83A1-F6EECF244321}">
+                <p14:modId xmlns:p14="http://schemas.microsoft.com/office/powerpoint/2010/main" val="742708272"/>
+              </p:ext>
+            </p:extLst>
           </p:nvPr>
-        </p:nvSpPr>
-        <p:spPr/>
-        <p:txBody>
-          <a:bodyPr>
-            <a:normAutofit fontScale="55000" lnSpcReduction="20000"/>
-          </a:bodyPr>
-          <a:lstStyle/>
-          <a:p>
-            <a:r>
-              <a:rPr lang="en-US" dirty="0"/>
-              <a:t>Technical Resources</a:t>
-            </a:r>
-          </a:p>
-          <a:p>
-            <a:pPr lvl="1"/>
-            <a:r>
-              <a:rPr lang="en-US" dirty="0"/>
-              <a:t>Access to historical technician and task performance data for model training.</a:t>
-            </a:r>
-          </a:p>
-          <a:p>
-            <a:pPr lvl="1"/>
-            <a:r>
-              <a:rPr lang="en-US" dirty="0"/>
-              <a:t>A machine learning environment (e.g., AWS SageMaker) for building and deploying predictive models.</a:t>
-            </a:r>
-          </a:p>
-          <a:p>
-            <a:pPr lvl="1"/>
-            <a:r>
-              <a:rPr lang="en-US" dirty="0"/>
-              <a:t>A Go-based backend framework for handling API calls and assignment logic.</a:t>
-            </a:r>
-          </a:p>
-          <a:p>
-            <a:pPr lvl="1"/>
-            <a:r>
-              <a:rPr lang="en-US" dirty="0"/>
-              <a:t>Containerization tools such as Docker for packaging the application.</a:t>
-            </a:r>
-          </a:p>
-          <a:p>
-            <a:pPr lvl="1"/>
-            <a:r>
-              <a:rPr lang="en-US" dirty="0"/>
-              <a:t>CI/CD pipeline setup (e.g., GitHub Actions) for automated deployment.</a:t>
-            </a:r>
-          </a:p>
-          <a:p>
-            <a:pPr lvl="1"/>
-            <a:r>
-              <a:rPr lang="en-US" dirty="0"/>
-              <a:t>Monitoring and observability tools like Prometheus and Grafana.</a:t>
-            </a:r>
-          </a:p>
-          <a:p>
-            <a:pPr lvl="1"/>
-            <a:r>
-              <a:rPr lang="en-US" dirty="0"/>
-              <a:t>A cloud infrastructure account (AWS or equivalent) to host services.</a:t>
-            </a:r>
-          </a:p>
-          <a:p>
-            <a:r>
-              <a:rPr lang="en-US" dirty="0"/>
-              <a:t>Human Resources</a:t>
-            </a:r>
-          </a:p>
-          <a:p>
-            <a:pPr lvl="1"/>
-            <a:r>
-              <a:rPr lang="en-US" dirty="0"/>
-              <a:t>Data scientists/ML engineers to build and refine the prediction model.</a:t>
-            </a:r>
-          </a:p>
-          <a:p>
-            <a:pPr lvl="1"/>
-            <a:r>
-              <a:rPr lang="en-US" dirty="0"/>
-              <a:t>Backend developers (Go) to implement the microservice and APIs.</a:t>
-            </a:r>
-          </a:p>
-          <a:p>
-            <a:pPr lvl="1"/>
-            <a:r>
-              <a:rPr lang="en-US" dirty="0"/>
-              <a:t>DevOps engineers to manage deployment, monitoring, and scaling.</a:t>
-            </a:r>
-          </a:p>
-          <a:p>
-            <a:pPr lvl="1"/>
-            <a:r>
-              <a:rPr lang="en-US" dirty="0"/>
-              <a:t>Project managers to oversee progress, milestones, and stakeholder alignment.</a:t>
-            </a:r>
-          </a:p>
-          <a:p>
-            <a:pPr lvl="1"/>
-            <a:r>
-              <a:rPr lang="en-US" dirty="0"/>
-              <a:t>Training support for dispatchers, technicians, and managers to adopt the new system.</a:t>
-            </a:r>
-          </a:p>
-          <a:p>
-            <a:endParaRPr lang="en-US" dirty="0"/>
-          </a:p>
-        </p:txBody>
-      </p:sp>
+        </p:nvGraphicFramePr>
+        <p:xfrm>
+          <a:off x="1049264" y="1737360"/>
+          <a:ext cx="9906000" cy="3383280"/>
+        </p:xfrm>
+        <a:graphic>
+          <a:graphicData uri="http://schemas.openxmlformats.org/drawingml/2006/table">
+            <a:tbl>
+              <a:tblPr/>
+              <a:tblGrid>
+                <a:gridCol w="3302000">
+                  <a:extLst>
+                    <a:ext uri="{9D8B030D-6E8A-4147-A177-3AD203B41FA5}">
+                      <a16:colId xmlns:a16="http://schemas.microsoft.com/office/drawing/2014/main" val="1559067922"/>
+                    </a:ext>
+                  </a:extLst>
+                </a:gridCol>
+                <a:gridCol w="3302000">
+                  <a:extLst>
+                    <a:ext uri="{9D8B030D-6E8A-4147-A177-3AD203B41FA5}">
+                      <a16:colId xmlns:a16="http://schemas.microsoft.com/office/drawing/2014/main" val="1383074611"/>
+                    </a:ext>
+                  </a:extLst>
+                </a:gridCol>
+                <a:gridCol w="3302000">
+                  <a:extLst>
+                    <a:ext uri="{9D8B030D-6E8A-4147-A177-3AD203B41FA5}">
+                      <a16:colId xmlns:a16="http://schemas.microsoft.com/office/drawing/2014/main" val="3004857837"/>
+                    </a:ext>
+                  </a:extLst>
+                </a:gridCol>
+              </a:tblGrid>
+              <a:tr h="0">
+                <a:tc>
+                  <a:txBody>
+                    <a:bodyPr/>
+                    <a:lstStyle/>
+                    <a:p>
+                      <a:pPr>
+                        <a:buNone/>
+                      </a:pPr>
+                      <a:r>
+                        <a:rPr lang="en-US" dirty="0">
+                          <a:solidFill>
+                            <a:schemeClr val="bg1"/>
+                          </a:solidFill>
+                        </a:rPr>
+                        <a:t>CRISP-DM Stage</a:t>
+                      </a:r>
+                    </a:p>
+                  </a:txBody>
+                  <a:tcPr anchor="ctr">
+                    <a:lnL w="12700" cap="flat" cmpd="sng" algn="ctr">
+                      <a:solidFill>
+                        <a:schemeClr val="tx1"/>
+                      </a:solidFill>
+                      <a:prstDash val="solid"/>
+                      <a:round/>
+                      <a:headEnd type="none" w="med" len="med"/>
+                      <a:tailEnd type="none" w="med" len="med"/>
+                    </a:lnL>
+                    <a:lnR w="12700" cap="flat" cmpd="sng" algn="ctr">
+                      <a:solidFill>
+                        <a:schemeClr val="tx1"/>
+                      </a:solidFill>
+                      <a:prstDash val="solid"/>
+                      <a:round/>
+                      <a:headEnd type="none" w="med" len="med"/>
+                      <a:tailEnd type="none" w="med" len="med"/>
+                    </a:lnR>
+                    <a:lnT w="12700" cap="flat" cmpd="sng" algn="ctr">
+                      <a:solidFill>
+                        <a:schemeClr val="tx1"/>
+                      </a:solidFill>
+                      <a:prstDash val="solid"/>
+                      <a:round/>
+                      <a:headEnd type="none" w="med" len="med"/>
+                      <a:tailEnd type="none" w="med" len="med"/>
+                    </a:lnT>
+                    <a:lnB w="12700" cap="flat" cmpd="sng" algn="ctr">
+                      <a:solidFill>
+                        <a:schemeClr val="tx1"/>
+                      </a:solidFill>
+                      <a:prstDash val="solid"/>
+                      <a:round/>
+                      <a:headEnd type="none" w="med" len="med"/>
+                      <a:tailEnd type="none" w="med" len="med"/>
+                    </a:lnB>
+                    <a:noFill/>
+                  </a:tcPr>
+                </a:tc>
+                <a:tc>
+                  <a:txBody>
+                    <a:bodyPr/>
+                    <a:lstStyle/>
+                    <a:p>
+                      <a:pPr>
+                        <a:buNone/>
+                      </a:pPr>
+                      <a:r>
+                        <a:rPr lang="en-US">
+                          <a:solidFill>
+                            <a:schemeClr val="bg1"/>
+                          </a:solidFill>
+                        </a:rPr>
+                        <a:t>Key Activities</a:t>
+                      </a:r>
+                    </a:p>
+                  </a:txBody>
+                  <a:tcPr anchor="ctr">
+                    <a:lnL w="12700" cap="flat" cmpd="sng" algn="ctr">
+                      <a:solidFill>
+                        <a:schemeClr val="tx1"/>
+                      </a:solidFill>
+                      <a:prstDash val="solid"/>
+                      <a:round/>
+                      <a:headEnd type="none" w="med" len="med"/>
+                      <a:tailEnd type="none" w="med" len="med"/>
+                    </a:lnL>
+                    <a:lnR w="12700" cap="flat" cmpd="sng" algn="ctr">
+                      <a:solidFill>
+                        <a:schemeClr val="tx1"/>
+                      </a:solidFill>
+                      <a:prstDash val="solid"/>
+                      <a:round/>
+                      <a:headEnd type="none" w="med" len="med"/>
+                      <a:tailEnd type="none" w="med" len="med"/>
+                    </a:lnR>
+                    <a:lnT w="12700" cap="flat" cmpd="sng" algn="ctr">
+                      <a:solidFill>
+                        <a:schemeClr val="tx1"/>
+                      </a:solidFill>
+                      <a:prstDash val="solid"/>
+                      <a:round/>
+                      <a:headEnd type="none" w="med" len="med"/>
+                      <a:tailEnd type="none" w="med" len="med"/>
+                    </a:lnT>
+                    <a:lnB w="12700" cap="flat" cmpd="sng" algn="ctr">
+                      <a:solidFill>
+                        <a:schemeClr val="tx1"/>
+                      </a:solidFill>
+                      <a:prstDash val="solid"/>
+                      <a:round/>
+                      <a:headEnd type="none" w="med" len="med"/>
+                      <a:tailEnd type="none" w="med" len="med"/>
+                    </a:lnB>
+                    <a:noFill/>
+                  </a:tcPr>
+                </a:tc>
+                <a:tc>
+                  <a:txBody>
+                    <a:bodyPr/>
+                    <a:lstStyle/>
+                    <a:p>
+                      <a:pPr>
+                        <a:buNone/>
+                      </a:pPr>
+                      <a:r>
+                        <a:rPr lang="en-US">
+                          <a:solidFill>
+                            <a:schemeClr val="bg1"/>
+                          </a:solidFill>
+                        </a:rPr>
+                        <a:t>Deliverables / Milestones</a:t>
+                      </a:r>
+                    </a:p>
+                  </a:txBody>
+                  <a:tcPr anchor="ctr">
+                    <a:lnL w="12700" cap="flat" cmpd="sng" algn="ctr">
+                      <a:solidFill>
+                        <a:schemeClr val="tx1"/>
+                      </a:solidFill>
+                      <a:prstDash val="solid"/>
+                      <a:round/>
+                      <a:headEnd type="none" w="med" len="med"/>
+                      <a:tailEnd type="none" w="med" len="med"/>
+                    </a:lnL>
+                    <a:lnR w="12700" cap="flat" cmpd="sng" algn="ctr">
+                      <a:solidFill>
+                        <a:schemeClr val="tx1"/>
+                      </a:solidFill>
+                      <a:prstDash val="solid"/>
+                      <a:round/>
+                      <a:headEnd type="none" w="med" len="med"/>
+                      <a:tailEnd type="none" w="med" len="med"/>
+                    </a:lnR>
+                    <a:lnT w="12700" cap="flat" cmpd="sng" algn="ctr">
+                      <a:solidFill>
+                        <a:schemeClr val="tx1"/>
+                      </a:solidFill>
+                      <a:prstDash val="solid"/>
+                      <a:round/>
+                      <a:headEnd type="none" w="med" len="med"/>
+                      <a:tailEnd type="none" w="med" len="med"/>
+                    </a:lnT>
+                    <a:lnB w="12700" cap="flat" cmpd="sng" algn="ctr">
+                      <a:solidFill>
+                        <a:schemeClr val="tx1"/>
+                      </a:solidFill>
+                      <a:prstDash val="solid"/>
+                      <a:round/>
+                      <a:headEnd type="none" w="med" len="med"/>
+                      <a:tailEnd type="none" w="med" len="med"/>
+                    </a:lnB>
+                    <a:noFill/>
+                  </a:tcPr>
+                </a:tc>
+                <a:extLst>
+                  <a:ext uri="{0D108BD9-81ED-4DB2-BD59-A6C34878D82A}">
+                    <a16:rowId xmlns:a16="http://schemas.microsoft.com/office/drawing/2014/main" val="1013893388"/>
+                  </a:ext>
+                </a:extLst>
+              </a:tr>
+              <a:tr h="0">
+                <a:tc>
+                  <a:txBody>
+                    <a:bodyPr/>
+                    <a:lstStyle/>
+                    <a:p>
+                      <a:pPr>
+                        <a:buNone/>
+                      </a:pPr>
+                      <a:r>
+                        <a:rPr lang="en-US" dirty="0">
+                          <a:solidFill>
+                            <a:schemeClr val="bg1"/>
+                          </a:solidFill>
+                        </a:rPr>
+                        <a:t>Business Understanding</a:t>
+                      </a:r>
+                    </a:p>
+                  </a:txBody>
+                  <a:tcPr anchor="ctr">
+                    <a:lnL w="12700" cap="flat" cmpd="sng" algn="ctr">
+                      <a:solidFill>
+                        <a:schemeClr val="tx1"/>
+                      </a:solidFill>
+                      <a:prstDash val="solid"/>
+                      <a:round/>
+                      <a:headEnd type="none" w="med" len="med"/>
+                      <a:tailEnd type="none" w="med" len="med"/>
+                    </a:lnL>
+                    <a:lnR w="12700" cap="flat" cmpd="sng" algn="ctr">
+                      <a:solidFill>
+                        <a:schemeClr val="tx1"/>
+                      </a:solidFill>
+                      <a:prstDash val="solid"/>
+                      <a:round/>
+                      <a:headEnd type="none" w="med" len="med"/>
+                      <a:tailEnd type="none" w="med" len="med"/>
+                    </a:lnR>
+                    <a:lnT w="12700" cap="flat" cmpd="sng" algn="ctr">
+                      <a:solidFill>
+                        <a:schemeClr val="tx1"/>
+                      </a:solidFill>
+                      <a:prstDash val="solid"/>
+                      <a:round/>
+                      <a:headEnd type="none" w="med" len="med"/>
+                      <a:tailEnd type="none" w="med" len="med"/>
+                    </a:lnT>
+                    <a:lnB w="12700" cap="flat" cmpd="sng" algn="ctr">
+                      <a:solidFill>
+                        <a:schemeClr val="tx1"/>
+                      </a:solidFill>
+                      <a:prstDash val="solid"/>
+                      <a:round/>
+                      <a:headEnd type="none" w="med" len="med"/>
+                      <a:tailEnd type="none" w="med" len="med"/>
+                    </a:lnB>
+                    <a:noFill/>
+                  </a:tcPr>
+                </a:tc>
+                <a:tc>
+                  <a:txBody>
+                    <a:bodyPr/>
+                    <a:lstStyle/>
+                    <a:p>
+                      <a:pPr>
+                        <a:buNone/>
+                      </a:pPr>
+                      <a:r>
+                        <a:rPr lang="en-US" dirty="0">
+                          <a:solidFill>
+                            <a:schemeClr val="bg1"/>
+                          </a:solidFill>
+                        </a:rPr>
+                        <a:t>Problem definition, success criteria</a:t>
+                      </a:r>
+                    </a:p>
+                  </a:txBody>
+                  <a:tcPr anchor="ctr">
+                    <a:lnL w="12700" cap="flat" cmpd="sng" algn="ctr">
+                      <a:solidFill>
+                        <a:schemeClr val="tx1"/>
+                      </a:solidFill>
+                      <a:prstDash val="solid"/>
+                      <a:round/>
+                      <a:headEnd type="none" w="med" len="med"/>
+                      <a:tailEnd type="none" w="med" len="med"/>
+                    </a:lnL>
+                    <a:lnR w="12700" cap="flat" cmpd="sng" algn="ctr">
+                      <a:solidFill>
+                        <a:schemeClr val="tx1"/>
+                      </a:solidFill>
+                      <a:prstDash val="solid"/>
+                      <a:round/>
+                      <a:headEnd type="none" w="med" len="med"/>
+                      <a:tailEnd type="none" w="med" len="med"/>
+                    </a:lnR>
+                    <a:lnT w="12700" cap="flat" cmpd="sng" algn="ctr">
+                      <a:solidFill>
+                        <a:schemeClr val="tx1"/>
+                      </a:solidFill>
+                      <a:prstDash val="solid"/>
+                      <a:round/>
+                      <a:headEnd type="none" w="med" len="med"/>
+                      <a:tailEnd type="none" w="med" len="med"/>
+                    </a:lnT>
+                    <a:lnB w="12700" cap="flat" cmpd="sng" algn="ctr">
+                      <a:solidFill>
+                        <a:schemeClr val="tx1"/>
+                      </a:solidFill>
+                      <a:prstDash val="solid"/>
+                      <a:round/>
+                      <a:headEnd type="none" w="med" len="med"/>
+                      <a:tailEnd type="none" w="med" len="med"/>
+                    </a:lnB>
+                    <a:noFill/>
+                  </a:tcPr>
+                </a:tc>
+                <a:tc>
+                  <a:txBody>
+                    <a:bodyPr/>
+                    <a:lstStyle/>
+                    <a:p>
+                      <a:pPr>
+                        <a:buNone/>
+                      </a:pPr>
+                      <a:r>
+                        <a:rPr lang="en-US">
+                          <a:solidFill>
+                            <a:schemeClr val="bg1"/>
+                          </a:solidFill>
+                        </a:rPr>
+                        <a:t>Project charter, success metrics</a:t>
+                      </a:r>
+                    </a:p>
+                  </a:txBody>
+                  <a:tcPr anchor="ctr">
+                    <a:lnL w="12700" cap="flat" cmpd="sng" algn="ctr">
+                      <a:solidFill>
+                        <a:schemeClr val="tx1"/>
+                      </a:solidFill>
+                      <a:prstDash val="solid"/>
+                      <a:round/>
+                      <a:headEnd type="none" w="med" len="med"/>
+                      <a:tailEnd type="none" w="med" len="med"/>
+                    </a:lnL>
+                    <a:lnR w="12700" cap="flat" cmpd="sng" algn="ctr">
+                      <a:solidFill>
+                        <a:schemeClr val="tx1"/>
+                      </a:solidFill>
+                      <a:prstDash val="solid"/>
+                      <a:round/>
+                      <a:headEnd type="none" w="med" len="med"/>
+                      <a:tailEnd type="none" w="med" len="med"/>
+                    </a:lnR>
+                    <a:lnT w="12700" cap="flat" cmpd="sng" algn="ctr">
+                      <a:solidFill>
+                        <a:schemeClr val="tx1"/>
+                      </a:solidFill>
+                      <a:prstDash val="solid"/>
+                      <a:round/>
+                      <a:headEnd type="none" w="med" len="med"/>
+                      <a:tailEnd type="none" w="med" len="med"/>
+                    </a:lnT>
+                    <a:lnB w="12700" cap="flat" cmpd="sng" algn="ctr">
+                      <a:solidFill>
+                        <a:schemeClr val="tx1"/>
+                      </a:solidFill>
+                      <a:prstDash val="solid"/>
+                      <a:round/>
+                      <a:headEnd type="none" w="med" len="med"/>
+                      <a:tailEnd type="none" w="med" len="med"/>
+                    </a:lnB>
+                    <a:noFill/>
+                  </a:tcPr>
+                </a:tc>
+                <a:extLst>
+                  <a:ext uri="{0D108BD9-81ED-4DB2-BD59-A6C34878D82A}">
+                    <a16:rowId xmlns:a16="http://schemas.microsoft.com/office/drawing/2014/main" val="2539297898"/>
+                  </a:ext>
+                </a:extLst>
+              </a:tr>
+              <a:tr h="0">
+                <a:tc>
+                  <a:txBody>
+                    <a:bodyPr/>
+                    <a:lstStyle/>
+                    <a:p>
+                      <a:pPr>
+                        <a:buNone/>
+                      </a:pPr>
+                      <a:r>
+                        <a:rPr lang="en-US" dirty="0">
+                          <a:solidFill>
+                            <a:schemeClr val="bg1"/>
+                          </a:solidFill>
+                        </a:rPr>
+                        <a:t>Data Understanding</a:t>
+                      </a:r>
+                    </a:p>
+                  </a:txBody>
+                  <a:tcPr anchor="ctr">
+                    <a:lnL w="12700" cap="flat" cmpd="sng" algn="ctr">
+                      <a:solidFill>
+                        <a:schemeClr val="tx1"/>
+                      </a:solidFill>
+                      <a:prstDash val="solid"/>
+                      <a:round/>
+                      <a:headEnd type="none" w="med" len="med"/>
+                      <a:tailEnd type="none" w="med" len="med"/>
+                    </a:lnL>
+                    <a:lnR w="12700" cap="flat" cmpd="sng" algn="ctr">
+                      <a:solidFill>
+                        <a:schemeClr val="tx1"/>
+                      </a:solidFill>
+                      <a:prstDash val="solid"/>
+                      <a:round/>
+                      <a:headEnd type="none" w="med" len="med"/>
+                      <a:tailEnd type="none" w="med" len="med"/>
+                    </a:lnR>
+                    <a:lnT w="12700" cap="flat" cmpd="sng" algn="ctr">
+                      <a:solidFill>
+                        <a:schemeClr val="tx1"/>
+                      </a:solidFill>
+                      <a:prstDash val="solid"/>
+                      <a:round/>
+                      <a:headEnd type="none" w="med" len="med"/>
+                      <a:tailEnd type="none" w="med" len="med"/>
+                    </a:lnT>
+                    <a:lnB w="12700" cap="flat" cmpd="sng" algn="ctr">
+                      <a:solidFill>
+                        <a:schemeClr val="tx1"/>
+                      </a:solidFill>
+                      <a:prstDash val="solid"/>
+                      <a:round/>
+                      <a:headEnd type="none" w="med" len="med"/>
+                      <a:tailEnd type="none" w="med" len="med"/>
+                    </a:lnB>
+                    <a:noFill/>
+                  </a:tcPr>
+                </a:tc>
+                <a:tc>
+                  <a:txBody>
+                    <a:bodyPr/>
+                    <a:lstStyle/>
+                    <a:p>
+                      <a:pPr>
+                        <a:buNone/>
+                      </a:pPr>
+                      <a:r>
+                        <a:rPr lang="en-US" dirty="0">
+                          <a:solidFill>
+                            <a:schemeClr val="bg1"/>
+                          </a:solidFill>
+                        </a:rPr>
+                        <a:t>Identify &amp; collect data, EDA</a:t>
+                      </a:r>
+                    </a:p>
+                  </a:txBody>
+                  <a:tcPr anchor="ctr">
+                    <a:lnL w="12700" cap="flat" cmpd="sng" algn="ctr">
+                      <a:solidFill>
+                        <a:schemeClr val="tx1"/>
+                      </a:solidFill>
+                      <a:prstDash val="solid"/>
+                      <a:round/>
+                      <a:headEnd type="none" w="med" len="med"/>
+                      <a:tailEnd type="none" w="med" len="med"/>
+                    </a:lnL>
+                    <a:lnR w="12700" cap="flat" cmpd="sng" algn="ctr">
+                      <a:solidFill>
+                        <a:schemeClr val="tx1"/>
+                      </a:solidFill>
+                      <a:prstDash val="solid"/>
+                      <a:round/>
+                      <a:headEnd type="none" w="med" len="med"/>
+                      <a:tailEnd type="none" w="med" len="med"/>
+                    </a:lnR>
+                    <a:lnT w="12700" cap="flat" cmpd="sng" algn="ctr">
+                      <a:solidFill>
+                        <a:schemeClr val="tx1"/>
+                      </a:solidFill>
+                      <a:prstDash val="solid"/>
+                      <a:round/>
+                      <a:headEnd type="none" w="med" len="med"/>
+                      <a:tailEnd type="none" w="med" len="med"/>
+                    </a:lnT>
+                    <a:lnB w="12700" cap="flat" cmpd="sng" algn="ctr">
+                      <a:solidFill>
+                        <a:schemeClr val="tx1"/>
+                      </a:solidFill>
+                      <a:prstDash val="solid"/>
+                      <a:round/>
+                      <a:headEnd type="none" w="med" len="med"/>
+                      <a:tailEnd type="none" w="med" len="med"/>
+                    </a:lnB>
+                    <a:noFill/>
+                  </a:tcPr>
+                </a:tc>
+                <a:tc>
+                  <a:txBody>
+                    <a:bodyPr/>
+                    <a:lstStyle/>
+                    <a:p>
+                      <a:pPr>
+                        <a:buNone/>
+                      </a:pPr>
+                      <a:r>
+                        <a:rPr lang="en-US">
+                          <a:solidFill>
+                            <a:schemeClr val="bg1"/>
+                          </a:solidFill>
+                        </a:rPr>
+                        <a:t>Data inventory, initial insights</a:t>
+                      </a:r>
+                    </a:p>
+                  </a:txBody>
+                  <a:tcPr anchor="ctr">
+                    <a:lnL w="12700" cap="flat" cmpd="sng" algn="ctr">
+                      <a:solidFill>
+                        <a:schemeClr val="tx1"/>
+                      </a:solidFill>
+                      <a:prstDash val="solid"/>
+                      <a:round/>
+                      <a:headEnd type="none" w="med" len="med"/>
+                      <a:tailEnd type="none" w="med" len="med"/>
+                    </a:lnL>
+                    <a:lnR w="12700" cap="flat" cmpd="sng" algn="ctr">
+                      <a:solidFill>
+                        <a:schemeClr val="tx1"/>
+                      </a:solidFill>
+                      <a:prstDash val="solid"/>
+                      <a:round/>
+                      <a:headEnd type="none" w="med" len="med"/>
+                      <a:tailEnd type="none" w="med" len="med"/>
+                    </a:lnR>
+                    <a:lnT w="12700" cap="flat" cmpd="sng" algn="ctr">
+                      <a:solidFill>
+                        <a:schemeClr val="tx1"/>
+                      </a:solidFill>
+                      <a:prstDash val="solid"/>
+                      <a:round/>
+                      <a:headEnd type="none" w="med" len="med"/>
+                      <a:tailEnd type="none" w="med" len="med"/>
+                    </a:lnT>
+                    <a:lnB w="12700" cap="flat" cmpd="sng" algn="ctr">
+                      <a:solidFill>
+                        <a:schemeClr val="tx1"/>
+                      </a:solidFill>
+                      <a:prstDash val="solid"/>
+                      <a:round/>
+                      <a:headEnd type="none" w="med" len="med"/>
+                      <a:tailEnd type="none" w="med" len="med"/>
+                    </a:lnB>
+                    <a:noFill/>
+                  </a:tcPr>
+                </a:tc>
+                <a:extLst>
+                  <a:ext uri="{0D108BD9-81ED-4DB2-BD59-A6C34878D82A}">
+                    <a16:rowId xmlns:a16="http://schemas.microsoft.com/office/drawing/2014/main" val="2871950223"/>
+                  </a:ext>
+                </a:extLst>
+              </a:tr>
+              <a:tr h="0">
+                <a:tc>
+                  <a:txBody>
+                    <a:bodyPr/>
+                    <a:lstStyle/>
+                    <a:p>
+                      <a:pPr>
+                        <a:buNone/>
+                      </a:pPr>
+                      <a:r>
+                        <a:rPr lang="en-US">
+                          <a:solidFill>
+                            <a:schemeClr val="bg1"/>
+                          </a:solidFill>
+                        </a:rPr>
+                        <a:t>Data Preparation</a:t>
+                      </a:r>
+                    </a:p>
+                  </a:txBody>
+                  <a:tcPr anchor="ctr">
+                    <a:lnL w="12700" cap="flat" cmpd="sng" algn="ctr">
+                      <a:solidFill>
+                        <a:schemeClr val="tx1"/>
+                      </a:solidFill>
+                      <a:prstDash val="solid"/>
+                      <a:round/>
+                      <a:headEnd type="none" w="med" len="med"/>
+                      <a:tailEnd type="none" w="med" len="med"/>
+                    </a:lnL>
+                    <a:lnR w="12700" cap="flat" cmpd="sng" algn="ctr">
+                      <a:solidFill>
+                        <a:schemeClr val="tx1"/>
+                      </a:solidFill>
+                      <a:prstDash val="solid"/>
+                      <a:round/>
+                      <a:headEnd type="none" w="med" len="med"/>
+                      <a:tailEnd type="none" w="med" len="med"/>
+                    </a:lnR>
+                    <a:lnT w="12700" cap="flat" cmpd="sng" algn="ctr">
+                      <a:solidFill>
+                        <a:schemeClr val="tx1"/>
+                      </a:solidFill>
+                      <a:prstDash val="solid"/>
+                      <a:round/>
+                      <a:headEnd type="none" w="med" len="med"/>
+                      <a:tailEnd type="none" w="med" len="med"/>
+                    </a:lnT>
+                    <a:lnB w="12700" cap="flat" cmpd="sng" algn="ctr">
+                      <a:solidFill>
+                        <a:schemeClr val="tx1"/>
+                      </a:solidFill>
+                      <a:prstDash val="solid"/>
+                      <a:round/>
+                      <a:headEnd type="none" w="med" len="med"/>
+                      <a:tailEnd type="none" w="med" len="med"/>
+                    </a:lnB>
+                    <a:noFill/>
+                  </a:tcPr>
+                </a:tc>
+                <a:tc>
+                  <a:txBody>
+                    <a:bodyPr/>
+                    <a:lstStyle/>
+                    <a:p>
+                      <a:pPr>
+                        <a:buNone/>
+                      </a:pPr>
+                      <a:r>
+                        <a:rPr lang="en-US" dirty="0">
+                          <a:solidFill>
+                            <a:schemeClr val="bg1"/>
+                          </a:solidFill>
+                        </a:rPr>
+                        <a:t>Clean, transform, feature engineering</a:t>
+                      </a:r>
+                    </a:p>
+                  </a:txBody>
+                  <a:tcPr anchor="ctr">
+                    <a:lnL w="12700" cap="flat" cmpd="sng" algn="ctr">
+                      <a:solidFill>
+                        <a:schemeClr val="tx1"/>
+                      </a:solidFill>
+                      <a:prstDash val="solid"/>
+                      <a:round/>
+                      <a:headEnd type="none" w="med" len="med"/>
+                      <a:tailEnd type="none" w="med" len="med"/>
+                    </a:lnL>
+                    <a:lnR w="12700" cap="flat" cmpd="sng" algn="ctr">
+                      <a:solidFill>
+                        <a:schemeClr val="tx1"/>
+                      </a:solidFill>
+                      <a:prstDash val="solid"/>
+                      <a:round/>
+                      <a:headEnd type="none" w="med" len="med"/>
+                      <a:tailEnd type="none" w="med" len="med"/>
+                    </a:lnR>
+                    <a:lnT w="12700" cap="flat" cmpd="sng" algn="ctr">
+                      <a:solidFill>
+                        <a:schemeClr val="tx1"/>
+                      </a:solidFill>
+                      <a:prstDash val="solid"/>
+                      <a:round/>
+                      <a:headEnd type="none" w="med" len="med"/>
+                      <a:tailEnd type="none" w="med" len="med"/>
+                    </a:lnT>
+                    <a:lnB w="12700" cap="flat" cmpd="sng" algn="ctr">
+                      <a:solidFill>
+                        <a:schemeClr val="tx1"/>
+                      </a:solidFill>
+                      <a:prstDash val="solid"/>
+                      <a:round/>
+                      <a:headEnd type="none" w="med" len="med"/>
+                      <a:tailEnd type="none" w="med" len="med"/>
+                    </a:lnB>
+                    <a:noFill/>
+                  </a:tcPr>
+                </a:tc>
+                <a:tc>
+                  <a:txBody>
+                    <a:bodyPr/>
+                    <a:lstStyle/>
+                    <a:p>
+                      <a:pPr>
+                        <a:buNone/>
+                      </a:pPr>
+                      <a:r>
+                        <a:rPr lang="en-US">
+                          <a:solidFill>
+                            <a:schemeClr val="bg1"/>
+                          </a:solidFill>
+                        </a:rPr>
+                        <a:t>Modeling dataset</a:t>
+                      </a:r>
+                    </a:p>
+                  </a:txBody>
+                  <a:tcPr anchor="ctr">
+                    <a:lnL w="12700" cap="flat" cmpd="sng" algn="ctr">
+                      <a:solidFill>
+                        <a:schemeClr val="tx1"/>
+                      </a:solidFill>
+                      <a:prstDash val="solid"/>
+                      <a:round/>
+                      <a:headEnd type="none" w="med" len="med"/>
+                      <a:tailEnd type="none" w="med" len="med"/>
+                    </a:lnL>
+                    <a:lnR w="12700" cap="flat" cmpd="sng" algn="ctr">
+                      <a:solidFill>
+                        <a:schemeClr val="tx1"/>
+                      </a:solidFill>
+                      <a:prstDash val="solid"/>
+                      <a:round/>
+                      <a:headEnd type="none" w="med" len="med"/>
+                      <a:tailEnd type="none" w="med" len="med"/>
+                    </a:lnR>
+                    <a:lnT w="12700" cap="flat" cmpd="sng" algn="ctr">
+                      <a:solidFill>
+                        <a:schemeClr val="tx1"/>
+                      </a:solidFill>
+                      <a:prstDash val="solid"/>
+                      <a:round/>
+                      <a:headEnd type="none" w="med" len="med"/>
+                      <a:tailEnd type="none" w="med" len="med"/>
+                    </a:lnT>
+                    <a:lnB w="12700" cap="flat" cmpd="sng" algn="ctr">
+                      <a:solidFill>
+                        <a:schemeClr val="tx1"/>
+                      </a:solidFill>
+                      <a:prstDash val="solid"/>
+                      <a:round/>
+                      <a:headEnd type="none" w="med" len="med"/>
+                      <a:tailEnd type="none" w="med" len="med"/>
+                    </a:lnB>
+                    <a:noFill/>
+                  </a:tcPr>
+                </a:tc>
+                <a:extLst>
+                  <a:ext uri="{0D108BD9-81ED-4DB2-BD59-A6C34878D82A}">
+                    <a16:rowId xmlns:a16="http://schemas.microsoft.com/office/drawing/2014/main" val="4061952235"/>
+                  </a:ext>
+                </a:extLst>
+              </a:tr>
+              <a:tr h="0">
+                <a:tc>
+                  <a:txBody>
+                    <a:bodyPr/>
+                    <a:lstStyle/>
+                    <a:p>
+                      <a:pPr>
+                        <a:buNone/>
+                      </a:pPr>
+                      <a:r>
+                        <a:rPr lang="en-US">
+                          <a:solidFill>
+                            <a:schemeClr val="bg1"/>
+                          </a:solidFill>
+                        </a:rPr>
+                        <a:t>Modeling</a:t>
+                      </a:r>
+                    </a:p>
+                  </a:txBody>
+                  <a:tcPr anchor="ctr">
+                    <a:lnL w="12700" cap="flat" cmpd="sng" algn="ctr">
+                      <a:solidFill>
+                        <a:schemeClr val="tx1"/>
+                      </a:solidFill>
+                      <a:prstDash val="solid"/>
+                      <a:round/>
+                      <a:headEnd type="none" w="med" len="med"/>
+                      <a:tailEnd type="none" w="med" len="med"/>
+                    </a:lnL>
+                    <a:lnR w="12700" cap="flat" cmpd="sng" algn="ctr">
+                      <a:solidFill>
+                        <a:schemeClr val="tx1"/>
+                      </a:solidFill>
+                      <a:prstDash val="solid"/>
+                      <a:round/>
+                      <a:headEnd type="none" w="med" len="med"/>
+                      <a:tailEnd type="none" w="med" len="med"/>
+                    </a:lnR>
+                    <a:lnT w="12700" cap="flat" cmpd="sng" algn="ctr">
+                      <a:solidFill>
+                        <a:schemeClr val="tx1"/>
+                      </a:solidFill>
+                      <a:prstDash val="solid"/>
+                      <a:round/>
+                      <a:headEnd type="none" w="med" len="med"/>
+                      <a:tailEnd type="none" w="med" len="med"/>
+                    </a:lnT>
+                    <a:lnB w="12700" cap="flat" cmpd="sng" algn="ctr">
+                      <a:solidFill>
+                        <a:schemeClr val="tx1"/>
+                      </a:solidFill>
+                      <a:prstDash val="solid"/>
+                      <a:round/>
+                      <a:headEnd type="none" w="med" len="med"/>
+                      <a:tailEnd type="none" w="med" len="med"/>
+                    </a:lnB>
+                    <a:noFill/>
+                  </a:tcPr>
+                </a:tc>
+                <a:tc>
+                  <a:txBody>
+                    <a:bodyPr/>
+                    <a:lstStyle/>
+                    <a:p>
+                      <a:pPr>
+                        <a:buNone/>
+                      </a:pPr>
+                      <a:r>
+                        <a:rPr lang="en-US" dirty="0">
+                          <a:solidFill>
+                            <a:schemeClr val="bg1"/>
+                          </a:solidFill>
+                        </a:rPr>
+                        <a:t>Model selection &amp; training</a:t>
+                      </a:r>
+                    </a:p>
+                  </a:txBody>
+                  <a:tcPr anchor="ctr">
+                    <a:lnL w="12700" cap="flat" cmpd="sng" algn="ctr">
+                      <a:solidFill>
+                        <a:schemeClr val="tx1"/>
+                      </a:solidFill>
+                      <a:prstDash val="solid"/>
+                      <a:round/>
+                      <a:headEnd type="none" w="med" len="med"/>
+                      <a:tailEnd type="none" w="med" len="med"/>
+                    </a:lnL>
+                    <a:lnR w="12700" cap="flat" cmpd="sng" algn="ctr">
+                      <a:solidFill>
+                        <a:schemeClr val="tx1"/>
+                      </a:solidFill>
+                      <a:prstDash val="solid"/>
+                      <a:round/>
+                      <a:headEnd type="none" w="med" len="med"/>
+                      <a:tailEnd type="none" w="med" len="med"/>
+                    </a:lnR>
+                    <a:lnT w="12700" cap="flat" cmpd="sng" algn="ctr">
+                      <a:solidFill>
+                        <a:schemeClr val="tx1"/>
+                      </a:solidFill>
+                      <a:prstDash val="solid"/>
+                      <a:round/>
+                      <a:headEnd type="none" w="med" len="med"/>
+                      <a:tailEnd type="none" w="med" len="med"/>
+                    </a:lnT>
+                    <a:lnB w="12700" cap="flat" cmpd="sng" algn="ctr">
+                      <a:solidFill>
+                        <a:schemeClr val="tx1"/>
+                      </a:solidFill>
+                      <a:prstDash val="solid"/>
+                      <a:round/>
+                      <a:headEnd type="none" w="med" len="med"/>
+                      <a:tailEnd type="none" w="med" len="med"/>
+                    </a:lnB>
+                    <a:noFill/>
+                  </a:tcPr>
+                </a:tc>
+                <a:tc>
+                  <a:txBody>
+                    <a:bodyPr/>
+                    <a:lstStyle/>
+                    <a:p>
+                      <a:pPr>
+                        <a:buNone/>
+                      </a:pPr>
+                      <a:r>
+                        <a:rPr lang="en-US" dirty="0">
+                          <a:solidFill>
+                            <a:schemeClr val="bg1"/>
+                          </a:solidFill>
+                        </a:rPr>
+                        <a:t>Trained models, performance report</a:t>
+                      </a:r>
+                    </a:p>
+                  </a:txBody>
+                  <a:tcPr anchor="ctr">
+                    <a:lnL w="12700" cap="flat" cmpd="sng" algn="ctr">
+                      <a:solidFill>
+                        <a:schemeClr val="tx1"/>
+                      </a:solidFill>
+                      <a:prstDash val="solid"/>
+                      <a:round/>
+                      <a:headEnd type="none" w="med" len="med"/>
+                      <a:tailEnd type="none" w="med" len="med"/>
+                    </a:lnL>
+                    <a:lnR w="12700" cap="flat" cmpd="sng" algn="ctr">
+                      <a:solidFill>
+                        <a:schemeClr val="tx1"/>
+                      </a:solidFill>
+                      <a:prstDash val="solid"/>
+                      <a:round/>
+                      <a:headEnd type="none" w="med" len="med"/>
+                      <a:tailEnd type="none" w="med" len="med"/>
+                    </a:lnR>
+                    <a:lnT w="12700" cap="flat" cmpd="sng" algn="ctr">
+                      <a:solidFill>
+                        <a:schemeClr val="tx1"/>
+                      </a:solidFill>
+                      <a:prstDash val="solid"/>
+                      <a:round/>
+                      <a:headEnd type="none" w="med" len="med"/>
+                      <a:tailEnd type="none" w="med" len="med"/>
+                    </a:lnT>
+                    <a:lnB w="12700" cap="flat" cmpd="sng" algn="ctr">
+                      <a:solidFill>
+                        <a:schemeClr val="tx1"/>
+                      </a:solidFill>
+                      <a:prstDash val="solid"/>
+                      <a:round/>
+                      <a:headEnd type="none" w="med" len="med"/>
+                      <a:tailEnd type="none" w="med" len="med"/>
+                    </a:lnB>
+                    <a:noFill/>
+                  </a:tcPr>
+                </a:tc>
+                <a:extLst>
+                  <a:ext uri="{0D108BD9-81ED-4DB2-BD59-A6C34878D82A}">
+                    <a16:rowId xmlns:a16="http://schemas.microsoft.com/office/drawing/2014/main" val="3876524794"/>
+                  </a:ext>
+                </a:extLst>
+              </a:tr>
+              <a:tr h="0">
+                <a:tc>
+                  <a:txBody>
+                    <a:bodyPr/>
+                    <a:lstStyle/>
+                    <a:p>
+                      <a:pPr>
+                        <a:buNone/>
+                      </a:pPr>
+                      <a:r>
+                        <a:rPr lang="en-US">
+                          <a:solidFill>
+                            <a:schemeClr val="bg1"/>
+                          </a:solidFill>
+                        </a:rPr>
+                        <a:t>Evaluation</a:t>
+                      </a:r>
+                    </a:p>
+                  </a:txBody>
+                  <a:tcPr anchor="ctr">
+                    <a:lnL w="12700" cap="flat" cmpd="sng" algn="ctr">
+                      <a:solidFill>
+                        <a:schemeClr val="tx1"/>
+                      </a:solidFill>
+                      <a:prstDash val="solid"/>
+                      <a:round/>
+                      <a:headEnd type="none" w="med" len="med"/>
+                      <a:tailEnd type="none" w="med" len="med"/>
+                    </a:lnL>
+                    <a:lnR w="12700" cap="flat" cmpd="sng" algn="ctr">
+                      <a:solidFill>
+                        <a:schemeClr val="tx1"/>
+                      </a:solidFill>
+                      <a:prstDash val="solid"/>
+                      <a:round/>
+                      <a:headEnd type="none" w="med" len="med"/>
+                      <a:tailEnd type="none" w="med" len="med"/>
+                    </a:lnR>
+                    <a:lnT w="12700" cap="flat" cmpd="sng" algn="ctr">
+                      <a:solidFill>
+                        <a:schemeClr val="tx1"/>
+                      </a:solidFill>
+                      <a:prstDash val="solid"/>
+                      <a:round/>
+                      <a:headEnd type="none" w="med" len="med"/>
+                      <a:tailEnd type="none" w="med" len="med"/>
+                    </a:lnT>
+                    <a:lnB w="12700" cap="flat" cmpd="sng" algn="ctr">
+                      <a:solidFill>
+                        <a:schemeClr val="tx1"/>
+                      </a:solidFill>
+                      <a:prstDash val="solid"/>
+                      <a:round/>
+                      <a:headEnd type="none" w="med" len="med"/>
+                      <a:tailEnd type="none" w="med" len="med"/>
+                    </a:lnB>
+                    <a:noFill/>
+                  </a:tcPr>
+                </a:tc>
+                <a:tc>
+                  <a:txBody>
+                    <a:bodyPr/>
+                    <a:lstStyle/>
+                    <a:p>
+                      <a:pPr>
+                        <a:buNone/>
+                      </a:pPr>
+                      <a:r>
+                        <a:rPr lang="en-US" dirty="0">
+                          <a:solidFill>
+                            <a:schemeClr val="bg1"/>
+                          </a:solidFill>
+                        </a:rPr>
+                        <a:t>Assess results vs. objectives</a:t>
+                      </a:r>
+                    </a:p>
+                  </a:txBody>
+                  <a:tcPr anchor="ctr">
+                    <a:lnL w="12700" cap="flat" cmpd="sng" algn="ctr">
+                      <a:solidFill>
+                        <a:schemeClr val="tx1"/>
+                      </a:solidFill>
+                      <a:prstDash val="solid"/>
+                      <a:round/>
+                      <a:headEnd type="none" w="med" len="med"/>
+                      <a:tailEnd type="none" w="med" len="med"/>
+                    </a:lnL>
+                    <a:lnR w="12700" cap="flat" cmpd="sng" algn="ctr">
+                      <a:solidFill>
+                        <a:schemeClr val="tx1"/>
+                      </a:solidFill>
+                      <a:prstDash val="solid"/>
+                      <a:round/>
+                      <a:headEnd type="none" w="med" len="med"/>
+                      <a:tailEnd type="none" w="med" len="med"/>
+                    </a:lnR>
+                    <a:lnT w="12700" cap="flat" cmpd="sng" algn="ctr">
+                      <a:solidFill>
+                        <a:schemeClr val="tx1"/>
+                      </a:solidFill>
+                      <a:prstDash val="solid"/>
+                      <a:round/>
+                      <a:headEnd type="none" w="med" len="med"/>
+                      <a:tailEnd type="none" w="med" len="med"/>
+                    </a:lnT>
+                    <a:lnB w="12700" cap="flat" cmpd="sng" algn="ctr">
+                      <a:solidFill>
+                        <a:schemeClr val="tx1"/>
+                      </a:solidFill>
+                      <a:prstDash val="solid"/>
+                      <a:round/>
+                      <a:headEnd type="none" w="med" len="med"/>
+                      <a:tailEnd type="none" w="med" len="med"/>
+                    </a:lnB>
+                    <a:noFill/>
+                  </a:tcPr>
+                </a:tc>
+                <a:tc>
+                  <a:txBody>
+                    <a:bodyPr/>
+                    <a:lstStyle/>
+                    <a:p>
+                      <a:pPr>
+                        <a:buNone/>
+                      </a:pPr>
+                      <a:r>
+                        <a:rPr lang="en-US" dirty="0">
+                          <a:solidFill>
+                            <a:schemeClr val="bg1"/>
+                          </a:solidFill>
+                        </a:rPr>
+                        <a:t>Evaluation report, go/no-go</a:t>
+                      </a:r>
+                    </a:p>
+                  </a:txBody>
+                  <a:tcPr anchor="ctr">
+                    <a:lnL w="12700" cap="flat" cmpd="sng" algn="ctr">
+                      <a:solidFill>
+                        <a:schemeClr val="tx1"/>
+                      </a:solidFill>
+                      <a:prstDash val="solid"/>
+                      <a:round/>
+                      <a:headEnd type="none" w="med" len="med"/>
+                      <a:tailEnd type="none" w="med" len="med"/>
+                    </a:lnL>
+                    <a:lnR w="12700" cap="flat" cmpd="sng" algn="ctr">
+                      <a:solidFill>
+                        <a:schemeClr val="tx1"/>
+                      </a:solidFill>
+                      <a:prstDash val="solid"/>
+                      <a:round/>
+                      <a:headEnd type="none" w="med" len="med"/>
+                      <a:tailEnd type="none" w="med" len="med"/>
+                    </a:lnR>
+                    <a:lnT w="12700" cap="flat" cmpd="sng" algn="ctr">
+                      <a:solidFill>
+                        <a:schemeClr val="tx1"/>
+                      </a:solidFill>
+                      <a:prstDash val="solid"/>
+                      <a:round/>
+                      <a:headEnd type="none" w="med" len="med"/>
+                      <a:tailEnd type="none" w="med" len="med"/>
+                    </a:lnT>
+                    <a:lnB w="12700" cap="flat" cmpd="sng" algn="ctr">
+                      <a:solidFill>
+                        <a:schemeClr val="tx1"/>
+                      </a:solidFill>
+                      <a:prstDash val="solid"/>
+                      <a:round/>
+                      <a:headEnd type="none" w="med" len="med"/>
+                      <a:tailEnd type="none" w="med" len="med"/>
+                    </a:lnB>
+                    <a:noFill/>
+                  </a:tcPr>
+                </a:tc>
+                <a:extLst>
+                  <a:ext uri="{0D108BD9-81ED-4DB2-BD59-A6C34878D82A}">
+                    <a16:rowId xmlns:a16="http://schemas.microsoft.com/office/drawing/2014/main" val="2617806400"/>
+                  </a:ext>
+                </a:extLst>
+              </a:tr>
+              <a:tr h="0">
+                <a:tc>
+                  <a:txBody>
+                    <a:bodyPr/>
+                    <a:lstStyle/>
+                    <a:p>
+                      <a:pPr>
+                        <a:buNone/>
+                      </a:pPr>
+                      <a:r>
+                        <a:rPr lang="en-US">
+                          <a:solidFill>
+                            <a:schemeClr val="bg1"/>
+                          </a:solidFill>
+                        </a:rPr>
+                        <a:t>Deployment</a:t>
+                      </a:r>
+                    </a:p>
+                  </a:txBody>
+                  <a:tcPr anchor="ctr">
+                    <a:lnL w="12700" cap="flat" cmpd="sng" algn="ctr">
+                      <a:solidFill>
+                        <a:schemeClr val="tx1"/>
+                      </a:solidFill>
+                      <a:prstDash val="solid"/>
+                      <a:round/>
+                      <a:headEnd type="none" w="med" len="med"/>
+                      <a:tailEnd type="none" w="med" len="med"/>
+                    </a:lnL>
+                    <a:lnR w="12700" cap="flat" cmpd="sng" algn="ctr">
+                      <a:solidFill>
+                        <a:schemeClr val="tx1"/>
+                      </a:solidFill>
+                      <a:prstDash val="solid"/>
+                      <a:round/>
+                      <a:headEnd type="none" w="med" len="med"/>
+                      <a:tailEnd type="none" w="med" len="med"/>
+                    </a:lnR>
+                    <a:lnT w="12700" cap="flat" cmpd="sng" algn="ctr">
+                      <a:solidFill>
+                        <a:schemeClr val="tx1"/>
+                      </a:solidFill>
+                      <a:prstDash val="solid"/>
+                      <a:round/>
+                      <a:headEnd type="none" w="med" len="med"/>
+                      <a:tailEnd type="none" w="med" len="med"/>
+                    </a:lnT>
+                    <a:lnB w="12700" cap="flat" cmpd="sng" algn="ctr">
+                      <a:solidFill>
+                        <a:schemeClr val="tx1"/>
+                      </a:solidFill>
+                      <a:prstDash val="solid"/>
+                      <a:round/>
+                      <a:headEnd type="none" w="med" len="med"/>
+                      <a:tailEnd type="none" w="med" len="med"/>
+                    </a:lnB>
+                    <a:noFill/>
+                  </a:tcPr>
+                </a:tc>
+                <a:tc>
+                  <a:txBody>
+                    <a:bodyPr/>
+                    <a:lstStyle/>
+                    <a:p>
+                      <a:pPr>
+                        <a:buNone/>
+                      </a:pPr>
+                      <a:r>
+                        <a:rPr lang="en-US">
+                          <a:solidFill>
+                            <a:schemeClr val="bg1"/>
+                          </a:solidFill>
+                        </a:rPr>
+                        <a:t>Implement solution</a:t>
+                      </a:r>
+                    </a:p>
+                  </a:txBody>
+                  <a:tcPr anchor="ctr">
+                    <a:lnL w="12700" cap="flat" cmpd="sng" algn="ctr">
+                      <a:solidFill>
+                        <a:schemeClr val="tx1"/>
+                      </a:solidFill>
+                      <a:prstDash val="solid"/>
+                      <a:round/>
+                      <a:headEnd type="none" w="med" len="med"/>
+                      <a:tailEnd type="none" w="med" len="med"/>
+                    </a:lnL>
+                    <a:lnR w="12700" cap="flat" cmpd="sng" algn="ctr">
+                      <a:solidFill>
+                        <a:schemeClr val="tx1"/>
+                      </a:solidFill>
+                      <a:prstDash val="solid"/>
+                      <a:round/>
+                      <a:headEnd type="none" w="med" len="med"/>
+                      <a:tailEnd type="none" w="med" len="med"/>
+                    </a:lnR>
+                    <a:lnT w="12700" cap="flat" cmpd="sng" algn="ctr">
+                      <a:solidFill>
+                        <a:schemeClr val="tx1"/>
+                      </a:solidFill>
+                      <a:prstDash val="solid"/>
+                      <a:round/>
+                      <a:headEnd type="none" w="med" len="med"/>
+                      <a:tailEnd type="none" w="med" len="med"/>
+                    </a:lnT>
+                    <a:lnB w="12700" cap="flat" cmpd="sng" algn="ctr">
+                      <a:solidFill>
+                        <a:schemeClr val="tx1"/>
+                      </a:solidFill>
+                      <a:prstDash val="solid"/>
+                      <a:round/>
+                      <a:headEnd type="none" w="med" len="med"/>
+                      <a:tailEnd type="none" w="med" len="med"/>
+                    </a:lnB>
+                    <a:noFill/>
+                  </a:tcPr>
+                </a:tc>
+                <a:tc>
+                  <a:txBody>
+                    <a:bodyPr/>
+                    <a:lstStyle/>
+                    <a:p>
+                      <a:pPr>
+                        <a:buNone/>
+                      </a:pPr>
+                      <a:r>
+                        <a:rPr lang="en-US" dirty="0">
+                          <a:solidFill>
+                            <a:schemeClr val="bg1"/>
+                          </a:solidFill>
+                        </a:rPr>
+                        <a:t>Automated matching system, dashboard</a:t>
+                      </a:r>
+                    </a:p>
+                  </a:txBody>
+                  <a:tcPr anchor="ctr">
+                    <a:lnL w="12700" cap="flat" cmpd="sng" algn="ctr">
+                      <a:solidFill>
+                        <a:schemeClr val="tx1"/>
+                      </a:solidFill>
+                      <a:prstDash val="solid"/>
+                      <a:round/>
+                      <a:headEnd type="none" w="med" len="med"/>
+                      <a:tailEnd type="none" w="med" len="med"/>
+                    </a:lnL>
+                    <a:lnR w="12700" cap="flat" cmpd="sng" algn="ctr">
+                      <a:solidFill>
+                        <a:schemeClr val="tx1"/>
+                      </a:solidFill>
+                      <a:prstDash val="solid"/>
+                      <a:round/>
+                      <a:headEnd type="none" w="med" len="med"/>
+                      <a:tailEnd type="none" w="med" len="med"/>
+                    </a:lnR>
+                    <a:lnT w="12700" cap="flat" cmpd="sng" algn="ctr">
+                      <a:solidFill>
+                        <a:schemeClr val="tx1"/>
+                      </a:solidFill>
+                      <a:prstDash val="solid"/>
+                      <a:round/>
+                      <a:headEnd type="none" w="med" len="med"/>
+                      <a:tailEnd type="none" w="med" len="med"/>
+                    </a:lnT>
+                    <a:lnB w="12700" cap="flat" cmpd="sng" algn="ctr">
+                      <a:solidFill>
+                        <a:schemeClr val="tx1"/>
+                      </a:solidFill>
+                      <a:prstDash val="solid"/>
+                      <a:round/>
+                      <a:headEnd type="none" w="med" len="med"/>
+                      <a:tailEnd type="none" w="med" len="med"/>
+                    </a:lnB>
+                    <a:noFill/>
+                  </a:tcPr>
+                </a:tc>
+                <a:extLst>
+                  <a:ext uri="{0D108BD9-81ED-4DB2-BD59-A6C34878D82A}">
+                    <a16:rowId xmlns:a16="http://schemas.microsoft.com/office/drawing/2014/main" val="4160503801"/>
+                  </a:ext>
+                </a:extLst>
+              </a:tr>
+            </a:tbl>
+          </a:graphicData>
+        </a:graphic>
+      </p:graphicFrame>
     </p:spTree>
     <p:extLst>
       <p:ext uri="{BB962C8B-B14F-4D97-AF65-F5344CB8AC3E}">
-        <p14:creationId xmlns:p14="http://schemas.microsoft.com/office/powerpoint/2010/main" val="2631850042"/>
+        <p14:creationId xmlns:p14="http://schemas.microsoft.com/office/powerpoint/2010/main" val="3788305187"/>
       </p:ext>
     </p:extLst>
   </p:cSld>
